--- a/share/Java8(LambdaExpressions&StreamAPI).pptx
+++ b/share/Java8(LambdaExpressions&StreamAPI).pptx
@@ -13,8 +13,12 @@
     <p:sldId id="266" r:id="rId7"/>
     <p:sldId id="267" r:id="rId8"/>
     <p:sldId id="268" r:id="rId9"/>
-    <p:sldId id="269" r:id="rId10"/>
-    <p:sldId id="262" r:id="rId11"/>
+    <p:sldId id="270" r:id="rId10"/>
+    <p:sldId id="269" r:id="rId11"/>
+    <p:sldId id="271" r:id="rId12"/>
+    <p:sldId id="272" r:id="rId13"/>
+    <p:sldId id="273" r:id="rId14"/>
+    <p:sldId id="262" r:id="rId15"/>
   </p:sldIdLst>
   <p:sldSz cx="10693400" cy="7561263"/>
   <p:notesSz cx="6858000" cy="9144000"/>
@@ -115,7 +119,7 @@
   </p:defaultTextStyle>
   <p:extLst>
     <p:ext uri="{EFAFB233-063F-42B5-8137-9DF3F51BA10A}">
-      <p15:sldGuideLst xmlns:p15="http://schemas.microsoft.com/office/powerpoint/2012/main" xmlns="">
+      <p15:sldGuideLst xmlns:p15="http://schemas.microsoft.com/office/powerpoint/2012/main">
         <p15:guide id="1" orient="horz" pos="2382">
           <p15:clr>
             <a:srgbClr val="A4A3A4"/>
@@ -660,7 +664,7 @@
           <a:lstStyle/>
           <a:p>
             <a:r>
-              <a:rPr lang="en-US" altLang="zh-CN" sz="3200" b="1" dirty="0" smtClean="0">
+              <a:rPr lang="en-US" altLang="zh-CN" sz="3200" b="1" dirty="0">
                 <a:solidFill>
                   <a:schemeClr val="bg1"/>
                 </a:solidFill>
@@ -702,7 +706,7 @@
           <a:lstStyle/>
           <a:p>
             <a:r>
-              <a:rPr lang="zh-CN" altLang="en-US" sz="3200" dirty="0" smtClean="0">
+              <a:rPr lang="zh-CN" altLang="en-US" sz="3200" dirty="0">
                 <a:solidFill>
                   <a:schemeClr val="bg1"/>
                 </a:solidFill>
@@ -712,14 +716,6 @@
               </a:rPr>
               <a:t>点击此处添加标题</a:t>
             </a:r>
-            <a:endParaRPr lang="zh-CN" altLang="en-US" sz="3200" dirty="0">
-              <a:solidFill>
-                <a:schemeClr val="bg1"/>
-              </a:solidFill>
-              <a:latin typeface="思源黑体 CN Bold" pitchFamily="34" charset="-122"/>
-              <a:ea typeface="思源黑体 CN Bold" pitchFamily="34" charset="-122"/>
-              <a:cs typeface="Arial" pitchFamily="34" charset="0"/>
-            </a:endParaRPr>
           </a:p>
         </p:txBody>
       </p:sp>
@@ -746,7 +742,7 @@
           <a:lstStyle/>
           <a:p>
             <a:r>
-              <a:rPr lang="en-US" altLang="zh-CN" sz="2800" dirty="0" smtClean="0">
+              <a:rPr lang="en-US" altLang="zh-CN" sz="2800" dirty="0">
                 <a:solidFill>
                   <a:schemeClr val="bg1"/>
                 </a:solidFill>
@@ -788,7 +784,7 @@
           <a:lstStyle/>
           <a:p>
             <a:r>
-              <a:rPr lang="en-US" altLang="zh-CN" sz="3200" b="1" dirty="0" smtClean="0">
+              <a:rPr lang="en-US" altLang="zh-CN" sz="3200" b="1" dirty="0">
                 <a:solidFill>
                   <a:schemeClr val="bg1"/>
                 </a:solidFill>
@@ -830,7 +826,7 @@
           <a:lstStyle/>
           <a:p>
             <a:r>
-              <a:rPr lang="zh-CN" altLang="en-US" sz="3200" dirty="0" smtClean="0">
+              <a:rPr lang="zh-CN" altLang="en-US" sz="3200" dirty="0">
                 <a:solidFill>
                   <a:schemeClr val="bg1"/>
                 </a:solidFill>
@@ -840,14 +836,6 @@
               </a:rPr>
               <a:t>点击此处添加标题</a:t>
             </a:r>
-            <a:endParaRPr lang="zh-CN" altLang="en-US" sz="3200" dirty="0">
-              <a:solidFill>
-                <a:schemeClr val="bg1"/>
-              </a:solidFill>
-              <a:latin typeface="思源黑体 CN Bold" pitchFamily="34" charset="-122"/>
-              <a:ea typeface="思源黑体 CN Bold" pitchFamily="34" charset="-122"/>
-              <a:cs typeface="Arial" pitchFamily="34" charset="0"/>
-            </a:endParaRPr>
           </a:p>
         </p:txBody>
       </p:sp>
@@ -874,7 +862,7 @@
           <a:lstStyle/>
           <a:p>
             <a:r>
-              <a:rPr lang="en-US" altLang="zh-CN" sz="2800" dirty="0" smtClean="0">
+              <a:rPr lang="en-US" altLang="zh-CN" sz="2800" dirty="0">
                 <a:solidFill>
                   <a:schemeClr val="bg1"/>
                 </a:solidFill>
@@ -946,7 +934,7 @@
           <a:lstStyle/>
           <a:p>
             <a:r>
-              <a:rPr lang="en-US" altLang="zh-CN" sz="6000" b="1" dirty="0" smtClean="0">
+              <a:rPr lang="en-US" altLang="zh-CN" sz="6000" b="1" dirty="0">
                 <a:solidFill>
                   <a:schemeClr val="bg1"/>
                 </a:solidFill>
@@ -996,18 +984,7 @@
                 <a:ea typeface="思源黑体 CN Bold" pitchFamily="34" charset="-122"/>
                 <a:cs typeface="Arial" pitchFamily="34" charset="0"/>
               </a:rPr>
-              <a:t>Lambda </a:t>
-            </a:r>
-            <a:r>
-              <a:rPr lang="en-US" altLang="zh-CN" sz="3200" dirty="0" smtClean="0">
-                <a:solidFill>
-                  <a:schemeClr val="bg1"/>
-                </a:solidFill>
-                <a:latin typeface="思源黑体 CN Bold" pitchFamily="34" charset="-122"/>
-                <a:ea typeface="思源黑体 CN Bold" pitchFamily="34" charset="-122"/>
-                <a:cs typeface="Arial" pitchFamily="34" charset="0"/>
-              </a:rPr>
-              <a:t>Expressions &amp; Stream API</a:t>
+              <a:t>Lambda Expressions &amp; Stream API</a:t>
             </a:r>
             <a:endParaRPr lang="zh-CN" altLang="en-US" sz="3200" dirty="0">
               <a:solidFill>
@@ -1043,18 +1020,13 @@
           <a:lstStyle/>
           <a:p>
             <a:r>
-              <a:rPr lang="zh-CN" altLang="en-US" sz="3200" dirty="0" smtClean="0">
+              <a:rPr lang="zh-CN" altLang="en-US" sz="3200" dirty="0">
                 <a:solidFill>
                   <a:schemeClr val="bg1"/>
                 </a:solidFill>
               </a:rPr>
               <a:t>王磊</a:t>
             </a:r>
-            <a:endParaRPr lang="zh-CN" altLang="en-US" sz="3200" dirty="0">
-              <a:solidFill>
-                <a:schemeClr val="bg1"/>
-              </a:solidFill>
-            </a:endParaRPr>
           </a:p>
         </p:txBody>
       </p:sp>
@@ -1081,7 +1053,7 @@
           <a:lstStyle/>
           <a:p>
             <a:r>
-              <a:rPr lang="en-US" altLang="zh-CN" sz="3200" dirty="0" smtClean="0">
+              <a:rPr lang="en-US" altLang="zh-CN" sz="3200" dirty="0">
                 <a:solidFill>
                   <a:schemeClr val="bg1"/>
                 </a:solidFill>
@@ -1109,17 +1081,2369 @@
   <p:transition spd="slow">
     <p:wipe dir="r"/>
   </p:transition>
+</p:sld>
+</file>
+
+<file path=ppt/slides/slide10.xml><?xml version="1.0" encoding="utf-8"?>
+<p:sld xmlns:a="http://schemas.openxmlformats.org/drawingml/2006/main" xmlns:r="http://schemas.openxmlformats.org/officeDocument/2006/relationships" xmlns:p="http://schemas.openxmlformats.org/presentationml/2006/main">
+  <p:cSld>
+    <p:spTree>
+      <p:nvGrpSpPr>
+        <p:cNvPr id="1" name=""/>
+        <p:cNvGrpSpPr/>
+        <p:nvPr/>
+      </p:nvGrpSpPr>
+      <p:grpSpPr>
+        <a:xfrm>
+          <a:off x="0" y="0"/>
+          <a:ext cx="0" cy="0"/>
+          <a:chOff x="0" y="0"/>
+          <a:chExt cx="0" cy="0"/>
+        </a:xfrm>
+      </p:grpSpPr>
+      <p:sp>
+        <p:nvSpPr>
+          <p:cNvPr id="3" name="TextBox 2"/>
+          <p:cNvSpPr txBox="1"/>
+          <p:nvPr/>
+        </p:nvSpPr>
+        <p:spPr>
+          <a:xfrm>
+            <a:off x="1172845" y="1123522"/>
+            <a:ext cx="4159087" cy="584775"/>
+          </a:xfrm>
+          <a:prstGeom prst="rect">
+            <a:avLst/>
+          </a:prstGeom>
+          <a:noFill/>
+        </p:spPr>
+        <p:txBody>
+          <a:bodyPr wrap="none" rtlCol="0">
+            <a:spAutoFit/>
+          </a:bodyPr>
+          <a:lstStyle/>
+          <a:p>
+            <a:r>
+              <a:rPr lang="en-US" altLang="zh-CN" sz="3200" dirty="0">
+                <a:solidFill>
+                  <a:srgbClr val="0066CC"/>
+                </a:solidFill>
+                <a:latin typeface="思源黑体 CN Bold" pitchFamily="34" charset="-122"/>
+                <a:ea typeface="思源黑体 CN Bold" pitchFamily="34" charset="-122"/>
+              </a:rPr>
+              <a:t>Lambda Expressions</a:t>
+            </a:r>
+            <a:endParaRPr lang="zh-CN" altLang="en-US" sz="3200" dirty="0">
+              <a:solidFill>
+                <a:srgbClr val="0066CC"/>
+              </a:solidFill>
+              <a:latin typeface="思源黑体 CN Bold" pitchFamily="34" charset="-122"/>
+              <a:ea typeface="思源黑体 CN Bold" pitchFamily="34" charset="-122"/>
+            </a:endParaRPr>
+          </a:p>
+        </p:txBody>
+      </p:sp>
+      <p:sp>
+        <p:nvSpPr>
+          <p:cNvPr id="5" name="TextBox 3">
+            <a:extLst>
+              <a:ext uri="{FF2B5EF4-FFF2-40B4-BE49-F238E27FC236}">
+                <a16:creationId xmlns:a16="http://schemas.microsoft.com/office/drawing/2014/main" id="{D7F540C6-67F0-40E7-AC16-B9DEF667A8BB}"/>
+              </a:ext>
+            </a:extLst>
+          </p:cNvPr>
+          <p:cNvSpPr txBox="1"/>
+          <p:nvPr/>
+        </p:nvSpPr>
+        <p:spPr>
+          <a:xfrm>
+            <a:off x="1156413" y="1836415"/>
+            <a:ext cx="9523164" cy="5016758"/>
+          </a:xfrm>
+          <a:prstGeom prst="rect">
+            <a:avLst/>
+          </a:prstGeom>
+          <a:noFill/>
+        </p:spPr>
+        <p:txBody>
+          <a:bodyPr wrap="square" rtlCol="0">
+            <a:spAutoFit/>
+          </a:bodyPr>
+          <a:lstStyle/>
+          <a:p>
+            <a:r>
+              <a:rPr lang="en-US" altLang="zh-CN" sz="2000" b="1" dirty="0">
+                <a:solidFill>
+                  <a:srgbClr val="7F0055"/>
+                </a:solidFill>
+                <a:highlight>
+                  <a:srgbClr val="E8F2FE"/>
+                </a:highlight>
+                <a:latin typeface="Courier New" panose="02070309020205020404" pitchFamily="49" charset="0"/>
+              </a:rPr>
+              <a:t>public</a:t>
+            </a:r>
+            <a:r>
+              <a:rPr lang="en-US" altLang="zh-CN" sz="2000" b="1" dirty="0">
+                <a:solidFill>
+                  <a:srgbClr val="000000"/>
+                </a:solidFill>
+                <a:highlight>
+                  <a:srgbClr val="E8F2FE"/>
+                </a:highlight>
+                <a:latin typeface="Courier New" panose="02070309020205020404" pitchFamily="49" charset="0"/>
+              </a:rPr>
+              <a:t> </a:t>
+            </a:r>
+            <a:r>
+              <a:rPr lang="en-US" altLang="zh-CN" sz="2000" b="1" dirty="0">
+                <a:solidFill>
+                  <a:srgbClr val="7F0055"/>
+                </a:solidFill>
+                <a:highlight>
+                  <a:srgbClr val="E8F2FE"/>
+                </a:highlight>
+                <a:latin typeface="Courier New" panose="02070309020205020404" pitchFamily="49" charset="0"/>
+              </a:rPr>
+              <a:t>interface</a:t>
+            </a:r>
+            <a:r>
+              <a:rPr lang="en-US" altLang="zh-CN" sz="2000" b="1" dirty="0">
+                <a:solidFill>
+                  <a:srgbClr val="000000"/>
+                </a:solidFill>
+                <a:highlight>
+                  <a:srgbClr val="E8F2FE"/>
+                </a:highlight>
+                <a:latin typeface="Courier New" panose="02070309020205020404" pitchFamily="49" charset="0"/>
+              </a:rPr>
+              <a:t> Predicate&lt;T&gt; {</a:t>
+            </a:r>
+          </a:p>
+          <a:p>
+            <a:r>
+              <a:rPr lang="en-US" altLang="zh-CN" sz="2000" b="1" dirty="0">
+                <a:solidFill>
+                  <a:srgbClr val="000000"/>
+                </a:solidFill>
+                <a:highlight>
+                  <a:srgbClr val="E8F2FE"/>
+                </a:highlight>
+                <a:latin typeface="Courier New" panose="02070309020205020404" pitchFamily="49" charset="0"/>
+              </a:rPr>
+              <a:t>	</a:t>
+            </a:r>
+            <a:r>
+              <a:rPr lang="en-US" altLang="zh-CN" sz="2000" b="1" dirty="0" err="1">
+                <a:solidFill>
+                  <a:srgbClr val="7F0055"/>
+                </a:solidFill>
+                <a:highlight>
+                  <a:srgbClr val="E8F2FE"/>
+                </a:highlight>
+                <a:latin typeface="Courier New" panose="02070309020205020404" pitchFamily="49" charset="0"/>
+              </a:rPr>
+              <a:t>boolean</a:t>
+            </a:r>
+            <a:r>
+              <a:rPr lang="en-US" altLang="zh-CN" sz="2000" b="1" dirty="0">
+                <a:solidFill>
+                  <a:srgbClr val="000000"/>
+                </a:solidFill>
+                <a:highlight>
+                  <a:srgbClr val="E8F2FE"/>
+                </a:highlight>
+                <a:latin typeface="Courier New" panose="02070309020205020404" pitchFamily="49" charset="0"/>
+              </a:rPr>
+              <a:t> test(T </a:t>
+            </a:r>
+            <a:r>
+              <a:rPr lang="en-US" altLang="zh-CN" sz="2000" b="1" dirty="0">
+                <a:solidFill>
+                  <a:srgbClr val="6A3E3E"/>
+                </a:solidFill>
+                <a:highlight>
+                  <a:srgbClr val="E8F2FE"/>
+                </a:highlight>
+                <a:latin typeface="Courier New" panose="02070309020205020404" pitchFamily="49" charset="0"/>
+              </a:rPr>
+              <a:t>t</a:t>
+            </a:r>
+            <a:r>
+              <a:rPr lang="en-US" altLang="zh-CN" sz="2000" b="1" dirty="0">
+                <a:solidFill>
+                  <a:srgbClr val="000000"/>
+                </a:solidFill>
+                <a:highlight>
+                  <a:srgbClr val="E8F2FE"/>
+                </a:highlight>
+                <a:latin typeface="Courier New" panose="02070309020205020404" pitchFamily="49" charset="0"/>
+              </a:rPr>
+              <a:t>);</a:t>
+            </a:r>
+            <a:br>
+              <a:rPr lang="en-US" altLang="zh-CN" sz="2000" b="1" dirty="0">
+                <a:solidFill>
+                  <a:srgbClr val="000000"/>
+                </a:solidFill>
+                <a:highlight>
+                  <a:srgbClr val="E8F2FE"/>
+                </a:highlight>
+                <a:latin typeface="Courier New" panose="02070309020205020404" pitchFamily="49" charset="0"/>
+              </a:rPr>
+            </a:br>
+            <a:r>
+              <a:rPr lang="en-US" altLang="zh-CN" sz="2000" b="1" dirty="0">
+                <a:solidFill>
+                  <a:srgbClr val="000000"/>
+                </a:solidFill>
+                <a:highlight>
+                  <a:srgbClr val="E8F2FE"/>
+                </a:highlight>
+                <a:latin typeface="Courier New" panose="02070309020205020404" pitchFamily="49" charset="0"/>
+              </a:rPr>
+              <a:t>}</a:t>
+            </a:r>
+          </a:p>
+          <a:p>
+            <a:endParaRPr lang="en-US" altLang="zh-CN" sz="2000" b="1" dirty="0">
+              <a:solidFill>
+                <a:srgbClr val="000000"/>
+              </a:solidFill>
+              <a:highlight>
+                <a:srgbClr val="E8F2FE"/>
+              </a:highlight>
+              <a:latin typeface="Courier New" panose="02070309020205020404" pitchFamily="49" charset="0"/>
+            </a:endParaRPr>
+          </a:p>
+          <a:p>
+            <a:r>
+              <a:rPr lang="en-US" altLang="zh-CN" sz="2000" b="1" dirty="0">
+                <a:solidFill>
+                  <a:srgbClr val="7F0055"/>
+                </a:solidFill>
+                <a:latin typeface="Courier New" panose="02070309020205020404" pitchFamily="49" charset="0"/>
+              </a:rPr>
+              <a:t>public</a:t>
+            </a:r>
+            <a:r>
+              <a:rPr lang="en-US" altLang="zh-CN" sz="2000" b="1" dirty="0">
+                <a:solidFill>
+                  <a:srgbClr val="000000"/>
+                </a:solidFill>
+                <a:latin typeface="Courier New" panose="02070309020205020404" pitchFamily="49" charset="0"/>
+              </a:rPr>
+              <a:t> </a:t>
+            </a:r>
+            <a:r>
+              <a:rPr lang="en-US" altLang="zh-CN" sz="2000" b="1" dirty="0">
+                <a:solidFill>
+                  <a:srgbClr val="7F0055"/>
+                </a:solidFill>
+                <a:latin typeface="Courier New" panose="02070309020205020404" pitchFamily="49" charset="0"/>
+              </a:rPr>
+              <a:t>interface</a:t>
+            </a:r>
+            <a:r>
+              <a:rPr lang="en-US" altLang="zh-CN" sz="2000" b="1" dirty="0">
+                <a:solidFill>
+                  <a:srgbClr val="000000"/>
+                </a:solidFill>
+                <a:latin typeface="Courier New" panose="02070309020205020404" pitchFamily="49" charset="0"/>
+              </a:rPr>
+              <a:t> </a:t>
+            </a:r>
+            <a:r>
+              <a:rPr lang="en-US" altLang="zh-CN" sz="2000" b="1" dirty="0">
+                <a:solidFill>
+                  <a:srgbClr val="000000"/>
+                </a:solidFill>
+                <a:highlight>
+                  <a:srgbClr val="D4D4D4"/>
+                </a:highlight>
+                <a:latin typeface="Courier New" panose="02070309020205020404" pitchFamily="49" charset="0"/>
+              </a:rPr>
+              <a:t>Supplier&lt;T&gt; {</a:t>
+            </a:r>
+          </a:p>
+          <a:p>
+            <a:r>
+              <a:rPr lang="en-US" altLang="zh-CN" sz="2000" dirty="0">
+                <a:solidFill>
+                  <a:srgbClr val="000000"/>
+                </a:solidFill>
+                <a:latin typeface="Courier New" panose="02070309020205020404" pitchFamily="49" charset="0"/>
+              </a:rPr>
+              <a:t>	T get();</a:t>
+            </a:r>
+          </a:p>
+          <a:p>
+            <a:r>
+              <a:rPr lang="en-US" altLang="zh-CN" sz="2000" dirty="0">
+                <a:solidFill>
+                  <a:srgbClr val="000000"/>
+                </a:solidFill>
+                <a:latin typeface="Courier New" panose="02070309020205020404" pitchFamily="49" charset="0"/>
+              </a:rPr>
+              <a:t>}</a:t>
+            </a:r>
+          </a:p>
+          <a:p>
+            <a:endParaRPr lang="en-US" altLang="zh-CN" sz="2000" dirty="0">
+              <a:solidFill>
+                <a:srgbClr val="000000"/>
+              </a:solidFill>
+              <a:latin typeface="Courier New" panose="02070309020205020404" pitchFamily="49" charset="0"/>
+            </a:endParaRPr>
+          </a:p>
+          <a:p>
+            <a:r>
+              <a:rPr lang="en-US" altLang="zh-CN" sz="2000" b="1" dirty="0">
+                <a:solidFill>
+                  <a:srgbClr val="7F0055"/>
+                </a:solidFill>
+                <a:highlight>
+                  <a:srgbClr val="E8F2FE"/>
+                </a:highlight>
+                <a:latin typeface="Courier New" panose="02070309020205020404" pitchFamily="49" charset="0"/>
+              </a:rPr>
+              <a:t>public</a:t>
+            </a:r>
+            <a:r>
+              <a:rPr lang="en-US" altLang="zh-CN" sz="2000" b="1" dirty="0">
+                <a:solidFill>
+                  <a:srgbClr val="000000"/>
+                </a:solidFill>
+                <a:highlight>
+                  <a:srgbClr val="E8F2FE"/>
+                </a:highlight>
+                <a:latin typeface="Courier New" panose="02070309020205020404" pitchFamily="49" charset="0"/>
+              </a:rPr>
+              <a:t> </a:t>
+            </a:r>
+            <a:r>
+              <a:rPr lang="en-US" altLang="zh-CN" sz="2000" b="1" dirty="0">
+                <a:solidFill>
+                  <a:srgbClr val="7F0055"/>
+                </a:solidFill>
+                <a:highlight>
+                  <a:srgbClr val="E8F2FE"/>
+                </a:highlight>
+                <a:latin typeface="Courier New" panose="02070309020205020404" pitchFamily="49" charset="0"/>
+              </a:rPr>
+              <a:t>interface</a:t>
+            </a:r>
+            <a:r>
+              <a:rPr lang="en-US" altLang="zh-CN" sz="2000" b="1" dirty="0">
+                <a:solidFill>
+                  <a:srgbClr val="000000"/>
+                </a:solidFill>
+                <a:highlight>
+                  <a:srgbClr val="E8F2FE"/>
+                </a:highlight>
+                <a:latin typeface="Courier New" panose="02070309020205020404" pitchFamily="49" charset="0"/>
+              </a:rPr>
+              <a:t> </a:t>
+            </a:r>
+            <a:r>
+              <a:rPr lang="en-US" altLang="zh-CN" sz="2000" b="1" dirty="0" err="1">
+                <a:solidFill>
+                  <a:srgbClr val="000000"/>
+                </a:solidFill>
+                <a:highlight>
+                  <a:srgbClr val="D4D4D4"/>
+                </a:highlight>
+                <a:latin typeface="Courier New" panose="02070309020205020404" pitchFamily="49" charset="0"/>
+              </a:rPr>
+              <a:t>BiConsumer</a:t>
+            </a:r>
+            <a:r>
+              <a:rPr lang="en-US" altLang="zh-CN" sz="2000" b="1" dirty="0">
+                <a:solidFill>
+                  <a:srgbClr val="000000"/>
+                </a:solidFill>
+                <a:highlight>
+                  <a:srgbClr val="E8F2FE"/>
+                </a:highlight>
+                <a:latin typeface="Courier New" panose="02070309020205020404" pitchFamily="49" charset="0"/>
+              </a:rPr>
+              <a:t>&lt;T, U&gt; {</a:t>
+            </a:r>
+          </a:p>
+          <a:p>
+            <a:r>
+              <a:rPr lang="en-US" altLang="zh-CN" sz="2000" b="1" dirty="0">
+                <a:solidFill>
+                  <a:srgbClr val="000000"/>
+                </a:solidFill>
+                <a:highlight>
+                  <a:srgbClr val="E8F2FE"/>
+                </a:highlight>
+                <a:latin typeface="Courier New" panose="02070309020205020404" pitchFamily="49" charset="0"/>
+              </a:rPr>
+              <a:t>	</a:t>
+            </a:r>
+            <a:r>
+              <a:rPr lang="fr-FR" altLang="zh-CN" sz="2000" b="1" dirty="0">
+                <a:solidFill>
+                  <a:srgbClr val="7F0055"/>
+                </a:solidFill>
+                <a:highlight>
+                  <a:srgbClr val="E8F2FE"/>
+                </a:highlight>
+                <a:latin typeface="Courier New" panose="02070309020205020404" pitchFamily="49" charset="0"/>
+              </a:rPr>
+              <a:t>void</a:t>
+            </a:r>
+            <a:r>
+              <a:rPr lang="fr-FR" altLang="zh-CN" sz="2000" b="1" dirty="0">
+                <a:solidFill>
+                  <a:srgbClr val="000000"/>
+                </a:solidFill>
+                <a:highlight>
+                  <a:srgbClr val="E8F2FE"/>
+                </a:highlight>
+                <a:latin typeface="Courier New" panose="02070309020205020404" pitchFamily="49" charset="0"/>
+              </a:rPr>
+              <a:t> accept(T </a:t>
+            </a:r>
+            <a:r>
+              <a:rPr lang="fr-FR" altLang="zh-CN" sz="2000" b="1" dirty="0">
+                <a:solidFill>
+                  <a:srgbClr val="6A3E3E"/>
+                </a:solidFill>
+                <a:highlight>
+                  <a:srgbClr val="E8F2FE"/>
+                </a:highlight>
+                <a:latin typeface="Courier New" panose="02070309020205020404" pitchFamily="49" charset="0"/>
+              </a:rPr>
+              <a:t>t</a:t>
+            </a:r>
+            <a:r>
+              <a:rPr lang="fr-FR" altLang="zh-CN" sz="2000" b="1" dirty="0">
+                <a:solidFill>
+                  <a:srgbClr val="000000"/>
+                </a:solidFill>
+                <a:highlight>
+                  <a:srgbClr val="E8F2FE"/>
+                </a:highlight>
+                <a:latin typeface="Courier New" panose="02070309020205020404" pitchFamily="49" charset="0"/>
+              </a:rPr>
+              <a:t>, U </a:t>
+            </a:r>
+            <a:r>
+              <a:rPr lang="fr-FR" altLang="zh-CN" sz="2000" b="1" dirty="0">
+                <a:solidFill>
+                  <a:srgbClr val="6A3E3E"/>
+                </a:solidFill>
+                <a:highlight>
+                  <a:srgbClr val="E8F2FE"/>
+                </a:highlight>
+                <a:latin typeface="Courier New" panose="02070309020205020404" pitchFamily="49" charset="0"/>
+              </a:rPr>
+              <a:t>u</a:t>
+            </a:r>
+            <a:r>
+              <a:rPr lang="fr-FR" altLang="zh-CN" sz="2000" b="1" dirty="0">
+                <a:solidFill>
+                  <a:srgbClr val="000000"/>
+                </a:solidFill>
+                <a:highlight>
+                  <a:srgbClr val="E8F2FE"/>
+                </a:highlight>
+                <a:latin typeface="Courier New" panose="02070309020205020404" pitchFamily="49" charset="0"/>
+              </a:rPr>
+              <a:t>);</a:t>
+            </a:r>
+            <a:endParaRPr lang="en-US" altLang="zh-CN" sz="2000" b="1" dirty="0">
+              <a:solidFill>
+                <a:srgbClr val="000000"/>
+              </a:solidFill>
+              <a:highlight>
+                <a:srgbClr val="E8F2FE"/>
+              </a:highlight>
+              <a:latin typeface="Courier New" panose="02070309020205020404" pitchFamily="49" charset="0"/>
+            </a:endParaRPr>
+          </a:p>
+          <a:p>
+            <a:r>
+              <a:rPr lang="en-US" altLang="zh-CN" sz="2000" b="1" dirty="0">
+                <a:solidFill>
+                  <a:srgbClr val="000000"/>
+                </a:solidFill>
+                <a:highlight>
+                  <a:srgbClr val="E8F2FE"/>
+                </a:highlight>
+                <a:latin typeface="Courier New" panose="02070309020205020404" pitchFamily="49" charset="0"/>
+              </a:rPr>
+              <a:t>}</a:t>
+            </a:r>
+          </a:p>
+          <a:p>
+            <a:endParaRPr lang="en-US" altLang="zh-CN" sz="2000" b="1" dirty="0">
+              <a:solidFill>
+                <a:srgbClr val="000000"/>
+              </a:solidFill>
+              <a:highlight>
+                <a:srgbClr val="E8F2FE"/>
+              </a:highlight>
+              <a:latin typeface="Courier New" panose="02070309020205020404" pitchFamily="49" charset="0"/>
+            </a:endParaRPr>
+          </a:p>
+          <a:p>
+            <a:r>
+              <a:rPr lang="zh-CN" altLang="en-US" sz="2000" b="1" dirty="0">
+                <a:solidFill>
+                  <a:srgbClr val="000000"/>
+                </a:solidFill>
+                <a:highlight>
+                  <a:srgbClr val="E8F2FE"/>
+                </a:highlight>
+                <a:latin typeface="Courier New" panose="02070309020205020404" pitchFamily="49" charset="0"/>
+              </a:rPr>
+              <a:t>注</a:t>
+            </a:r>
+            <a:r>
+              <a:rPr lang="en-US" altLang="zh-CN" sz="2000" b="1" dirty="0">
+                <a:solidFill>
+                  <a:srgbClr val="000000"/>
+                </a:solidFill>
+                <a:highlight>
+                  <a:srgbClr val="E8F2FE"/>
+                </a:highlight>
+                <a:latin typeface="Courier New" panose="02070309020205020404" pitchFamily="49" charset="0"/>
+              </a:rPr>
+              <a:t>:Bi</a:t>
+            </a:r>
+            <a:r>
+              <a:rPr lang="zh-CN" altLang="en-US" sz="2000" b="1" dirty="0">
+                <a:solidFill>
+                  <a:srgbClr val="000000"/>
+                </a:solidFill>
+                <a:highlight>
+                  <a:srgbClr val="E8F2FE"/>
+                </a:highlight>
+                <a:latin typeface="Courier New" panose="02070309020205020404" pitchFamily="49" charset="0"/>
+              </a:rPr>
+              <a:t>为</a:t>
+            </a:r>
+            <a:r>
+              <a:rPr lang="en-US" altLang="zh-CN" sz="2000" b="1" dirty="0">
+                <a:solidFill>
+                  <a:srgbClr val="000000"/>
+                </a:solidFill>
+                <a:latin typeface="Courier New" panose="02070309020205020404" pitchFamily="49" charset="0"/>
+              </a:rPr>
+              <a:t>bidirectional(</a:t>
+            </a:r>
+            <a:r>
+              <a:rPr lang="zh-CN" altLang="en-US" sz="2000" b="1" dirty="0">
+                <a:solidFill>
+                  <a:srgbClr val="000000"/>
+                </a:solidFill>
+                <a:latin typeface="Courier New" panose="02070309020205020404" pitchFamily="49" charset="0"/>
+              </a:rPr>
+              <a:t>双向的</a:t>
+            </a:r>
+            <a:r>
+              <a:rPr lang="en-US" altLang="zh-CN" sz="2000" b="1" dirty="0">
+                <a:solidFill>
+                  <a:srgbClr val="000000"/>
+                </a:solidFill>
+                <a:latin typeface="Courier New" panose="02070309020205020404" pitchFamily="49" charset="0"/>
+              </a:rPr>
+              <a:t>)</a:t>
+            </a:r>
+            <a:r>
+              <a:rPr lang="zh-CN" altLang="en-US" sz="2000" b="1" dirty="0">
+                <a:solidFill>
+                  <a:srgbClr val="000000"/>
+                </a:solidFill>
+                <a:latin typeface="Courier New" panose="02070309020205020404" pitchFamily="49" charset="0"/>
+              </a:rPr>
+              <a:t>的缩写</a:t>
+            </a:r>
+            <a:endParaRPr lang="en-US" altLang="zh-CN" sz="2000" b="1" dirty="0">
+              <a:solidFill>
+                <a:srgbClr val="000000"/>
+              </a:solidFill>
+              <a:latin typeface="Courier New" panose="02070309020205020404" pitchFamily="49" charset="0"/>
+            </a:endParaRPr>
+          </a:p>
+          <a:p>
+            <a:endParaRPr lang="en-US" altLang="zh-CN" sz="2000" dirty="0">
+              <a:solidFill>
+                <a:srgbClr val="000000"/>
+              </a:solidFill>
+              <a:latin typeface="Courier New" panose="02070309020205020404" pitchFamily="49" charset="0"/>
+            </a:endParaRPr>
+          </a:p>
+          <a:p>
+            <a:r>
+              <a:rPr lang="zh-CN" altLang="en-US" sz="2000" dirty="0">
+                <a:solidFill>
+                  <a:srgbClr val="000000"/>
+                </a:solidFill>
+                <a:latin typeface="Courier New" panose="02070309020205020404" pitchFamily="49" charset="0"/>
+              </a:rPr>
+              <a:t>更多函数式接口</a:t>
+            </a:r>
+            <a:r>
+              <a:rPr lang="en-US" altLang="zh-CN" sz="2000" dirty="0">
+                <a:solidFill>
+                  <a:srgbClr val="000000"/>
+                </a:solidFill>
+                <a:latin typeface="Courier New" panose="02070309020205020404" pitchFamily="49" charset="0"/>
+              </a:rPr>
+              <a:t>:</a:t>
+            </a:r>
+            <a:r>
+              <a:rPr lang="en-US" altLang="zh-CN" sz="2000" dirty="0" err="1">
+                <a:solidFill>
+                  <a:srgbClr val="000000"/>
+                </a:solidFill>
+                <a:latin typeface="Courier New" panose="02070309020205020404" pitchFamily="49" charset="0"/>
+              </a:rPr>
+              <a:t>java.util.function</a:t>
+            </a:r>
+            <a:endParaRPr lang="en-US" altLang="zh-CN" sz="2000" dirty="0">
+              <a:solidFill>
+                <a:srgbClr val="000000"/>
+              </a:solidFill>
+              <a:latin typeface="Courier New" panose="02070309020205020404" pitchFamily="49" charset="0"/>
+            </a:endParaRPr>
+          </a:p>
+          <a:p>
+            <a:endParaRPr lang="en-US" altLang="zh-CN" sz="2000" dirty="0">
+              <a:latin typeface="Courier New"/>
+            </a:endParaRPr>
+          </a:p>
+        </p:txBody>
+      </p:sp>
+    </p:spTree>
+    <p:extLst>
+      <p:ext uri="{BB962C8B-B14F-4D97-AF65-F5344CB8AC3E}">
+        <p14:creationId xmlns:p14="http://schemas.microsoft.com/office/powerpoint/2010/main" val="38763125"/>
+      </p:ext>
+    </p:extLst>
+  </p:cSld>
+  <p:clrMapOvr>
+    <a:masterClrMapping/>
+  </p:clrMapOvr>
+  <p:transition spd="slow">
+    <p:wipe dir="r"/>
+  </p:transition>
+</p:sld>
+</file>
+
+<file path=ppt/slides/slide11.xml><?xml version="1.0" encoding="utf-8"?>
+<p:sld xmlns:a="http://schemas.openxmlformats.org/drawingml/2006/main" xmlns:r="http://schemas.openxmlformats.org/officeDocument/2006/relationships" xmlns:p="http://schemas.openxmlformats.org/presentationml/2006/main">
+  <p:cSld>
+    <p:spTree>
+      <p:nvGrpSpPr>
+        <p:cNvPr id="1" name=""/>
+        <p:cNvGrpSpPr/>
+        <p:nvPr/>
+      </p:nvGrpSpPr>
+      <p:grpSpPr>
+        <a:xfrm>
+          <a:off x="0" y="0"/>
+          <a:ext cx="0" cy="0"/>
+          <a:chOff x="0" y="0"/>
+          <a:chExt cx="0" cy="0"/>
+        </a:xfrm>
+      </p:grpSpPr>
+      <p:sp>
+        <p:nvSpPr>
+          <p:cNvPr id="3" name="TextBox 2"/>
+          <p:cNvSpPr txBox="1"/>
+          <p:nvPr/>
+        </p:nvSpPr>
+        <p:spPr>
+          <a:xfrm>
+            <a:off x="1172845" y="1123522"/>
+            <a:ext cx="4159087" cy="584775"/>
+          </a:xfrm>
+          <a:prstGeom prst="rect">
+            <a:avLst/>
+          </a:prstGeom>
+          <a:noFill/>
+        </p:spPr>
+        <p:txBody>
+          <a:bodyPr wrap="none" rtlCol="0">
+            <a:spAutoFit/>
+          </a:bodyPr>
+          <a:lstStyle/>
+          <a:p>
+            <a:r>
+              <a:rPr lang="en-US" altLang="zh-CN" sz="3200" dirty="0">
+                <a:solidFill>
+                  <a:srgbClr val="0066CC"/>
+                </a:solidFill>
+                <a:latin typeface="思源黑体 CN Bold" pitchFamily="34" charset="-122"/>
+                <a:ea typeface="思源黑体 CN Bold" pitchFamily="34" charset="-122"/>
+              </a:rPr>
+              <a:t>Lambda Expressions</a:t>
+            </a:r>
+            <a:endParaRPr lang="zh-CN" altLang="en-US" sz="3200" dirty="0">
+              <a:solidFill>
+                <a:srgbClr val="0066CC"/>
+              </a:solidFill>
+              <a:latin typeface="思源黑体 CN Bold" pitchFamily="34" charset="-122"/>
+              <a:ea typeface="思源黑体 CN Bold" pitchFamily="34" charset="-122"/>
+            </a:endParaRPr>
+          </a:p>
+        </p:txBody>
+      </p:sp>
+      <p:sp>
+        <p:nvSpPr>
+          <p:cNvPr id="5" name="TextBox 3">
+            <a:extLst>
+              <a:ext uri="{FF2B5EF4-FFF2-40B4-BE49-F238E27FC236}">
+                <a16:creationId xmlns:a16="http://schemas.microsoft.com/office/drawing/2014/main" id="{D7F540C6-67F0-40E7-AC16-B9DEF667A8BB}"/>
+              </a:ext>
+            </a:extLst>
+          </p:cNvPr>
+          <p:cNvSpPr txBox="1"/>
+          <p:nvPr/>
+        </p:nvSpPr>
+        <p:spPr>
+          <a:xfrm>
+            <a:off x="1156413" y="1836415"/>
+            <a:ext cx="9523164" cy="4401205"/>
+          </a:xfrm>
+          <a:prstGeom prst="rect">
+            <a:avLst/>
+          </a:prstGeom>
+          <a:noFill/>
+        </p:spPr>
+        <p:txBody>
+          <a:bodyPr wrap="square" rtlCol="0">
+            <a:spAutoFit/>
+          </a:bodyPr>
+          <a:lstStyle/>
+          <a:p>
+            <a:r>
+              <a:rPr lang="zh-CN" altLang="en-US" sz="2000" b="1" dirty="0">
+                <a:latin typeface="Courier New"/>
+              </a:rPr>
+              <a:t>综合案例：</a:t>
+            </a:r>
+            <a:endParaRPr lang="en-US" altLang="zh-CN" sz="2000" b="1" dirty="0">
+              <a:latin typeface="Courier New"/>
+            </a:endParaRPr>
+          </a:p>
+          <a:p>
+            <a:endParaRPr lang="en-US" altLang="zh-CN" sz="2000" b="1" dirty="0">
+              <a:highlight>
+                <a:srgbClr val="E8F2FE"/>
+              </a:highlight>
+              <a:latin typeface="Courier New" panose="02070309020205020404" pitchFamily="49" charset="0"/>
+            </a:endParaRPr>
+          </a:p>
+          <a:p>
+            <a:r>
+              <a:rPr lang="en-US" altLang="zh-CN" sz="2000" b="1" dirty="0">
+                <a:solidFill>
+                  <a:srgbClr val="7F0055"/>
+                </a:solidFill>
+                <a:latin typeface="Courier New" panose="02070309020205020404" pitchFamily="49" charset="0"/>
+              </a:rPr>
+              <a:t>public</a:t>
+            </a:r>
+            <a:r>
+              <a:rPr lang="en-US" altLang="zh-CN" sz="2000" b="1" dirty="0">
+                <a:solidFill>
+                  <a:srgbClr val="000000"/>
+                </a:solidFill>
+                <a:latin typeface="Courier New" panose="02070309020205020404" pitchFamily="49" charset="0"/>
+              </a:rPr>
+              <a:t> </a:t>
+            </a:r>
+            <a:r>
+              <a:rPr lang="en-US" altLang="zh-CN" sz="2000" b="1" dirty="0">
+                <a:solidFill>
+                  <a:srgbClr val="7F0055"/>
+                </a:solidFill>
+                <a:latin typeface="Courier New" panose="02070309020205020404" pitchFamily="49" charset="0"/>
+              </a:rPr>
+              <a:t>int</a:t>
+            </a:r>
+            <a:r>
+              <a:rPr lang="en-US" altLang="zh-CN" sz="2000" b="1" dirty="0">
+                <a:solidFill>
+                  <a:srgbClr val="000000"/>
+                </a:solidFill>
+                <a:latin typeface="Courier New" panose="02070309020205020404" pitchFamily="49" charset="0"/>
+              </a:rPr>
+              <a:t> </a:t>
+            </a:r>
+            <a:r>
+              <a:rPr lang="en-US" altLang="zh-CN" sz="2000" b="1" u="sng" dirty="0">
+                <a:solidFill>
+                  <a:srgbClr val="000000"/>
+                </a:solidFill>
+                <a:latin typeface="Courier New" panose="02070309020205020404" pitchFamily="49" charset="0"/>
+              </a:rPr>
+              <a:t>calculate(</a:t>
+            </a:r>
+            <a:r>
+              <a:rPr lang="en-US" altLang="zh-CN" sz="2000" b="1" u="sng" dirty="0">
+                <a:solidFill>
+                  <a:srgbClr val="7F0055"/>
+                </a:solidFill>
+                <a:latin typeface="Courier New" panose="02070309020205020404" pitchFamily="49" charset="0"/>
+              </a:rPr>
+              <a:t>int</a:t>
+            </a:r>
+            <a:r>
+              <a:rPr lang="en-US" altLang="zh-CN" sz="2000" b="1" u="sng" dirty="0">
+                <a:solidFill>
+                  <a:srgbClr val="000000"/>
+                </a:solidFill>
+                <a:latin typeface="Courier New" panose="02070309020205020404" pitchFamily="49" charset="0"/>
+              </a:rPr>
+              <a:t> </a:t>
+            </a:r>
+            <a:r>
+              <a:rPr lang="en-US" altLang="zh-CN" sz="2000" b="1" u="sng" dirty="0">
+                <a:solidFill>
+                  <a:srgbClr val="6A3E3E"/>
+                </a:solidFill>
+                <a:latin typeface="Courier New" panose="02070309020205020404" pitchFamily="49" charset="0"/>
+              </a:rPr>
+              <a:t>num1</a:t>
+            </a:r>
+            <a:r>
+              <a:rPr lang="en-US" altLang="zh-CN" sz="2000" b="1" u="sng" dirty="0">
+                <a:solidFill>
+                  <a:srgbClr val="000000"/>
+                </a:solidFill>
+                <a:latin typeface="Courier New" panose="02070309020205020404" pitchFamily="49" charset="0"/>
+              </a:rPr>
+              <a:t>, </a:t>
+            </a:r>
+            <a:r>
+              <a:rPr lang="en-US" altLang="zh-CN" sz="2000" b="1" u="sng" dirty="0">
+                <a:solidFill>
+                  <a:srgbClr val="7F0055"/>
+                </a:solidFill>
+                <a:latin typeface="Courier New" panose="02070309020205020404" pitchFamily="49" charset="0"/>
+              </a:rPr>
+              <a:t>int</a:t>
+            </a:r>
+            <a:r>
+              <a:rPr lang="en-US" altLang="zh-CN" sz="2000" b="1" u="sng" dirty="0">
+                <a:solidFill>
+                  <a:srgbClr val="000000"/>
+                </a:solidFill>
+                <a:latin typeface="Courier New" panose="02070309020205020404" pitchFamily="49" charset="0"/>
+              </a:rPr>
+              <a:t> </a:t>
+            </a:r>
+            <a:r>
+              <a:rPr lang="en-US" altLang="zh-CN" sz="2000" b="1" u="sng" dirty="0">
+                <a:solidFill>
+                  <a:srgbClr val="6A3E3E"/>
+                </a:solidFill>
+                <a:latin typeface="Courier New" panose="02070309020205020404" pitchFamily="49" charset="0"/>
+              </a:rPr>
+              <a:t>num2</a:t>
+            </a:r>
+            <a:r>
+              <a:rPr lang="en-US" altLang="zh-CN" sz="2000" b="1" u="sng" dirty="0">
+                <a:solidFill>
+                  <a:srgbClr val="000000"/>
+                </a:solidFill>
+                <a:latin typeface="Courier New" panose="02070309020205020404" pitchFamily="49" charset="0"/>
+              </a:rPr>
+              <a:t>,</a:t>
+            </a:r>
+          </a:p>
+          <a:p>
+            <a:pPr lvl="1"/>
+            <a:r>
+              <a:rPr lang="en-US" altLang="zh-CN" sz="2000" dirty="0" err="1">
+                <a:solidFill>
+                  <a:srgbClr val="000000"/>
+                </a:solidFill>
+                <a:latin typeface="Courier New" panose="02070309020205020404" pitchFamily="49" charset="0"/>
+              </a:rPr>
+              <a:t>BiFunction</a:t>
+            </a:r>
+            <a:r>
+              <a:rPr lang="en-US" altLang="zh-CN" sz="2000" dirty="0">
+                <a:solidFill>
+                  <a:srgbClr val="000000"/>
+                </a:solidFill>
+                <a:latin typeface="Courier New" panose="02070309020205020404" pitchFamily="49" charset="0"/>
+              </a:rPr>
+              <a:t>&lt;Integer, Integer, Integer&gt; </a:t>
+            </a:r>
+            <a:r>
+              <a:rPr lang="en-US" altLang="zh-CN" sz="2000" dirty="0">
+                <a:solidFill>
+                  <a:srgbClr val="6A3E3E"/>
+                </a:solidFill>
+                <a:latin typeface="Courier New" panose="02070309020205020404" pitchFamily="49" charset="0"/>
+              </a:rPr>
+              <a:t>function</a:t>
+            </a:r>
+            <a:r>
+              <a:rPr lang="en-US" altLang="zh-CN" sz="2000" dirty="0">
+                <a:solidFill>
+                  <a:srgbClr val="000000"/>
+                </a:solidFill>
+                <a:latin typeface="Courier New" panose="02070309020205020404" pitchFamily="49" charset="0"/>
+              </a:rPr>
+              <a:t>) {</a:t>
+            </a:r>
+          </a:p>
+          <a:p>
+            <a:pPr lvl="1"/>
+            <a:r>
+              <a:rPr lang="en-US" altLang="zh-CN" sz="2000" b="1" dirty="0">
+                <a:solidFill>
+                  <a:srgbClr val="7F0055"/>
+                </a:solidFill>
+                <a:latin typeface="Courier New" panose="02070309020205020404" pitchFamily="49" charset="0"/>
+              </a:rPr>
+              <a:t>return</a:t>
+            </a:r>
+            <a:r>
+              <a:rPr lang="en-US" altLang="zh-CN" sz="2000" b="1" dirty="0">
+                <a:solidFill>
+                  <a:srgbClr val="000000"/>
+                </a:solidFill>
+                <a:latin typeface="Courier New" panose="02070309020205020404" pitchFamily="49" charset="0"/>
+              </a:rPr>
+              <a:t> </a:t>
+            </a:r>
+            <a:r>
+              <a:rPr lang="en-US" altLang="zh-CN" sz="2000" b="1" dirty="0" err="1">
+                <a:solidFill>
+                  <a:srgbClr val="6A3E3E"/>
+                </a:solidFill>
+                <a:latin typeface="Courier New" panose="02070309020205020404" pitchFamily="49" charset="0"/>
+              </a:rPr>
+              <a:t>function</a:t>
+            </a:r>
+            <a:r>
+              <a:rPr lang="en-US" altLang="zh-CN" sz="2000" b="1" dirty="0" err="1">
+                <a:solidFill>
+                  <a:srgbClr val="000000"/>
+                </a:solidFill>
+                <a:latin typeface="Courier New" panose="02070309020205020404" pitchFamily="49" charset="0"/>
+              </a:rPr>
+              <a:t>.apply</a:t>
+            </a:r>
+            <a:r>
+              <a:rPr lang="en-US" altLang="zh-CN" sz="2000" b="1" dirty="0">
+                <a:solidFill>
+                  <a:srgbClr val="000000"/>
+                </a:solidFill>
+                <a:latin typeface="Courier New" panose="02070309020205020404" pitchFamily="49" charset="0"/>
+              </a:rPr>
+              <a:t>(</a:t>
+            </a:r>
+            <a:r>
+              <a:rPr lang="en-US" altLang="zh-CN" sz="2000" b="1" dirty="0">
+                <a:solidFill>
+                  <a:srgbClr val="6A3E3E"/>
+                </a:solidFill>
+                <a:latin typeface="Courier New" panose="02070309020205020404" pitchFamily="49" charset="0"/>
+              </a:rPr>
+              <a:t>num1</a:t>
+            </a:r>
+            <a:r>
+              <a:rPr lang="en-US" altLang="zh-CN" sz="2000" b="1" dirty="0">
+                <a:solidFill>
+                  <a:srgbClr val="000000"/>
+                </a:solidFill>
+                <a:latin typeface="Courier New" panose="02070309020205020404" pitchFamily="49" charset="0"/>
+              </a:rPr>
+              <a:t>, </a:t>
+            </a:r>
+            <a:r>
+              <a:rPr lang="en-US" altLang="zh-CN" sz="2000" b="1" dirty="0">
+                <a:solidFill>
+                  <a:srgbClr val="6A3E3E"/>
+                </a:solidFill>
+                <a:latin typeface="Courier New" panose="02070309020205020404" pitchFamily="49" charset="0"/>
+              </a:rPr>
+              <a:t>num2</a:t>
+            </a:r>
+            <a:r>
+              <a:rPr lang="en-US" altLang="zh-CN" sz="2000" b="1" dirty="0">
+                <a:solidFill>
+                  <a:srgbClr val="000000"/>
+                </a:solidFill>
+                <a:latin typeface="Courier New" panose="02070309020205020404" pitchFamily="49" charset="0"/>
+              </a:rPr>
+              <a:t>);</a:t>
+            </a:r>
+          </a:p>
+          <a:p>
+            <a:r>
+              <a:rPr lang="en-US" altLang="zh-CN" sz="2000" dirty="0">
+                <a:solidFill>
+                  <a:srgbClr val="000000"/>
+                </a:solidFill>
+                <a:latin typeface="Courier New" panose="02070309020205020404" pitchFamily="49" charset="0"/>
+              </a:rPr>
+              <a:t>}</a:t>
+            </a:r>
+            <a:endParaRPr lang="en-US" altLang="zh-CN" sz="2000" b="1" dirty="0">
+              <a:highlight>
+                <a:srgbClr val="E8F2FE"/>
+              </a:highlight>
+              <a:latin typeface="Courier New" panose="02070309020205020404" pitchFamily="49" charset="0"/>
+            </a:endParaRPr>
+          </a:p>
+          <a:p>
+            <a:endParaRPr lang="en-US" altLang="zh-CN" sz="2000" b="1" dirty="0">
+              <a:highlight>
+                <a:srgbClr val="E8F2FE"/>
+              </a:highlight>
+              <a:latin typeface="Courier New" panose="02070309020205020404" pitchFamily="49" charset="0"/>
+            </a:endParaRPr>
+          </a:p>
+          <a:p>
+            <a:r>
+              <a:rPr lang="en-US" altLang="zh-CN" sz="2000" b="1" dirty="0">
+                <a:solidFill>
+                  <a:srgbClr val="7F0055"/>
+                </a:solidFill>
+                <a:latin typeface="Courier New" panose="02070309020205020404" pitchFamily="49" charset="0"/>
+              </a:rPr>
+              <a:t>public</a:t>
+            </a:r>
+            <a:r>
+              <a:rPr lang="en-US" altLang="zh-CN" sz="2000" b="1" dirty="0">
+                <a:solidFill>
+                  <a:srgbClr val="000000"/>
+                </a:solidFill>
+                <a:latin typeface="Courier New" panose="02070309020205020404" pitchFamily="49" charset="0"/>
+              </a:rPr>
+              <a:t> </a:t>
+            </a:r>
+            <a:r>
+              <a:rPr lang="en-US" altLang="zh-CN" sz="2000" b="1" dirty="0">
+                <a:solidFill>
+                  <a:srgbClr val="7F0055"/>
+                </a:solidFill>
+                <a:latin typeface="Courier New" panose="02070309020205020404" pitchFamily="49" charset="0"/>
+              </a:rPr>
+              <a:t>static</a:t>
+            </a:r>
+            <a:r>
+              <a:rPr lang="en-US" altLang="zh-CN" sz="2000" b="1" dirty="0">
+                <a:solidFill>
+                  <a:srgbClr val="000000"/>
+                </a:solidFill>
+                <a:latin typeface="Courier New" panose="02070309020205020404" pitchFamily="49" charset="0"/>
+              </a:rPr>
+              <a:t> </a:t>
+            </a:r>
+            <a:r>
+              <a:rPr lang="en-US" altLang="zh-CN" sz="2000" b="1" dirty="0">
+                <a:solidFill>
+                  <a:srgbClr val="7F0055"/>
+                </a:solidFill>
+                <a:latin typeface="Courier New" panose="02070309020205020404" pitchFamily="49" charset="0"/>
+              </a:rPr>
+              <a:t>void</a:t>
+            </a:r>
+            <a:r>
+              <a:rPr lang="en-US" altLang="zh-CN" sz="2000" b="1" dirty="0">
+                <a:solidFill>
+                  <a:srgbClr val="000000"/>
+                </a:solidFill>
+                <a:latin typeface="Courier New" panose="02070309020205020404" pitchFamily="49" charset="0"/>
+              </a:rPr>
+              <a:t> </a:t>
+            </a:r>
+            <a:r>
+              <a:rPr lang="en-US" altLang="zh-CN" sz="2000" b="1" dirty="0">
+                <a:solidFill>
+                  <a:srgbClr val="000000"/>
+                </a:solidFill>
+                <a:highlight>
+                  <a:srgbClr val="D4D4D4"/>
+                </a:highlight>
+                <a:latin typeface="Courier New" panose="02070309020205020404" pitchFamily="49" charset="0"/>
+              </a:rPr>
+              <a:t>main(String[] </a:t>
+            </a:r>
+            <a:r>
+              <a:rPr lang="en-US" altLang="zh-CN" sz="2000" b="1" dirty="0" err="1">
+                <a:solidFill>
+                  <a:srgbClr val="6A3E3E"/>
+                </a:solidFill>
+                <a:highlight>
+                  <a:srgbClr val="D4D4D4"/>
+                </a:highlight>
+                <a:latin typeface="Courier New" panose="02070309020205020404" pitchFamily="49" charset="0"/>
+              </a:rPr>
+              <a:t>args</a:t>
+            </a:r>
+            <a:r>
+              <a:rPr lang="en-US" altLang="zh-CN" sz="2000" b="1" dirty="0">
+                <a:solidFill>
+                  <a:srgbClr val="000000"/>
+                </a:solidFill>
+                <a:highlight>
+                  <a:srgbClr val="D4D4D4"/>
+                </a:highlight>
+                <a:latin typeface="Courier New" panose="02070309020205020404" pitchFamily="49" charset="0"/>
+              </a:rPr>
+              <a:t>) {</a:t>
+            </a:r>
+          </a:p>
+          <a:p>
+            <a:pPr lvl="1"/>
+            <a:r>
+              <a:rPr lang="en-US" altLang="zh-CN" sz="2000" dirty="0">
+                <a:solidFill>
+                  <a:srgbClr val="000000"/>
+                </a:solidFill>
+                <a:latin typeface="Courier New" panose="02070309020205020404" pitchFamily="49" charset="0"/>
+              </a:rPr>
+              <a:t>T2_UserBiFunction </a:t>
+            </a:r>
+            <a:r>
+              <a:rPr lang="en-US" altLang="zh-CN" sz="2000" dirty="0">
+                <a:solidFill>
+                  <a:srgbClr val="6A3E3E"/>
+                </a:solidFill>
+                <a:latin typeface="Courier New" panose="02070309020205020404" pitchFamily="49" charset="0"/>
+              </a:rPr>
+              <a:t>test</a:t>
+            </a:r>
+            <a:r>
+              <a:rPr lang="en-US" altLang="zh-CN" sz="2000" dirty="0">
+                <a:solidFill>
+                  <a:srgbClr val="000000"/>
+                </a:solidFill>
+                <a:latin typeface="Courier New" panose="02070309020205020404" pitchFamily="49" charset="0"/>
+              </a:rPr>
+              <a:t> = </a:t>
+            </a:r>
+            <a:r>
+              <a:rPr lang="en-US" altLang="zh-CN" sz="2000" b="1" dirty="0">
+                <a:solidFill>
+                  <a:srgbClr val="7F0055"/>
+                </a:solidFill>
+                <a:latin typeface="Courier New" panose="02070309020205020404" pitchFamily="49" charset="0"/>
+              </a:rPr>
+              <a:t>new</a:t>
+            </a:r>
+            <a:r>
+              <a:rPr lang="en-US" altLang="zh-CN" sz="2000" b="1" dirty="0">
+                <a:solidFill>
+                  <a:srgbClr val="000000"/>
+                </a:solidFill>
+                <a:latin typeface="Courier New" panose="02070309020205020404" pitchFamily="49" charset="0"/>
+              </a:rPr>
+              <a:t> T2_UserBiFunction();</a:t>
+            </a:r>
+          </a:p>
+          <a:p>
+            <a:pPr lvl="1"/>
+            <a:r>
+              <a:rPr lang="pt-BR" altLang="zh-CN" sz="2000" dirty="0">
+                <a:solidFill>
+                  <a:srgbClr val="6A3E3E"/>
+                </a:solidFill>
+                <a:latin typeface="Courier New" panose="02070309020205020404" pitchFamily="49" charset="0"/>
+              </a:rPr>
+              <a:t>test</a:t>
+            </a:r>
+            <a:r>
+              <a:rPr lang="pt-BR" altLang="zh-CN" sz="2000" dirty="0">
+                <a:solidFill>
+                  <a:srgbClr val="000000"/>
+                </a:solidFill>
+                <a:latin typeface="Courier New" panose="02070309020205020404" pitchFamily="49" charset="0"/>
+              </a:rPr>
+              <a:t>.calculate(1, 2, (</a:t>
+            </a:r>
+            <a:r>
+              <a:rPr lang="pt-BR" altLang="zh-CN" sz="2000" dirty="0">
+                <a:solidFill>
+                  <a:srgbClr val="6A3E3E"/>
+                </a:solidFill>
+                <a:latin typeface="Courier New" panose="02070309020205020404" pitchFamily="49" charset="0"/>
+              </a:rPr>
+              <a:t>num1</a:t>
+            </a:r>
+            <a:r>
+              <a:rPr lang="pt-BR" altLang="zh-CN" sz="2000" dirty="0">
+                <a:solidFill>
+                  <a:srgbClr val="000000"/>
+                </a:solidFill>
+                <a:latin typeface="Courier New" panose="02070309020205020404" pitchFamily="49" charset="0"/>
+              </a:rPr>
+              <a:t>,</a:t>
+            </a:r>
+            <a:r>
+              <a:rPr lang="pt-BR" altLang="zh-CN" sz="2000" dirty="0">
+                <a:solidFill>
+                  <a:srgbClr val="6A3E3E"/>
+                </a:solidFill>
+                <a:latin typeface="Courier New" panose="02070309020205020404" pitchFamily="49" charset="0"/>
+              </a:rPr>
+              <a:t>num2</a:t>
+            </a:r>
+            <a:r>
+              <a:rPr lang="pt-BR" altLang="zh-CN" sz="2000" dirty="0">
+                <a:solidFill>
+                  <a:srgbClr val="000000"/>
+                </a:solidFill>
+                <a:latin typeface="Courier New" panose="02070309020205020404" pitchFamily="49" charset="0"/>
+              </a:rPr>
+              <a:t>) -&gt; </a:t>
+            </a:r>
+            <a:r>
+              <a:rPr lang="pt-BR" altLang="zh-CN" sz="2000" dirty="0">
+                <a:solidFill>
+                  <a:srgbClr val="6A3E3E"/>
+                </a:solidFill>
+                <a:latin typeface="Courier New" panose="02070309020205020404" pitchFamily="49" charset="0"/>
+              </a:rPr>
+              <a:t>num1</a:t>
+            </a:r>
+            <a:r>
+              <a:rPr lang="pt-BR" altLang="zh-CN" sz="2000" dirty="0">
+                <a:solidFill>
+                  <a:srgbClr val="000000"/>
+                </a:solidFill>
+                <a:latin typeface="Courier New" panose="02070309020205020404" pitchFamily="49" charset="0"/>
+              </a:rPr>
+              <a:t> + </a:t>
+            </a:r>
+            <a:r>
+              <a:rPr lang="pt-BR" altLang="zh-CN" sz="2000" dirty="0">
+                <a:solidFill>
+                  <a:srgbClr val="6A3E3E"/>
+                </a:solidFill>
+                <a:latin typeface="Courier New" panose="02070309020205020404" pitchFamily="49" charset="0"/>
+              </a:rPr>
+              <a:t>num2</a:t>
+            </a:r>
+            <a:r>
+              <a:rPr lang="pt-BR" altLang="zh-CN" sz="2000" dirty="0">
+                <a:solidFill>
+                  <a:srgbClr val="000000"/>
+                </a:solidFill>
+                <a:latin typeface="Courier New" panose="02070309020205020404" pitchFamily="49" charset="0"/>
+              </a:rPr>
+              <a:t>);</a:t>
+            </a:r>
+          </a:p>
+          <a:p>
+            <a:pPr lvl="1"/>
+            <a:r>
+              <a:rPr lang="pt-BR" altLang="zh-CN" sz="2000" dirty="0">
+                <a:solidFill>
+                  <a:srgbClr val="6A3E3E"/>
+                </a:solidFill>
+                <a:latin typeface="Courier New" panose="02070309020205020404" pitchFamily="49" charset="0"/>
+              </a:rPr>
+              <a:t>test</a:t>
+            </a:r>
+            <a:r>
+              <a:rPr lang="pt-BR" altLang="zh-CN" sz="2000" dirty="0">
+                <a:solidFill>
+                  <a:srgbClr val="000000"/>
+                </a:solidFill>
+                <a:latin typeface="Courier New" panose="02070309020205020404" pitchFamily="49" charset="0"/>
+              </a:rPr>
+              <a:t>.calculate(1, 2, (</a:t>
+            </a:r>
+            <a:r>
+              <a:rPr lang="pt-BR" altLang="zh-CN" sz="2000" dirty="0">
+                <a:solidFill>
+                  <a:srgbClr val="6A3E3E"/>
+                </a:solidFill>
+                <a:latin typeface="Courier New" panose="02070309020205020404" pitchFamily="49" charset="0"/>
+              </a:rPr>
+              <a:t>num1</a:t>
+            </a:r>
+            <a:r>
+              <a:rPr lang="pt-BR" altLang="zh-CN" sz="2000" dirty="0">
+                <a:solidFill>
+                  <a:srgbClr val="000000"/>
+                </a:solidFill>
+                <a:latin typeface="Courier New" panose="02070309020205020404" pitchFamily="49" charset="0"/>
+              </a:rPr>
+              <a:t>,</a:t>
+            </a:r>
+            <a:r>
+              <a:rPr lang="pt-BR" altLang="zh-CN" sz="2000" dirty="0">
+                <a:solidFill>
+                  <a:srgbClr val="6A3E3E"/>
+                </a:solidFill>
+                <a:latin typeface="Courier New" panose="02070309020205020404" pitchFamily="49" charset="0"/>
+              </a:rPr>
+              <a:t>num2</a:t>
+            </a:r>
+            <a:r>
+              <a:rPr lang="pt-BR" altLang="zh-CN" sz="2000" dirty="0">
+                <a:solidFill>
+                  <a:srgbClr val="000000"/>
+                </a:solidFill>
+                <a:latin typeface="Courier New" panose="02070309020205020404" pitchFamily="49" charset="0"/>
+              </a:rPr>
+              <a:t>) -&gt; </a:t>
+            </a:r>
+            <a:r>
+              <a:rPr lang="pt-BR" altLang="zh-CN" sz="2000" dirty="0">
+                <a:solidFill>
+                  <a:srgbClr val="6A3E3E"/>
+                </a:solidFill>
+                <a:latin typeface="Courier New" panose="02070309020205020404" pitchFamily="49" charset="0"/>
+              </a:rPr>
+              <a:t>num1</a:t>
+            </a:r>
+            <a:r>
+              <a:rPr lang="pt-BR" altLang="zh-CN" sz="2000" dirty="0">
+                <a:solidFill>
+                  <a:srgbClr val="000000"/>
+                </a:solidFill>
+                <a:latin typeface="Courier New" panose="02070309020205020404" pitchFamily="49" charset="0"/>
+              </a:rPr>
+              <a:t> - </a:t>
+            </a:r>
+            <a:r>
+              <a:rPr lang="pt-BR" altLang="zh-CN" sz="2000" dirty="0">
+                <a:solidFill>
+                  <a:srgbClr val="6A3E3E"/>
+                </a:solidFill>
+                <a:latin typeface="Courier New" panose="02070309020205020404" pitchFamily="49" charset="0"/>
+              </a:rPr>
+              <a:t>num2</a:t>
+            </a:r>
+            <a:r>
+              <a:rPr lang="pt-BR" altLang="zh-CN" sz="2000" dirty="0">
+                <a:solidFill>
+                  <a:srgbClr val="000000"/>
+                </a:solidFill>
+                <a:latin typeface="Courier New" panose="02070309020205020404" pitchFamily="49" charset="0"/>
+              </a:rPr>
+              <a:t>);</a:t>
+            </a:r>
+          </a:p>
+          <a:p>
+            <a:pPr lvl="1"/>
+            <a:r>
+              <a:rPr lang="pt-BR" altLang="zh-CN" sz="2000" dirty="0">
+                <a:solidFill>
+                  <a:srgbClr val="6A3E3E"/>
+                </a:solidFill>
+                <a:latin typeface="Courier New" panose="02070309020205020404" pitchFamily="49" charset="0"/>
+              </a:rPr>
+              <a:t>test</a:t>
+            </a:r>
+            <a:r>
+              <a:rPr lang="pt-BR" altLang="zh-CN" sz="2000" dirty="0">
+                <a:solidFill>
+                  <a:srgbClr val="000000"/>
+                </a:solidFill>
+                <a:latin typeface="Courier New" panose="02070309020205020404" pitchFamily="49" charset="0"/>
+              </a:rPr>
+              <a:t>.calculate(1, 2, (</a:t>
+            </a:r>
+            <a:r>
+              <a:rPr lang="pt-BR" altLang="zh-CN" sz="2000" dirty="0">
+                <a:solidFill>
+                  <a:srgbClr val="6A3E3E"/>
+                </a:solidFill>
+                <a:latin typeface="Courier New" panose="02070309020205020404" pitchFamily="49" charset="0"/>
+              </a:rPr>
+              <a:t>num1</a:t>
+            </a:r>
+            <a:r>
+              <a:rPr lang="pt-BR" altLang="zh-CN" sz="2000" dirty="0">
+                <a:solidFill>
+                  <a:srgbClr val="000000"/>
+                </a:solidFill>
+                <a:latin typeface="Courier New" panose="02070309020205020404" pitchFamily="49" charset="0"/>
+              </a:rPr>
+              <a:t>,</a:t>
+            </a:r>
+            <a:r>
+              <a:rPr lang="pt-BR" altLang="zh-CN" sz="2000" dirty="0">
+                <a:solidFill>
+                  <a:srgbClr val="6A3E3E"/>
+                </a:solidFill>
+                <a:latin typeface="Courier New" panose="02070309020205020404" pitchFamily="49" charset="0"/>
+              </a:rPr>
+              <a:t>num2</a:t>
+            </a:r>
+            <a:r>
+              <a:rPr lang="pt-BR" altLang="zh-CN" sz="2000" dirty="0">
+                <a:solidFill>
+                  <a:srgbClr val="000000"/>
+                </a:solidFill>
+                <a:latin typeface="Courier New" panose="02070309020205020404" pitchFamily="49" charset="0"/>
+              </a:rPr>
+              <a:t>) -&gt; </a:t>
+            </a:r>
+            <a:r>
+              <a:rPr lang="pt-BR" altLang="zh-CN" sz="2000" dirty="0">
+                <a:solidFill>
+                  <a:srgbClr val="6A3E3E"/>
+                </a:solidFill>
+                <a:latin typeface="Courier New" panose="02070309020205020404" pitchFamily="49" charset="0"/>
+              </a:rPr>
+              <a:t>num1</a:t>
+            </a:r>
+            <a:r>
+              <a:rPr lang="pt-BR" altLang="zh-CN" sz="2000" dirty="0">
+                <a:solidFill>
+                  <a:srgbClr val="000000"/>
+                </a:solidFill>
+                <a:latin typeface="Courier New" panose="02070309020205020404" pitchFamily="49" charset="0"/>
+              </a:rPr>
+              <a:t> * </a:t>
+            </a:r>
+            <a:r>
+              <a:rPr lang="pt-BR" altLang="zh-CN" sz="2000" dirty="0">
+                <a:solidFill>
+                  <a:srgbClr val="6A3E3E"/>
+                </a:solidFill>
+                <a:latin typeface="Courier New" panose="02070309020205020404" pitchFamily="49" charset="0"/>
+              </a:rPr>
+              <a:t>num2</a:t>
+            </a:r>
+            <a:r>
+              <a:rPr lang="pt-BR" altLang="zh-CN" sz="2000" dirty="0">
+                <a:solidFill>
+                  <a:srgbClr val="000000"/>
+                </a:solidFill>
+                <a:latin typeface="Courier New" panose="02070309020205020404" pitchFamily="49" charset="0"/>
+              </a:rPr>
+              <a:t>);</a:t>
+            </a:r>
+          </a:p>
+          <a:p>
+            <a:pPr lvl="1"/>
+            <a:r>
+              <a:rPr lang="pt-BR" altLang="zh-CN" sz="2000" dirty="0">
+                <a:solidFill>
+                  <a:srgbClr val="6A3E3E"/>
+                </a:solidFill>
+                <a:latin typeface="Courier New" panose="02070309020205020404" pitchFamily="49" charset="0"/>
+              </a:rPr>
+              <a:t>test</a:t>
+            </a:r>
+            <a:r>
+              <a:rPr lang="pt-BR" altLang="zh-CN" sz="2000" dirty="0">
+                <a:solidFill>
+                  <a:srgbClr val="000000"/>
+                </a:solidFill>
+                <a:latin typeface="Courier New" panose="02070309020205020404" pitchFamily="49" charset="0"/>
+              </a:rPr>
+              <a:t>.calculate(1, 2, (</a:t>
+            </a:r>
+            <a:r>
+              <a:rPr lang="pt-BR" altLang="zh-CN" sz="2000" dirty="0">
+                <a:solidFill>
+                  <a:srgbClr val="6A3E3E"/>
+                </a:solidFill>
+                <a:latin typeface="Courier New" panose="02070309020205020404" pitchFamily="49" charset="0"/>
+              </a:rPr>
+              <a:t>num1</a:t>
+            </a:r>
+            <a:r>
+              <a:rPr lang="pt-BR" altLang="zh-CN" sz="2000" dirty="0">
+                <a:solidFill>
+                  <a:srgbClr val="000000"/>
+                </a:solidFill>
+                <a:latin typeface="Courier New" panose="02070309020205020404" pitchFamily="49" charset="0"/>
+              </a:rPr>
+              <a:t>,</a:t>
+            </a:r>
+            <a:r>
+              <a:rPr lang="pt-BR" altLang="zh-CN" sz="2000" dirty="0">
+                <a:solidFill>
+                  <a:srgbClr val="6A3E3E"/>
+                </a:solidFill>
+                <a:latin typeface="Courier New" panose="02070309020205020404" pitchFamily="49" charset="0"/>
+              </a:rPr>
+              <a:t>num2</a:t>
+            </a:r>
+            <a:r>
+              <a:rPr lang="pt-BR" altLang="zh-CN" sz="2000" dirty="0">
+                <a:solidFill>
+                  <a:srgbClr val="000000"/>
+                </a:solidFill>
+                <a:latin typeface="Courier New" panose="02070309020205020404" pitchFamily="49" charset="0"/>
+              </a:rPr>
+              <a:t>) -&gt; </a:t>
+            </a:r>
+            <a:r>
+              <a:rPr lang="pt-BR" altLang="zh-CN" sz="2000" dirty="0">
+                <a:solidFill>
+                  <a:srgbClr val="6A3E3E"/>
+                </a:solidFill>
+                <a:latin typeface="Courier New" panose="02070309020205020404" pitchFamily="49" charset="0"/>
+              </a:rPr>
+              <a:t>num1</a:t>
+            </a:r>
+            <a:r>
+              <a:rPr lang="pt-BR" altLang="zh-CN" sz="2000" dirty="0">
+                <a:solidFill>
+                  <a:srgbClr val="000000"/>
+                </a:solidFill>
+                <a:latin typeface="Courier New" panose="02070309020205020404" pitchFamily="49" charset="0"/>
+              </a:rPr>
+              <a:t> / </a:t>
+            </a:r>
+            <a:r>
+              <a:rPr lang="pt-BR" altLang="zh-CN" sz="2000" dirty="0">
+                <a:solidFill>
+                  <a:srgbClr val="6A3E3E"/>
+                </a:solidFill>
+                <a:latin typeface="Courier New" panose="02070309020205020404" pitchFamily="49" charset="0"/>
+              </a:rPr>
+              <a:t>num2</a:t>
+            </a:r>
+            <a:r>
+              <a:rPr lang="pt-BR" altLang="zh-CN" sz="2000" dirty="0">
+                <a:solidFill>
+                  <a:srgbClr val="000000"/>
+                </a:solidFill>
+                <a:latin typeface="Courier New" panose="02070309020205020404" pitchFamily="49" charset="0"/>
+              </a:rPr>
+              <a:t>);</a:t>
+            </a:r>
+          </a:p>
+          <a:p>
+            <a:r>
+              <a:rPr lang="en-US" altLang="zh-CN" sz="2000" dirty="0">
+                <a:solidFill>
+                  <a:srgbClr val="000000"/>
+                </a:solidFill>
+                <a:latin typeface="Courier New" panose="02070309020205020404" pitchFamily="49" charset="0"/>
+              </a:rPr>
+              <a:t>}</a:t>
+            </a:r>
+          </a:p>
+        </p:txBody>
+      </p:sp>
+    </p:spTree>
+    <p:extLst>
+      <p:ext uri="{BB962C8B-B14F-4D97-AF65-F5344CB8AC3E}">
+        <p14:creationId xmlns:p14="http://schemas.microsoft.com/office/powerpoint/2010/main" val="3604224720"/>
+      </p:ext>
+    </p:extLst>
+  </p:cSld>
+  <p:clrMapOvr>
+    <a:masterClrMapping/>
+  </p:clrMapOvr>
+  <p:transition spd="slow">
+    <p:wipe dir="r"/>
+  </p:transition>
+</p:sld>
+</file>
+
+<file path=ppt/slides/slide12.xml><?xml version="1.0" encoding="utf-8"?>
+<p:sld xmlns:a="http://schemas.openxmlformats.org/drawingml/2006/main" xmlns:r="http://schemas.openxmlformats.org/officeDocument/2006/relationships" xmlns:p="http://schemas.openxmlformats.org/presentationml/2006/main">
+  <p:cSld>
+    <p:spTree>
+      <p:nvGrpSpPr>
+        <p:cNvPr id="1" name=""/>
+        <p:cNvGrpSpPr/>
+        <p:nvPr/>
+      </p:nvGrpSpPr>
+      <p:grpSpPr>
+        <a:xfrm>
+          <a:off x="0" y="0"/>
+          <a:ext cx="0" cy="0"/>
+          <a:chOff x="0" y="0"/>
+          <a:chExt cx="0" cy="0"/>
+        </a:xfrm>
+      </p:grpSpPr>
+      <p:sp>
+        <p:nvSpPr>
+          <p:cNvPr id="3" name="TextBox 2"/>
+          <p:cNvSpPr txBox="1"/>
+          <p:nvPr/>
+        </p:nvSpPr>
+        <p:spPr>
+          <a:xfrm>
+            <a:off x="1172845" y="1123522"/>
+            <a:ext cx="4159087" cy="584775"/>
+          </a:xfrm>
+          <a:prstGeom prst="rect">
+            <a:avLst/>
+          </a:prstGeom>
+          <a:noFill/>
+        </p:spPr>
+        <p:txBody>
+          <a:bodyPr wrap="none" rtlCol="0">
+            <a:spAutoFit/>
+          </a:bodyPr>
+          <a:lstStyle/>
+          <a:p>
+            <a:r>
+              <a:rPr lang="en-US" altLang="zh-CN" sz="3200" dirty="0">
+                <a:solidFill>
+                  <a:srgbClr val="0066CC"/>
+                </a:solidFill>
+                <a:latin typeface="思源黑体 CN Bold" pitchFamily="34" charset="-122"/>
+                <a:ea typeface="思源黑体 CN Bold" pitchFamily="34" charset="-122"/>
+              </a:rPr>
+              <a:t>Lambda Expressions</a:t>
+            </a:r>
+            <a:endParaRPr lang="zh-CN" altLang="en-US" sz="3200" dirty="0">
+              <a:solidFill>
+                <a:srgbClr val="0066CC"/>
+              </a:solidFill>
+              <a:latin typeface="思源黑体 CN Bold" pitchFamily="34" charset="-122"/>
+              <a:ea typeface="思源黑体 CN Bold" pitchFamily="34" charset="-122"/>
+            </a:endParaRPr>
+          </a:p>
+        </p:txBody>
+      </p:sp>
+      <p:sp>
+        <p:nvSpPr>
+          <p:cNvPr id="5" name="TextBox 3">
+            <a:extLst>
+              <a:ext uri="{FF2B5EF4-FFF2-40B4-BE49-F238E27FC236}">
+                <a16:creationId xmlns:a16="http://schemas.microsoft.com/office/drawing/2014/main" id="{D7F540C6-67F0-40E7-AC16-B9DEF667A8BB}"/>
+              </a:ext>
+            </a:extLst>
+          </p:cNvPr>
+          <p:cNvSpPr txBox="1"/>
+          <p:nvPr/>
+        </p:nvSpPr>
+        <p:spPr>
+          <a:xfrm>
+            <a:off x="1156413" y="1836415"/>
+            <a:ext cx="9523164" cy="3108543"/>
+          </a:xfrm>
+          <a:prstGeom prst="rect">
+            <a:avLst/>
+          </a:prstGeom>
+          <a:noFill/>
+        </p:spPr>
+        <p:txBody>
+          <a:bodyPr wrap="square" rtlCol="0">
+            <a:spAutoFit/>
+          </a:bodyPr>
+          <a:lstStyle/>
+          <a:p>
+            <a:r>
+              <a:rPr lang="en-US" altLang="zh-CN" sz="2000" b="1" dirty="0">
+                <a:solidFill>
+                  <a:srgbClr val="7F0055"/>
+                </a:solidFill>
+                <a:latin typeface="Courier New"/>
+              </a:rPr>
+              <a:t>public</a:t>
+            </a:r>
+            <a:r>
+              <a:rPr lang="en-US" altLang="zh-CN" sz="2000" b="1" dirty="0">
+                <a:solidFill>
+                  <a:srgbClr val="000000"/>
+                </a:solidFill>
+                <a:latin typeface="Courier New"/>
+              </a:rPr>
+              <a:t> </a:t>
+            </a:r>
+            <a:r>
+              <a:rPr lang="en-US" altLang="zh-CN" sz="2000" b="1" dirty="0">
+                <a:solidFill>
+                  <a:srgbClr val="7F0055"/>
+                </a:solidFill>
+                <a:latin typeface="Courier New"/>
+              </a:rPr>
+              <a:t>static</a:t>
+            </a:r>
+            <a:r>
+              <a:rPr lang="en-US" altLang="zh-CN" sz="2000" b="1" dirty="0">
+                <a:solidFill>
+                  <a:srgbClr val="000000"/>
+                </a:solidFill>
+                <a:latin typeface="Courier New"/>
+              </a:rPr>
+              <a:t> </a:t>
+            </a:r>
+            <a:r>
+              <a:rPr lang="en-US" altLang="zh-CN" sz="2000" b="1" dirty="0">
+                <a:solidFill>
+                  <a:srgbClr val="7F0055"/>
+                </a:solidFill>
+                <a:latin typeface="Courier New"/>
+              </a:rPr>
+              <a:t>void</a:t>
+            </a:r>
+            <a:r>
+              <a:rPr lang="en-US" altLang="zh-CN" sz="2000" b="1" dirty="0">
+                <a:solidFill>
+                  <a:srgbClr val="000000"/>
+                </a:solidFill>
+                <a:latin typeface="Courier New"/>
+              </a:rPr>
+              <a:t> main(String[] </a:t>
+            </a:r>
+            <a:r>
+              <a:rPr lang="en-US" altLang="zh-CN" sz="2000" b="1" dirty="0" err="1">
+                <a:solidFill>
+                  <a:srgbClr val="6A3E3E"/>
+                </a:solidFill>
+                <a:latin typeface="Courier New"/>
+              </a:rPr>
+              <a:t>args</a:t>
+            </a:r>
+            <a:r>
+              <a:rPr lang="en-US" altLang="zh-CN" sz="2000" b="1" dirty="0">
+                <a:solidFill>
+                  <a:srgbClr val="000000"/>
+                </a:solidFill>
+                <a:latin typeface="Courier New"/>
+              </a:rPr>
+              <a:t>) {</a:t>
+            </a:r>
+          </a:p>
+          <a:p>
+            <a:pPr lvl="1"/>
+            <a:r>
+              <a:rPr lang="en-US" altLang="zh-CN" sz="2000" dirty="0">
+                <a:solidFill>
+                  <a:srgbClr val="000000"/>
+                </a:solidFill>
+                <a:latin typeface="Courier New"/>
+              </a:rPr>
+              <a:t>Button </a:t>
+            </a:r>
+            <a:r>
+              <a:rPr lang="en-US" altLang="zh-CN" sz="2000" dirty="0" err="1">
+                <a:solidFill>
+                  <a:srgbClr val="6A3E3E"/>
+                </a:solidFill>
+                <a:latin typeface="Courier New"/>
+              </a:rPr>
+              <a:t>button</a:t>
+            </a:r>
+            <a:r>
+              <a:rPr lang="en-US" altLang="zh-CN" sz="2000" dirty="0">
+                <a:solidFill>
+                  <a:srgbClr val="000000"/>
+                </a:solidFill>
+                <a:latin typeface="Courier New"/>
+              </a:rPr>
+              <a:t> = </a:t>
+            </a:r>
+            <a:r>
+              <a:rPr lang="en-US" altLang="zh-CN" sz="2000" b="1" dirty="0">
+                <a:solidFill>
+                  <a:srgbClr val="7F0055"/>
+                </a:solidFill>
+                <a:latin typeface="Courier New"/>
+              </a:rPr>
+              <a:t>new</a:t>
+            </a:r>
+            <a:r>
+              <a:rPr lang="en-US" altLang="zh-CN" sz="2000" b="1" dirty="0">
+                <a:solidFill>
+                  <a:srgbClr val="000000"/>
+                </a:solidFill>
+                <a:latin typeface="Courier New"/>
+              </a:rPr>
+              <a:t> Button();</a:t>
+            </a:r>
+          </a:p>
+          <a:p>
+            <a:pPr lvl="1"/>
+            <a:r>
+              <a:rPr lang="en-US" altLang="zh-CN" sz="2000" dirty="0">
+                <a:solidFill>
+                  <a:srgbClr val="3F7F5F"/>
+                </a:solidFill>
+                <a:latin typeface="Courier New"/>
+              </a:rPr>
+              <a:t>// </a:t>
+            </a:r>
+            <a:r>
+              <a:rPr lang="zh-CN" altLang="en-US" sz="2000" dirty="0">
+                <a:solidFill>
+                  <a:srgbClr val="3F7F5F"/>
+                </a:solidFill>
+                <a:latin typeface="Courier New"/>
+              </a:rPr>
+              <a:t>添加动作监听器</a:t>
+            </a:r>
+            <a:endParaRPr lang="en-US" altLang="zh-CN" sz="2000" dirty="0">
+              <a:solidFill>
+                <a:srgbClr val="3F7F5F"/>
+              </a:solidFill>
+              <a:latin typeface="Courier New"/>
+            </a:endParaRPr>
+          </a:p>
+          <a:p>
+            <a:pPr lvl="1"/>
+            <a:r>
+              <a:rPr lang="en-US" altLang="zh-CN" sz="2000" dirty="0" err="1">
+                <a:solidFill>
+                  <a:srgbClr val="6A3E3E"/>
+                </a:solidFill>
+                <a:latin typeface="Courier New"/>
+              </a:rPr>
+              <a:t>button</a:t>
+            </a:r>
+            <a:r>
+              <a:rPr lang="en-US" altLang="zh-CN" sz="2000" dirty="0" err="1">
+                <a:solidFill>
+                  <a:srgbClr val="000000"/>
+                </a:solidFill>
+                <a:latin typeface="Courier New"/>
+              </a:rPr>
+              <a:t>.addActionListener</a:t>
+            </a:r>
+            <a:r>
+              <a:rPr lang="en-US" altLang="zh-CN" sz="2000" dirty="0">
+                <a:solidFill>
+                  <a:srgbClr val="000000"/>
+                </a:solidFill>
+                <a:latin typeface="Courier New"/>
+              </a:rPr>
+              <a:t>(</a:t>
+            </a:r>
+            <a:r>
+              <a:rPr lang="en-US" altLang="zh-CN" sz="2000" dirty="0">
+                <a:solidFill>
+                  <a:srgbClr val="6A3E3E"/>
+                </a:solidFill>
+                <a:latin typeface="Courier New"/>
+              </a:rPr>
+              <a:t>e</a:t>
+            </a:r>
+            <a:r>
+              <a:rPr lang="en-US" altLang="zh-CN" sz="2000" dirty="0">
+                <a:solidFill>
+                  <a:srgbClr val="000000"/>
+                </a:solidFill>
+                <a:latin typeface="Courier New"/>
+              </a:rPr>
+              <a:t> -&gt; {</a:t>
+            </a:r>
+          </a:p>
+          <a:p>
+            <a:pPr lvl="1"/>
+            <a:r>
+              <a:rPr lang="en-US" altLang="zh-CN" sz="2000" dirty="0">
+                <a:solidFill>
+                  <a:srgbClr val="6A3E3E"/>
+                </a:solidFill>
+                <a:latin typeface="Courier New"/>
+              </a:rPr>
+              <a:t>	</a:t>
+            </a:r>
+            <a:r>
+              <a:rPr lang="en-US" altLang="zh-CN" sz="2000" dirty="0" err="1">
+                <a:solidFill>
+                  <a:srgbClr val="6A3E3E"/>
+                </a:solidFill>
+                <a:latin typeface="Courier New"/>
+              </a:rPr>
+              <a:t>button</a:t>
+            </a:r>
+            <a:r>
+              <a:rPr lang="en-US" altLang="zh-CN" sz="2000" dirty="0" err="1">
+                <a:solidFill>
+                  <a:srgbClr val="000000"/>
+                </a:solidFill>
+                <a:latin typeface="Courier New"/>
+              </a:rPr>
+              <a:t>.setSize</a:t>
+            </a:r>
+            <a:r>
+              <a:rPr lang="en-US" altLang="zh-CN" sz="2000" dirty="0">
+                <a:solidFill>
+                  <a:srgbClr val="000000"/>
+                </a:solidFill>
+                <a:latin typeface="Courier New"/>
+              </a:rPr>
+              <a:t>(120, 40);</a:t>
+            </a:r>
+          </a:p>
+          <a:p>
+            <a:pPr lvl="1"/>
+            <a:r>
+              <a:rPr lang="en-US" altLang="zh-CN" sz="2000" dirty="0">
+                <a:solidFill>
+                  <a:srgbClr val="000000"/>
+                </a:solidFill>
+                <a:latin typeface="Courier New"/>
+              </a:rPr>
+              <a:t>});</a:t>
+            </a:r>
+            <a:endParaRPr lang="zh-CN" altLang="en-US" sz="2000" dirty="0">
+              <a:solidFill>
+                <a:srgbClr val="3F7F5F"/>
+              </a:solidFill>
+              <a:latin typeface="Courier New"/>
+            </a:endParaRPr>
+          </a:p>
+          <a:p>
+            <a:r>
+              <a:rPr lang="en-US" altLang="zh-CN" sz="2000" dirty="0">
+                <a:solidFill>
+                  <a:srgbClr val="000000"/>
+                </a:solidFill>
+                <a:latin typeface="Courier New"/>
+              </a:rPr>
+              <a:t>}</a:t>
+            </a:r>
+            <a:endParaRPr lang="en-US" altLang="zh-CN" sz="3600" b="1" dirty="0">
+              <a:latin typeface="Courier New"/>
+            </a:endParaRPr>
+          </a:p>
+          <a:p>
+            <a:r>
+              <a:rPr lang="en-US" altLang="zh-CN" sz="3600" b="1" dirty="0">
+                <a:latin typeface="Courier New"/>
+              </a:rPr>
+              <a:t>Lambda</a:t>
+            </a:r>
+            <a:r>
+              <a:rPr lang="zh-CN" altLang="en-US" sz="3600" b="1" dirty="0">
+                <a:latin typeface="Courier New"/>
+              </a:rPr>
+              <a:t> </a:t>
+            </a:r>
+            <a:r>
+              <a:rPr lang="en-US" altLang="zh-CN" sz="3600" b="1" dirty="0">
+                <a:latin typeface="Courier New"/>
+              </a:rPr>
+              <a:t>Expressions </a:t>
+            </a:r>
+            <a:r>
+              <a:rPr lang="zh-CN" altLang="en-US" sz="3600" b="1" dirty="0">
+                <a:latin typeface="Courier New"/>
+              </a:rPr>
+              <a:t>到底是什么</a:t>
+            </a:r>
+            <a:r>
+              <a:rPr lang="en-US" altLang="zh-CN" sz="3600" b="1" dirty="0">
+                <a:latin typeface="Courier New"/>
+              </a:rPr>
+              <a:t>?</a:t>
+            </a:r>
+          </a:p>
+          <a:p>
+            <a:endParaRPr lang="en-US" altLang="zh-CN" sz="2000" b="1" dirty="0">
+              <a:highlight>
+                <a:srgbClr val="E8F2FE"/>
+              </a:highlight>
+              <a:latin typeface="Courier New" panose="02070309020205020404" pitchFamily="49" charset="0"/>
+            </a:endParaRPr>
+          </a:p>
+        </p:txBody>
+      </p:sp>
+      <p:sp>
+        <p:nvSpPr>
+          <p:cNvPr id="2" name="文本框 1">
+            <a:extLst>
+              <a:ext uri="{FF2B5EF4-FFF2-40B4-BE49-F238E27FC236}">
+                <a16:creationId xmlns:a16="http://schemas.microsoft.com/office/drawing/2014/main" id="{60AB0418-DF5B-4320-BFE8-BE939CD10612}"/>
+              </a:ext>
+            </a:extLst>
+          </p:cNvPr>
+          <p:cNvSpPr txBox="1"/>
+          <p:nvPr/>
+        </p:nvSpPr>
+        <p:spPr>
+          <a:xfrm>
+            <a:off x="1197082" y="4788743"/>
+            <a:ext cx="8902145" cy="738664"/>
+          </a:xfrm>
+          <a:prstGeom prst="rect">
+            <a:avLst/>
+          </a:prstGeom>
+          <a:noFill/>
+        </p:spPr>
+        <p:txBody>
+          <a:bodyPr wrap="square" rtlCol="0">
+            <a:spAutoFit/>
+          </a:bodyPr>
+          <a:lstStyle/>
+          <a:p>
+            <a:r>
+              <a:rPr lang="en-US" altLang="zh-CN" dirty="0" err="1"/>
+              <a:t>Lamdba</a:t>
+            </a:r>
+            <a:r>
+              <a:rPr lang="en-US" altLang="zh-CN" dirty="0"/>
+              <a:t> Expressions</a:t>
+            </a:r>
+            <a:r>
+              <a:rPr lang="zh-CN" altLang="en-US" dirty="0"/>
+              <a:t>实际上就是一个</a:t>
+            </a:r>
+            <a:r>
+              <a:rPr lang="zh-CN" altLang="en-US" b="1" dirty="0">
+                <a:solidFill>
+                  <a:srgbClr val="C00000"/>
+                </a:solidFill>
+              </a:rPr>
+              <a:t>匿名对象</a:t>
+            </a:r>
+            <a:r>
+              <a:rPr lang="zh-CN" altLang="en-US" b="1" dirty="0"/>
+              <a:t>。</a:t>
+            </a:r>
+            <a:r>
+              <a:rPr lang="zh-CN" altLang="en-US" dirty="0"/>
+              <a:t>这个匿名对象的类型就是其对应的函数式接口。</a:t>
+            </a:r>
+          </a:p>
+        </p:txBody>
+      </p:sp>
+    </p:spTree>
+    <p:extLst>
+      <p:ext uri="{BB962C8B-B14F-4D97-AF65-F5344CB8AC3E}">
+        <p14:creationId xmlns:p14="http://schemas.microsoft.com/office/powerpoint/2010/main" val="639325671"/>
+      </p:ext>
+    </p:extLst>
+  </p:cSld>
+  <p:clrMapOvr>
+    <a:masterClrMapping/>
+  </p:clrMapOvr>
+  <p:transition spd="slow">
+    <p:wipe dir="r"/>
+  </p:transition>
   <p:timing>
     <p:tnLst>
       <p:par>
-        <p:cTn id="1" dur="indefinite" restart="never" nodeType="tmRoot"/>
+        <p:cTn id="1" dur="indefinite" restart="never" nodeType="tmRoot">
+          <p:childTnLst>
+            <p:seq concurrent="1" nextAc="seek">
+              <p:cTn id="2" dur="indefinite" nodeType="mainSeq">
+                <p:childTnLst>
+                  <p:par>
+                    <p:cTn id="3" fill="hold">
+                      <p:stCondLst>
+                        <p:cond delay="indefinite"/>
+                      </p:stCondLst>
+                      <p:childTnLst>
+                        <p:par>
+                          <p:cTn id="4" fill="hold">
+                            <p:stCondLst>
+                              <p:cond delay="0"/>
+                            </p:stCondLst>
+                            <p:childTnLst>
+                              <p:par>
+                                <p:cTn id="5" presetID="2" presetClass="entr" presetSubtype="4" fill="hold" grpId="0" nodeType="clickEffect">
+                                  <p:stCondLst>
+                                    <p:cond delay="0"/>
+                                  </p:stCondLst>
+                                  <p:childTnLst>
+                                    <p:set>
+                                      <p:cBhvr>
+                                        <p:cTn id="6" dur="1" fill="hold">
+                                          <p:stCondLst>
+                                            <p:cond delay="0"/>
+                                          </p:stCondLst>
+                                        </p:cTn>
+                                        <p:tgtEl>
+                                          <p:spTgt spid="2"/>
+                                        </p:tgtEl>
+                                        <p:attrNameLst>
+                                          <p:attrName>style.visibility</p:attrName>
+                                        </p:attrNameLst>
+                                      </p:cBhvr>
+                                      <p:to>
+                                        <p:strVal val="visible"/>
+                                      </p:to>
+                                    </p:set>
+                                    <p:anim calcmode="lin" valueType="num">
+                                      <p:cBhvr additive="base">
+                                        <p:cTn id="7" dur="500" fill="hold"/>
+                                        <p:tgtEl>
+                                          <p:spTgt spid="2"/>
+                                        </p:tgtEl>
+                                        <p:attrNameLst>
+                                          <p:attrName>ppt_x</p:attrName>
+                                        </p:attrNameLst>
+                                      </p:cBhvr>
+                                      <p:tavLst>
+                                        <p:tav tm="0">
+                                          <p:val>
+                                            <p:strVal val="#ppt_x"/>
+                                          </p:val>
+                                        </p:tav>
+                                        <p:tav tm="100000">
+                                          <p:val>
+                                            <p:strVal val="#ppt_x"/>
+                                          </p:val>
+                                        </p:tav>
+                                      </p:tavLst>
+                                    </p:anim>
+                                    <p:anim calcmode="lin" valueType="num">
+                                      <p:cBhvr additive="base">
+                                        <p:cTn id="8" dur="500" fill="hold"/>
+                                        <p:tgtEl>
+                                          <p:spTgt spid="2"/>
+                                        </p:tgtEl>
+                                        <p:attrNameLst>
+                                          <p:attrName>ppt_y</p:attrName>
+                                        </p:attrNameLst>
+                                      </p:cBhvr>
+                                      <p:tavLst>
+                                        <p:tav tm="0">
+                                          <p:val>
+                                            <p:strVal val="1+#ppt_h/2"/>
+                                          </p:val>
+                                        </p:tav>
+                                        <p:tav tm="100000">
+                                          <p:val>
+                                            <p:strVal val="#ppt_y"/>
+                                          </p:val>
+                                        </p:tav>
+                                      </p:tavLst>
+                                    </p:anim>
+                                  </p:childTnLst>
+                                </p:cTn>
+                              </p:par>
+                            </p:childTnLst>
+                          </p:cTn>
+                        </p:par>
+                      </p:childTnLst>
+                    </p:cTn>
+                  </p:par>
+                </p:childTnLst>
+              </p:cTn>
+              <p:prevCondLst>
+                <p:cond evt="onPrev" delay="0">
+                  <p:tgtEl>
+                    <p:sldTgt/>
+                  </p:tgtEl>
+                </p:cond>
+              </p:prevCondLst>
+              <p:nextCondLst>
+                <p:cond evt="onNext" delay="0">
+                  <p:tgtEl>
+                    <p:sldTgt/>
+                  </p:tgtEl>
+                </p:cond>
+              </p:nextCondLst>
+            </p:seq>
+          </p:childTnLst>
+        </p:cTn>
       </p:par>
     </p:tnLst>
+    <p:bldLst>
+      <p:bldP spid="2" grpId="0"/>
+    </p:bldLst>
   </p:timing>
 </p:sld>
 </file>
 
-<file path=ppt/slides/slide10.xml><?xml version="1.0" encoding="utf-8"?>
+<file path=ppt/slides/slide13.xml><?xml version="1.0" encoding="utf-8"?>
+<p:sld xmlns:a="http://schemas.openxmlformats.org/drawingml/2006/main" xmlns:r="http://schemas.openxmlformats.org/officeDocument/2006/relationships" xmlns:p="http://schemas.openxmlformats.org/presentationml/2006/main">
+  <p:cSld>
+    <p:spTree>
+      <p:nvGrpSpPr>
+        <p:cNvPr id="1" name=""/>
+        <p:cNvGrpSpPr/>
+        <p:nvPr/>
+      </p:nvGrpSpPr>
+      <p:grpSpPr>
+        <a:xfrm>
+          <a:off x="0" y="0"/>
+          <a:ext cx="0" cy="0"/>
+          <a:chOff x="0" y="0"/>
+          <a:chExt cx="0" cy="0"/>
+        </a:xfrm>
+      </p:grpSpPr>
+      <p:sp>
+        <p:nvSpPr>
+          <p:cNvPr id="3" name="TextBox 2"/>
+          <p:cNvSpPr txBox="1"/>
+          <p:nvPr/>
+        </p:nvSpPr>
+        <p:spPr>
+          <a:xfrm>
+            <a:off x="1172845" y="1123522"/>
+            <a:ext cx="2338269" cy="584775"/>
+          </a:xfrm>
+          <a:prstGeom prst="rect">
+            <a:avLst/>
+          </a:prstGeom>
+          <a:noFill/>
+        </p:spPr>
+        <p:txBody>
+          <a:bodyPr wrap="none" rtlCol="0">
+            <a:spAutoFit/>
+          </a:bodyPr>
+          <a:lstStyle/>
+          <a:p>
+            <a:r>
+              <a:rPr lang="en-US" altLang="zh-CN" sz="3200" dirty="0">
+                <a:solidFill>
+                  <a:srgbClr val="0066CC"/>
+                </a:solidFill>
+                <a:latin typeface="思源黑体 CN Bold" pitchFamily="34" charset="-122"/>
+                <a:ea typeface="思源黑体 CN Bold" pitchFamily="34" charset="-122"/>
+              </a:rPr>
+              <a:t>Stream API</a:t>
+            </a:r>
+            <a:endParaRPr lang="zh-CN" altLang="en-US" sz="3200" dirty="0">
+              <a:solidFill>
+                <a:srgbClr val="0066CC"/>
+              </a:solidFill>
+              <a:latin typeface="思源黑体 CN Bold" pitchFamily="34" charset="-122"/>
+              <a:ea typeface="思源黑体 CN Bold" pitchFamily="34" charset="-122"/>
+            </a:endParaRPr>
+          </a:p>
+        </p:txBody>
+      </p:sp>
+      <p:sp>
+        <p:nvSpPr>
+          <p:cNvPr id="5" name="TextBox 3">
+            <a:extLst>
+              <a:ext uri="{FF2B5EF4-FFF2-40B4-BE49-F238E27FC236}">
+                <a16:creationId xmlns:a16="http://schemas.microsoft.com/office/drawing/2014/main" id="{D7F540C6-67F0-40E7-AC16-B9DEF667A8BB}"/>
+              </a:ext>
+            </a:extLst>
+          </p:cNvPr>
+          <p:cNvSpPr txBox="1"/>
+          <p:nvPr/>
+        </p:nvSpPr>
+        <p:spPr>
+          <a:xfrm>
+            <a:off x="1026220" y="1741997"/>
+            <a:ext cx="9523164" cy="2662267"/>
+          </a:xfrm>
+          <a:prstGeom prst="rect">
+            <a:avLst/>
+          </a:prstGeom>
+          <a:noFill/>
+        </p:spPr>
+        <p:txBody>
+          <a:bodyPr wrap="square" rtlCol="0">
+            <a:spAutoFit/>
+          </a:bodyPr>
+          <a:lstStyle/>
+          <a:p>
+            <a:pPr latinLnBrk="1"/>
+            <a:r>
+              <a:rPr lang="en-US" altLang="zh-CN" dirty="0"/>
+              <a:t>Stream </a:t>
+            </a:r>
+            <a:r>
+              <a:rPr lang="zh-CN" altLang="en-US" dirty="0"/>
+              <a:t>可以让我们</a:t>
+            </a:r>
+            <a:r>
+              <a:rPr lang="zh-CN" altLang="en-US" b="1" dirty="0">
+                <a:solidFill>
+                  <a:srgbClr val="C00000"/>
+                </a:solidFill>
+              </a:rPr>
+              <a:t>像使用</a:t>
+            </a:r>
+            <a:r>
+              <a:rPr lang="en-US" altLang="zh-CN" b="1" dirty="0" err="1">
+                <a:solidFill>
+                  <a:srgbClr val="C00000"/>
+                </a:solidFill>
+              </a:rPr>
+              <a:t>sql</a:t>
+            </a:r>
+            <a:r>
+              <a:rPr lang="zh-CN" altLang="en-US" b="1" dirty="0">
+                <a:solidFill>
+                  <a:srgbClr val="C00000"/>
+                </a:solidFill>
+              </a:rPr>
+              <a:t>那样</a:t>
+            </a:r>
+            <a:r>
+              <a:rPr lang="zh-CN" altLang="en-US" dirty="0"/>
+              <a:t>来操作</a:t>
+            </a:r>
+            <a:r>
+              <a:rPr lang="en-US" altLang="zh-CN" dirty="0"/>
+              <a:t>Java</a:t>
+            </a:r>
+            <a:r>
+              <a:rPr lang="zh-CN" altLang="en-US" dirty="0"/>
+              <a:t>集合。</a:t>
+            </a:r>
+            <a:endParaRPr lang="en-US" altLang="zh-CN" dirty="0"/>
+          </a:p>
+          <a:p>
+            <a:pPr latinLnBrk="1"/>
+            <a:endParaRPr lang="zh-CN" altLang="en-US" dirty="0"/>
+          </a:p>
+          <a:p>
+            <a:pPr latinLnBrk="1"/>
+            <a:r>
+              <a:rPr lang="zh-CN" altLang="en-US" dirty="0"/>
+              <a:t>这种风格将要处理的元素集合看作一种流， 流在管道中传输， 并且可以在管道的节点上进行处理， 比如筛选， 排序，聚合等。</a:t>
+            </a:r>
+            <a:endParaRPr lang="en-US" altLang="zh-CN" dirty="0"/>
+          </a:p>
+          <a:p>
+            <a:pPr latinLnBrk="1"/>
+            <a:endParaRPr lang="zh-CN" altLang="en-US" dirty="0"/>
+          </a:p>
+          <a:p>
+            <a:pPr latinLnBrk="1"/>
+            <a:r>
+              <a:rPr lang="zh-CN" altLang="en-US" dirty="0"/>
+              <a:t>元素流在管道中经过中间操作（</a:t>
+            </a:r>
+            <a:r>
+              <a:rPr lang="en-US" altLang="zh-CN" dirty="0"/>
+              <a:t>intermediate operation</a:t>
+            </a:r>
+            <a:r>
+              <a:rPr lang="zh-CN" altLang="en-US" dirty="0"/>
+              <a:t>）的处理，最后由最终操作</a:t>
+            </a:r>
+            <a:r>
+              <a:rPr lang="en-US" altLang="zh-CN" dirty="0"/>
+              <a:t>(terminal operation)</a:t>
+            </a:r>
+            <a:r>
+              <a:rPr lang="zh-CN" altLang="en-US" dirty="0"/>
+              <a:t>得到前面处理的结果。</a:t>
+            </a:r>
+          </a:p>
+          <a:p>
+            <a:endParaRPr lang="en-US" altLang="zh-CN" sz="2000" b="1" dirty="0">
+              <a:highlight>
+                <a:srgbClr val="E8F2FE"/>
+              </a:highlight>
+              <a:latin typeface="Courier New" panose="02070309020205020404" pitchFamily="49" charset="0"/>
+            </a:endParaRPr>
+          </a:p>
+        </p:txBody>
+      </p:sp>
+    </p:spTree>
+    <p:extLst>
+      <p:ext uri="{BB962C8B-B14F-4D97-AF65-F5344CB8AC3E}">
+        <p14:creationId xmlns:p14="http://schemas.microsoft.com/office/powerpoint/2010/main" val="2611549513"/>
+      </p:ext>
+    </p:extLst>
+  </p:cSld>
+  <p:clrMapOvr>
+    <a:masterClrMapping/>
+  </p:clrMapOvr>
+  <p:transition spd="slow">
+    <p:wipe dir="r"/>
+  </p:transition>
+</p:sld>
+</file>
+
+<file path=ppt/slides/slide14.xml><?xml version="1.0" encoding="utf-8"?>
 <p:sld xmlns:a="http://schemas.openxmlformats.org/drawingml/2006/main" xmlns:r="http://schemas.openxmlformats.org/officeDocument/2006/relationships" xmlns:p="http://schemas.openxmlformats.org/presentationml/2006/main">
   <p:cSld>
     <p:bg>
@@ -1197,7 +3521,7 @@
           <a:lstStyle/>
           <a:p>
             <a:r>
-              <a:rPr lang="en-US" altLang="zh-CN" sz="4800" spc="300" dirty="0" smtClean="0">
+              <a:rPr lang="en-US" altLang="zh-CN" sz="4800" spc="300" dirty="0">
                 <a:solidFill>
                   <a:schemeClr val="bg1"/>
                 </a:solidFill>
@@ -1239,7 +3563,7 @@
           <a:lstStyle/>
           <a:p>
             <a:r>
-              <a:rPr lang="en-US" altLang="zh-CN" sz="1800" cap="all" dirty="0" smtClean="0">
+              <a:rPr lang="en-US" altLang="zh-CN" sz="1800" cap="all" dirty="0">
                 <a:solidFill>
                   <a:schemeClr val="bg1"/>
                 </a:solidFill>
@@ -1271,13 +3595,6 @@
   <p:transition spd="slow">
     <p:wipe dir="r"/>
   </p:transition>
-  <p:timing>
-    <p:tnLst>
-      <p:par>
-        <p:cTn id="1" dur="indefinite" restart="never" nodeType="tmRoot"/>
-      </p:par>
-    </p:tnLst>
-  </p:timing>
 </p:sld>
 </file>
 
@@ -1321,7 +3638,7 @@
           <a:lstStyle/>
           <a:p>
             <a:r>
-              <a:rPr lang="en-US" altLang="zh-CN" sz="3200" dirty="0" smtClean="0">
+              <a:rPr lang="en-US" altLang="zh-CN" sz="3200" dirty="0">
                 <a:solidFill>
                   <a:srgbClr val="0066CC"/>
                 </a:solidFill>
@@ -1331,7 +3648,7 @@
               <a:t>Java8</a:t>
             </a:r>
             <a:r>
-              <a:rPr lang="zh-CN" altLang="en-US" sz="3200" dirty="0" smtClean="0">
+              <a:rPr lang="zh-CN" altLang="en-US" sz="3200" dirty="0">
                 <a:solidFill>
                   <a:srgbClr val="0066CC"/>
                 </a:solidFill>
@@ -1341,7 +3658,7 @@
               <a:t>  </a:t>
             </a:r>
             <a:r>
-              <a:rPr lang="en-US" altLang="zh-CN" sz="3200" dirty="0" smtClean="0">
+              <a:rPr lang="en-US" altLang="zh-CN" sz="3200" dirty="0">
                 <a:solidFill>
                   <a:srgbClr val="0066CC"/>
                 </a:solidFill>
@@ -1398,20 +3715,7 @@
                 <a:latin typeface="宋体" panose="02010600030101010101" pitchFamily="2" charset="-122"/>
                 <a:ea typeface="宋体" panose="02010600030101010101" pitchFamily="2" charset="-122"/>
               </a:rPr>
-              <a:t>Java Programming </a:t>
-            </a:r>
-            <a:r>
-              <a:rPr lang="en-US" altLang="zh-CN" sz="2400" dirty="0" smtClean="0">
-                <a:solidFill>
-                  <a:schemeClr val="tx1">
-                    <a:lumMod val="75000"/>
-                    <a:lumOff val="25000"/>
-                  </a:schemeClr>
-                </a:solidFill>
-                <a:latin typeface="宋体" panose="02010600030101010101" pitchFamily="2" charset="-122"/>
-                <a:ea typeface="宋体" panose="02010600030101010101" pitchFamily="2" charset="-122"/>
-              </a:rPr>
-              <a:t>Language</a:t>
+              <a:t>Java Programming Language</a:t>
             </a:r>
           </a:p>
           <a:p>
@@ -1430,17 +3734,7 @@
                 <a:latin typeface="宋体" panose="02010600030101010101" pitchFamily="2" charset="-122"/>
                 <a:ea typeface="宋体" panose="02010600030101010101" pitchFamily="2" charset="-122"/>
               </a:rPr>
-              <a:t>Lambda </a:t>
-            </a:r>
-            <a:r>
-              <a:rPr lang="en-US" altLang="zh-CN" sz="1800" b="1" dirty="0" smtClean="0">
-                <a:solidFill>
-                  <a:srgbClr val="C00000"/>
-                </a:solidFill>
-                <a:latin typeface="宋体" panose="02010600030101010101" pitchFamily="2" charset="-122"/>
-                <a:ea typeface="宋体" panose="02010600030101010101" pitchFamily="2" charset="-122"/>
-              </a:rPr>
-              <a:t>Expressions</a:t>
+              <a:t>Lambda Expressions</a:t>
             </a:r>
           </a:p>
           <a:p>
@@ -1462,20 +3756,7 @@
                 <a:latin typeface="宋体" panose="02010600030101010101" pitchFamily="2" charset="-122"/>
                 <a:ea typeface="宋体" panose="02010600030101010101" pitchFamily="2" charset="-122"/>
               </a:rPr>
-              <a:t>Method </a:t>
-            </a:r>
-            <a:r>
-              <a:rPr lang="en-US" altLang="zh-CN" sz="1800" dirty="0" smtClean="0">
-                <a:solidFill>
-                  <a:schemeClr val="tx1">
-                    <a:lumMod val="75000"/>
-                    <a:lumOff val="25000"/>
-                  </a:schemeClr>
-                </a:solidFill>
-                <a:latin typeface="宋体" panose="02010600030101010101" pitchFamily="2" charset="-122"/>
-                <a:ea typeface="宋体" panose="02010600030101010101" pitchFamily="2" charset="-122"/>
-              </a:rPr>
-              <a:t>references</a:t>
+              <a:t>Method references</a:t>
             </a:r>
           </a:p>
           <a:p>
@@ -1497,20 +3778,7 @@
                 <a:latin typeface="宋体" panose="02010600030101010101" pitchFamily="2" charset="-122"/>
                 <a:ea typeface="宋体" panose="02010600030101010101" pitchFamily="2" charset="-122"/>
               </a:rPr>
-              <a:t>Default </a:t>
-            </a:r>
-            <a:r>
-              <a:rPr lang="en-US" altLang="zh-CN" sz="1800" dirty="0" smtClean="0">
-                <a:solidFill>
-                  <a:schemeClr val="tx1">
-                    <a:lumMod val="75000"/>
-                    <a:lumOff val="25000"/>
-                  </a:schemeClr>
-                </a:solidFill>
-                <a:latin typeface="宋体" panose="02010600030101010101" pitchFamily="2" charset="-122"/>
-                <a:ea typeface="宋体" panose="02010600030101010101" pitchFamily="2" charset="-122"/>
-              </a:rPr>
-              <a:t>methods</a:t>
+              <a:t>Default methods</a:t>
             </a:r>
           </a:p>
           <a:p>
@@ -1522,7 +3790,7 @@
               <a:buChar char="l"/>
             </a:pPr>
             <a:r>
-              <a:rPr lang="en-US" altLang="zh-CN" sz="1800" dirty="0" smtClean="0">
+              <a:rPr lang="en-US" altLang="zh-CN" sz="1800" dirty="0">
                 <a:solidFill>
                   <a:schemeClr val="tx1">
                     <a:lumMod val="75000"/>
@@ -1541,7 +3809,7 @@
                 <a:spcPts val="2500"/>
               </a:lnSpc>
             </a:pPr>
-            <a:endParaRPr lang="en-US" altLang="zh-CN" sz="1800" dirty="0" smtClean="0">
+            <a:endParaRPr lang="en-US" altLang="zh-CN" sz="1800" dirty="0">
               <a:solidFill>
                 <a:schemeClr val="tx1">
                   <a:lumMod val="75000"/>
@@ -1559,7 +3827,7 @@
               </a:lnSpc>
             </a:pPr>
             <a:r>
-              <a:rPr lang="en-US" altLang="zh-CN" sz="2400" dirty="0" smtClean="0">
+              <a:rPr lang="en-US" altLang="zh-CN" sz="2400" dirty="0">
                 <a:solidFill>
                   <a:schemeClr val="tx1">
                     <a:lumMod val="75000"/>
@@ -1588,17 +3856,7 @@
                 <a:latin typeface="宋体" panose="02010600030101010101" pitchFamily="2" charset="-122"/>
                 <a:ea typeface="宋体" panose="02010600030101010101" pitchFamily="2" charset="-122"/>
               </a:rPr>
-              <a:t>Stream </a:t>
-            </a:r>
-            <a:r>
-              <a:rPr lang="en-US" altLang="zh-CN" sz="1800" b="1" dirty="0" smtClean="0">
-                <a:solidFill>
-                  <a:srgbClr val="C00000"/>
-                </a:solidFill>
-                <a:latin typeface="宋体" panose="02010600030101010101" pitchFamily="2" charset="-122"/>
-                <a:ea typeface="宋体" panose="02010600030101010101" pitchFamily="2" charset="-122"/>
-              </a:rPr>
-              <a:t>API</a:t>
+              <a:t>Stream API</a:t>
             </a:r>
           </a:p>
           <a:p>
@@ -1609,7 +3867,7 @@
               <a:buFont typeface="Wingdings" panose="05000000000000000000" pitchFamily="2" charset="2"/>
               <a:buChar char="l"/>
             </a:pPr>
-            <a:endParaRPr lang="en-US" altLang="zh-CN" sz="1800" dirty="0" smtClean="0">
+            <a:endParaRPr lang="en-US" altLang="zh-CN" sz="1800" dirty="0">
               <a:solidFill>
                 <a:schemeClr val="tx1">
                   <a:lumMod val="75000"/>
@@ -1627,7 +3885,7 @@
               </a:lnSpc>
             </a:pPr>
             <a:r>
-              <a:rPr lang="en-US" altLang="zh-CN" sz="2400" dirty="0" smtClean="0">
+              <a:rPr lang="en-US" altLang="zh-CN" sz="2400" dirty="0">
                 <a:solidFill>
                   <a:schemeClr val="tx1">
                     <a:lumMod val="75000"/>
@@ -1661,7 +3919,7 @@
         <p:spPr>
           <a:xfrm>
             <a:off x="882205" y="6039718"/>
-            <a:ext cx="8712967" cy="646331"/>
+            <a:ext cx="8712967" cy="369332"/>
           </a:xfrm>
           <a:prstGeom prst="rect">
             <a:avLst/>
@@ -1676,22 +3934,18 @@
           <a:p>
             <a:r>
               <a:rPr lang="zh-CN" altLang="en-US" sz="1800" dirty="0"/>
-              <a:t>了解</a:t>
-            </a:r>
-            <a:r>
-              <a:rPr lang="zh-CN" altLang="en-US" sz="1800" dirty="0" smtClean="0"/>
-              <a:t>更多</a:t>
-            </a:r>
-            <a:r>
-              <a:rPr lang="en-US" altLang="zh-CN" sz="1800" dirty="0" smtClean="0"/>
-              <a:t>:https</a:t>
+              <a:t>了解更多</a:t>
             </a:r>
             <a:r>
               <a:rPr lang="en-US" altLang="zh-CN" sz="1800" dirty="0"/>
-              <a:t>://www.oracle.com/technetwork/java/javase/8-whats-new-2157071.html</a:t>
-            </a:r>
-          </a:p>
-          <a:p>
+              <a:t>:</a:t>
+            </a:r>
+            <a:r>
+              <a:rPr lang="en-US" altLang="zh-CN" sz="1800" dirty="0">
+                <a:hlinkClick r:id="rId2"/>
+              </a:rPr>
+              <a:t>https://www.oracle.com/technetwork/java/javase/8-whats-new-2157071.html</a:t>
+            </a:r>
             <a:endParaRPr lang="zh-CN" altLang="en-US" sz="1800" dirty="0"/>
           </a:p>
         </p:txBody>
@@ -1704,13 +3958,6 @@
   <p:transition spd="slow">
     <p:wipe dir="r"/>
   </p:transition>
-  <p:timing>
-    <p:tnLst>
-      <p:par>
-        <p:cTn id="1" dur="indefinite" restart="never" nodeType="tmRoot"/>
-      </p:par>
-    </p:tnLst>
-  </p:timing>
 </p:sld>
 </file>
 
@@ -1754,7 +4001,7 @@
           <a:lstStyle/>
           <a:p>
             <a:r>
-              <a:rPr lang="zh-CN" altLang="en-US" sz="3200" dirty="0" smtClean="0">
+              <a:rPr lang="zh-CN" altLang="en-US" sz="3200" dirty="0">
                 <a:solidFill>
                   <a:srgbClr val="0066CC"/>
                 </a:solidFill>
@@ -1764,7 +4011,7 @@
               <a:t>为什么学习</a:t>
             </a:r>
             <a:r>
-              <a:rPr lang="en-US" altLang="zh-CN" sz="3200" dirty="0" smtClean="0">
+              <a:rPr lang="en-US" altLang="zh-CN" sz="3200" dirty="0">
                 <a:solidFill>
                   <a:srgbClr val="0066CC"/>
                 </a:solidFill>
@@ -1774,7 +4021,7 @@
               <a:t>Java8</a:t>
             </a:r>
             <a:r>
-              <a:rPr lang="zh-CN" altLang="en-US" sz="3200" dirty="0" smtClean="0">
+              <a:rPr lang="zh-CN" altLang="en-US" sz="3200" dirty="0">
                 <a:solidFill>
                   <a:srgbClr val="0066CC"/>
                 </a:solidFill>
@@ -1783,13 +4030,6 @@
               </a:rPr>
               <a:t>？</a:t>
             </a:r>
-            <a:endParaRPr lang="zh-CN" altLang="en-US" sz="3200" dirty="0">
-              <a:solidFill>
-                <a:srgbClr val="0066CC"/>
-              </a:solidFill>
-              <a:latin typeface="思源黑体 CN Bold" pitchFamily="34" charset="-122"/>
-              <a:ea typeface="思源黑体 CN Bold" pitchFamily="34" charset="-122"/>
-            </a:endParaRPr>
           </a:p>
         </p:txBody>
       </p:sp>
@@ -1825,34 +4065,34 @@
               <a:t>Java 7 </a:t>
             </a:r>
             <a:r>
-              <a:rPr lang="zh-CN" altLang="en-US" sz="2400" dirty="0" smtClean="0"/>
+              <a:rPr lang="zh-CN" altLang="en-US" sz="2400" dirty="0"/>
               <a:t>发行时间：</a:t>
             </a:r>
             <a:r>
-              <a:rPr lang="en-US" altLang="zh-CN" sz="2400" dirty="0" smtClean="0"/>
+              <a:rPr lang="en-US" altLang="zh-CN" sz="2400" dirty="0"/>
               <a:t>2011</a:t>
             </a:r>
             <a:r>
-              <a:rPr lang="zh-CN" altLang="en-US" sz="2400" dirty="0" smtClean="0"/>
+              <a:rPr lang="zh-CN" altLang="en-US" sz="2400" dirty="0"/>
               <a:t>年</a:t>
             </a:r>
             <a:r>
-              <a:rPr lang="en-US" altLang="zh-CN" sz="2400" dirty="0" smtClean="0"/>
+              <a:rPr lang="en-US" altLang="zh-CN" sz="2400" dirty="0"/>
               <a:t>7</a:t>
             </a:r>
             <a:r>
-              <a:rPr lang="zh-CN" altLang="en-US" sz="2400" dirty="0" smtClean="0"/>
+              <a:rPr lang="zh-CN" altLang="en-US" sz="2400" dirty="0"/>
               <a:t>月</a:t>
             </a:r>
             <a:r>
-              <a:rPr lang="en-US" altLang="zh-CN" sz="2400" dirty="0" smtClean="0"/>
+              <a:rPr lang="en-US" altLang="zh-CN" sz="2400" dirty="0"/>
               <a:t>28</a:t>
             </a:r>
             <a:r>
-              <a:rPr lang="zh-CN" altLang="en-US" sz="2400" dirty="0" smtClean="0"/>
+              <a:rPr lang="zh-CN" altLang="en-US" sz="2400" dirty="0"/>
               <a:t>日</a:t>
             </a:r>
-            <a:endParaRPr lang="en-US" altLang="zh-CN" sz="2400" dirty="0" smtClean="0"/>
+            <a:endParaRPr lang="en-US" altLang="zh-CN" sz="2400" dirty="0"/>
           </a:p>
           <a:p>
             <a:pPr>
@@ -1862,39 +4102,31 @@
             </a:pPr>
             <a:r>
               <a:rPr lang="en-US" altLang="zh-CN" sz="2400" dirty="0"/>
-              <a:t>Java </a:t>
-            </a:r>
-            <a:r>
-              <a:rPr lang="en-US" altLang="zh-CN" sz="2400" dirty="0" smtClean="0"/>
-              <a:t>8 </a:t>
-            </a:r>
-            <a:r>
-              <a:rPr lang="zh-CN" altLang="en-US" sz="2400" dirty="0" smtClean="0"/>
+              <a:t>Java 8 </a:t>
+            </a:r>
+            <a:r>
+              <a:rPr lang="zh-CN" altLang="en-US" sz="2400" dirty="0"/>
               <a:t>发行时间：</a:t>
             </a:r>
             <a:r>
-              <a:rPr lang="en-US" altLang="zh-CN" sz="2400" dirty="0" smtClean="0"/>
+              <a:rPr lang="en-US" altLang="zh-CN" sz="2400" dirty="0"/>
               <a:t>2014</a:t>
             </a:r>
             <a:r>
-              <a:rPr lang="zh-CN" altLang="en-US" sz="2400" dirty="0" smtClean="0"/>
+              <a:rPr lang="zh-CN" altLang="en-US" sz="2400" dirty="0"/>
               <a:t>年</a:t>
             </a:r>
             <a:r>
-              <a:rPr lang="en-US" altLang="zh-CN" sz="2400" dirty="0" smtClean="0"/>
+              <a:rPr lang="en-US" altLang="zh-CN" sz="2400" dirty="0"/>
               <a:t>3</a:t>
             </a:r>
             <a:r>
-              <a:rPr lang="zh-CN" altLang="en-US" sz="2400" dirty="0" smtClean="0"/>
+              <a:rPr lang="zh-CN" altLang="en-US" sz="2400" dirty="0"/>
               <a:t>月</a:t>
             </a:r>
             <a:r>
               <a:rPr lang="en-US" altLang="zh-CN" sz="2400" dirty="0"/>
-              <a:t>1</a:t>
-            </a:r>
-            <a:r>
-              <a:rPr lang="en-US" altLang="zh-CN" sz="2400" dirty="0" smtClean="0"/>
-              <a:t>8</a:t>
+              <a:t>18</a:t>
             </a:r>
             <a:r>
               <a:rPr lang="zh-CN" altLang="en-US" sz="2400" dirty="0"/>
@@ -1908,7 +4140,7 @@
                 <a:spcPts val="2500"/>
               </a:lnSpc>
             </a:pPr>
-            <a:endParaRPr lang="en-US" altLang="zh-CN" sz="2400" dirty="0" smtClean="0">
+            <a:endParaRPr lang="en-US" altLang="zh-CN" sz="2400" dirty="0">
               <a:solidFill>
                 <a:schemeClr val="tx1">
                   <a:lumMod val="75000"/>
@@ -1925,7 +4157,7 @@
                 <a:spcPts val="2500"/>
               </a:lnSpc>
             </a:pPr>
-            <a:endParaRPr lang="en-US" altLang="zh-CN" sz="2400" dirty="0" smtClean="0">
+            <a:endParaRPr lang="en-US" altLang="zh-CN" sz="2400" dirty="0">
               <a:solidFill>
                 <a:schemeClr val="tx1">
                   <a:lumMod val="75000"/>
@@ -1987,13 +4219,6 @@
   <p:transition spd="slow">
     <p:wipe dir="r"/>
   </p:transition>
-  <p:timing>
-    <p:tnLst>
-      <p:par>
-        <p:cTn id="1" dur="indefinite" restart="never" nodeType="tmRoot"/>
-      </p:par>
-    </p:tnLst>
-  </p:timing>
 </p:sld>
 </file>
 
@@ -2079,23 +4304,23 @@
           <a:lstStyle/>
           <a:p>
             <a:r>
-              <a:rPr lang="zh-CN" altLang="en-US" sz="2000" b="1" dirty="0" smtClean="0">
+              <a:rPr lang="zh-CN" altLang="en-US" sz="2000" b="1" dirty="0">
                 <a:latin typeface="Courier New"/>
               </a:rPr>
               <a:t>先看一段代码：</a:t>
             </a:r>
-            <a:endParaRPr lang="en-US" altLang="zh-CN" sz="2000" b="1" dirty="0" smtClean="0">
+            <a:endParaRPr lang="en-US" altLang="zh-CN" sz="2000" b="1" dirty="0">
               <a:latin typeface="Courier New"/>
             </a:endParaRPr>
           </a:p>
           <a:p>
-            <a:endParaRPr lang="en-US" altLang="zh-CN" sz="2000" b="1" dirty="0" smtClean="0">
+            <a:endParaRPr lang="en-US" altLang="zh-CN" sz="2000" b="1" dirty="0">
               <a:latin typeface="Courier New"/>
             </a:endParaRPr>
           </a:p>
           <a:p>
             <a:r>
-              <a:rPr lang="en-US" altLang="zh-CN" sz="2000" b="1" dirty="0" smtClean="0">
+              <a:rPr lang="en-US" altLang="zh-CN" sz="2000" b="1" dirty="0">
                 <a:solidFill>
                   <a:srgbClr val="7F0055"/>
                 </a:solidFill>
@@ -2104,7 +4329,7 @@
               <a:t>public</a:t>
             </a:r>
             <a:r>
-              <a:rPr lang="en-US" altLang="zh-CN" sz="2000" b="1" dirty="0" smtClean="0">
+              <a:rPr lang="en-US" altLang="zh-CN" sz="2000" b="1" dirty="0">
                 <a:solidFill>
                   <a:srgbClr val="000000"/>
                 </a:solidFill>
@@ -2410,7 +4635,7 @@
           <a:p>
             <a:pPr lvl="2"/>
             <a:r>
-              <a:rPr lang="en-US" altLang="zh-CN" sz="2000" dirty="0" smtClean="0">
+              <a:rPr lang="en-US" altLang="zh-CN" sz="2000" dirty="0">
                 <a:solidFill>
                   <a:srgbClr val="6A3E3E"/>
                 </a:solidFill>
@@ -2419,7 +4644,7 @@
               <a:t>	</a:t>
             </a:r>
             <a:r>
-              <a:rPr lang="en-US" altLang="zh-CN" sz="2000" dirty="0" err="1" smtClean="0">
+              <a:rPr lang="en-US" altLang="zh-CN" sz="2000" dirty="0" err="1">
                 <a:solidFill>
                   <a:srgbClr val="6A3E3E"/>
                 </a:solidFill>
@@ -2428,7 +4653,7 @@
               <a:t>button</a:t>
             </a:r>
             <a:r>
-              <a:rPr lang="en-US" altLang="zh-CN" sz="2000" dirty="0" err="1" smtClean="0">
+              <a:rPr lang="en-US" altLang="zh-CN" sz="2000" dirty="0" err="1">
                 <a:solidFill>
                   <a:srgbClr val="000000"/>
                 </a:solidFill>
@@ -2437,22 +4662,13 @@
               <a:t>.setSize</a:t>
             </a:r>
             <a:r>
-              <a:rPr lang="en-US" altLang="zh-CN" sz="2000" dirty="0" smtClean="0">
-                <a:solidFill>
-                  <a:srgbClr val="000000"/>
-                </a:solidFill>
-                <a:latin typeface="Courier New"/>
-              </a:rPr>
-              <a:t>(120</a:t>
-            </a:r>
-            <a:r>
-              <a:rPr lang="en-US" altLang="zh-CN" sz="2000" dirty="0">
-                <a:solidFill>
-                  <a:srgbClr val="000000"/>
-                </a:solidFill>
-                <a:latin typeface="Courier New"/>
-              </a:rPr>
-              <a:t>, 40);</a:t>
+              <a:rPr lang="en-US" altLang="zh-CN" sz="2000" dirty="0">
+                <a:solidFill>
+                  <a:srgbClr val="000000"/>
+                </a:solidFill>
+                <a:latin typeface="Courier New"/>
+              </a:rPr>
+              <a:t>(120, 40);</a:t>
             </a:r>
           </a:p>
           <a:p>
@@ -2510,13 +4726,6 @@
   <p:transition spd="slow">
     <p:wipe dir="r"/>
   </p:transition>
-  <p:timing>
-    <p:tnLst>
-      <p:par>
-        <p:cTn id="1" dur="indefinite" restart="never" nodeType="tmRoot"/>
-      </p:par>
-    </p:tnLst>
-  </p:timing>
 </p:sld>
 </file>
 
@@ -2602,29 +4811,29 @@
           <a:lstStyle/>
           <a:p>
             <a:r>
-              <a:rPr lang="en-US" altLang="zh-CN" sz="2000" b="1" dirty="0" smtClean="0">
+              <a:rPr lang="en-US" altLang="zh-CN" sz="2000" b="1" dirty="0">
                 <a:latin typeface="Courier New"/>
               </a:rPr>
               <a:t>Java8</a:t>
             </a:r>
             <a:r>
-              <a:rPr lang="zh-CN" altLang="en-US" sz="2000" b="1" dirty="0" smtClean="0">
+              <a:rPr lang="zh-CN" altLang="en-US" sz="2000" b="1" dirty="0">
                 <a:latin typeface="Courier New"/>
               </a:rPr>
               <a:t>为我们修改这种繁琐的代码带来了可能：</a:t>
             </a:r>
-            <a:endParaRPr lang="en-US" altLang="zh-CN" sz="2000" b="1" dirty="0" smtClean="0">
+            <a:endParaRPr lang="en-US" altLang="zh-CN" sz="2000" b="1" dirty="0">
               <a:latin typeface="Courier New"/>
             </a:endParaRPr>
           </a:p>
           <a:p>
-            <a:endParaRPr lang="en-US" altLang="zh-CN" sz="2000" b="1" dirty="0" smtClean="0">
+            <a:endParaRPr lang="en-US" altLang="zh-CN" sz="2000" b="1" dirty="0">
               <a:latin typeface="Courier New"/>
             </a:endParaRPr>
           </a:p>
           <a:p>
             <a:r>
-              <a:rPr lang="en-US" altLang="zh-CN" sz="2000" b="1" dirty="0" smtClean="0">
+              <a:rPr lang="en-US" altLang="zh-CN" sz="2000" b="1" dirty="0">
                 <a:solidFill>
                   <a:srgbClr val="7F0055"/>
                 </a:solidFill>
@@ -2633,7 +4842,7 @@
               <a:t>public</a:t>
             </a:r>
             <a:r>
-              <a:rPr lang="en-US" altLang="zh-CN" sz="2000" b="1" dirty="0" smtClean="0">
+              <a:rPr lang="en-US" altLang="zh-CN" sz="2000" b="1" dirty="0">
                 <a:solidFill>
                   <a:srgbClr val="000000"/>
                 </a:solidFill>
@@ -2762,18 +4971,9 @@
                 </a:solidFill>
                 <a:latin typeface="Courier New"/>
               </a:rPr>
-              <a:t>添加动作</a:t>
-            </a:r>
-            <a:r>
-              <a:rPr lang="zh-CN" altLang="en-US" sz="2000" dirty="0" smtClean="0">
-                <a:solidFill>
-                  <a:srgbClr val="3F7F5F"/>
-                </a:solidFill>
-                <a:latin typeface="Courier New"/>
-              </a:rPr>
-              <a:t>监听器</a:t>
-            </a:r>
-            <a:endParaRPr lang="en-US" altLang="zh-CN" sz="2000" dirty="0" smtClean="0">
+              <a:t>添加动作监听器</a:t>
+            </a:r>
+            <a:endParaRPr lang="en-US" altLang="zh-CN" sz="2000" dirty="0">
               <a:solidFill>
                 <a:srgbClr val="3F7F5F"/>
               </a:solidFill>
@@ -2831,7 +5031,7 @@
           <a:p>
             <a:pPr lvl="1"/>
             <a:r>
-              <a:rPr lang="en-US" altLang="zh-CN" sz="2000" dirty="0" smtClean="0">
+              <a:rPr lang="en-US" altLang="zh-CN" sz="2000" dirty="0">
                 <a:solidFill>
                   <a:srgbClr val="6A3E3E"/>
                 </a:solidFill>
@@ -2840,7 +5040,7 @@
               <a:t>	</a:t>
             </a:r>
             <a:r>
-              <a:rPr lang="en-US" altLang="zh-CN" sz="2000" dirty="0" err="1" smtClean="0">
+              <a:rPr lang="en-US" altLang="zh-CN" sz="2000" dirty="0" err="1">
                 <a:solidFill>
                   <a:srgbClr val="6A3E3E"/>
                 </a:solidFill>
@@ -2849,7 +5049,7 @@
               <a:t>button</a:t>
             </a:r>
             <a:r>
-              <a:rPr lang="en-US" altLang="zh-CN" sz="2000" dirty="0" err="1" smtClean="0">
+              <a:rPr lang="en-US" altLang="zh-CN" sz="2000" dirty="0" err="1">
                 <a:solidFill>
                   <a:srgbClr val="000000"/>
                 </a:solidFill>
@@ -2858,22 +5058,13 @@
               <a:t>.setSize</a:t>
             </a:r>
             <a:r>
-              <a:rPr lang="en-US" altLang="zh-CN" sz="2000" dirty="0" smtClean="0">
-                <a:solidFill>
-                  <a:srgbClr val="000000"/>
-                </a:solidFill>
-                <a:latin typeface="Courier New"/>
-              </a:rPr>
-              <a:t>(120</a:t>
-            </a:r>
-            <a:r>
-              <a:rPr lang="en-US" altLang="zh-CN" sz="2000" dirty="0">
-                <a:solidFill>
-                  <a:srgbClr val="000000"/>
-                </a:solidFill>
-                <a:latin typeface="Courier New"/>
-              </a:rPr>
-              <a:t>, 40);</a:t>
+              <a:rPr lang="en-US" altLang="zh-CN" sz="2000" dirty="0">
+                <a:solidFill>
+                  <a:srgbClr val="000000"/>
+                </a:solidFill>
+                <a:latin typeface="Courier New"/>
+              </a:rPr>
+              <a:t>(120, 40);</a:t>
             </a:r>
           </a:p>
           <a:p>
@@ -2896,7 +5087,7 @@
           </a:p>
           <a:p>
             <a:r>
-              <a:rPr lang="en-US" altLang="zh-CN" sz="2000" dirty="0" smtClean="0">
+              <a:rPr lang="en-US" altLang="zh-CN" sz="2000" dirty="0">
                 <a:solidFill>
                   <a:srgbClr val="000000"/>
                 </a:solidFill>
@@ -2925,13 +5116,6 @@
   <p:transition spd="slow">
     <p:wipe dir="r"/>
   </p:transition>
-  <p:timing>
-    <p:tnLst>
-      <p:par>
-        <p:cTn id="1" dur="indefinite" restart="never" nodeType="tmRoot"/>
-      </p:par>
-    </p:tnLst>
-  </p:timing>
 </p:sld>
 </file>
 
@@ -3018,25 +5202,13 @@
           <a:p>
             <a:r>
               <a:rPr lang="en-US" altLang="zh-CN" sz="2000" dirty="0"/>
-              <a:t>Lambda </a:t>
-            </a:r>
-            <a:r>
-              <a:rPr lang="en-US" altLang="zh-CN" sz="2000" dirty="0" smtClean="0"/>
-              <a:t> Expressions</a:t>
-            </a:r>
-            <a:r>
-              <a:rPr lang="zh-CN" altLang="en-US" sz="2000" dirty="0" smtClean="0"/>
-              <a:t>允许</a:t>
+              <a:t>Lambda  Expressions</a:t>
             </a:r>
             <a:r>
               <a:rPr lang="zh-CN" altLang="en-US" sz="2000" dirty="0"/>
-              <a:t>把函数作为一个方法的参数（函数作为参数传递进方法中）</a:t>
-            </a:r>
-            <a:r>
-              <a:rPr lang="zh-CN" altLang="en-US" sz="2000" dirty="0" smtClean="0"/>
-              <a:t>。</a:t>
-            </a:r>
-            <a:endParaRPr lang="en-US" altLang="zh-CN" sz="2000" dirty="0" smtClean="0"/>
+              <a:t>允许把函数作为一个方法的参数（函数作为参数传递进方法中）。</a:t>
+            </a:r>
+            <a:endParaRPr lang="en-US" altLang="zh-CN" sz="2000" dirty="0"/>
           </a:p>
           <a:p>
             <a:endParaRPr lang="en-US" altLang="zh-CN" sz="2000" b="1" dirty="0">
@@ -3050,12 +5222,12 @@
           </a:p>
           <a:p>
             <a:r>
-              <a:rPr lang="zh-CN" altLang="en-US" sz="2000" b="1" dirty="0" smtClean="0">
+              <a:rPr lang="zh-CN" altLang="en-US" sz="2000" b="1" dirty="0">
                 <a:latin typeface="Courier New"/>
               </a:rPr>
               <a:t>语法：</a:t>
             </a:r>
-            <a:endParaRPr lang="en-US" altLang="zh-CN" sz="2000" b="1" dirty="0" smtClean="0">
+            <a:endParaRPr lang="en-US" altLang="zh-CN" sz="2000" b="1" dirty="0">
               <a:latin typeface="Courier New"/>
             </a:endParaRPr>
           </a:p>
@@ -3114,16 +5286,10 @@
               </a:rPr>
               <a:t> </a:t>
             </a:r>
-            <a:endParaRPr lang="en-US" altLang="zh-CN" sz="2000" dirty="0" smtClean="0">
-              <a:solidFill>
-                <a:srgbClr val="808080"/>
-              </a:solidFill>
-              <a:latin typeface="Menlo"/>
-            </a:endParaRPr>
-          </a:p>
-          <a:p>
-            <a:r>
-              <a:rPr lang="en-US" altLang="zh-CN" sz="2000" dirty="0" smtClean="0">
+          </a:p>
+          <a:p>
+            <a:r>
+              <a:rPr lang="en-US" altLang="zh-CN" sz="2000" dirty="0">
                 <a:solidFill>
                   <a:srgbClr val="808000"/>
                 </a:solidFill>
@@ -3195,7 +5361,7 @@
               <a:t>; </a:t>
             </a:r>
             <a:r>
-              <a:rPr lang="en-US" altLang="zh-CN" sz="2000" dirty="0" smtClean="0">
+              <a:rPr lang="en-US" altLang="zh-CN" sz="2000" dirty="0">
                 <a:solidFill>
                   <a:srgbClr val="808000"/>
                 </a:solidFill>
@@ -3217,15 +5383,9 @@
               <a:rPr lang="zh-CN" altLang="en-US" sz="2000" b="1" dirty="0">
                 <a:latin typeface="Courier New"/>
               </a:rPr>
-              <a:t>特征</a:t>
-            </a:r>
-            <a:r>
-              <a:rPr lang="zh-CN" altLang="en-US" sz="2000" b="1" dirty="0" smtClean="0">
-                <a:latin typeface="Courier New"/>
-              </a:rPr>
-              <a:t>：</a:t>
-            </a:r>
-            <a:endParaRPr lang="en-US" altLang="zh-CN" sz="2000" b="1" dirty="0" smtClean="0">
+              <a:t>特征：</a:t>
+            </a:r>
+            <a:endParaRPr lang="en-US" altLang="zh-CN" sz="2000" b="1" dirty="0">
               <a:latin typeface="Courier New"/>
             </a:endParaRPr>
           </a:p>
@@ -3235,18 +5395,10 @@
               <a:buChar char="•"/>
             </a:pPr>
             <a:r>
-              <a:rPr lang="zh-CN" altLang="en-US" sz="2000" dirty="0" smtClean="0"/>
-              <a:t>可选</a:t>
-            </a:r>
-            <a:r>
               <a:rPr lang="zh-CN" altLang="en-US" sz="2000" dirty="0"/>
-              <a:t>类型</a:t>
-            </a:r>
-            <a:r>
-              <a:rPr lang="zh-CN" altLang="en-US" sz="2000" dirty="0" smtClean="0"/>
-              <a:t>声明</a:t>
-            </a:r>
-            <a:endParaRPr lang="en-US" altLang="zh-CN" sz="2000" dirty="0" smtClean="0"/>
+              <a:t>可选类型声明</a:t>
+            </a:r>
+            <a:endParaRPr lang="en-US" altLang="zh-CN" sz="2000" dirty="0"/>
           </a:p>
           <a:p>
             <a:pPr marL="877736" lvl="1" indent="-342900">
@@ -3255,13 +5407,9 @@
             </a:pPr>
             <a:r>
               <a:rPr lang="zh-CN" altLang="en-US" sz="2000" dirty="0"/>
-              <a:t>可选的参数</a:t>
-            </a:r>
-            <a:r>
-              <a:rPr lang="zh-CN" altLang="en-US" sz="2000" dirty="0" smtClean="0"/>
-              <a:t>圆括号</a:t>
-            </a:r>
-            <a:endParaRPr lang="en-US" altLang="zh-CN" sz="2000" dirty="0" smtClean="0"/>
+              <a:t>可选的参数圆括号</a:t>
+            </a:r>
+            <a:endParaRPr lang="en-US" altLang="zh-CN" sz="2000" dirty="0"/>
           </a:p>
           <a:p>
             <a:pPr marL="877736" lvl="1" indent="-342900">
@@ -3270,13 +5418,9 @@
             </a:pPr>
             <a:r>
               <a:rPr lang="zh-CN" altLang="en-US" sz="2000" dirty="0"/>
-              <a:t>可选的</a:t>
-            </a:r>
-            <a:r>
-              <a:rPr lang="zh-CN" altLang="en-US" sz="2000" dirty="0" smtClean="0"/>
-              <a:t>大括号</a:t>
-            </a:r>
-            <a:endParaRPr lang="en-US" altLang="zh-CN" sz="2000" dirty="0" smtClean="0"/>
+              <a:t>可选的大括号</a:t>
+            </a:r>
+            <a:endParaRPr lang="en-US" altLang="zh-CN" sz="2000" dirty="0"/>
           </a:p>
           <a:p>
             <a:pPr marL="877736" lvl="1" indent="-342900">
@@ -3306,13 +5450,6 @@
   <p:transition spd="slow">
     <p:wipe dir="r"/>
   </p:transition>
-  <p:timing>
-    <p:tnLst>
-      <p:par>
-        <p:cTn id="1" dur="indefinite" restart="never" nodeType="tmRoot"/>
-      </p:par>
-    </p:tnLst>
-  </p:timing>
 </p:sld>
 </file>
 
@@ -3401,15 +5538,9 @@
               <a:rPr lang="zh-CN" altLang="en-US" sz="2000" b="1" dirty="0">
                 <a:latin typeface="Courier New"/>
               </a:rPr>
-              <a:t>实例</a:t>
-            </a:r>
-            <a:r>
-              <a:rPr lang="zh-CN" altLang="en-US" sz="2000" b="1" dirty="0" smtClean="0">
-                <a:latin typeface="Courier New"/>
-              </a:rPr>
-              <a:t>：</a:t>
-            </a:r>
-            <a:endParaRPr lang="en-US" altLang="zh-CN" sz="2000" b="1" dirty="0" smtClean="0">
+              <a:t>实例：</a:t>
+            </a:r>
+            <a:endParaRPr lang="en-US" altLang="zh-CN" sz="2000" b="1" dirty="0">
               <a:latin typeface="Courier New"/>
             </a:endParaRPr>
           </a:p>
@@ -3446,20 +5577,23 @@
               </a:rPr>
               <a:t>返回值为 </a:t>
             </a:r>
-            <a:endParaRPr lang="en-US" altLang="zh-CN" sz="2000" dirty="0" smtClean="0">
-              <a:solidFill>
-                <a:srgbClr val="880000"/>
-              </a:solidFill>
-            </a:endParaRPr>
-          </a:p>
-          <a:p>
-            <a:r>
-              <a:rPr lang="en-US" altLang="zh-CN" sz="2000" dirty="0" smtClean="0">
+            <a:r>
+              <a:rPr lang="en-US" altLang="zh-CN" sz="2000" dirty="0">
                 <a:solidFill>
                   <a:srgbClr val="880000"/>
                 </a:solidFill>
               </a:rPr>
-              <a:t>5 </a:t>
+              <a:t>5</a:t>
+            </a:r>
+          </a:p>
+          <a:p>
+            <a:r>
+              <a:rPr lang="en-US" altLang="zh-CN" sz="2000" dirty="0">
+                <a:solidFill>
+                  <a:srgbClr val="880000"/>
+                </a:solidFill>
+              </a:rPr>
+              <a:t> </a:t>
             </a:r>
             <a:r>
               <a:rPr lang="en-US" altLang="zh-CN" sz="2000" dirty="0">
@@ -3494,7 +5628,7 @@
               <a:t> </a:t>
             </a:r>
             <a:r>
-              <a:rPr lang="en-US" altLang="zh-CN" sz="2000" dirty="0" smtClean="0">
+              <a:rPr lang="en-US" altLang="zh-CN" sz="2000" dirty="0">
                 <a:solidFill>
                   <a:srgbClr val="006666"/>
                 </a:solidFill>
@@ -3511,7 +5645,7 @@
           </a:p>
           <a:p>
             <a:r>
-              <a:rPr lang="zh-CN" altLang="en-US" sz="2000" dirty="0" smtClean="0">
+              <a:rPr lang="zh-CN" altLang="en-US" sz="2000" dirty="0">
                 <a:solidFill>
                   <a:srgbClr val="000000"/>
                 </a:solidFill>
@@ -3582,7 +5716,7 @@
               </a:rPr>
               <a:t>倍的值 </a:t>
             </a:r>
-            <a:endParaRPr lang="en-US" altLang="zh-CN" sz="2000" dirty="0" smtClean="0">
+            <a:endParaRPr lang="en-US" altLang="zh-CN" sz="2000" dirty="0">
               <a:solidFill>
                 <a:srgbClr val="880000"/>
               </a:solidFill>
@@ -3590,7 +5724,7 @@
           </a:p>
           <a:p>
             <a:r>
-              <a:rPr lang="en-US" altLang="zh-CN" sz="2000" dirty="0" smtClean="0">
+              <a:rPr lang="en-US" altLang="zh-CN" sz="2000" dirty="0">
                 <a:solidFill>
                   <a:srgbClr val="000000"/>
                 </a:solidFill>
@@ -3643,15 +5777,7 @@
                   <a:srgbClr val="000000"/>
                 </a:solidFill>
               </a:rPr>
-              <a:t> </a:t>
-            </a:r>
-            <a:r>
-              <a:rPr lang="en-US" altLang="zh-CN" sz="2000" dirty="0" smtClean="0">
-                <a:solidFill>
-                  <a:srgbClr val="000000"/>
-                </a:solidFill>
-              </a:rPr>
-              <a:t>x</a:t>
+              <a:t> x</a:t>
             </a:r>
           </a:p>
           <a:p>
@@ -3663,7 +5789,7 @@
           </a:p>
           <a:p>
             <a:r>
-              <a:rPr lang="en-US" altLang="zh-CN" sz="2000" dirty="0" smtClean="0">
+              <a:rPr lang="en-US" altLang="zh-CN" sz="2000" dirty="0">
                 <a:solidFill>
                   <a:srgbClr val="000000"/>
                 </a:solidFill>
@@ -3734,7 +5860,7 @@
               </a:rPr>
               <a:t>并返回他们的差值 </a:t>
             </a:r>
-            <a:endParaRPr lang="en-US" altLang="zh-CN" sz="2000" dirty="0" smtClean="0">
+            <a:endParaRPr lang="en-US" altLang="zh-CN" sz="2000" dirty="0">
               <a:solidFill>
                 <a:srgbClr val="880000"/>
               </a:solidFill>
@@ -3742,7 +5868,7 @@
           </a:p>
           <a:p>
             <a:r>
-              <a:rPr lang="en-US" altLang="zh-CN" sz="2000" dirty="0" smtClean="0">
+              <a:rPr lang="en-US" altLang="zh-CN" sz="2000" dirty="0">
                 <a:solidFill>
                   <a:srgbClr val="666600"/>
                 </a:solidFill>
@@ -3821,11 +5947,6 @@
               </a:rPr>
               <a:t> y </a:t>
             </a:r>
-            <a:endParaRPr lang="en-US" altLang="zh-CN" sz="2000" dirty="0" smtClean="0">
-              <a:solidFill>
-                <a:srgbClr val="000000"/>
-              </a:solidFill>
-            </a:endParaRPr>
           </a:p>
           <a:p>
             <a:endParaRPr lang="en-US" altLang="zh-CN" sz="2000" dirty="0">
@@ -3836,20 +5957,28 @@
           </a:p>
           <a:p>
             <a:r>
-              <a:rPr lang="en-US" altLang="zh-CN" sz="2000" dirty="0" smtClean="0">
+              <a:rPr lang="en-US" altLang="zh-CN" sz="2000" dirty="0">
                 <a:solidFill>
                   <a:srgbClr val="880000"/>
                 </a:solidFill>
               </a:rPr>
-              <a:t>// </a:t>
-            </a:r>
-            <a:r>
-              <a:rPr lang="en-US" altLang="zh-CN" sz="2000" dirty="0">
+              <a:t>// 4. </a:t>
+            </a:r>
+            <a:r>
+              <a:rPr lang="zh-CN" altLang="en-US" sz="2000" dirty="0">
                 <a:solidFill>
                   <a:srgbClr val="880000"/>
                 </a:solidFill>
               </a:rPr>
-              <a:t>4. </a:t>
+              <a:t>接收</a:t>
+            </a:r>
+            <a:r>
+              <a:rPr lang="en-US" altLang="zh-CN" sz="2000" dirty="0">
+                <a:solidFill>
+                  <a:srgbClr val="880000"/>
+                </a:solidFill>
+              </a:rPr>
+              <a:t>2</a:t>
             </a:r>
             <a:r>
               <a:rPr lang="zh-CN" altLang="en-US" sz="2000" dirty="0">
@@ -3857,15 +5986,15 @@
                   <a:srgbClr val="880000"/>
                 </a:solidFill>
               </a:rPr>
-              <a:t>接收</a:t>
-            </a:r>
-            <a:r>
-              <a:rPr lang="en-US" altLang="zh-CN" sz="2000" dirty="0">
+              <a:t>个</a:t>
+            </a:r>
+            <a:r>
+              <a:rPr lang="en-US" altLang="zh-CN" sz="2000" dirty="0" err="1">
                 <a:solidFill>
                   <a:srgbClr val="880000"/>
                 </a:solidFill>
               </a:rPr>
-              <a:t>2</a:t>
+              <a:t>int</a:t>
             </a:r>
             <a:r>
               <a:rPr lang="zh-CN" altLang="en-US" sz="2000" dirty="0">
@@ -3873,15 +6002,15 @@
                   <a:srgbClr val="880000"/>
                 </a:solidFill>
               </a:rPr>
-              <a:t>个</a:t>
-            </a:r>
-            <a:r>
-              <a:rPr lang="en-US" altLang="zh-CN" sz="2000" dirty="0" err="1">
+              <a:t>型整数</a:t>
+            </a:r>
+            <a:r>
+              <a:rPr lang="en-US" altLang="zh-CN" sz="2000" dirty="0">
                 <a:solidFill>
                   <a:srgbClr val="880000"/>
                 </a:solidFill>
               </a:rPr>
-              <a:t>int</a:t>
+              <a:t>,</a:t>
             </a:r>
             <a:r>
               <a:rPr lang="zh-CN" altLang="en-US" sz="2000" dirty="0">
@@ -3889,25 +6018,9 @@
                   <a:srgbClr val="880000"/>
                 </a:solidFill>
               </a:rPr>
-              <a:t>型整数</a:t>
-            </a:r>
-            <a:r>
-              <a:rPr lang="en-US" altLang="zh-CN" sz="2000" dirty="0">
-                <a:solidFill>
-                  <a:srgbClr val="880000"/>
-                </a:solidFill>
-              </a:rPr>
-              <a:t>,</a:t>
-            </a:r>
-            <a:r>
-              <a:rPr lang="zh-CN" altLang="en-US" sz="2000" dirty="0">
-                <a:solidFill>
-                  <a:srgbClr val="880000"/>
-                </a:solidFill>
-              </a:rPr>
               <a:t>返回他们的和 </a:t>
             </a:r>
-            <a:endParaRPr lang="en-US" altLang="zh-CN" sz="2000" dirty="0" smtClean="0">
+            <a:endParaRPr lang="en-US" altLang="zh-CN" sz="2000" dirty="0">
               <a:solidFill>
                 <a:srgbClr val="880000"/>
               </a:solidFill>
@@ -3915,7 +6028,7 @@
           </a:p>
           <a:p>
             <a:r>
-              <a:rPr lang="en-US" altLang="zh-CN" sz="2000" dirty="0" smtClean="0">
+              <a:rPr lang="en-US" altLang="zh-CN" sz="2000" dirty="0">
                 <a:solidFill>
                   <a:srgbClr val="666600"/>
                 </a:solidFill>
@@ -4016,15 +6129,7 @@
                   <a:srgbClr val="000000"/>
                 </a:solidFill>
               </a:rPr>
-              <a:t> </a:t>
-            </a:r>
-            <a:r>
-              <a:rPr lang="en-US" altLang="zh-CN" sz="2000" dirty="0" smtClean="0">
-                <a:solidFill>
-                  <a:srgbClr val="000000"/>
-                </a:solidFill>
-              </a:rPr>
-              <a:t>y</a:t>
+              <a:t> y</a:t>
             </a:r>
           </a:p>
           <a:p>
@@ -4036,7 +6141,7 @@
           </a:p>
           <a:p>
             <a:r>
-              <a:rPr lang="en-US" altLang="zh-CN" sz="2000" dirty="0" smtClean="0">
+              <a:rPr lang="en-US" altLang="zh-CN" sz="2000" dirty="0">
                 <a:solidFill>
                   <a:srgbClr val="000000"/>
                 </a:solidFill>
@@ -4131,15 +6236,10 @@
               </a:rPr>
               <a:t>void) </a:t>
             </a:r>
-            <a:endParaRPr lang="en-US" altLang="zh-CN" sz="2000" dirty="0" smtClean="0">
-              <a:solidFill>
-                <a:srgbClr val="880000"/>
-              </a:solidFill>
-            </a:endParaRPr>
-          </a:p>
-          <a:p>
-            <a:r>
-              <a:rPr lang="en-US" altLang="zh-CN" sz="2000" dirty="0" smtClean="0">
+          </a:p>
+          <a:p>
+            <a:r>
+              <a:rPr lang="en-US" altLang="zh-CN" sz="2000" dirty="0">
                 <a:solidFill>
                   <a:srgbClr val="666600"/>
                 </a:solidFill>
@@ -4258,7 +6358,7 @@
               </a:rPr>
               <a:t>)</a:t>
             </a:r>
-            <a:endParaRPr lang="en-US" altLang="zh-CN" sz="2000" b="1" dirty="0" smtClean="0">
+            <a:endParaRPr lang="en-US" altLang="zh-CN" sz="2000" b="1" dirty="0">
               <a:latin typeface="Courier New"/>
             </a:endParaRPr>
           </a:p>
@@ -4277,13 +6377,6 @@
   <p:transition spd="slow">
     <p:wipe dir="r"/>
   </p:transition>
-  <p:timing>
-    <p:tnLst>
-      <p:par>
-        <p:cTn id="1" dur="indefinite" restart="never" nodeType="tmRoot"/>
-      </p:par>
-    </p:tnLst>
-  </p:timing>
 </p:sld>
 </file>
 
@@ -4369,13 +6462,13 @@
           <a:lstStyle/>
           <a:p>
             <a:r>
-              <a:rPr lang="zh-CN" altLang="en-US" sz="2000" b="1" dirty="0" smtClean="0">
+              <a:rPr lang="zh-CN" altLang="en-US" sz="2000" b="1" dirty="0">
                 <a:latin typeface="Courier New"/>
               </a:rPr>
               <a:t>什么时候可以使用</a:t>
             </a:r>
             <a:r>
-              <a:rPr lang="en-US" altLang="zh-CN" sz="2000" b="1" dirty="0" smtClean="0">
+              <a:rPr lang="en-US" altLang="zh-CN" sz="2000" b="1" dirty="0">
                 <a:latin typeface="Courier New"/>
               </a:rPr>
               <a:t>lambda expressions</a:t>
@@ -4386,12 +6479,12 @@
               </a:rPr>
               <a:t>？</a:t>
             </a:r>
-            <a:endParaRPr lang="en-US" altLang="zh-CN" sz="2000" b="1" dirty="0" smtClean="0">
+            <a:endParaRPr lang="en-US" altLang="zh-CN" sz="2000" b="1" dirty="0">
               <a:latin typeface="Courier New"/>
             </a:endParaRPr>
           </a:p>
           <a:p>
-            <a:endParaRPr lang="en-US" altLang="zh-CN" sz="2000" b="1" dirty="0" smtClean="0">
+            <a:endParaRPr lang="en-US" altLang="zh-CN" sz="2000" b="1" dirty="0">
               <a:latin typeface="Courier New"/>
             </a:endParaRPr>
           </a:p>
@@ -4651,7 +6744,7 @@
           </a:p>
           <a:p>
             <a:r>
-              <a:rPr lang="en-US" altLang="zh-CN" sz="2000" dirty="0" smtClean="0">
+              <a:rPr lang="en-US" altLang="zh-CN" sz="2000" dirty="0">
                 <a:solidFill>
                   <a:srgbClr val="000000"/>
                 </a:solidFill>
@@ -4664,7 +6757,7 @@
             </a:endParaRPr>
           </a:p>
           <a:p>
-            <a:endParaRPr lang="en-US" altLang="zh-CN" sz="2000" dirty="0" smtClean="0">
+            <a:endParaRPr lang="en-US" altLang="zh-CN" sz="2000" dirty="0">
               <a:latin typeface="Courier New"/>
             </a:endParaRPr>
           </a:p>
@@ -4693,11 +6786,11 @@
           <a:lstStyle/>
           <a:p>
             <a:r>
-              <a:rPr lang="zh-CN" altLang="en-US" dirty="0" smtClean="0"/>
+              <a:rPr lang="zh-CN" altLang="en-US" dirty="0"/>
               <a:t>当一个函数的</a:t>
             </a:r>
             <a:r>
-              <a:rPr lang="zh-CN" altLang="en-US" b="1" dirty="0" smtClean="0">
+              <a:rPr lang="zh-CN" altLang="en-US" b="1" dirty="0">
                 <a:solidFill>
                   <a:srgbClr val="C00000"/>
                 </a:solidFill>
@@ -4705,11 +6798,11 @@
               <a:t>参数</a:t>
             </a:r>
             <a:r>
-              <a:rPr lang="zh-CN" altLang="en-US" dirty="0" smtClean="0"/>
+              <a:rPr lang="zh-CN" altLang="en-US" dirty="0"/>
               <a:t>为</a:t>
             </a:r>
             <a:r>
-              <a:rPr lang="zh-CN" altLang="en-US" b="1" dirty="0" smtClean="0">
+              <a:rPr lang="zh-CN" altLang="en-US" b="1" dirty="0">
                 <a:solidFill>
                   <a:srgbClr val="C00000"/>
                 </a:solidFill>
@@ -4717,19 +6810,19 @@
               <a:t>函数式接口</a:t>
             </a:r>
             <a:r>
-              <a:rPr lang="zh-CN" altLang="en-US" dirty="0" smtClean="0"/>
-              <a:t>时，我们可以用</a:t>
-            </a:r>
-            <a:r>
-              <a:rPr lang="en-US" altLang="zh-CN" dirty="0" smtClean="0"/>
+              <a:rPr lang="zh-CN" altLang="en-US" dirty="0"/>
+              <a:t>时，我们可以把</a:t>
+            </a:r>
+            <a:r>
+              <a:rPr lang="en-US" altLang="zh-CN" dirty="0"/>
               <a:t>lambda expressions </a:t>
             </a:r>
             <a:r>
-              <a:rPr lang="zh-CN" altLang="en-US" dirty="0" smtClean="0"/>
-              <a:t>代替这个函数的</a:t>
-            </a:r>
-            <a:r>
-              <a:rPr lang="zh-CN" altLang="en-US" b="1" dirty="0" smtClean="0">
+              <a:rPr lang="zh-CN" altLang="en-US" dirty="0"/>
+              <a:t>当做这个函数的</a:t>
+            </a:r>
+            <a:r>
+              <a:rPr lang="zh-CN" altLang="en-US" b="1" dirty="0">
                 <a:solidFill>
                   <a:srgbClr val="C00000"/>
                 </a:solidFill>
@@ -4737,10 +6830,9 @@
               <a:t>参数</a:t>
             </a:r>
             <a:r>
-              <a:rPr lang="zh-CN" altLang="en-US" dirty="0" smtClean="0"/>
-              <a:t>。</a:t>
-            </a:r>
-            <a:endParaRPr lang="zh-CN" altLang="en-US" dirty="0"/>
+              <a:rPr lang="zh-CN" altLang="en-US" dirty="0"/>
+              <a:t>进行传递。</a:t>
+            </a:r>
           </a:p>
         </p:txBody>
       </p:sp>
@@ -4767,22 +6859,17 @@
           <a:lstStyle/>
           <a:p>
             <a:r>
-              <a:rPr lang="zh-CN" altLang="en-US" dirty="0" smtClean="0"/>
+              <a:rPr lang="zh-CN" altLang="en-US" dirty="0"/>
               <a:t>问题又来了，</a:t>
             </a:r>
             <a:r>
-              <a:rPr lang="zh-CN" altLang="en-US" sz="2400" b="1" dirty="0" smtClean="0">
+              <a:rPr lang="zh-CN" altLang="en-US" sz="2400" b="1" dirty="0">
                 <a:solidFill>
                   <a:srgbClr val="C00000"/>
                 </a:solidFill>
               </a:rPr>
               <a:t>什么是函数式接口？</a:t>
             </a:r>
-            <a:endParaRPr lang="zh-CN" altLang="en-US" sz="2400" b="1" dirty="0">
-              <a:solidFill>
-                <a:srgbClr val="C00000"/>
-              </a:solidFill>
-            </a:endParaRPr>
           </a:p>
         </p:txBody>
       </p:sp>
@@ -5100,22 +7187,22 @@
           <a:lstStyle/>
           <a:p>
             <a:r>
-              <a:rPr lang="zh-CN" altLang="en-US" sz="2000" b="1" dirty="0" smtClean="0">
+              <a:rPr lang="zh-CN" altLang="en-US" sz="2000" b="1" dirty="0">
                 <a:latin typeface="Courier New"/>
               </a:rPr>
               <a:t>函数式接口：</a:t>
             </a:r>
-            <a:endParaRPr lang="en-US" altLang="zh-CN" sz="2000" b="1" dirty="0" smtClean="0">
+            <a:endParaRPr lang="en-US" altLang="zh-CN" sz="2000" b="1" dirty="0">
               <a:latin typeface="Courier New"/>
             </a:endParaRPr>
           </a:p>
           <a:p>
-            <a:endParaRPr lang="en-US" altLang="zh-CN" sz="2000" b="1" dirty="0" smtClean="0">
+            <a:endParaRPr lang="en-US" altLang="zh-CN" sz="2000" b="1" dirty="0">
               <a:latin typeface="Courier New"/>
             </a:endParaRPr>
           </a:p>
           <a:p>
-            <a:endParaRPr lang="en-US" altLang="zh-CN" sz="2000" dirty="0" smtClean="0">
+            <a:endParaRPr lang="en-US" altLang="zh-CN" sz="2000" dirty="0">
               <a:latin typeface="Courier New"/>
             </a:endParaRPr>
           </a:p>
@@ -5129,7 +7216,7 @@
         </p:nvSpPr>
         <p:spPr>
           <a:xfrm>
-            <a:off x="1314252" y="4860751"/>
+            <a:off x="1314252" y="2268463"/>
             <a:ext cx="8640960" cy="738664"/>
           </a:xfrm>
           <a:prstGeom prst="rect">
@@ -5144,67 +7231,84 @@
           <a:lstStyle/>
           <a:p>
             <a:r>
-              <a:rPr lang="zh-CN" altLang="en-US" dirty="0" smtClean="0"/>
-              <a:t>当一个函数的</a:t>
-            </a:r>
-            <a:r>
-              <a:rPr lang="zh-CN" altLang="en-US" b="1" dirty="0" smtClean="0">
+              <a:rPr lang="zh-CN" altLang="en-US" dirty="0"/>
+              <a:t>函数式接口</a:t>
+            </a:r>
+            <a:r>
+              <a:rPr lang="en-US" altLang="zh-CN" dirty="0"/>
+              <a:t>(Functional Interface)</a:t>
+            </a:r>
+            <a:r>
+              <a:rPr lang="zh-CN" altLang="en-US" dirty="0"/>
+              <a:t>就是</a:t>
+            </a:r>
+            <a:r>
+              <a:rPr lang="zh-CN" altLang="en-US" b="1" dirty="0">
                 <a:solidFill>
                   <a:srgbClr val="C00000"/>
                 </a:solidFill>
               </a:rPr>
-              <a:t>参数</a:t>
-            </a:r>
-            <a:r>
-              <a:rPr lang="zh-CN" altLang="en-US" dirty="0" smtClean="0"/>
-              <a:t>为</a:t>
-            </a:r>
-            <a:r>
-              <a:rPr lang="zh-CN" altLang="en-US" b="1" dirty="0" smtClean="0">
-                <a:solidFill>
-                  <a:srgbClr val="C00000"/>
-                </a:solidFill>
-              </a:rPr>
-              <a:t>函数式接口</a:t>
-            </a:r>
-            <a:r>
-              <a:rPr lang="zh-CN" altLang="en-US" dirty="0" smtClean="0"/>
-              <a:t>时，我们可以用</a:t>
-            </a:r>
-            <a:r>
-              <a:rPr lang="en-US" altLang="zh-CN" dirty="0" smtClean="0"/>
-              <a:t>lambda expressions </a:t>
-            </a:r>
-            <a:r>
-              <a:rPr lang="zh-CN" altLang="en-US" dirty="0" smtClean="0"/>
-              <a:t>代替这个函数的</a:t>
-            </a:r>
-            <a:r>
-              <a:rPr lang="zh-CN" altLang="en-US" b="1" dirty="0" smtClean="0">
-                <a:solidFill>
-                  <a:srgbClr val="C00000"/>
-                </a:solidFill>
-              </a:rPr>
-              <a:t>参数</a:t>
-            </a:r>
-            <a:r>
-              <a:rPr lang="zh-CN" altLang="en-US" dirty="0" smtClean="0"/>
-              <a:t>。</a:t>
-            </a:r>
-            <a:endParaRPr lang="zh-CN" altLang="en-US" dirty="0"/>
+              <a:t>一个有且仅有一个抽象方法</a:t>
+            </a:r>
+            <a:r>
+              <a:rPr lang="zh-CN" altLang="en-US" dirty="0"/>
+              <a:t>的</a:t>
+            </a:r>
+            <a:r>
+              <a:rPr lang="zh-CN" altLang="en-US" b="1" dirty="0"/>
+              <a:t>接口</a:t>
+            </a:r>
+            <a:r>
+              <a:rPr lang="zh-CN" altLang="en-US" dirty="0"/>
+              <a:t>。一般使用</a:t>
+            </a:r>
+            <a:r>
+              <a:rPr lang="en-US" altLang="zh-CN" sz="2000" dirty="0">
+                <a:solidFill>
+                  <a:srgbClr val="646464"/>
+                </a:solidFill>
+                <a:highlight>
+                  <a:srgbClr val="E8F2FE"/>
+                </a:highlight>
+                <a:latin typeface="Courier New" panose="02070309020205020404" pitchFamily="49" charset="0"/>
+              </a:rPr>
+              <a:t>@</a:t>
+            </a:r>
+            <a:r>
+              <a:rPr lang="en-US" altLang="zh-CN" sz="2000" dirty="0" err="1">
+                <a:solidFill>
+                  <a:srgbClr val="646464"/>
+                </a:solidFill>
+                <a:highlight>
+                  <a:srgbClr val="E8F2FE"/>
+                </a:highlight>
+                <a:latin typeface="Courier New" panose="02070309020205020404" pitchFamily="49" charset="0"/>
+              </a:rPr>
+              <a:t>FunctionalInterface</a:t>
+            </a:r>
+            <a:r>
+              <a:rPr lang="zh-CN" altLang="en-US" dirty="0"/>
+              <a:t>进行标识</a:t>
+            </a:r>
           </a:p>
         </p:txBody>
       </p:sp>
       <p:sp>
         <p:nvSpPr>
-          <p:cNvPr id="5" name="TextBox 4"/>
+          <p:cNvPr id="5" name="TextBox 3">
+            <a:extLst>
+              <a:ext uri="{FF2B5EF4-FFF2-40B4-BE49-F238E27FC236}">
+                <a16:creationId xmlns:a16="http://schemas.microsoft.com/office/drawing/2014/main" id="{D7F540C6-67F0-40E7-AC16-B9DEF667A8BB}"/>
+              </a:ext>
+            </a:extLst>
+          </p:cNvPr>
           <p:cNvSpPr txBox="1"/>
           <p:nvPr/>
         </p:nvSpPr>
         <p:spPr>
           <a:xfrm>
-            <a:off x="1458268" y="6084887"/>
-            <a:ext cx="8280920" cy="461665"/>
+            <a:off x="1156413" y="2980992"/>
+            <a:ext cx="9523164" cy="4093428"/>
           </a:xfrm>
           <a:prstGeom prst="rect">
             <a:avLst/>
@@ -5218,21 +7322,367 @@
           <a:lstStyle/>
           <a:p>
             <a:r>
-              <a:rPr lang="zh-CN" altLang="en-US" dirty="0" smtClean="0"/>
-              <a:t>问题又来了，</a:t>
-            </a:r>
-            <a:r>
-              <a:rPr lang="zh-CN" altLang="en-US" sz="2400" b="1" dirty="0" smtClean="0">
-                <a:solidFill>
-                  <a:srgbClr val="C00000"/>
-                </a:solidFill>
-              </a:rPr>
-              <a:t>什么是函数式接口？</a:t>
-            </a:r>
-            <a:endParaRPr lang="zh-CN" altLang="en-US" sz="2400" b="1" dirty="0">
+              <a:rPr lang="en-US" altLang="zh-CN" sz="2000" b="1" dirty="0">
+                <a:latin typeface="Courier New"/>
+              </a:rPr>
+              <a:t>Java8</a:t>
+            </a:r>
+            <a:r>
+              <a:rPr lang="zh-CN" altLang="en-US" sz="2000" b="1" dirty="0">
+                <a:latin typeface="Courier New"/>
+              </a:rPr>
+              <a:t>中提供的函数式接口：</a:t>
+            </a:r>
+            <a:endParaRPr lang="en-US" altLang="zh-CN" sz="2000" b="1" dirty="0">
+              <a:latin typeface="Courier New"/>
+            </a:endParaRPr>
+          </a:p>
+          <a:p>
+            <a:r>
+              <a:rPr lang="en-US" altLang="zh-CN" sz="2000" b="1" dirty="0">
+                <a:solidFill>
+                  <a:srgbClr val="7F0055"/>
+                </a:solidFill>
+                <a:highlight>
+                  <a:srgbClr val="E8F2FE"/>
+                </a:highlight>
+                <a:latin typeface="Courier New" panose="02070309020205020404" pitchFamily="49" charset="0"/>
+              </a:rPr>
+              <a:t>public</a:t>
+            </a:r>
+            <a:r>
+              <a:rPr lang="en-US" altLang="zh-CN" sz="2000" b="1" dirty="0">
+                <a:solidFill>
+                  <a:srgbClr val="000000"/>
+                </a:solidFill>
+                <a:highlight>
+                  <a:srgbClr val="E8F2FE"/>
+                </a:highlight>
+                <a:latin typeface="Courier New" panose="02070309020205020404" pitchFamily="49" charset="0"/>
+              </a:rPr>
+              <a:t> </a:t>
+            </a:r>
+            <a:r>
+              <a:rPr lang="en-US" altLang="zh-CN" sz="2000" b="1" dirty="0">
+                <a:solidFill>
+                  <a:srgbClr val="7F0055"/>
+                </a:solidFill>
+                <a:highlight>
+                  <a:srgbClr val="E8F2FE"/>
+                </a:highlight>
+                <a:latin typeface="Courier New" panose="02070309020205020404" pitchFamily="49" charset="0"/>
+              </a:rPr>
+              <a:t>interface</a:t>
+            </a:r>
+            <a:r>
+              <a:rPr lang="en-US" altLang="zh-CN" sz="2000" b="1" dirty="0">
+                <a:solidFill>
+                  <a:srgbClr val="000000"/>
+                </a:solidFill>
+                <a:highlight>
+                  <a:srgbClr val="E8F2FE"/>
+                </a:highlight>
+                <a:latin typeface="Courier New" panose="02070309020205020404" pitchFamily="49" charset="0"/>
+              </a:rPr>
+              <a:t> Consumer&lt;T&gt; {</a:t>
+            </a:r>
+          </a:p>
+          <a:p>
+            <a:r>
+              <a:rPr lang="en-US" altLang="zh-CN" sz="2000" b="1" dirty="0">
+                <a:solidFill>
+                  <a:srgbClr val="000000"/>
+                </a:solidFill>
+                <a:highlight>
+                  <a:srgbClr val="E8F2FE"/>
+                </a:highlight>
+                <a:latin typeface="Courier New" panose="02070309020205020404" pitchFamily="49" charset="0"/>
+              </a:rPr>
+              <a:t>	</a:t>
+            </a:r>
+            <a:r>
+              <a:rPr lang="en-US" altLang="zh-CN" sz="2000" b="1" dirty="0">
+                <a:solidFill>
+                  <a:srgbClr val="7F0055"/>
+                </a:solidFill>
+                <a:highlight>
+                  <a:srgbClr val="E8F2FE"/>
+                </a:highlight>
+                <a:latin typeface="Courier New" panose="02070309020205020404" pitchFamily="49" charset="0"/>
+              </a:rPr>
+              <a:t>void</a:t>
+            </a:r>
+            <a:r>
+              <a:rPr lang="en-US" altLang="zh-CN" sz="2000" b="1" dirty="0">
+                <a:solidFill>
+                  <a:srgbClr val="000000"/>
+                </a:solidFill>
+                <a:highlight>
+                  <a:srgbClr val="E8F2FE"/>
+                </a:highlight>
+                <a:latin typeface="Courier New" panose="02070309020205020404" pitchFamily="49" charset="0"/>
+              </a:rPr>
+              <a:t> accept(T </a:t>
+            </a:r>
+            <a:r>
+              <a:rPr lang="en-US" altLang="zh-CN" sz="2000" b="1" dirty="0">
+                <a:solidFill>
+                  <a:srgbClr val="6A3E3E"/>
+                </a:solidFill>
+                <a:highlight>
+                  <a:srgbClr val="E8F2FE"/>
+                </a:highlight>
+                <a:latin typeface="Courier New" panose="02070309020205020404" pitchFamily="49" charset="0"/>
+              </a:rPr>
+              <a:t>t</a:t>
+            </a:r>
+            <a:r>
+              <a:rPr lang="en-US" altLang="zh-CN" sz="2000" b="1" dirty="0">
+                <a:solidFill>
+                  <a:srgbClr val="000000"/>
+                </a:solidFill>
+                <a:highlight>
+                  <a:srgbClr val="E8F2FE"/>
+                </a:highlight>
+                <a:latin typeface="Courier New" panose="02070309020205020404" pitchFamily="49" charset="0"/>
+              </a:rPr>
+              <a:t>);</a:t>
+            </a:r>
+          </a:p>
+          <a:p>
+            <a:r>
+              <a:rPr lang="en-US" altLang="zh-CN" sz="2000" b="1" dirty="0">
+                <a:solidFill>
+                  <a:srgbClr val="000000"/>
+                </a:solidFill>
+                <a:highlight>
+                  <a:srgbClr val="E8F2FE"/>
+                </a:highlight>
+                <a:latin typeface="Courier New" panose="02070309020205020404" pitchFamily="49" charset="0"/>
+              </a:rPr>
+              <a:t>}</a:t>
+            </a:r>
+          </a:p>
+          <a:p>
+            <a:endParaRPr lang="en-US" altLang="zh-CN" sz="2000" b="1" dirty="0">
               <a:solidFill>
-                <a:srgbClr val="C00000"/>
+                <a:srgbClr val="000000"/>
               </a:solidFill>
+              <a:highlight>
+                <a:srgbClr val="E8F2FE"/>
+              </a:highlight>
+              <a:latin typeface="Courier New" panose="02070309020205020404" pitchFamily="49" charset="0"/>
+            </a:endParaRPr>
+          </a:p>
+          <a:p>
+            <a:r>
+              <a:rPr lang="en-US" altLang="zh-CN" sz="2000" b="1" dirty="0">
+                <a:solidFill>
+                  <a:srgbClr val="7F0055"/>
+                </a:solidFill>
+                <a:latin typeface="Courier New" panose="02070309020205020404" pitchFamily="49" charset="0"/>
+              </a:rPr>
+              <a:t>public</a:t>
+            </a:r>
+            <a:r>
+              <a:rPr lang="en-US" altLang="zh-CN" sz="2000" b="1" dirty="0">
+                <a:solidFill>
+                  <a:srgbClr val="000000"/>
+                </a:solidFill>
+                <a:latin typeface="Courier New" panose="02070309020205020404" pitchFamily="49" charset="0"/>
+              </a:rPr>
+              <a:t> </a:t>
+            </a:r>
+            <a:r>
+              <a:rPr lang="en-US" altLang="zh-CN" sz="2000" b="1" dirty="0">
+                <a:solidFill>
+                  <a:srgbClr val="7F0055"/>
+                </a:solidFill>
+                <a:latin typeface="Courier New" panose="02070309020205020404" pitchFamily="49" charset="0"/>
+              </a:rPr>
+              <a:t>interface</a:t>
+            </a:r>
+            <a:r>
+              <a:rPr lang="en-US" altLang="zh-CN" sz="2000" b="1" dirty="0">
+                <a:solidFill>
+                  <a:srgbClr val="000000"/>
+                </a:solidFill>
+                <a:latin typeface="Courier New" panose="02070309020205020404" pitchFamily="49" charset="0"/>
+              </a:rPr>
+              <a:t> </a:t>
+            </a:r>
+            <a:r>
+              <a:rPr lang="en-US" altLang="zh-CN" sz="2000" b="1" dirty="0">
+                <a:solidFill>
+                  <a:srgbClr val="000000"/>
+                </a:solidFill>
+                <a:highlight>
+                  <a:srgbClr val="D4D4D4"/>
+                </a:highlight>
+                <a:latin typeface="Courier New" panose="02070309020205020404" pitchFamily="49" charset="0"/>
+              </a:rPr>
+              <a:t>Supplier&lt;T&gt; {</a:t>
+            </a:r>
+          </a:p>
+          <a:p>
+            <a:r>
+              <a:rPr lang="en-US" altLang="zh-CN" sz="2000" dirty="0">
+                <a:solidFill>
+                  <a:srgbClr val="000000"/>
+                </a:solidFill>
+                <a:latin typeface="Courier New" panose="02070309020205020404" pitchFamily="49" charset="0"/>
+              </a:rPr>
+              <a:t>	T get();</a:t>
+            </a:r>
+          </a:p>
+          <a:p>
+            <a:r>
+              <a:rPr lang="en-US" altLang="zh-CN" sz="2000" dirty="0">
+                <a:solidFill>
+                  <a:srgbClr val="000000"/>
+                </a:solidFill>
+                <a:latin typeface="Courier New" panose="02070309020205020404" pitchFamily="49" charset="0"/>
+              </a:rPr>
+              <a:t>}</a:t>
+            </a:r>
+          </a:p>
+          <a:p>
+            <a:endParaRPr lang="en-US" altLang="zh-CN" sz="2000" b="1" dirty="0">
+              <a:solidFill>
+                <a:srgbClr val="000000"/>
+              </a:solidFill>
+              <a:latin typeface="Courier New" panose="02070309020205020404" pitchFamily="49" charset="0"/>
+            </a:endParaRPr>
+          </a:p>
+          <a:p>
+            <a:r>
+              <a:rPr lang="en-US" altLang="zh-CN" sz="2000" b="1" dirty="0">
+                <a:solidFill>
+                  <a:srgbClr val="7F0055"/>
+                </a:solidFill>
+                <a:highlight>
+                  <a:srgbClr val="E8F2FE"/>
+                </a:highlight>
+                <a:latin typeface="Courier New" panose="02070309020205020404" pitchFamily="49" charset="0"/>
+              </a:rPr>
+              <a:t>public</a:t>
+            </a:r>
+            <a:r>
+              <a:rPr lang="en-US" altLang="zh-CN" sz="2000" b="1" dirty="0">
+                <a:solidFill>
+                  <a:srgbClr val="000000"/>
+                </a:solidFill>
+                <a:highlight>
+                  <a:srgbClr val="E8F2FE"/>
+                </a:highlight>
+                <a:latin typeface="Courier New" panose="02070309020205020404" pitchFamily="49" charset="0"/>
+              </a:rPr>
+              <a:t> </a:t>
+            </a:r>
+            <a:r>
+              <a:rPr lang="en-US" altLang="zh-CN" sz="2000" b="1" dirty="0">
+                <a:solidFill>
+                  <a:srgbClr val="7F0055"/>
+                </a:solidFill>
+                <a:highlight>
+                  <a:srgbClr val="E8F2FE"/>
+                </a:highlight>
+                <a:latin typeface="Courier New" panose="02070309020205020404" pitchFamily="49" charset="0"/>
+              </a:rPr>
+              <a:t>interface</a:t>
+            </a:r>
+            <a:r>
+              <a:rPr lang="en-US" altLang="zh-CN" sz="2000" b="1" dirty="0">
+                <a:solidFill>
+                  <a:srgbClr val="000000"/>
+                </a:solidFill>
+                <a:highlight>
+                  <a:srgbClr val="E8F2FE"/>
+                </a:highlight>
+                <a:latin typeface="Courier New" panose="02070309020205020404" pitchFamily="49" charset="0"/>
+              </a:rPr>
+              <a:t> Function&lt;T, R&gt; {</a:t>
+            </a:r>
+          </a:p>
+          <a:p>
+            <a:r>
+              <a:rPr lang="en-US" altLang="zh-CN" sz="2000" b="1" dirty="0">
+                <a:solidFill>
+                  <a:srgbClr val="000000"/>
+                </a:solidFill>
+                <a:highlight>
+                  <a:srgbClr val="E8F2FE"/>
+                </a:highlight>
+                <a:latin typeface="Courier New" panose="02070309020205020404" pitchFamily="49" charset="0"/>
+              </a:rPr>
+              <a:t>	</a:t>
+            </a:r>
+            <a:r>
+              <a:rPr lang="en-US" altLang="zh-CN" sz="2000" dirty="0">
+                <a:solidFill>
+                  <a:srgbClr val="000000"/>
+                </a:solidFill>
+                <a:highlight>
+                  <a:srgbClr val="E8F2FE"/>
+                </a:highlight>
+                <a:latin typeface="Courier New" panose="02070309020205020404" pitchFamily="49" charset="0"/>
+              </a:rPr>
+              <a:t>R apply(T </a:t>
+            </a:r>
+            <a:r>
+              <a:rPr lang="en-US" altLang="zh-CN" sz="2000" dirty="0">
+                <a:solidFill>
+                  <a:srgbClr val="6A3E3E"/>
+                </a:solidFill>
+                <a:highlight>
+                  <a:srgbClr val="E8F2FE"/>
+                </a:highlight>
+                <a:latin typeface="Courier New" panose="02070309020205020404" pitchFamily="49" charset="0"/>
+              </a:rPr>
+              <a:t>t</a:t>
+            </a:r>
+            <a:r>
+              <a:rPr lang="en-US" altLang="zh-CN" sz="2000" dirty="0">
+                <a:solidFill>
+                  <a:srgbClr val="000000"/>
+                </a:solidFill>
+                <a:highlight>
+                  <a:srgbClr val="E8F2FE"/>
+                </a:highlight>
+                <a:latin typeface="Courier New" panose="02070309020205020404" pitchFamily="49" charset="0"/>
+              </a:rPr>
+              <a:t>);</a:t>
+            </a:r>
+            <a:endParaRPr lang="en-US" altLang="zh-CN" sz="2000" b="1" dirty="0">
+              <a:solidFill>
+                <a:srgbClr val="000000"/>
+              </a:solidFill>
+              <a:highlight>
+                <a:srgbClr val="E8F2FE"/>
+              </a:highlight>
+              <a:latin typeface="Courier New" panose="02070309020205020404" pitchFamily="49" charset="0"/>
+            </a:endParaRPr>
+          </a:p>
+          <a:p>
+            <a:r>
+              <a:rPr lang="en-US" altLang="zh-CN" sz="2000" b="1" dirty="0">
+                <a:solidFill>
+                  <a:srgbClr val="000000"/>
+                </a:solidFill>
+                <a:highlight>
+                  <a:srgbClr val="E8F2FE"/>
+                </a:highlight>
+                <a:latin typeface="Courier New" panose="02070309020205020404" pitchFamily="49" charset="0"/>
+              </a:rPr>
+              <a:t>}</a:t>
+            </a:r>
+            <a:endParaRPr lang="en-US" altLang="zh-CN" sz="2000" b="1" dirty="0">
+              <a:latin typeface="Courier New"/>
+            </a:endParaRPr>
+          </a:p>
+          <a:p>
+            <a:endParaRPr lang="en-US" altLang="zh-CN" sz="2000" dirty="0">
+              <a:latin typeface="Courier New"/>
             </a:endParaRPr>
           </a:p>
         </p:txBody>
@@ -5240,7 +7690,7 @@
     </p:spTree>
     <p:extLst>
       <p:ext uri="{BB962C8B-B14F-4D97-AF65-F5344CB8AC3E}">
-        <p14:creationId xmlns:p14="http://schemas.microsoft.com/office/powerpoint/2010/main" val="38763125"/>
+        <p14:creationId xmlns:p14="http://schemas.microsoft.com/office/powerpoint/2010/main" val="2484810821"/>
       </p:ext>
     </p:extLst>
   </p:cSld>
@@ -5349,97 +7799,6 @@
                       </p:childTnLst>
                     </p:cTn>
                   </p:par>
-                  <p:par>
-                    <p:cTn id="9" fill="hold">
-                      <p:stCondLst>
-                        <p:cond delay="indefinite"/>
-                      </p:stCondLst>
-                      <p:childTnLst>
-                        <p:par>
-                          <p:cTn id="10" fill="hold">
-                            <p:stCondLst>
-                              <p:cond delay="0"/>
-                            </p:stCondLst>
-                            <p:childTnLst>
-                              <p:par>
-                                <p:cTn id="11" presetID="2" presetClass="entr" presetSubtype="4" fill="hold" grpId="0" nodeType="clickEffect">
-                                  <p:stCondLst>
-                                    <p:cond delay="0"/>
-                                  </p:stCondLst>
-                                  <p:childTnLst>
-                                    <p:set>
-                                      <p:cBhvr>
-                                        <p:cTn id="12" dur="1" fill="hold">
-                                          <p:stCondLst>
-                                            <p:cond delay="0"/>
-                                          </p:stCondLst>
-                                        </p:cTn>
-                                        <p:tgtEl>
-                                          <p:spTgt spid="5"/>
-                                        </p:tgtEl>
-                                        <p:attrNameLst>
-                                          <p:attrName>style.visibility</p:attrName>
-                                        </p:attrNameLst>
-                                      </p:cBhvr>
-                                      <p:to>
-                                        <p:strVal val="visible"/>
-                                      </p:to>
-                                    </p:set>
-                                    <p:anim calcmode="lin" valueType="num">
-                                      <p:cBhvr additive="base">
-                                        <p:cTn id="13" dur="500" fill="hold"/>
-                                        <p:tgtEl>
-                                          <p:spTgt spid="5"/>
-                                        </p:tgtEl>
-                                        <p:attrNameLst>
-                                          <p:attrName>ppt_x</p:attrName>
-                                        </p:attrNameLst>
-                                      </p:cBhvr>
-                                      <p:tavLst>
-                                        <p:tav tm="0">
-                                          <p:val>
-                                            <p:strVal val="#ppt_x"/>
-                                          </p:val>
-                                        </p:tav>
-                                        <p:tav tm="100000">
-                                          <p:val>
-                                            <p:strVal val="#ppt_x"/>
-                                          </p:val>
-                                        </p:tav>
-                                      </p:tavLst>
-                                    </p:anim>
-                                    <p:anim calcmode="lin" valueType="num">
-                                      <p:cBhvr additive="base">
-                                        <p:cTn id="14" dur="500" fill="hold"/>
-                                        <p:tgtEl>
-                                          <p:spTgt spid="5"/>
-                                        </p:tgtEl>
-                                        <p:attrNameLst>
-                                          <p:attrName>ppt_y</p:attrName>
-                                        </p:attrNameLst>
-                                      </p:cBhvr>
-                                      <p:tavLst>
-                                        <p:tav tm="0">
-                                          <p:val>
-                                            <p:strVal val="1+#ppt_h/2"/>
-                                          </p:val>
-                                        </p:tav>
-                                        <p:tav tm="100000">
-                                          <p:val>
-                                            <p:strVal val="#ppt_y"/>
-                                          </p:val>
-                                        </p:tav>
-                                      </p:tavLst>
-                                    </p:anim>
-                                  </p:childTnLst>
-                                </p:cTn>
-                              </p:par>
-                            </p:childTnLst>
-                          </p:cTn>
-                        </p:par>
-                      </p:childTnLst>
-                    </p:cTn>
-                  </p:par>
                 </p:childTnLst>
               </p:cTn>
               <p:prevCondLst>
@@ -5463,7 +7822,6 @@
     </p:tnLst>
     <p:bldLst>
       <p:bldP spid="2" grpId="0"/>
-      <p:bldP spid="5" grpId="0"/>
     </p:bldLst>
   </p:timing>
 </p:sld>

--- a/share/Java8(LambdaExpressions&StreamAPI).pptx
+++ b/share/Java8(LambdaExpressions&StreamAPI).pptx
@@ -18,7 +18,16 @@
     <p:sldId id="271" r:id="rId12"/>
     <p:sldId id="272" r:id="rId13"/>
     <p:sldId id="273" r:id="rId14"/>
-    <p:sldId id="262" r:id="rId15"/>
+    <p:sldId id="274" r:id="rId15"/>
+    <p:sldId id="275" r:id="rId16"/>
+    <p:sldId id="276" r:id="rId17"/>
+    <p:sldId id="279" r:id="rId18"/>
+    <p:sldId id="278" r:id="rId19"/>
+    <p:sldId id="280" r:id="rId20"/>
+    <p:sldId id="282" r:id="rId21"/>
+    <p:sldId id="281" r:id="rId22"/>
+    <p:sldId id="283" r:id="rId23"/>
+    <p:sldId id="262" r:id="rId24"/>
   </p:sldIdLst>
   <p:sldSz cx="10693400" cy="7561263"/>
   <p:notesSz cx="6858000" cy="9144000"/>
@@ -1158,7 +1167,7 @@
         <p:spPr>
           <a:xfrm>
             <a:off x="1156413" y="1836415"/>
-            <a:ext cx="9523164" cy="5016758"/>
+            <a:ext cx="9523164" cy="4708981"/>
           </a:xfrm>
           <a:prstGeom prst="rect">
             <a:avLst/>
@@ -1306,6 +1315,172 @@
             </a:r>
           </a:p>
           <a:p>
+            <a:endParaRPr lang="en-US" altLang="zh-CN" sz="2000" dirty="0">
+              <a:solidFill>
+                <a:srgbClr val="000000"/>
+              </a:solidFill>
+              <a:latin typeface="Courier New" panose="02070309020205020404" pitchFamily="49" charset="0"/>
+            </a:endParaRPr>
+          </a:p>
+          <a:p>
+            <a:r>
+              <a:rPr lang="en-US" altLang="zh-CN" sz="2000" b="1" dirty="0">
+                <a:solidFill>
+                  <a:srgbClr val="7F0055"/>
+                </a:solidFill>
+                <a:highlight>
+                  <a:srgbClr val="E8F2FE"/>
+                </a:highlight>
+                <a:latin typeface="Courier New" panose="02070309020205020404" pitchFamily="49" charset="0"/>
+              </a:rPr>
+              <a:t>public</a:t>
+            </a:r>
+            <a:r>
+              <a:rPr lang="en-US" altLang="zh-CN" sz="2000" b="1" dirty="0">
+                <a:solidFill>
+                  <a:srgbClr val="000000"/>
+                </a:solidFill>
+                <a:highlight>
+                  <a:srgbClr val="E8F2FE"/>
+                </a:highlight>
+                <a:latin typeface="Courier New" panose="02070309020205020404" pitchFamily="49" charset="0"/>
+              </a:rPr>
+              <a:t> </a:t>
+            </a:r>
+            <a:r>
+              <a:rPr lang="en-US" altLang="zh-CN" sz="2000" b="1" dirty="0">
+                <a:solidFill>
+                  <a:srgbClr val="7F0055"/>
+                </a:solidFill>
+                <a:highlight>
+                  <a:srgbClr val="E8F2FE"/>
+                </a:highlight>
+                <a:latin typeface="Courier New" panose="02070309020205020404" pitchFamily="49" charset="0"/>
+              </a:rPr>
+              <a:t>interface</a:t>
+            </a:r>
+            <a:r>
+              <a:rPr lang="en-US" altLang="zh-CN" sz="2000" b="1" dirty="0">
+                <a:solidFill>
+                  <a:srgbClr val="000000"/>
+                </a:solidFill>
+                <a:highlight>
+                  <a:srgbClr val="E8F2FE"/>
+                </a:highlight>
+                <a:latin typeface="Courier New" panose="02070309020205020404" pitchFamily="49" charset="0"/>
+              </a:rPr>
+              <a:t> </a:t>
+            </a:r>
+            <a:r>
+              <a:rPr lang="en-US" altLang="zh-CN" sz="2000" b="1" dirty="0" err="1">
+                <a:solidFill>
+                  <a:srgbClr val="000000"/>
+                </a:solidFill>
+                <a:highlight>
+                  <a:srgbClr val="D4D4D4"/>
+                </a:highlight>
+                <a:latin typeface="Courier New" panose="02070309020205020404" pitchFamily="49" charset="0"/>
+              </a:rPr>
+              <a:t>BiConsumer</a:t>
+            </a:r>
+            <a:r>
+              <a:rPr lang="en-US" altLang="zh-CN" sz="2000" b="1" dirty="0">
+                <a:solidFill>
+                  <a:srgbClr val="000000"/>
+                </a:solidFill>
+                <a:highlight>
+                  <a:srgbClr val="E8F2FE"/>
+                </a:highlight>
+                <a:latin typeface="Courier New" panose="02070309020205020404" pitchFamily="49" charset="0"/>
+              </a:rPr>
+              <a:t>&lt;T, U&gt; {</a:t>
+            </a:r>
+          </a:p>
+          <a:p>
+            <a:r>
+              <a:rPr lang="en-US" altLang="zh-CN" sz="2000" b="1" dirty="0">
+                <a:solidFill>
+                  <a:srgbClr val="000000"/>
+                </a:solidFill>
+                <a:highlight>
+                  <a:srgbClr val="E8F2FE"/>
+                </a:highlight>
+                <a:latin typeface="Courier New" panose="02070309020205020404" pitchFamily="49" charset="0"/>
+              </a:rPr>
+              <a:t>	</a:t>
+            </a:r>
+            <a:r>
+              <a:rPr lang="fr-FR" altLang="zh-CN" sz="2000" b="1" dirty="0">
+                <a:solidFill>
+                  <a:srgbClr val="7F0055"/>
+                </a:solidFill>
+                <a:highlight>
+                  <a:srgbClr val="E8F2FE"/>
+                </a:highlight>
+                <a:latin typeface="Courier New" panose="02070309020205020404" pitchFamily="49" charset="0"/>
+              </a:rPr>
+              <a:t>void</a:t>
+            </a:r>
+            <a:r>
+              <a:rPr lang="fr-FR" altLang="zh-CN" sz="2000" b="1" dirty="0">
+                <a:solidFill>
+                  <a:srgbClr val="000000"/>
+                </a:solidFill>
+                <a:highlight>
+                  <a:srgbClr val="E8F2FE"/>
+                </a:highlight>
+                <a:latin typeface="Courier New" panose="02070309020205020404" pitchFamily="49" charset="0"/>
+              </a:rPr>
+              <a:t> accept(T </a:t>
+            </a:r>
+            <a:r>
+              <a:rPr lang="fr-FR" altLang="zh-CN" sz="2000" b="1" dirty="0">
+                <a:solidFill>
+                  <a:srgbClr val="6A3E3E"/>
+                </a:solidFill>
+                <a:highlight>
+                  <a:srgbClr val="E8F2FE"/>
+                </a:highlight>
+                <a:latin typeface="Courier New" panose="02070309020205020404" pitchFamily="49" charset="0"/>
+              </a:rPr>
+              <a:t>t</a:t>
+            </a:r>
+            <a:r>
+              <a:rPr lang="fr-FR" altLang="zh-CN" sz="2000" b="1" dirty="0">
+                <a:solidFill>
+                  <a:srgbClr val="000000"/>
+                </a:solidFill>
+                <a:highlight>
+                  <a:srgbClr val="E8F2FE"/>
+                </a:highlight>
+                <a:latin typeface="Courier New" panose="02070309020205020404" pitchFamily="49" charset="0"/>
+              </a:rPr>
+              <a:t>, U </a:t>
+            </a:r>
+            <a:r>
+              <a:rPr lang="fr-FR" altLang="zh-CN" sz="2000" b="1" dirty="0">
+                <a:solidFill>
+                  <a:srgbClr val="6A3E3E"/>
+                </a:solidFill>
+                <a:highlight>
+                  <a:srgbClr val="E8F2FE"/>
+                </a:highlight>
+                <a:latin typeface="Courier New" panose="02070309020205020404" pitchFamily="49" charset="0"/>
+              </a:rPr>
+              <a:t>u</a:t>
+            </a:r>
+            <a:r>
+              <a:rPr lang="fr-FR" altLang="zh-CN" sz="2000" b="1" dirty="0">
+                <a:solidFill>
+                  <a:srgbClr val="000000"/>
+                </a:solidFill>
+                <a:highlight>
+                  <a:srgbClr val="E8F2FE"/>
+                </a:highlight>
+                <a:latin typeface="Courier New" panose="02070309020205020404" pitchFamily="49" charset="0"/>
+              </a:rPr>
+              <a:t>);</a:t>
+            </a:r>
             <a:endParaRPr lang="en-US" altLang="zh-CN" sz="2000" b="1" dirty="0">
               <a:solidFill>
                 <a:srgbClr val="000000"/>
@@ -1320,41 +1495,67 @@
             <a:r>
               <a:rPr lang="en-US" altLang="zh-CN" sz="2000" b="1" dirty="0">
                 <a:solidFill>
+                  <a:srgbClr val="000000"/>
+                </a:solidFill>
+                <a:highlight>
+                  <a:srgbClr val="E8F2FE"/>
+                </a:highlight>
+                <a:latin typeface="Courier New" panose="02070309020205020404" pitchFamily="49" charset="0"/>
+              </a:rPr>
+              <a:t>}</a:t>
+            </a:r>
+          </a:p>
+          <a:p>
+            <a:r>
+              <a:rPr lang="fr-FR" altLang="zh-CN" sz="2000" b="1" dirty="0">
+                <a:solidFill>
                   <a:srgbClr val="7F0055"/>
                 </a:solidFill>
+                <a:highlight>
+                  <a:srgbClr val="E8F2FE"/>
+                </a:highlight>
                 <a:latin typeface="Courier New" panose="02070309020205020404" pitchFamily="49" charset="0"/>
               </a:rPr>
               <a:t>public</a:t>
             </a:r>
             <a:r>
-              <a:rPr lang="en-US" altLang="zh-CN" sz="2000" b="1" dirty="0">
-                <a:solidFill>
-                  <a:srgbClr val="000000"/>
-                </a:solidFill>
+              <a:rPr lang="fr-FR" altLang="zh-CN" sz="2000" b="1" dirty="0">
+                <a:solidFill>
+                  <a:srgbClr val="000000"/>
+                </a:solidFill>
+                <a:highlight>
+                  <a:srgbClr val="E8F2FE"/>
+                </a:highlight>
                 <a:latin typeface="Courier New" panose="02070309020205020404" pitchFamily="49" charset="0"/>
               </a:rPr>
               <a:t> </a:t>
             </a:r>
             <a:r>
-              <a:rPr lang="en-US" altLang="zh-CN" sz="2000" b="1" dirty="0">
+              <a:rPr lang="fr-FR" altLang="zh-CN" sz="2000" b="1" dirty="0">
                 <a:solidFill>
                   <a:srgbClr val="7F0055"/>
                 </a:solidFill>
+                <a:highlight>
+                  <a:srgbClr val="E8F2FE"/>
+                </a:highlight>
                 <a:latin typeface="Courier New" panose="02070309020205020404" pitchFamily="49" charset="0"/>
               </a:rPr>
               <a:t>interface</a:t>
             </a:r>
             <a:r>
-              <a:rPr lang="en-US" altLang="zh-CN" sz="2000" b="1" dirty="0">
-                <a:solidFill>
-                  <a:srgbClr val="000000"/>
-                </a:solidFill>
+              <a:rPr lang="fr-FR" altLang="zh-CN" sz="2000" b="1" dirty="0">
+                <a:solidFill>
+                  <a:srgbClr val="000000"/>
+                </a:solidFill>
+                <a:highlight>
+                  <a:srgbClr val="E8F2FE"/>
+                </a:highlight>
                 <a:latin typeface="Courier New" panose="02070309020205020404" pitchFamily="49" charset="0"/>
               </a:rPr>
               <a:t> </a:t>
             </a:r>
             <a:r>
-              <a:rPr lang="en-US" altLang="zh-CN" sz="2000" b="1" dirty="0">
+              <a:rPr lang="fr-FR" altLang="zh-CN" sz="2000" b="1" dirty="0">
                 <a:solidFill>
                   <a:srgbClr val="000000"/>
                 </a:solidFill>
@@ -1363,54 +1564,24 @@
                 </a:highlight>
                 <a:latin typeface="Courier New" panose="02070309020205020404" pitchFamily="49" charset="0"/>
               </a:rPr>
-              <a:t>Supplier&lt;T&gt; {</a:t>
-            </a:r>
-          </a:p>
-          <a:p>
-            <a:r>
-              <a:rPr lang="en-US" altLang="zh-CN" sz="2000" dirty="0">
-                <a:solidFill>
-                  <a:srgbClr val="000000"/>
-                </a:solidFill>
-                <a:latin typeface="Courier New" panose="02070309020205020404" pitchFamily="49" charset="0"/>
-              </a:rPr>
-              <a:t>	T get();</a:t>
-            </a:r>
-          </a:p>
-          <a:p>
-            <a:r>
-              <a:rPr lang="en-US" altLang="zh-CN" sz="2000" dirty="0">
-                <a:solidFill>
-                  <a:srgbClr val="000000"/>
-                </a:solidFill>
-                <a:latin typeface="Courier New" panose="02070309020205020404" pitchFamily="49" charset="0"/>
-              </a:rPr>
-              <a:t>}</a:t>
-            </a:r>
-          </a:p>
-          <a:p>
-            <a:endParaRPr lang="en-US" altLang="zh-CN" sz="2000" dirty="0">
-              <a:solidFill>
-                <a:srgbClr val="000000"/>
-              </a:solidFill>
-              <a:latin typeface="Courier New" panose="02070309020205020404" pitchFamily="49" charset="0"/>
-            </a:endParaRPr>
-          </a:p>
-          <a:p>
-            <a:r>
-              <a:rPr lang="en-US" altLang="zh-CN" sz="2000" b="1" dirty="0">
-                <a:solidFill>
-                  <a:srgbClr val="7F0055"/>
+              <a:t>BiFunction</a:t>
+            </a:r>
+            <a:r>
+              <a:rPr lang="fr-FR" altLang="zh-CN" sz="2000" b="1" dirty="0">
+                <a:solidFill>
+                  <a:srgbClr val="000000"/>
                 </a:solidFill>
                 <a:highlight>
                   <a:srgbClr val="E8F2FE"/>
                 </a:highlight>
                 <a:latin typeface="Courier New" panose="02070309020205020404" pitchFamily="49" charset="0"/>
               </a:rPr>
-              <a:t>public</a:t>
-            </a:r>
-            <a:r>
-              <a:rPr lang="en-US" altLang="zh-CN" sz="2000" b="1" dirty="0">
+              <a:t>&lt;T, U, R&gt; {</a:t>
+            </a:r>
+          </a:p>
+          <a:p>
+            <a:r>
+              <a:rPr lang="fr-FR" altLang="zh-CN" sz="2000" b="1" dirty="0">
                 <a:solidFill>
                   <a:srgbClr val="000000"/>
                 </a:solidFill>
@@ -1419,46 +1590,34 @@
                 </a:highlight>
                 <a:latin typeface="Courier New" panose="02070309020205020404" pitchFamily="49" charset="0"/>
               </a:rPr>
-              <a:t> </a:t>
-            </a:r>
-            <a:r>
-              <a:rPr lang="en-US" altLang="zh-CN" sz="2000" b="1" dirty="0">
-                <a:solidFill>
-                  <a:srgbClr val="7F0055"/>
+              <a:t>	</a:t>
+            </a:r>
+            <a:r>
+              <a:rPr lang="fr-FR" altLang="zh-CN" sz="2000" dirty="0">
+                <a:solidFill>
+                  <a:srgbClr val="000000"/>
                 </a:solidFill>
                 <a:highlight>
                   <a:srgbClr val="E8F2FE"/>
                 </a:highlight>
                 <a:latin typeface="Courier New" panose="02070309020205020404" pitchFamily="49" charset="0"/>
               </a:rPr>
-              <a:t>interface</a:t>
-            </a:r>
-            <a:r>
-              <a:rPr lang="en-US" altLang="zh-CN" sz="2000" b="1" dirty="0">
-                <a:solidFill>
-                  <a:srgbClr val="000000"/>
+              <a:t>R apply(T </a:t>
+            </a:r>
+            <a:r>
+              <a:rPr lang="fr-FR" altLang="zh-CN" sz="2000" dirty="0">
+                <a:solidFill>
+                  <a:srgbClr val="6A3E3E"/>
                 </a:solidFill>
                 <a:highlight>
                   <a:srgbClr val="E8F2FE"/>
                 </a:highlight>
                 <a:latin typeface="Courier New" panose="02070309020205020404" pitchFamily="49" charset="0"/>
               </a:rPr>
-              <a:t> </a:t>
-            </a:r>
-            <a:r>
-              <a:rPr lang="en-US" altLang="zh-CN" sz="2000" b="1" dirty="0" err="1">
-                <a:solidFill>
-                  <a:srgbClr val="000000"/>
-                </a:solidFill>
-                <a:highlight>
-                  <a:srgbClr val="D4D4D4"/>
-                </a:highlight>
-                <a:latin typeface="Courier New" panose="02070309020205020404" pitchFamily="49" charset="0"/>
-              </a:rPr>
-              <a:t>BiConsumer</a:t>
-            </a:r>
-            <a:r>
-              <a:rPr lang="en-US" altLang="zh-CN" sz="2000" b="1" dirty="0">
+              <a:t>t</a:t>
+            </a:r>
+            <a:r>
+              <a:rPr lang="fr-FR" altLang="zh-CN" sz="2000" dirty="0">
                 <a:solidFill>
                   <a:srgbClr val="000000"/>
                 </a:solidFill>
@@ -1467,95 +1626,33 @@
                 </a:highlight>
                 <a:latin typeface="Courier New" panose="02070309020205020404" pitchFamily="49" charset="0"/>
               </a:rPr>
-              <a:t>&lt;T, U&gt; {</a:t>
-            </a:r>
-          </a:p>
-          <a:p>
-            <a:r>
-              <a:rPr lang="en-US" altLang="zh-CN" sz="2000" b="1" dirty="0">
-                <a:solidFill>
-                  <a:srgbClr val="000000"/>
+              <a:t>, U </a:t>
+            </a:r>
+            <a:r>
+              <a:rPr lang="fr-FR" altLang="zh-CN" sz="2000" dirty="0">
+                <a:solidFill>
+                  <a:srgbClr val="6A3E3E"/>
                 </a:solidFill>
                 <a:highlight>
                   <a:srgbClr val="E8F2FE"/>
                 </a:highlight>
                 <a:latin typeface="Courier New" panose="02070309020205020404" pitchFamily="49" charset="0"/>
               </a:rPr>
-              <a:t>	</a:t>
-            </a:r>
-            <a:r>
-              <a:rPr lang="fr-FR" altLang="zh-CN" sz="2000" b="1" dirty="0">
-                <a:solidFill>
-                  <a:srgbClr val="7F0055"/>
+              <a:t>u</a:t>
+            </a:r>
+            <a:r>
+              <a:rPr lang="fr-FR" altLang="zh-CN" sz="2000" dirty="0">
+                <a:solidFill>
+                  <a:srgbClr val="000000"/>
                 </a:solidFill>
                 <a:highlight>
                   <a:srgbClr val="E8F2FE"/>
                 </a:highlight>
                 <a:latin typeface="Courier New" panose="02070309020205020404" pitchFamily="49" charset="0"/>
               </a:rPr>
-              <a:t>void</a:t>
-            </a:r>
-            <a:r>
-              <a:rPr lang="fr-FR" altLang="zh-CN" sz="2000" b="1" dirty="0">
-                <a:solidFill>
-                  <a:srgbClr val="000000"/>
-                </a:solidFill>
-                <a:highlight>
-                  <a:srgbClr val="E8F2FE"/>
-                </a:highlight>
-                <a:latin typeface="Courier New" panose="02070309020205020404" pitchFamily="49" charset="0"/>
-              </a:rPr>
-              <a:t> accept(T </a:t>
-            </a:r>
-            <a:r>
-              <a:rPr lang="fr-FR" altLang="zh-CN" sz="2000" b="1" dirty="0">
-                <a:solidFill>
-                  <a:srgbClr val="6A3E3E"/>
-                </a:solidFill>
-                <a:highlight>
-                  <a:srgbClr val="E8F2FE"/>
-                </a:highlight>
-                <a:latin typeface="Courier New" panose="02070309020205020404" pitchFamily="49" charset="0"/>
-              </a:rPr>
-              <a:t>t</a:t>
-            </a:r>
-            <a:r>
-              <a:rPr lang="fr-FR" altLang="zh-CN" sz="2000" b="1" dirty="0">
-                <a:solidFill>
-                  <a:srgbClr val="000000"/>
-                </a:solidFill>
-                <a:highlight>
-                  <a:srgbClr val="E8F2FE"/>
-                </a:highlight>
-                <a:latin typeface="Courier New" panose="02070309020205020404" pitchFamily="49" charset="0"/>
-              </a:rPr>
-              <a:t>, U </a:t>
-            </a:r>
-            <a:r>
-              <a:rPr lang="fr-FR" altLang="zh-CN" sz="2000" b="1" dirty="0">
-                <a:solidFill>
-                  <a:srgbClr val="6A3E3E"/>
-                </a:solidFill>
-                <a:highlight>
-                  <a:srgbClr val="E8F2FE"/>
-                </a:highlight>
-                <a:latin typeface="Courier New" panose="02070309020205020404" pitchFamily="49" charset="0"/>
-              </a:rPr>
-              <a:t>u</a:t>
-            </a:r>
-            <a:r>
-              <a:rPr lang="fr-FR" altLang="zh-CN" sz="2000" b="1" dirty="0">
-                <a:solidFill>
-                  <a:srgbClr val="000000"/>
-                </a:solidFill>
-                <a:highlight>
-                  <a:srgbClr val="E8F2FE"/>
-                </a:highlight>
-                <a:latin typeface="Courier New" panose="02070309020205020404" pitchFamily="49" charset="0"/>
-              </a:rPr>
               <a:t>);</a:t>
             </a:r>
-            <a:endParaRPr lang="en-US" altLang="zh-CN" sz="2000" b="1" dirty="0">
+            <a:endParaRPr lang="fr-FR" altLang="zh-CN" sz="2000" b="1" dirty="0">
               <a:solidFill>
                 <a:srgbClr val="000000"/>
               </a:solidFill>
@@ -3446,6 +3543,7827 @@
 <file path=ppt/slides/slide14.xml><?xml version="1.0" encoding="utf-8"?>
 <p:sld xmlns:a="http://schemas.openxmlformats.org/drawingml/2006/main" xmlns:r="http://schemas.openxmlformats.org/officeDocument/2006/relationships" xmlns:p="http://schemas.openxmlformats.org/presentationml/2006/main">
   <p:cSld>
+    <p:spTree>
+      <p:nvGrpSpPr>
+        <p:cNvPr id="1" name=""/>
+        <p:cNvGrpSpPr/>
+        <p:nvPr/>
+      </p:nvGrpSpPr>
+      <p:grpSpPr>
+        <a:xfrm>
+          <a:off x="0" y="0"/>
+          <a:ext cx="0" cy="0"/>
+          <a:chOff x="0" y="0"/>
+          <a:chExt cx="0" cy="0"/>
+        </a:xfrm>
+      </p:grpSpPr>
+      <p:sp>
+        <p:nvSpPr>
+          <p:cNvPr id="3" name="TextBox 2"/>
+          <p:cNvSpPr txBox="1"/>
+          <p:nvPr/>
+        </p:nvSpPr>
+        <p:spPr>
+          <a:xfrm>
+            <a:off x="1172845" y="1123522"/>
+            <a:ext cx="2338269" cy="584775"/>
+          </a:xfrm>
+          <a:prstGeom prst="rect">
+            <a:avLst/>
+          </a:prstGeom>
+          <a:noFill/>
+        </p:spPr>
+        <p:txBody>
+          <a:bodyPr wrap="none" rtlCol="0">
+            <a:spAutoFit/>
+          </a:bodyPr>
+          <a:lstStyle/>
+          <a:p>
+            <a:r>
+              <a:rPr lang="en-US" altLang="zh-CN" sz="3200" dirty="0">
+                <a:solidFill>
+                  <a:srgbClr val="0066CC"/>
+                </a:solidFill>
+                <a:latin typeface="思源黑体 CN Bold" pitchFamily="34" charset="-122"/>
+                <a:ea typeface="思源黑体 CN Bold" pitchFamily="34" charset="-122"/>
+              </a:rPr>
+              <a:t>Stream API</a:t>
+            </a:r>
+            <a:endParaRPr lang="zh-CN" altLang="en-US" sz="3200" dirty="0">
+              <a:solidFill>
+                <a:srgbClr val="0066CC"/>
+              </a:solidFill>
+              <a:latin typeface="思源黑体 CN Bold" pitchFamily="34" charset="-122"/>
+              <a:ea typeface="思源黑体 CN Bold" pitchFamily="34" charset="-122"/>
+            </a:endParaRPr>
+          </a:p>
+        </p:txBody>
+      </p:sp>
+      <p:sp>
+        <p:nvSpPr>
+          <p:cNvPr id="5" name="TextBox 3">
+            <a:extLst>
+              <a:ext uri="{FF2B5EF4-FFF2-40B4-BE49-F238E27FC236}">
+                <a16:creationId xmlns:a16="http://schemas.microsoft.com/office/drawing/2014/main" id="{D7F540C6-67F0-40E7-AC16-B9DEF667A8BB}"/>
+              </a:ext>
+            </a:extLst>
+          </p:cNvPr>
+          <p:cNvSpPr txBox="1"/>
+          <p:nvPr/>
+        </p:nvSpPr>
+        <p:spPr>
+          <a:xfrm>
+            <a:off x="1026220" y="1741997"/>
+            <a:ext cx="9523164" cy="3046988"/>
+          </a:xfrm>
+          <a:prstGeom prst="rect">
+            <a:avLst/>
+          </a:prstGeom>
+          <a:noFill/>
+        </p:spPr>
+        <p:txBody>
+          <a:bodyPr wrap="square" rtlCol="0">
+            <a:spAutoFit/>
+          </a:bodyPr>
+          <a:lstStyle/>
+          <a:p>
+            <a:r>
+              <a:rPr lang="en-US" altLang="zh-CN" sz="1600" b="1" dirty="0">
+                <a:solidFill>
+                  <a:srgbClr val="7F0055"/>
+                </a:solidFill>
+                <a:latin typeface="Courier New" panose="02070309020205020404" pitchFamily="49" charset="0"/>
+              </a:rPr>
+              <a:t>class</a:t>
+            </a:r>
+            <a:r>
+              <a:rPr lang="en-US" altLang="zh-CN" sz="1600" b="1" dirty="0">
+                <a:solidFill>
+                  <a:srgbClr val="000000"/>
+                </a:solidFill>
+                <a:latin typeface="Courier New" panose="02070309020205020404" pitchFamily="49" charset="0"/>
+              </a:rPr>
+              <a:t> Student {</a:t>
+            </a:r>
+          </a:p>
+          <a:p>
+            <a:pPr lvl="1"/>
+            <a:r>
+              <a:rPr lang="en-US" altLang="zh-CN" sz="1600" b="1" dirty="0">
+                <a:solidFill>
+                  <a:srgbClr val="7F0055"/>
+                </a:solidFill>
+                <a:latin typeface="Courier New" panose="02070309020205020404" pitchFamily="49" charset="0"/>
+              </a:rPr>
+              <a:t>private</a:t>
+            </a:r>
+            <a:r>
+              <a:rPr lang="en-US" altLang="zh-CN" sz="1600" b="1" dirty="0">
+                <a:solidFill>
+                  <a:srgbClr val="000000"/>
+                </a:solidFill>
+                <a:latin typeface="Courier New" panose="02070309020205020404" pitchFamily="49" charset="0"/>
+              </a:rPr>
+              <a:t> String </a:t>
+            </a:r>
+            <a:r>
+              <a:rPr lang="en-US" altLang="zh-CN" sz="1600" b="1" dirty="0">
+                <a:solidFill>
+                  <a:srgbClr val="0000C0"/>
+                </a:solidFill>
+                <a:latin typeface="Courier New" panose="02070309020205020404" pitchFamily="49" charset="0"/>
+              </a:rPr>
+              <a:t>name</a:t>
+            </a:r>
+            <a:r>
+              <a:rPr lang="en-US" altLang="zh-CN" sz="1600" b="1" dirty="0">
+                <a:solidFill>
+                  <a:srgbClr val="000000"/>
+                </a:solidFill>
+                <a:latin typeface="Courier New" panose="02070309020205020404" pitchFamily="49" charset="0"/>
+              </a:rPr>
+              <a:t>;</a:t>
+            </a:r>
+          </a:p>
+          <a:p>
+            <a:pPr lvl="1"/>
+            <a:r>
+              <a:rPr lang="en-US" altLang="zh-CN" sz="1600" b="1" dirty="0">
+                <a:solidFill>
+                  <a:srgbClr val="7F0055"/>
+                </a:solidFill>
+                <a:latin typeface="Courier New" panose="02070309020205020404" pitchFamily="49" charset="0"/>
+              </a:rPr>
+              <a:t>private</a:t>
+            </a:r>
+            <a:r>
+              <a:rPr lang="en-US" altLang="zh-CN" sz="1600" b="1" dirty="0">
+                <a:solidFill>
+                  <a:srgbClr val="000000"/>
+                </a:solidFill>
+                <a:latin typeface="Courier New" panose="02070309020205020404" pitchFamily="49" charset="0"/>
+              </a:rPr>
+              <a:t> </a:t>
+            </a:r>
+            <a:r>
+              <a:rPr lang="en-US" altLang="zh-CN" sz="1600" b="1" dirty="0">
+                <a:solidFill>
+                  <a:srgbClr val="7F0055"/>
+                </a:solidFill>
+                <a:latin typeface="Courier New" panose="02070309020205020404" pitchFamily="49" charset="0"/>
+              </a:rPr>
+              <a:t>int</a:t>
+            </a:r>
+            <a:r>
+              <a:rPr lang="en-US" altLang="zh-CN" sz="1600" b="1" dirty="0">
+                <a:solidFill>
+                  <a:srgbClr val="000000"/>
+                </a:solidFill>
+                <a:latin typeface="Courier New" panose="02070309020205020404" pitchFamily="49" charset="0"/>
+              </a:rPr>
+              <a:t> </a:t>
+            </a:r>
+            <a:r>
+              <a:rPr lang="en-US" altLang="zh-CN" sz="1600" b="1" dirty="0">
+                <a:solidFill>
+                  <a:srgbClr val="0000C0"/>
+                </a:solidFill>
+                <a:latin typeface="Courier New" panose="02070309020205020404" pitchFamily="49" charset="0"/>
+              </a:rPr>
+              <a:t>age</a:t>
+            </a:r>
+            <a:r>
+              <a:rPr lang="en-US" altLang="zh-CN" sz="1600" b="1" dirty="0">
+                <a:solidFill>
+                  <a:srgbClr val="000000"/>
+                </a:solidFill>
+                <a:latin typeface="Courier New" panose="02070309020205020404" pitchFamily="49" charset="0"/>
+              </a:rPr>
+              <a:t>;</a:t>
+            </a:r>
+          </a:p>
+          <a:p>
+            <a:r>
+              <a:rPr lang="en-US" altLang="zh-CN" sz="1600" b="1" dirty="0">
+                <a:solidFill>
+                  <a:srgbClr val="000000"/>
+                </a:solidFill>
+                <a:highlight>
+                  <a:srgbClr val="E8F2FE"/>
+                </a:highlight>
+                <a:latin typeface="Courier New" panose="02070309020205020404" pitchFamily="49" charset="0"/>
+              </a:rPr>
+              <a:t>}</a:t>
+            </a:r>
+          </a:p>
+          <a:p>
+            <a:r>
+              <a:rPr lang="en-US" altLang="zh-CN" sz="1600" dirty="0">
+                <a:solidFill>
+                  <a:srgbClr val="000000"/>
+                </a:solidFill>
+                <a:latin typeface="Courier New" panose="02070309020205020404" pitchFamily="49" charset="0"/>
+              </a:rPr>
+              <a:t>List&lt;Student&gt; </a:t>
+            </a:r>
+            <a:r>
+              <a:rPr lang="en-US" altLang="zh-CN" sz="1600" dirty="0">
+                <a:solidFill>
+                  <a:srgbClr val="6A3E3E"/>
+                </a:solidFill>
+                <a:latin typeface="Courier New" panose="02070309020205020404" pitchFamily="49" charset="0"/>
+              </a:rPr>
+              <a:t>students</a:t>
+            </a:r>
+            <a:r>
+              <a:rPr lang="en-US" altLang="zh-CN" sz="1600" dirty="0">
+                <a:solidFill>
+                  <a:srgbClr val="000000"/>
+                </a:solidFill>
+                <a:latin typeface="Courier New" panose="02070309020205020404" pitchFamily="49" charset="0"/>
+              </a:rPr>
+              <a:t> = </a:t>
+            </a:r>
+            <a:r>
+              <a:rPr lang="en-US" altLang="zh-CN" sz="1600" b="1" dirty="0">
+                <a:solidFill>
+                  <a:srgbClr val="7F0055"/>
+                </a:solidFill>
+                <a:latin typeface="Courier New" panose="02070309020205020404" pitchFamily="49" charset="0"/>
+              </a:rPr>
+              <a:t>…</a:t>
+            </a:r>
+            <a:endParaRPr lang="en-US" altLang="zh-CN" sz="1600" b="1" dirty="0">
+              <a:solidFill>
+                <a:srgbClr val="000000"/>
+              </a:solidFill>
+              <a:latin typeface="Courier New" panose="02070309020205020404" pitchFamily="49" charset="0"/>
+            </a:endParaRPr>
+          </a:p>
+          <a:p>
+            <a:r>
+              <a:rPr lang="en-US" altLang="zh-CN" sz="1600" dirty="0">
+                <a:solidFill>
+                  <a:srgbClr val="3F7F5F"/>
+                </a:solidFill>
+                <a:latin typeface="Courier New" panose="02070309020205020404" pitchFamily="49" charset="0"/>
+              </a:rPr>
+              <a:t>// </a:t>
+            </a:r>
+            <a:r>
+              <a:rPr lang="zh-CN" altLang="en-US" sz="1600" dirty="0">
+                <a:solidFill>
+                  <a:srgbClr val="3F7F5F"/>
+                </a:solidFill>
+                <a:latin typeface="Courier New" panose="02070309020205020404" pitchFamily="49" charset="0"/>
+              </a:rPr>
+              <a:t>筛选出年龄大于</a:t>
+            </a:r>
+            <a:r>
+              <a:rPr lang="en-US" altLang="zh-CN" sz="1600" dirty="0">
+                <a:solidFill>
+                  <a:srgbClr val="3F7F5F"/>
+                </a:solidFill>
+                <a:latin typeface="Courier New" panose="02070309020205020404" pitchFamily="49" charset="0"/>
+              </a:rPr>
+              <a:t>15</a:t>
+            </a:r>
+            <a:r>
+              <a:rPr lang="zh-CN" altLang="en-US" sz="1600" dirty="0">
+                <a:solidFill>
+                  <a:srgbClr val="3F7F5F"/>
+                </a:solidFill>
+                <a:latin typeface="Courier New" panose="02070309020205020404" pitchFamily="49" charset="0"/>
+              </a:rPr>
+              <a:t>岁的学生的姓名</a:t>
+            </a:r>
+          </a:p>
+          <a:p>
+            <a:r>
+              <a:rPr lang="en-US" altLang="zh-CN" sz="1600" dirty="0">
+                <a:solidFill>
+                  <a:srgbClr val="000000"/>
+                </a:solidFill>
+                <a:latin typeface="Courier New" panose="02070309020205020404" pitchFamily="49" charset="0"/>
+              </a:rPr>
+              <a:t>List&lt;String&gt; </a:t>
+            </a:r>
+            <a:r>
+              <a:rPr lang="en-US" altLang="zh-CN" sz="1600" dirty="0">
+                <a:solidFill>
+                  <a:srgbClr val="6A3E3E"/>
+                </a:solidFill>
+                <a:latin typeface="Courier New" panose="02070309020205020404" pitchFamily="49" charset="0"/>
+              </a:rPr>
+              <a:t>result</a:t>
+            </a:r>
+            <a:r>
+              <a:rPr lang="en-US" altLang="zh-CN" sz="1600" dirty="0">
+                <a:solidFill>
+                  <a:srgbClr val="000000"/>
+                </a:solidFill>
+                <a:latin typeface="Courier New" panose="02070309020205020404" pitchFamily="49" charset="0"/>
+              </a:rPr>
+              <a:t> = </a:t>
+            </a:r>
+            <a:r>
+              <a:rPr lang="en-US" altLang="zh-CN" sz="1600" b="1" dirty="0">
+                <a:solidFill>
+                  <a:srgbClr val="7F0055"/>
+                </a:solidFill>
+                <a:latin typeface="Courier New" panose="02070309020205020404" pitchFamily="49" charset="0"/>
+              </a:rPr>
+              <a:t>new</a:t>
+            </a:r>
+            <a:r>
+              <a:rPr lang="en-US" altLang="zh-CN" sz="1600" b="1" dirty="0">
+                <a:solidFill>
+                  <a:srgbClr val="000000"/>
+                </a:solidFill>
+                <a:latin typeface="Courier New" panose="02070309020205020404" pitchFamily="49" charset="0"/>
+              </a:rPr>
+              <a:t> </a:t>
+            </a:r>
+            <a:r>
+              <a:rPr lang="en-US" altLang="zh-CN" sz="1600" b="1" dirty="0" err="1">
+                <a:solidFill>
+                  <a:srgbClr val="000000"/>
+                </a:solidFill>
+                <a:latin typeface="Courier New" panose="02070309020205020404" pitchFamily="49" charset="0"/>
+              </a:rPr>
+              <a:t>ArrayList</a:t>
+            </a:r>
+            <a:r>
+              <a:rPr lang="en-US" altLang="zh-CN" sz="1600" b="1" dirty="0">
+                <a:solidFill>
+                  <a:srgbClr val="000000"/>
+                </a:solidFill>
+                <a:latin typeface="Courier New" panose="02070309020205020404" pitchFamily="49" charset="0"/>
+              </a:rPr>
+              <a:t>&lt;&gt;();</a:t>
+            </a:r>
+          </a:p>
+          <a:p>
+            <a:r>
+              <a:rPr lang="en-US" altLang="zh-CN" sz="1600" b="1" dirty="0">
+                <a:solidFill>
+                  <a:srgbClr val="7F0055"/>
+                </a:solidFill>
+                <a:latin typeface="Courier New" panose="02070309020205020404" pitchFamily="49" charset="0"/>
+              </a:rPr>
+              <a:t>for</a:t>
+            </a:r>
+            <a:r>
+              <a:rPr lang="en-US" altLang="zh-CN" sz="1600" b="1" dirty="0">
+                <a:solidFill>
+                  <a:srgbClr val="000000"/>
+                </a:solidFill>
+                <a:latin typeface="Courier New" panose="02070309020205020404" pitchFamily="49" charset="0"/>
+              </a:rPr>
+              <a:t> (Student </a:t>
+            </a:r>
+            <a:r>
+              <a:rPr lang="en-US" altLang="zh-CN" sz="1600" b="1" dirty="0" err="1">
+                <a:solidFill>
+                  <a:srgbClr val="6A3E3E"/>
+                </a:solidFill>
+                <a:latin typeface="Courier New" panose="02070309020205020404" pitchFamily="49" charset="0"/>
+              </a:rPr>
+              <a:t>student</a:t>
+            </a:r>
+            <a:r>
+              <a:rPr lang="en-US" altLang="zh-CN" sz="1600" b="1" dirty="0">
+                <a:solidFill>
+                  <a:srgbClr val="000000"/>
+                </a:solidFill>
+                <a:latin typeface="Courier New" panose="02070309020205020404" pitchFamily="49" charset="0"/>
+              </a:rPr>
+              <a:t> : </a:t>
+            </a:r>
+            <a:r>
+              <a:rPr lang="en-US" altLang="zh-CN" sz="1600" b="1" dirty="0">
+                <a:solidFill>
+                  <a:srgbClr val="6A3E3E"/>
+                </a:solidFill>
+                <a:latin typeface="Courier New" panose="02070309020205020404" pitchFamily="49" charset="0"/>
+              </a:rPr>
+              <a:t>students</a:t>
+            </a:r>
+            <a:r>
+              <a:rPr lang="en-US" altLang="zh-CN" sz="1600" b="1" dirty="0">
+                <a:solidFill>
+                  <a:srgbClr val="000000"/>
+                </a:solidFill>
+                <a:latin typeface="Courier New" panose="02070309020205020404" pitchFamily="49" charset="0"/>
+              </a:rPr>
+              <a:t>) {</a:t>
+            </a:r>
+          </a:p>
+          <a:p>
+            <a:pPr lvl="1"/>
+            <a:r>
+              <a:rPr lang="en-US" altLang="zh-CN" sz="1600" b="1" dirty="0">
+                <a:solidFill>
+                  <a:srgbClr val="7F0055"/>
+                </a:solidFill>
+                <a:latin typeface="Courier New" panose="02070309020205020404" pitchFamily="49" charset="0"/>
+              </a:rPr>
+              <a:t>if</a:t>
+            </a:r>
+            <a:r>
+              <a:rPr lang="en-US" altLang="zh-CN" sz="1600" b="1" dirty="0">
+                <a:solidFill>
+                  <a:srgbClr val="000000"/>
+                </a:solidFill>
+                <a:latin typeface="Courier New" panose="02070309020205020404" pitchFamily="49" charset="0"/>
+              </a:rPr>
+              <a:t> (</a:t>
+            </a:r>
+            <a:r>
+              <a:rPr lang="en-US" altLang="zh-CN" sz="1600" b="1" dirty="0" err="1">
+                <a:solidFill>
+                  <a:srgbClr val="6A3E3E"/>
+                </a:solidFill>
+                <a:latin typeface="Courier New" panose="02070309020205020404" pitchFamily="49" charset="0"/>
+              </a:rPr>
+              <a:t>student</a:t>
+            </a:r>
+            <a:r>
+              <a:rPr lang="en-US" altLang="zh-CN" sz="1600" b="1" dirty="0" err="1">
+                <a:solidFill>
+                  <a:srgbClr val="000000"/>
+                </a:solidFill>
+                <a:latin typeface="Courier New" panose="02070309020205020404" pitchFamily="49" charset="0"/>
+              </a:rPr>
+              <a:t>.getAge</a:t>
+            </a:r>
+            <a:r>
+              <a:rPr lang="en-US" altLang="zh-CN" sz="1600" b="1" dirty="0">
+                <a:solidFill>
+                  <a:srgbClr val="000000"/>
+                </a:solidFill>
+                <a:latin typeface="Courier New" panose="02070309020205020404" pitchFamily="49" charset="0"/>
+              </a:rPr>
+              <a:t>() &gt; 15) {</a:t>
+            </a:r>
+          </a:p>
+          <a:p>
+            <a:pPr lvl="1"/>
+            <a:r>
+              <a:rPr lang="en-US" altLang="zh-CN" sz="1600" dirty="0">
+                <a:solidFill>
+                  <a:srgbClr val="6A3E3E"/>
+                </a:solidFill>
+                <a:latin typeface="Courier New" panose="02070309020205020404" pitchFamily="49" charset="0"/>
+              </a:rPr>
+              <a:t>	</a:t>
+            </a:r>
+            <a:r>
+              <a:rPr lang="en-US" altLang="zh-CN" sz="1600" dirty="0" err="1">
+                <a:solidFill>
+                  <a:srgbClr val="6A3E3E"/>
+                </a:solidFill>
+                <a:latin typeface="Courier New" panose="02070309020205020404" pitchFamily="49" charset="0"/>
+              </a:rPr>
+              <a:t>result</a:t>
+            </a:r>
+            <a:r>
+              <a:rPr lang="en-US" altLang="zh-CN" sz="1600" dirty="0" err="1">
+                <a:solidFill>
+                  <a:srgbClr val="000000"/>
+                </a:solidFill>
+                <a:latin typeface="Courier New" panose="02070309020205020404" pitchFamily="49" charset="0"/>
+              </a:rPr>
+              <a:t>.add</a:t>
+            </a:r>
+            <a:r>
+              <a:rPr lang="en-US" altLang="zh-CN" sz="1600" dirty="0">
+                <a:solidFill>
+                  <a:srgbClr val="000000"/>
+                </a:solidFill>
+                <a:latin typeface="Courier New" panose="02070309020205020404" pitchFamily="49" charset="0"/>
+              </a:rPr>
+              <a:t>(</a:t>
+            </a:r>
+            <a:r>
+              <a:rPr lang="en-US" altLang="zh-CN" sz="1600" dirty="0" err="1">
+                <a:solidFill>
+                  <a:srgbClr val="6A3E3E"/>
+                </a:solidFill>
+                <a:latin typeface="Courier New" panose="02070309020205020404" pitchFamily="49" charset="0"/>
+              </a:rPr>
+              <a:t>student</a:t>
+            </a:r>
+            <a:r>
+              <a:rPr lang="en-US" altLang="zh-CN" sz="1600" dirty="0" err="1">
+                <a:solidFill>
+                  <a:srgbClr val="000000"/>
+                </a:solidFill>
+                <a:latin typeface="Courier New" panose="02070309020205020404" pitchFamily="49" charset="0"/>
+              </a:rPr>
+              <a:t>.getName</a:t>
+            </a:r>
+            <a:r>
+              <a:rPr lang="en-US" altLang="zh-CN" sz="1600" dirty="0">
+                <a:solidFill>
+                  <a:srgbClr val="000000"/>
+                </a:solidFill>
+                <a:latin typeface="Courier New" panose="02070309020205020404" pitchFamily="49" charset="0"/>
+              </a:rPr>
+              <a:t>());</a:t>
+            </a:r>
+          </a:p>
+          <a:p>
+            <a:pPr lvl="1"/>
+            <a:r>
+              <a:rPr lang="en-US" altLang="zh-CN" sz="1600" dirty="0">
+                <a:solidFill>
+                  <a:srgbClr val="000000"/>
+                </a:solidFill>
+                <a:latin typeface="Courier New" panose="02070309020205020404" pitchFamily="49" charset="0"/>
+              </a:rPr>
+              <a:t>}</a:t>
+            </a:r>
+          </a:p>
+          <a:p>
+            <a:r>
+              <a:rPr lang="en-US" altLang="zh-CN" sz="1600" dirty="0">
+                <a:solidFill>
+                  <a:srgbClr val="000000"/>
+                </a:solidFill>
+                <a:latin typeface="Courier New" panose="02070309020205020404" pitchFamily="49" charset="0"/>
+              </a:rPr>
+              <a:t>}</a:t>
+            </a:r>
+            <a:endParaRPr lang="en-US" altLang="zh-CN" sz="1600" b="1" dirty="0">
+              <a:highlight>
+                <a:srgbClr val="E8F2FE"/>
+              </a:highlight>
+              <a:latin typeface="Courier New" panose="02070309020205020404" pitchFamily="49" charset="0"/>
+            </a:endParaRPr>
+          </a:p>
+        </p:txBody>
+      </p:sp>
+      <p:sp>
+        <p:nvSpPr>
+          <p:cNvPr id="2" name="文本框 1">
+            <a:extLst>
+              <a:ext uri="{FF2B5EF4-FFF2-40B4-BE49-F238E27FC236}">
+                <a16:creationId xmlns:a16="http://schemas.microsoft.com/office/drawing/2014/main" id="{1096BA52-0730-47EC-90C2-7D553E0BD8D3}"/>
+              </a:ext>
+            </a:extLst>
+          </p:cNvPr>
+          <p:cNvSpPr txBox="1"/>
+          <p:nvPr/>
+        </p:nvSpPr>
+        <p:spPr>
+          <a:xfrm>
+            <a:off x="1026220" y="5099185"/>
+            <a:ext cx="9523164" cy="1138773"/>
+          </a:xfrm>
+          <a:prstGeom prst="rect">
+            <a:avLst/>
+          </a:prstGeom>
+          <a:noFill/>
+        </p:spPr>
+        <p:txBody>
+          <a:bodyPr wrap="square" rtlCol="0">
+            <a:spAutoFit/>
+          </a:bodyPr>
+          <a:lstStyle/>
+          <a:p>
+            <a:r>
+              <a:rPr lang="zh-CN" altLang="en-US" sz="1800" b="1" dirty="0"/>
+              <a:t>使用</a:t>
+            </a:r>
+            <a:r>
+              <a:rPr lang="en-US" altLang="zh-CN" sz="1800" b="1" dirty="0"/>
+              <a:t>Stream</a:t>
+            </a:r>
+            <a:r>
+              <a:rPr lang="zh-CN" altLang="en-US" sz="1800" b="1" dirty="0"/>
+              <a:t>的方式：</a:t>
+            </a:r>
+            <a:endParaRPr lang="en-US" altLang="zh-CN" sz="1800" b="1" dirty="0"/>
+          </a:p>
+          <a:p>
+            <a:r>
+              <a:rPr lang="en-US" altLang="zh-CN" sz="1600" dirty="0">
+                <a:solidFill>
+                  <a:srgbClr val="6A3E3E"/>
+                </a:solidFill>
+                <a:latin typeface="Courier New" panose="02070309020205020404" pitchFamily="49" charset="0"/>
+              </a:rPr>
+              <a:t>result</a:t>
+            </a:r>
+            <a:r>
+              <a:rPr lang="en-US" altLang="zh-CN" sz="1600" dirty="0">
+                <a:solidFill>
+                  <a:srgbClr val="000000"/>
+                </a:solidFill>
+                <a:latin typeface="Courier New" panose="02070309020205020404" pitchFamily="49" charset="0"/>
+              </a:rPr>
+              <a:t> = </a:t>
+            </a:r>
+            <a:r>
+              <a:rPr lang="en-US" altLang="zh-CN" sz="1600" dirty="0" err="1">
+                <a:solidFill>
+                  <a:srgbClr val="6A3E3E"/>
+                </a:solidFill>
+                <a:highlight>
+                  <a:srgbClr val="D4D4D4"/>
+                </a:highlight>
+                <a:latin typeface="Courier New" panose="02070309020205020404" pitchFamily="49" charset="0"/>
+              </a:rPr>
+              <a:t>students</a:t>
+            </a:r>
+            <a:r>
+              <a:rPr lang="en-US" altLang="zh-CN" sz="1600" dirty="0" err="1">
+                <a:solidFill>
+                  <a:srgbClr val="000000"/>
+                </a:solidFill>
+                <a:highlight>
+                  <a:srgbClr val="D4D4D4"/>
+                </a:highlight>
+                <a:latin typeface="Courier New" panose="02070309020205020404" pitchFamily="49" charset="0"/>
+              </a:rPr>
+              <a:t>.stream</a:t>
+            </a:r>
+            <a:r>
+              <a:rPr lang="en-US" altLang="zh-CN" sz="1600" dirty="0">
+                <a:solidFill>
+                  <a:srgbClr val="000000"/>
+                </a:solidFill>
+                <a:highlight>
+                  <a:srgbClr val="D4D4D4"/>
+                </a:highlight>
+                <a:latin typeface="Courier New" panose="02070309020205020404" pitchFamily="49" charset="0"/>
+              </a:rPr>
+              <a:t>().filter(</a:t>
+            </a:r>
+            <a:r>
+              <a:rPr lang="en-US" altLang="zh-CN" sz="1600" dirty="0">
+                <a:solidFill>
+                  <a:srgbClr val="6A3E3E"/>
+                </a:solidFill>
+                <a:highlight>
+                  <a:srgbClr val="D4D4D4"/>
+                </a:highlight>
+                <a:latin typeface="Courier New" panose="02070309020205020404" pitchFamily="49" charset="0"/>
+              </a:rPr>
+              <a:t>student</a:t>
+            </a:r>
+            <a:r>
+              <a:rPr lang="en-US" altLang="zh-CN" sz="1600" dirty="0">
+                <a:solidFill>
+                  <a:srgbClr val="000000"/>
+                </a:solidFill>
+                <a:highlight>
+                  <a:srgbClr val="D4D4D4"/>
+                </a:highlight>
+                <a:latin typeface="Courier New" panose="02070309020205020404" pitchFamily="49" charset="0"/>
+              </a:rPr>
+              <a:t> -&gt; </a:t>
+            </a:r>
+            <a:r>
+              <a:rPr lang="en-US" altLang="zh-CN" sz="1600" dirty="0" err="1">
+                <a:solidFill>
+                  <a:srgbClr val="6A3E3E"/>
+                </a:solidFill>
+                <a:highlight>
+                  <a:srgbClr val="D4D4D4"/>
+                </a:highlight>
+                <a:latin typeface="Courier New" panose="02070309020205020404" pitchFamily="49" charset="0"/>
+              </a:rPr>
+              <a:t>student</a:t>
+            </a:r>
+            <a:r>
+              <a:rPr lang="en-US" altLang="zh-CN" sz="1600" dirty="0" err="1">
+                <a:solidFill>
+                  <a:srgbClr val="000000"/>
+                </a:solidFill>
+                <a:highlight>
+                  <a:srgbClr val="D4D4D4"/>
+                </a:highlight>
+                <a:latin typeface="Courier New" panose="02070309020205020404" pitchFamily="49" charset="0"/>
+              </a:rPr>
+              <a:t>.getAge</a:t>
+            </a:r>
+            <a:r>
+              <a:rPr lang="en-US" altLang="zh-CN" sz="1600" dirty="0">
+                <a:solidFill>
+                  <a:srgbClr val="000000"/>
+                </a:solidFill>
+                <a:highlight>
+                  <a:srgbClr val="D4D4D4"/>
+                </a:highlight>
+                <a:latin typeface="Courier New" panose="02070309020205020404" pitchFamily="49" charset="0"/>
+              </a:rPr>
+              <a:t>() &gt; 15)</a:t>
+            </a:r>
+          </a:p>
+          <a:p>
+            <a:r>
+              <a:rPr lang="en-US" altLang="zh-CN" sz="1600" dirty="0">
+                <a:solidFill>
+                  <a:srgbClr val="000000"/>
+                </a:solidFill>
+                <a:latin typeface="Courier New" panose="02070309020205020404" pitchFamily="49" charset="0"/>
+              </a:rPr>
+              <a:t>	.map(</a:t>
+            </a:r>
+            <a:r>
+              <a:rPr lang="en-US" altLang="zh-CN" sz="1600" dirty="0">
+                <a:solidFill>
+                  <a:srgbClr val="6A3E3E"/>
+                </a:solidFill>
+                <a:latin typeface="Courier New" panose="02070309020205020404" pitchFamily="49" charset="0"/>
+              </a:rPr>
+              <a:t>student</a:t>
+            </a:r>
+            <a:r>
+              <a:rPr lang="en-US" altLang="zh-CN" sz="1600" dirty="0">
+                <a:solidFill>
+                  <a:srgbClr val="000000"/>
+                </a:solidFill>
+                <a:latin typeface="Courier New" panose="02070309020205020404" pitchFamily="49" charset="0"/>
+              </a:rPr>
+              <a:t> -&gt; </a:t>
+            </a:r>
+            <a:r>
+              <a:rPr lang="en-US" altLang="zh-CN" sz="1600" dirty="0" err="1">
+                <a:solidFill>
+                  <a:srgbClr val="6A3E3E"/>
+                </a:solidFill>
+                <a:latin typeface="Courier New" panose="02070309020205020404" pitchFamily="49" charset="0"/>
+              </a:rPr>
+              <a:t>student</a:t>
+            </a:r>
+            <a:r>
+              <a:rPr lang="en-US" altLang="zh-CN" sz="1600" dirty="0" err="1">
+                <a:solidFill>
+                  <a:srgbClr val="000000"/>
+                </a:solidFill>
+                <a:latin typeface="Courier New" panose="02070309020205020404" pitchFamily="49" charset="0"/>
+              </a:rPr>
+              <a:t>.getName</a:t>
+            </a:r>
+            <a:r>
+              <a:rPr lang="en-US" altLang="zh-CN" sz="1600" dirty="0">
+                <a:solidFill>
+                  <a:srgbClr val="000000"/>
+                </a:solidFill>
+                <a:latin typeface="Courier New" panose="02070309020205020404" pitchFamily="49" charset="0"/>
+              </a:rPr>
+              <a:t>()).collect(</a:t>
+            </a:r>
+            <a:r>
+              <a:rPr lang="en-US" altLang="zh-CN" sz="1600" dirty="0" err="1">
+                <a:solidFill>
+                  <a:srgbClr val="000000"/>
+                </a:solidFill>
+                <a:latin typeface="Courier New" panose="02070309020205020404" pitchFamily="49" charset="0"/>
+              </a:rPr>
+              <a:t>Collectors.</a:t>
+            </a:r>
+            <a:r>
+              <a:rPr lang="en-US" altLang="zh-CN" sz="1600" i="1" dirty="0" err="1">
+                <a:solidFill>
+                  <a:srgbClr val="000000"/>
+                </a:solidFill>
+                <a:latin typeface="Courier New" panose="02070309020205020404" pitchFamily="49" charset="0"/>
+              </a:rPr>
+              <a:t>toList</a:t>
+            </a:r>
+            <a:r>
+              <a:rPr lang="en-US" altLang="zh-CN" sz="1600" i="1" dirty="0">
+                <a:solidFill>
+                  <a:srgbClr val="000000"/>
+                </a:solidFill>
+                <a:latin typeface="Courier New" panose="02070309020205020404" pitchFamily="49" charset="0"/>
+              </a:rPr>
+              <a:t>());</a:t>
+            </a:r>
+            <a:endParaRPr lang="en-US" altLang="zh-CN" sz="1600" b="1" dirty="0"/>
+          </a:p>
+          <a:p>
+            <a:endParaRPr lang="zh-CN" altLang="en-US" sz="1800" b="1" dirty="0"/>
+          </a:p>
+        </p:txBody>
+      </p:sp>
+    </p:spTree>
+    <p:extLst>
+      <p:ext uri="{BB962C8B-B14F-4D97-AF65-F5344CB8AC3E}">
+        <p14:creationId xmlns:p14="http://schemas.microsoft.com/office/powerpoint/2010/main" val="3405953876"/>
+      </p:ext>
+    </p:extLst>
+  </p:cSld>
+  <p:clrMapOvr>
+    <a:masterClrMapping/>
+  </p:clrMapOvr>
+  <p:transition spd="slow">
+    <p:wipe dir="r"/>
+  </p:transition>
+  <p:timing>
+    <p:tnLst>
+      <p:par>
+        <p:cTn id="1" dur="indefinite" restart="never" nodeType="tmRoot">
+          <p:childTnLst>
+            <p:seq concurrent="1" nextAc="seek">
+              <p:cTn id="2" dur="indefinite" nodeType="mainSeq">
+                <p:childTnLst>
+                  <p:par>
+                    <p:cTn id="3" fill="hold">
+                      <p:stCondLst>
+                        <p:cond delay="indefinite"/>
+                      </p:stCondLst>
+                      <p:childTnLst>
+                        <p:par>
+                          <p:cTn id="4" fill="hold">
+                            <p:stCondLst>
+                              <p:cond delay="0"/>
+                            </p:stCondLst>
+                            <p:childTnLst>
+                              <p:par>
+                                <p:cTn id="5" presetID="2" presetClass="entr" presetSubtype="4" fill="hold" grpId="0" nodeType="clickEffect">
+                                  <p:stCondLst>
+                                    <p:cond delay="0"/>
+                                  </p:stCondLst>
+                                  <p:childTnLst>
+                                    <p:set>
+                                      <p:cBhvr>
+                                        <p:cTn id="6" dur="1" fill="hold">
+                                          <p:stCondLst>
+                                            <p:cond delay="0"/>
+                                          </p:stCondLst>
+                                        </p:cTn>
+                                        <p:tgtEl>
+                                          <p:spTgt spid="2"/>
+                                        </p:tgtEl>
+                                        <p:attrNameLst>
+                                          <p:attrName>style.visibility</p:attrName>
+                                        </p:attrNameLst>
+                                      </p:cBhvr>
+                                      <p:to>
+                                        <p:strVal val="visible"/>
+                                      </p:to>
+                                    </p:set>
+                                    <p:anim calcmode="lin" valueType="num">
+                                      <p:cBhvr additive="base">
+                                        <p:cTn id="7" dur="500" fill="hold"/>
+                                        <p:tgtEl>
+                                          <p:spTgt spid="2"/>
+                                        </p:tgtEl>
+                                        <p:attrNameLst>
+                                          <p:attrName>ppt_x</p:attrName>
+                                        </p:attrNameLst>
+                                      </p:cBhvr>
+                                      <p:tavLst>
+                                        <p:tav tm="0">
+                                          <p:val>
+                                            <p:strVal val="#ppt_x"/>
+                                          </p:val>
+                                        </p:tav>
+                                        <p:tav tm="100000">
+                                          <p:val>
+                                            <p:strVal val="#ppt_x"/>
+                                          </p:val>
+                                        </p:tav>
+                                      </p:tavLst>
+                                    </p:anim>
+                                    <p:anim calcmode="lin" valueType="num">
+                                      <p:cBhvr additive="base">
+                                        <p:cTn id="8" dur="500" fill="hold"/>
+                                        <p:tgtEl>
+                                          <p:spTgt spid="2"/>
+                                        </p:tgtEl>
+                                        <p:attrNameLst>
+                                          <p:attrName>ppt_y</p:attrName>
+                                        </p:attrNameLst>
+                                      </p:cBhvr>
+                                      <p:tavLst>
+                                        <p:tav tm="0">
+                                          <p:val>
+                                            <p:strVal val="1+#ppt_h/2"/>
+                                          </p:val>
+                                        </p:tav>
+                                        <p:tav tm="100000">
+                                          <p:val>
+                                            <p:strVal val="#ppt_y"/>
+                                          </p:val>
+                                        </p:tav>
+                                      </p:tavLst>
+                                    </p:anim>
+                                  </p:childTnLst>
+                                </p:cTn>
+                              </p:par>
+                            </p:childTnLst>
+                          </p:cTn>
+                        </p:par>
+                      </p:childTnLst>
+                    </p:cTn>
+                  </p:par>
+                </p:childTnLst>
+              </p:cTn>
+              <p:prevCondLst>
+                <p:cond evt="onPrev" delay="0">
+                  <p:tgtEl>
+                    <p:sldTgt/>
+                  </p:tgtEl>
+                </p:cond>
+              </p:prevCondLst>
+              <p:nextCondLst>
+                <p:cond evt="onNext" delay="0">
+                  <p:tgtEl>
+                    <p:sldTgt/>
+                  </p:tgtEl>
+                </p:cond>
+              </p:nextCondLst>
+            </p:seq>
+          </p:childTnLst>
+        </p:cTn>
+      </p:par>
+    </p:tnLst>
+    <p:bldLst>
+      <p:bldP spid="2" grpId="0"/>
+    </p:bldLst>
+  </p:timing>
+</p:sld>
+</file>
+
+<file path=ppt/slides/slide15.xml><?xml version="1.0" encoding="utf-8"?>
+<p:sld xmlns:a="http://schemas.openxmlformats.org/drawingml/2006/main" xmlns:r="http://schemas.openxmlformats.org/officeDocument/2006/relationships" xmlns:p="http://schemas.openxmlformats.org/presentationml/2006/main">
+  <p:cSld>
+    <p:spTree>
+      <p:nvGrpSpPr>
+        <p:cNvPr id="1" name=""/>
+        <p:cNvGrpSpPr/>
+        <p:nvPr/>
+      </p:nvGrpSpPr>
+      <p:grpSpPr>
+        <a:xfrm>
+          <a:off x="0" y="0"/>
+          <a:ext cx="0" cy="0"/>
+          <a:chOff x="0" y="0"/>
+          <a:chExt cx="0" cy="0"/>
+        </a:xfrm>
+      </p:grpSpPr>
+      <p:sp>
+        <p:nvSpPr>
+          <p:cNvPr id="3" name="TextBox 2"/>
+          <p:cNvSpPr txBox="1"/>
+          <p:nvPr/>
+        </p:nvSpPr>
+        <p:spPr>
+          <a:xfrm>
+            <a:off x="1172845" y="1123522"/>
+            <a:ext cx="2338269" cy="584775"/>
+          </a:xfrm>
+          <a:prstGeom prst="rect">
+            <a:avLst/>
+          </a:prstGeom>
+          <a:noFill/>
+        </p:spPr>
+        <p:txBody>
+          <a:bodyPr wrap="none" rtlCol="0">
+            <a:spAutoFit/>
+          </a:bodyPr>
+          <a:lstStyle/>
+          <a:p>
+            <a:r>
+              <a:rPr lang="en-US" altLang="zh-CN" sz="3200" dirty="0">
+                <a:solidFill>
+                  <a:srgbClr val="0066CC"/>
+                </a:solidFill>
+                <a:latin typeface="思源黑体 CN Bold" pitchFamily="34" charset="-122"/>
+                <a:ea typeface="思源黑体 CN Bold" pitchFamily="34" charset="-122"/>
+              </a:rPr>
+              <a:t>Stream API</a:t>
+            </a:r>
+            <a:endParaRPr lang="zh-CN" altLang="en-US" sz="3200" dirty="0">
+              <a:solidFill>
+                <a:srgbClr val="0066CC"/>
+              </a:solidFill>
+              <a:latin typeface="思源黑体 CN Bold" pitchFamily="34" charset="-122"/>
+              <a:ea typeface="思源黑体 CN Bold" pitchFamily="34" charset="-122"/>
+            </a:endParaRPr>
+          </a:p>
+        </p:txBody>
+      </p:sp>
+      <p:sp>
+        <p:nvSpPr>
+          <p:cNvPr id="5" name="TextBox 3">
+            <a:extLst>
+              <a:ext uri="{FF2B5EF4-FFF2-40B4-BE49-F238E27FC236}">
+                <a16:creationId xmlns:a16="http://schemas.microsoft.com/office/drawing/2014/main" id="{D7F540C6-67F0-40E7-AC16-B9DEF667A8BB}"/>
+              </a:ext>
+            </a:extLst>
+          </p:cNvPr>
+          <p:cNvSpPr txBox="1"/>
+          <p:nvPr/>
+        </p:nvSpPr>
+        <p:spPr>
+          <a:xfrm>
+            <a:off x="1026220" y="1741997"/>
+            <a:ext cx="9523164" cy="2477601"/>
+          </a:xfrm>
+          <a:prstGeom prst="rect">
+            <a:avLst/>
+          </a:prstGeom>
+          <a:noFill/>
+        </p:spPr>
+        <p:txBody>
+          <a:bodyPr wrap="square" rtlCol="0">
+            <a:spAutoFit/>
+          </a:bodyPr>
+          <a:lstStyle/>
+          <a:p>
+            <a:pPr>
+              <a:spcBef>
+                <a:spcPts val="600"/>
+              </a:spcBef>
+              <a:spcAft>
+                <a:spcPts val="600"/>
+              </a:spcAft>
+            </a:pPr>
+            <a:r>
+              <a:rPr lang="zh-CN" altLang="en-US" sz="2400" b="1" dirty="0">
+                <a:latin typeface="Courier New"/>
+              </a:rPr>
+              <a:t>如何使用</a:t>
+            </a:r>
+            <a:r>
+              <a:rPr lang="en-US" altLang="zh-CN" sz="2400" b="1" dirty="0">
+                <a:latin typeface="Courier New"/>
+              </a:rPr>
+              <a:t>Stream?</a:t>
+            </a:r>
+          </a:p>
+          <a:p>
+            <a:pPr marL="877736" lvl="1" indent="-342900">
+              <a:buFont typeface="+mj-lt"/>
+              <a:buAutoNum type="arabicPeriod"/>
+            </a:pPr>
+            <a:r>
+              <a:rPr lang="zh-CN" altLang="en-US" dirty="0"/>
+              <a:t>将数据集合</a:t>
+            </a:r>
+            <a:r>
+              <a:rPr lang="en-US" altLang="zh-CN" dirty="0"/>
+              <a:t>(</a:t>
+            </a:r>
+            <a:r>
+              <a:rPr lang="zh-CN" altLang="en-US" dirty="0"/>
+              <a:t>集合</a:t>
+            </a:r>
+            <a:r>
+              <a:rPr lang="en-US" altLang="zh-CN" dirty="0"/>
+              <a:t>/</a:t>
+            </a:r>
+            <a:r>
+              <a:rPr lang="zh-CN" altLang="en-US" dirty="0"/>
+              <a:t>数组</a:t>
+            </a:r>
+            <a:r>
+              <a:rPr lang="en-US" altLang="zh-CN" dirty="0"/>
+              <a:t>)</a:t>
+            </a:r>
+            <a:r>
+              <a:rPr lang="zh-CN" altLang="en-US" dirty="0"/>
+              <a:t>转换为</a:t>
+            </a:r>
+            <a:r>
+              <a:rPr lang="en-US" altLang="zh-CN" dirty="0"/>
+              <a:t>Stream</a:t>
+            </a:r>
+            <a:r>
+              <a:rPr lang="zh-CN" altLang="en-US" dirty="0"/>
+              <a:t>对象；</a:t>
+            </a:r>
+            <a:endParaRPr lang="en-US" altLang="zh-CN" dirty="0"/>
+          </a:p>
+          <a:p>
+            <a:pPr marL="877736" lvl="1" indent="-342900">
+              <a:buFont typeface="+mj-lt"/>
+              <a:buAutoNum type="arabicPeriod"/>
+            </a:pPr>
+            <a:r>
+              <a:rPr lang="zh-CN" altLang="en-US" dirty="0"/>
+              <a:t>调用</a:t>
+            </a:r>
+            <a:r>
+              <a:rPr lang="en-US" altLang="zh-CN" dirty="0"/>
+              <a:t>Stream</a:t>
+            </a:r>
+            <a:r>
+              <a:rPr lang="zh-CN" altLang="en-US" dirty="0"/>
+              <a:t>对象的</a:t>
+            </a:r>
+            <a:r>
+              <a:rPr lang="zh-CN" altLang="en-US" b="1" dirty="0">
+                <a:solidFill>
+                  <a:srgbClr val="C00000"/>
+                </a:solidFill>
+              </a:rPr>
+              <a:t>高阶函数</a:t>
+            </a:r>
+            <a:r>
+              <a:rPr lang="zh-CN" altLang="en-US" dirty="0"/>
+              <a:t>完成数据的操作。</a:t>
+            </a:r>
+            <a:endParaRPr lang="en-US" altLang="zh-CN" dirty="0"/>
+          </a:p>
+          <a:p>
+            <a:pPr lvl="1"/>
+            <a:endParaRPr lang="en-US" altLang="zh-CN" dirty="0"/>
+          </a:p>
+          <a:p>
+            <a:pPr marL="0" lvl="1"/>
+            <a:r>
+              <a:rPr lang="zh-CN" altLang="en-US" dirty="0"/>
+              <a:t>注：在</a:t>
+            </a:r>
+            <a:r>
+              <a:rPr lang="en-US" altLang="zh-CN" dirty="0"/>
+              <a:t>Java</a:t>
+            </a:r>
+            <a:r>
+              <a:rPr lang="zh-CN" altLang="en-US" dirty="0"/>
+              <a:t>中高阶函数是指</a:t>
+            </a:r>
+            <a:r>
+              <a:rPr lang="zh-CN" altLang="en-US" b="1" dirty="0"/>
+              <a:t>接受一个函数式接口作为参数</a:t>
+            </a:r>
+            <a:r>
+              <a:rPr lang="zh-CN" altLang="en-US" dirty="0"/>
+              <a:t>，</a:t>
+            </a:r>
+            <a:r>
+              <a:rPr lang="zh-CN" altLang="en-US" b="1" dirty="0"/>
+              <a:t>或者返回一个函数式接口的函数</a:t>
+            </a:r>
+            <a:r>
+              <a:rPr lang="zh-CN" altLang="en-US" dirty="0"/>
+              <a:t>。</a:t>
+            </a:r>
+            <a:endParaRPr lang="en-US" altLang="zh-CN" dirty="0"/>
+          </a:p>
+          <a:p>
+            <a:pPr marL="0" lvl="1"/>
+            <a:r>
+              <a:rPr lang="en-US" altLang="zh-CN" dirty="0"/>
+              <a:t>Stream</a:t>
+            </a:r>
+            <a:r>
+              <a:rPr lang="zh-CN" altLang="en-US" dirty="0"/>
+              <a:t>接口提供的函数基本都是高阶函数。</a:t>
+            </a:r>
+            <a:endParaRPr lang="en-US" altLang="zh-CN" dirty="0"/>
+          </a:p>
+        </p:txBody>
+      </p:sp>
+      <p:sp>
+        <p:nvSpPr>
+          <p:cNvPr id="6" name="TextBox 3">
+            <a:extLst>
+              <a:ext uri="{FF2B5EF4-FFF2-40B4-BE49-F238E27FC236}">
+                <a16:creationId xmlns:a16="http://schemas.microsoft.com/office/drawing/2014/main" id="{4E8888C0-A39B-475E-B063-6DC450851F1D}"/>
+              </a:ext>
+            </a:extLst>
+          </p:cNvPr>
+          <p:cNvSpPr txBox="1"/>
+          <p:nvPr/>
+        </p:nvSpPr>
+        <p:spPr>
+          <a:xfrm>
+            <a:off x="1026220" y="4428703"/>
+            <a:ext cx="9523164" cy="1646605"/>
+          </a:xfrm>
+          <a:prstGeom prst="rect">
+            <a:avLst/>
+          </a:prstGeom>
+          <a:noFill/>
+        </p:spPr>
+        <p:txBody>
+          <a:bodyPr wrap="square" rtlCol="0">
+            <a:spAutoFit/>
+          </a:bodyPr>
+          <a:lstStyle/>
+          <a:p>
+            <a:pPr>
+              <a:spcBef>
+                <a:spcPts val="600"/>
+              </a:spcBef>
+              <a:spcAft>
+                <a:spcPts val="600"/>
+              </a:spcAft>
+            </a:pPr>
+            <a:r>
+              <a:rPr lang="zh-CN" altLang="en-US" sz="2400" b="1" dirty="0">
+                <a:latin typeface="Courier New"/>
+              </a:rPr>
+              <a:t>获取</a:t>
+            </a:r>
+            <a:r>
+              <a:rPr lang="en-US" altLang="zh-CN" sz="2400" b="1" dirty="0">
+                <a:latin typeface="Courier New"/>
+              </a:rPr>
+              <a:t>Stream</a:t>
+            </a:r>
+            <a:r>
+              <a:rPr lang="zh-CN" altLang="en-US" sz="2400" b="1" dirty="0">
+                <a:latin typeface="Courier New"/>
+              </a:rPr>
+              <a:t>的</a:t>
+            </a:r>
+            <a:r>
+              <a:rPr lang="en-US" altLang="zh-CN" sz="2400" b="1" dirty="0">
+                <a:latin typeface="Courier New"/>
+              </a:rPr>
+              <a:t>3</a:t>
+            </a:r>
+            <a:r>
+              <a:rPr lang="zh-CN" altLang="en-US" sz="2400" b="1" dirty="0">
+                <a:latin typeface="Courier New"/>
+              </a:rPr>
+              <a:t>种方式：</a:t>
+            </a:r>
+            <a:endParaRPr lang="en-US" altLang="zh-CN" sz="2400" b="1" dirty="0">
+              <a:latin typeface="Courier New"/>
+            </a:endParaRPr>
+          </a:p>
+          <a:p>
+            <a:pPr marL="877736" lvl="1" indent="-342900">
+              <a:buFont typeface="+mj-lt"/>
+              <a:buAutoNum type="arabicPeriod"/>
+            </a:pPr>
+            <a:r>
+              <a:rPr lang="en-US" altLang="zh-CN" sz="2400" dirty="0" err="1">
+                <a:solidFill>
+                  <a:srgbClr val="000000"/>
+                </a:solidFill>
+                <a:highlight>
+                  <a:srgbClr val="E8F2FE"/>
+                </a:highlight>
+                <a:latin typeface="Courier New" panose="02070309020205020404" pitchFamily="49" charset="0"/>
+              </a:rPr>
+              <a:t>Arrays.</a:t>
+            </a:r>
+            <a:r>
+              <a:rPr lang="en-US" altLang="zh-CN" sz="2400" i="1" dirty="0" err="1">
+                <a:solidFill>
+                  <a:srgbClr val="000000"/>
+                </a:solidFill>
+                <a:highlight>
+                  <a:srgbClr val="E8F2FE"/>
+                </a:highlight>
+                <a:latin typeface="Courier New" panose="02070309020205020404" pitchFamily="49" charset="0"/>
+              </a:rPr>
+              <a:t>stream</a:t>
+            </a:r>
+            <a:r>
+              <a:rPr lang="en-US" altLang="zh-CN" sz="2400" i="1" dirty="0">
+                <a:solidFill>
+                  <a:srgbClr val="000000"/>
+                </a:solidFill>
+                <a:highlight>
+                  <a:srgbClr val="E8F2FE"/>
+                </a:highlight>
+                <a:latin typeface="Courier New" panose="02070309020205020404" pitchFamily="49" charset="0"/>
+              </a:rPr>
+              <a:t>(array);</a:t>
+            </a:r>
+          </a:p>
+          <a:p>
+            <a:pPr marL="877736" lvl="1" indent="-342900">
+              <a:buFont typeface="+mj-lt"/>
+              <a:buAutoNum type="arabicPeriod"/>
+            </a:pPr>
+            <a:r>
+              <a:rPr lang="en-US" altLang="zh-CN" sz="2400" dirty="0" err="1">
+                <a:solidFill>
+                  <a:srgbClr val="000000"/>
+                </a:solidFill>
+                <a:highlight>
+                  <a:srgbClr val="E8F2FE"/>
+                </a:highlight>
+                <a:latin typeface="Courier New" panose="02070309020205020404" pitchFamily="49" charset="0"/>
+              </a:rPr>
+              <a:t>Stream.</a:t>
+            </a:r>
+            <a:r>
+              <a:rPr lang="en-US" altLang="zh-CN" sz="2400" i="1" dirty="0" err="1">
+                <a:solidFill>
+                  <a:srgbClr val="000000"/>
+                </a:solidFill>
+                <a:highlight>
+                  <a:srgbClr val="D4D4D4"/>
+                </a:highlight>
+                <a:latin typeface="Courier New" panose="02070309020205020404" pitchFamily="49" charset="0"/>
+              </a:rPr>
+              <a:t>of</a:t>
+            </a:r>
+            <a:r>
+              <a:rPr lang="en-US" altLang="zh-CN" sz="2400" i="1" dirty="0">
+                <a:solidFill>
+                  <a:srgbClr val="000000"/>
+                </a:solidFill>
+                <a:highlight>
+                  <a:srgbClr val="E8F2FE"/>
+                </a:highlight>
+                <a:latin typeface="Courier New" panose="02070309020205020404" pitchFamily="49" charset="0"/>
+              </a:rPr>
+              <a:t>(</a:t>
+            </a:r>
+            <a:r>
+              <a:rPr lang="en-US" altLang="zh-CN" sz="2400" i="1" dirty="0">
+                <a:solidFill>
+                  <a:srgbClr val="6A3E3E"/>
+                </a:solidFill>
+                <a:highlight>
+                  <a:srgbClr val="E8F2FE"/>
+                </a:highlight>
+                <a:latin typeface="Courier New" panose="02070309020205020404" pitchFamily="49" charset="0"/>
+              </a:rPr>
+              <a:t>array</a:t>
+            </a:r>
+            <a:r>
+              <a:rPr lang="en-US" altLang="zh-CN" sz="2400" i="1" dirty="0">
+                <a:solidFill>
+                  <a:srgbClr val="000000"/>
+                </a:solidFill>
+                <a:highlight>
+                  <a:srgbClr val="E8F2FE"/>
+                </a:highlight>
+                <a:latin typeface="Courier New" panose="02070309020205020404" pitchFamily="49" charset="0"/>
+              </a:rPr>
+              <a:t>);</a:t>
+            </a:r>
+          </a:p>
+          <a:p>
+            <a:pPr marL="877736" lvl="1" indent="-342900">
+              <a:buFont typeface="+mj-lt"/>
+              <a:buAutoNum type="arabicPeriod"/>
+            </a:pPr>
+            <a:r>
+              <a:rPr lang="en-US" altLang="zh-CN" sz="2400" dirty="0" err="1">
+                <a:solidFill>
+                  <a:srgbClr val="6A3E3E"/>
+                </a:solidFill>
+                <a:highlight>
+                  <a:srgbClr val="E8F2FE"/>
+                </a:highlight>
+                <a:latin typeface="Courier New" panose="02070309020205020404" pitchFamily="49" charset="0"/>
+              </a:rPr>
+              <a:t>list</a:t>
+            </a:r>
+            <a:r>
+              <a:rPr lang="en-US" altLang="zh-CN" sz="2400" dirty="0" err="1">
+                <a:solidFill>
+                  <a:srgbClr val="000000"/>
+                </a:solidFill>
+                <a:highlight>
+                  <a:srgbClr val="E8F2FE"/>
+                </a:highlight>
+                <a:latin typeface="Courier New" panose="02070309020205020404" pitchFamily="49" charset="0"/>
+              </a:rPr>
+              <a:t>.</a:t>
+            </a:r>
+            <a:r>
+              <a:rPr lang="en-US" altLang="zh-CN" sz="2400" dirty="0" err="1">
+                <a:solidFill>
+                  <a:srgbClr val="000000"/>
+                </a:solidFill>
+                <a:highlight>
+                  <a:srgbClr val="D4D4D4"/>
+                </a:highlight>
+                <a:latin typeface="Courier New" panose="02070309020205020404" pitchFamily="49" charset="0"/>
+              </a:rPr>
+              <a:t>stream</a:t>
+            </a:r>
+            <a:r>
+              <a:rPr lang="en-US" altLang="zh-CN" sz="2400" dirty="0">
+                <a:solidFill>
+                  <a:srgbClr val="000000"/>
+                </a:solidFill>
+                <a:highlight>
+                  <a:srgbClr val="E8F2FE"/>
+                </a:highlight>
+                <a:latin typeface="Courier New" panose="02070309020205020404" pitchFamily="49" charset="0"/>
+              </a:rPr>
+              <a:t>();</a:t>
+            </a:r>
+            <a:endParaRPr lang="en-US" altLang="zh-CN" dirty="0"/>
+          </a:p>
+        </p:txBody>
+      </p:sp>
+    </p:spTree>
+    <p:extLst>
+      <p:ext uri="{BB962C8B-B14F-4D97-AF65-F5344CB8AC3E}">
+        <p14:creationId xmlns:p14="http://schemas.microsoft.com/office/powerpoint/2010/main" val="1048123251"/>
+      </p:ext>
+    </p:extLst>
+  </p:cSld>
+  <p:clrMapOvr>
+    <a:masterClrMapping/>
+  </p:clrMapOvr>
+  <p:transition spd="slow">
+    <p:wipe dir="r"/>
+  </p:transition>
+  <p:timing>
+    <p:tnLst>
+      <p:par>
+        <p:cTn id="1" dur="indefinite" restart="never" nodeType="tmRoot">
+          <p:childTnLst>
+            <p:seq concurrent="1" nextAc="seek">
+              <p:cTn id="2" dur="indefinite" nodeType="mainSeq">
+                <p:childTnLst>
+                  <p:par>
+                    <p:cTn id="3" fill="hold">
+                      <p:stCondLst>
+                        <p:cond delay="indefinite"/>
+                      </p:stCondLst>
+                      <p:childTnLst>
+                        <p:par>
+                          <p:cTn id="4" fill="hold">
+                            <p:stCondLst>
+                              <p:cond delay="0"/>
+                            </p:stCondLst>
+                            <p:childTnLst>
+                              <p:par>
+                                <p:cTn id="5" presetID="2" presetClass="entr" presetSubtype="4" fill="hold" grpId="0" nodeType="clickEffect">
+                                  <p:stCondLst>
+                                    <p:cond delay="0"/>
+                                  </p:stCondLst>
+                                  <p:childTnLst>
+                                    <p:set>
+                                      <p:cBhvr>
+                                        <p:cTn id="6" dur="1" fill="hold">
+                                          <p:stCondLst>
+                                            <p:cond delay="0"/>
+                                          </p:stCondLst>
+                                        </p:cTn>
+                                        <p:tgtEl>
+                                          <p:spTgt spid="6"/>
+                                        </p:tgtEl>
+                                        <p:attrNameLst>
+                                          <p:attrName>style.visibility</p:attrName>
+                                        </p:attrNameLst>
+                                      </p:cBhvr>
+                                      <p:to>
+                                        <p:strVal val="visible"/>
+                                      </p:to>
+                                    </p:set>
+                                    <p:anim calcmode="lin" valueType="num">
+                                      <p:cBhvr additive="base">
+                                        <p:cTn id="7" dur="500" fill="hold"/>
+                                        <p:tgtEl>
+                                          <p:spTgt spid="6"/>
+                                        </p:tgtEl>
+                                        <p:attrNameLst>
+                                          <p:attrName>ppt_x</p:attrName>
+                                        </p:attrNameLst>
+                                      </p:cBhvr>
+                                      <p:tavLst>
+                                        <p:tav tm="0">
+                                          <p:val>
+                                            <p:strVal val="#ppt_x"/>
+                                          </p:val>
+                                        </p:tav>
+                                        <p:tav tm="100000">
+                                          <p:val>
+                                            <p:strVal val="#ppt_x"/>
+                                          </p:val>
+                                        </p:tav>
+                                      </p:tavLst>
+                                    </p:anim>
+                                    <p:anim calcmode="lin" valueType="num">
+                                      <p:cBhvr additive="base">
+                                        <p:cTn id="8" dur="500" fill="hold"/>
+                                        <p:tgtEl>
+                                          <p:spTgt spid="6"/>
+                                        </p:tgtEl>
+                                        <p:attrNameLst>
+                                          <p:attrName>ppt_y</p:attrName>
+                                        </p:attrNameLst>
+                                      </p:cBhvr>
+                                      <p:tavLst>
+                                        <p:tav tm="0">
+                                          <p:val>
+                                            <p:strVal val="1+#ppt_h/2"/>
+                                          </p:val>
+                                        </p:tav>
+                                        <p:tav tm="100000">
+                                          <p:val>
+                                            <p:strVal val="#ppt_y"/>
+                                          </p:val>
+                                        </p:tav>
+                                      </p:tavLst>
+                                    </p:anim>
+                                  </p:childTnLst>
+                                </p:cTn>
+                              </p:par>
+                            </p:childTnLst>
+                          </p:cTn>
+                        </p:par>
+                      </p:childTnLst>
+                    </p:cTn>
+                  </p:par>
+                </p:childTnLst>
+              </p:cTn>
+              <p:prevCondLst>
+                <p:cond evt="onPrev" delay="0">
+                  <p:tgtEl>
+                    <p:sldTgt/>
+                  </p:tgtEl>
+                </p:cond>
+              </p:prevCondLst>
+              <p:nextCondLst>
+                <p:cond evt="onNext" delay="0">
+                  <p:tgtEl>
+                    <p:sldTgt/>
+                  </p:tgtEl>
+                </p:cond>
+              </p:nextCondLst>
+            </p:seq>
+          </p:childTnLst>
+        </p:cTn>
+      </p:par>
+    </p:tnLst>
+    <p:bldLst>
+      <p:bldP spid="6" grpId="0"/>
+    </p:bldLst>
+  </p:timing>
+</p:sld>
+</file>
+
+<file path=ppt/slides/slide16.xml><?xml version="1.0" encoding="utf-8"?>
+<p:sld xmlns:a="http://schemas.openxmlformats.org/drawingml/2006/main" xmlns:r="http://schemas.openxmlformats.org/officeDocument/2006/relationships" xmlns:p="http://schemas.openxmlformats.org/presentationml/2006/main">
+  <p:cSld>
+    <p:spTree>
+      <p:nvGrpSpPr>
+        <p:cNvPr id="1" name=""/>
+        <p:cNvGrpSpPr/>
+        <p:nvPr/>
+      </p:nvGrpSpPr>
+      <p:grpSpPr>
+        <a:xfrm>
+          <a:off x="0" y="0"/>
+          <a:ext cx="0" cy="0"/>
+          <a:chOff x="0" y="0"/>
+          <a:chExt cx="0" cy="0"/>
+        </a:xfrm>
+      </p:grpSpPr>
+      <p:sp>
+        <p:nvSpPr>
+          <p:cNvPr id="3" name="TextBox 2"/>
+          <p:cNvSpPr txBox="1"/>
+          <p:nvPr/>
+        </p:nvSpPr>
+        <p:spPr>
+          <a:xfrm>
+            <a:off x="1172845" y="1123522"/>
+            <a:ext cx="2338269" cy="584775"/>
+          </a:xfrm>
+          <a:prstGeom prst="rect">
+            <a:avLst/>
+          </a:prstGeom>
+          <a:noFill/>
+        </p:spPr>
+        <p:txBody>
+          <a:bodyPr wrap="none" rtlCol="0">
+            <a:spAutoFit/>
+          </a:bodyPr>
+          <a:lstStyle/>
+          <a:p>
+            <a:r>
+              <a:rPr lang="en-US" altLang="zh-CN" sz="3200" dirty="0">
+                <a:solidFill>
+                  <a:srgbClr val="0066CC"/>
+                </a:solidFill>
+                <a:latin typeface="思源黑体 CN Bold" pitchFamily="34" charset="-122"/>
+                <a:ea typeface="思源黑体 CN Bold" pitchFamily="34" charset="-122"/>
+              </a:rPr>
+              <a:t>Stream API</a:t>
+            </a:r>
+            <a:endParaRPr lang="zh-CN" altLang="en-US" sz="3200" dirty="0">
+              <a:solidFill>
+                <a:srgbClr val="0066CC"/>
+              </a:solidFill>
+              <a:latin typeface="思源黑体 CN Bold" pitchFamily="34" charset="-122"/>
+              <a:ea typeface="思源黑体 CN Bold" pitchFamily="34" charset="-122"/>
+            </a:endParaRPr>
+          </a:p>
+        </p:txBody>
+      </p:sp>
+      <p:sp>
+        <p:nvSpPr>
+          <p:cNvPr id="5" name="TextBox 3">
+            <a:extLst>
+              <a:ext uri="{FF2B5EF4-FFF2-40B4-BE49-F238E27FC236}">
+                <a16:creationId xmlns:a16="http://schemas.microsoft.com/office/drawing/2014/main" id="{D7F540C6-67F0-40E7-AC16-B9DEF667A8BB}"/>
+              </a:ext>
+            </a:extLst>
+          </p:cNvPr>
+          <p:cNvSpPr txBox="1"/>
+          <p:nvPr/>
+        </p:nvSpPr>
+        <p:spPr>
+          <a:xfrm>
+            <a:off x="1026220" y="1741997"/>
+            <a:ext cx="9523164" cy="461665"/>
+          </a:xfrm>
+          <a:prstGeom prst="rect">
+            <a:avLst/>
+          </a:prstGeom>
+          <a:noFill/>
+        </p:spPr>
+        <p:txBody>
+          <a:bodyPr wrap="square" rtlCol="0">
+            <a:spAutoFit/>
+          </a:bodyPr>
+          <a:lstStyle/>
+          <a:p>
+            <a:pPr>
+              <a:spcBef>
+                <a:spcPts val="600"/>
+              </a:spcBef>
+              <a:spcAft>
+                <a:spcPts val="600"/>
+              </a:spcAft>
+            </a:pPr>
+            <a:r>
+              <a:rPr lang="en-US" altLang="zh-CN" sz="2400" b="1" dirty="0">
+                <a:latin typeface="Courier New"/>
+              </a:rPr>
+              <a:t>Stream </a:t>
+            </a:r>
+            <a:r>
+              <a:rPr lang="zh-CN" altLang="en-US" sz="2400" b="1" dirty="0">
+                <a:latin typeface="Courier New"/>
+              </a:rPr>
+              <a:t>高阶函数的使用：</a:t>
+            </a:r>
+            <a:endParaRPr lang="en-US" altLang="zh-CN" sz="2400" b="1" dirty="0">
+              <a:latin typeface="Courier New"/>
+            </a:endParaRPr>
+          </a:p>
+        </p:txBody>
+      </p:sp>
+      <p:sp>
+        <p:nvSpPr>
+          <p:cNvPr id="2" name="文本框 1">
+            <a:extLst>
+              <a:ext uri="{FF2B5EF4-FFF2-40B4-BE49-F238E27FC236}">
+                <a16:creationId xmlns:a16="http://schemas.microsoft.com/office/drawing/2014/main" id="{458C37FC-74F5-4972-8068-36F9D2530E04}"/>
+              </a:ext>
+            </a:extLst>
+          </p:cNvPr>
+          <p:cNvSpPr txBox="1"/>
+          <p:nvPr/>
+        </p:nvSpPr>
+        <p:spPr>
+          <a:xfrm>
+            <a:off x="1170236" y="2412479"/>
+            <a:ext cx="8352928" cy="415498"/>
+          </a:xfrm>
+          <a:prstGeom prst="rect">
+            <a:avLst/>
+          </a:prstGeom>
+          <a:noFill/>
+        </p:spPr>
+        <p:txBody>
+          <a:bodyPr wrap="square" rtlCol="0">
+            <a:spAutoFit/>
+          </a:bodyPr>
+          <a:lstStyle/>
+          <a:p>
+            <a:pPr marL="342900" indent="-342900">
+              <a:buFont typeface="Arial" panose="020B0604020202020204" pitchFamily="34" charset="0"/>
+              <a:buChar char="•"/>
+            </a:pPr>
+            <a:r>
+              <a:rPr lang="en-US" altLang="zh-CN" dirty="0"/>
+              <a:t>map</a:t>
+            </a:r>
+          </a:p>
+        </p:txBody>
+      </p:sp>
+      <p:sp>
+        <p:nvSpPr>
+          <p:cNvPr id="4" name="文本框 3">
+            <a:extLst>
+              <a:ext uri="{FF2B5EF4-FFF2-40B4-BE49-F238E27FC236}">
+                <a16:creationId xmlns:a16="http://schemas.microsoft.com/office/drawing/2014/main" id="{3CB3FB3E-72ED-4069-B4FF-B8CC4E5AC57C}"/>
+              </a:ext>
+            </a:extLst>
+          </p:cNvPr>
+          <p:cNvSpPr txBox="1"/>
+          <p:nvPr/>
+        </p:nvSpPr>
+        <p:spPr>
+          <a:xfrm>
+            <a:off x="1674292" y="3060551"/>
+            <a:ext cx="7344816" cy="646331"/>
+          </a:xfrm>
+          <a:prstGeom prst="rect">
+            <a:avLst/>
+          </a:prstGeom>
+          <a:noFill/>
+        </p:spPr>
+        <p:txBody>
+          <a:bodyPr wrap="square" rtlCol="0">
+            <a:spAutoFit/>
+          </a:bodyPr>
+          <a:lstStyle/>
+          <a:p>
+            <a:r>
+              <a:rPr lang="en-US" altLang="zh-CN" sz="1800" dirty="0" err="1">
+                <a:solidFill>
+                  <a:srgbClr val="6A3E3E"/>
+                </a:solidFill>
+                <a:highlight>
+                  <a:srgbClr val="D4D4D4"/>
+                </a:highlight>
+                <a:latin typeface="Courier New" panose="02070309020205020404" pitchFamily="49" charset="0"/>
+              </a:rPr>
+              <a:t>students</a:t>
+            </a:r>
+            <a:r>
+              <a:rPr lang="en-US" altLang="zh-CN" sz="1800" dirty="0" err="1">
+                <a:solidFill>
+                  <a:srgbClr val="000000"/>
+                </a:solidFill>
+                <a:highlight>
+                  <a:srgbClr val="E8F2FE"/>
+                </a:highlight>
+                <a:latin typeface="Courier New" panose="02070309020205020404" pitchFamily="49" charset="0"/>
+              </a:rPr>
+              <a:t>.stream</a:t>
+            </a:r>
+            <a:r>
+              <a:rPr lang="en-US" altLang="zh-CN" sz="1800" dirty="0">
+                <a:solidFill>
+                  <a:srgbClr val="000000"/>
+                </a:solidFill>
+                <a:highlight>
+                  <a:srgbClr val="E8F2FE"/>
+                </a:highlight>
+                <a:latin typeface="Courier New" panose="02070309020205020404" pitchFamily="49" charset="0"/>
+              </a:rPr>
+              <a:t>().map(</a:t>
+            </a:r>
+            <a:r>
+              <a:rPr lang="en-US" altLang="zh-CN" sz="1800" dirty="0">
+                <a:solidFill>
+                  <a:srgbClr val="6A3E3E"/>
+                </a:solidFill>
+                <a:highlight>
+                  <a:srgbClr val="E8F2FE"/>
+                </a:highlight>
+                <a:latin typeface="Courier New" panose="02070309020205020404" pitchFamily="49" charset="0"/>
+              </a:rPr>
+              <a:t>student</a:t>
+            </a:r>
+            <a:r>
+              <a:rPr lang="en-US" altLang="zh-CN" sz="1800" dirty="0">
+                <a:solidFill>
+                  <a:srgbClr val="000000"/>
+                </a:solidFill>
+                <a:highlight>
+                  <a:srgbClr val="E8F2FE"/>
+                </a:highlight>
+                <a:latin typeface="Courier New" panose="02070309020205020404" pitchFamily="49" charset="0"/>
+              </a:rPr>
+              <a:t> -&gt; </a:t>
+            </a:r>
+            <a:r>
+              <a:rPr lang="en-US" altLang="zh-CN" sz="1800" dirty="0" err="1">
+                <a:solidFill>
+                  <a:srgbClr val="6A3E3E"/>
+                </a:solidFill>
+                <a:highlight>
+                  <a:srgbClr val="E8F2FE"/>
+                </a:highlight>
+                <a:latin typeface="Courier New" panose="02070309020205020404" pitchFamily="49" charset="0"/>
+              </a:rPr>
+              <a:t>student</a:t>
+            </a:r>
+            <a:r>
+              <a:rPr lang="en-US" altLang="zh-CN" sz="1800" dirty="0" err="1">
+                <a:solidFill>
+                  <a:srgbClr val="000000"/>
+                </a:solidFill>
+                <a:highlight>
+                  <a:srgbClr val="E8F2FE"/>
+                </a:highlight>
+                <a:latin typeface="Courier New" panose="02070309020205020404" pitchFamily="49" charset="0"/>
+              </a:rPr>
+              <a:t>.getName</a:t>
+            </a:r>
+            <a:r>
+              <a:rPr lang="en-US" altLang="zh-CN" sz="1800" dirty="0">
+                <a:solidFill>
+                  <a:srgbClr val="000000"/>
+                </a:solidFill>
+                <a:highlight>
+                  <a:srgbClr val="E8F2FE"/>
+                </a:highlight>
+                <a:latin typeface="Courier New" panose="02070309020205020404" pitchFamily="49" charset="0"/>
+              </a:rPr>
+              <a:t>())</a:t>
+            </a:r>
+          </a:p>
+          <a:p>
+            <a:r>
+              <a:rPr lang="en-US" altLang="zh-CN" sz="1800" dirty="0">
+                <a:solidFill>
+                  <a:srgbClr val="000000"/>
+                </a:solidFill>
+                <a:highlight>
+                  <a:srgbClr val="E8F2FE"/>
+                </a:highlight>
+                <a:latin typeface="Courier New" panose="02070309020205020404" pitchFamily="49" charset="0"/>
+              </a:rPr>
+              <a:t>	         .collect(</a:t>
+            </a:r>
+            <a:r>
+              <a:rPr lang="en-US" altLang="zh-CN" sz="1800" dirty="0" err="1">
+                <a:solidFill>
+                  <a:srgbClr val="000000"/>
+                </a:solidFill>
+                <a:highlight>
+                  <a:srgbClr val="E8F2FE"/>
+                </a:highlight>
+                <a:latin typeface="Courier New" panose="02070309020205020404" pitchFamily="49" charset="0"/>
+              </a:rPr>
+              <a:t>Collectors.</a:t>
+            </a:r>
+            <a:r>
+              <a:rPr lang="en-US" altLang="zh-CN" sz="1800" i="1" dirty="0" err="1">
+                <a:solidFill>
+                  <a:srgbClr val="000000"/>
+                </a:solidFill>
+                <a:highlight>
+                  <a:srgbClr val="E8F2FE"/>
+                </a:highlight>
+                <a:latin typeface="Courier New" panose="02070309020205020404" pitchFamily="49" charset="0"/>
+              </a:rPr>
+              <a:t>toList</a:t>
+            </a:r>
+            <a:r>
+              <a:rPr lang="en-US" altLang="zh-CN" sz="1800" i="1" dirty="0">
+                <a:solidFill>
+                  <a:srgbClr val="000000"/>
+                </a:solidFill>
+                <a:highlight>
+                  <a:srgbClr val="E8F2FE"/>
+                </a:highlight>
+                <a:latin typeface="Courier New" panose="02070309020205020404" pitchFamily="49" charset="0"/>
+              </a:rPr>
+              <a:t>());</a:t>
+            </a:r>
+            <a:endParaRPr lang="zh-CN" altLang="en-US" sz="1800" dirty="0"/>
+          </a:p>
+        </p:txBody>
+      </p:sp>
+      <p:sp>
+        <p:nvSpPr>
+          <p:cNvPr id="7" name="文本框 6">
+            <a:extLst>
+              <a:ext uri="{FF2B5EF4-FFF2-40B4-BE49-F238E27FC236}">
+                <a16:creationId xmlns:a16="http://schemas.microsoft.com/office/drawing/2014/main" id="{A7253E8D-1692-43C6-9BD7-A1C5602DA8E8}"/>
+              </a:ext>
+            </a:extLst>
+          </p:cNvPr>
+          <p:cNvSpPr txBox="1"/>
+          <p:nvPr/>
+        </p:nvSpPr>
+        <p:spPr>
+          <a:xfrm>
+            <a:off x="1170236" y="4040788"/>
+            <a:ext cx="8352928" cy="738664"/>
+          </a:xfrm>
+          <a:prstGeom prst="rect">
+            <a:avLst/>
+          </a:prstGeom>
+          <a:noFill/>
+        </p:spPr>
+        <p:txBody>
+          <a:bodyPr wrap="square" rtlCol="0">
+            <a:spAutoFit/>
+          </a:bodyPr>
+          <a:lstStyle/>
+          <a:p>
+            <a:pPr marL="342900" indent="-342900">
+              <a:buFont typeface="Arial" panose="020B0604020202020204" pitchFamily="34" charset="0"/>
+              <a:buChar char="•"/>
+            </a:pPr>
+            <a:r>
+              <a:rPr lang="en-US" altLang="zh-CN" dirty="0"/>
+              <a:t>filter</a:t>
+            </a:r>
+          </a:p>
+          <a:p>
+            <a:endParaRPr lang="en-US" altLang="zh-CN" dirty="0"/>
+          </a:p>
+        </p:txBody>
+      </p:sp>
+      <p:sp>
+        <p:nvSpPr>
+          <p:cNvPr id="8" name="文本框 7">
+            <a:extLst>
+              <a:ext uri="{FF2B5EF4-FFF2-40B4-BE49-F238E27FC236}">
+                <a16:creationId xmlns:a16="http://schemas.microsoft.com/office/drawing/2014/main" id="{3A8AEFA1-4752-445D-A3D5-93B8BC942347}"/>
+              </a:ext>
+            </a:extLst>
+          </p:cNvPr>
+          <p:cNvSpPr txBox="1"/>
+          <p:nvPr/>
+        </p:nvSpPr>
+        <p:spPr>
+          <a:xfrm>
+            <a:off x="1674292" y="4644727"/>
+            <a:ext cx="8424936" cy="646331"/>
+          </a:xfrm>
+          <a:prstGeom prst="rect">
+            <a:avLst/>
+          </a:prstGeom>
+          <a:noFill/>
+        </p:spPr>
+        <p:txBody>
+          <a:bodyPr wrap="square" rtlCol="0">
+            <a:spAutoFit/>
+          </a:bodyPr>
+          <a:lstStyle/>
+          <a:p>
+            <a:r>
+              <a:rPr lang="en-US" altLang="zh-CN" sz="1800" dirty="0" err="1">
+                <a:solidFill>
+                  <a:srgbClr val="6A3E3E"/>
+                </a:solidFill>
+                <a:latin typeface="Courier New" panose="02070309020205020404" pitchFamily="49" charset="0"/>
+              </a:rPr>
+              <a:t>students</a:t>
+            </a:r>
+            <a:r>
+              <a:rPr lang="en-US" altLang="zh-CN" sz="1800" dirty="0" err="1">
+                <a:solidFill>
+                  <a:srgbClr val="000000"/>
+                </a:solidFill>
+                <a:latin typeface="Courier New" panose="02070309020205020404" pitchFamily="49" charset="0"/>
+              </a:rPr>
+              <a:t>.stream</a:t>
+            </a:r>
+            <a:r>
+              <a:rPr lang="en-US" altLang="zh-CN" sz="1800" dirty="0">
+                <a:solidFill>
+                  <a:srgbClr val="000000"/>
+                </a:solidFill>
+                <a:latin typeface="Courier New" panose="02070309020205020404" pitchFamily="49" charset="0"/>
+              </a:rPr>
+              <a:t>().filter(</a:t>
+            </a:r>
+            <a:r>
+              <a:rPr lang="en-US" altLang="zh-CN" sz="1800" dirty="0">
+                <a:solidFill>
+                  <a:srgbClr val="6A3E3E"/>
+                </a:solidFill>
+                <a:latin typeface="Courier New" panose="02070309020205020404" pitchFamily="49" charset="0"/>
+              </a:rPr>
+              <a:t>student</a:t>
+            </a:r>
+            <a:r>
+              <a:rPr lang="en-US" altLang="zh-CN" sz="1800" dirty="0">
+                <a:solidFill>
+                  <a:srgbClr val="000000"/>
+                </a:solidFill>
+                <a:latin typeface="Courier New" panose="02070309020205020404" pitchFamily="49" charset="0"/>
+              </a:rPr>
+              <a:t> -&gt; </a:t>
+            </a:r>
+            <a:r>
+              <a:rPr lang="en-US" altLang="zh-CN" sz="1800" dirty="0" err="1">
+                <a:solidFill>
+                  <a:srgbClr val="6A3E3E"/>
+                </a:solidFill>
+                <a:latin typeface="Courier New" panose="02070309020205020404" pitchFamily="49" charset="0"/>
+              </a:rPr>
+              <a:t>student</a:t>
+            </a:r>
+            <a:r>
+              <a:rPr lang="en-US" altLang="zh-CN" sz="1800" dirty="0" err="1">
+                <a:solidFill>
+                  <a:srgbClr val="000000"/>
+                </a:solidFill>
+                <a:latin typeface="Courier New" panose="02070309020205020404" pitchFamily="49" charset="0"/>
+              </a:rPr>
+              <a:t>.getAge</a:t>
+            </a:r>
+            <a:r>
+              <a:rPr lang="en-US" altLang="zh-CN" sz="1800" dirty="0">
+                <a:solidFill>
+                  <a:srgbClr val="000000"/>
+                </a:solidFill>
+                <a:latin typeface="Courier New" panose="02070309020205020404" pitchFamily="49" charset="0"/>
+              </a:rPr>
+              <a:t>() &gt; 10)</a:t>
+            </a:r>
+          </a:p>
+          <a:p>
+            <a:r>
+              <a:rPr lang="en-US" altLang="zh-CN" sz="1800" dirty="0">
+                <a:solidFill>
+                  <a:srgbClr val="000000"/>
+                </a:solidFill>
+                <a:latin typeface="Courier New" panose="02070309020205020404" pitchFamily="49" charset="0"/>
+              </a:rPr>
+              <a:t>		.collect(</a:t>
+            </a:r>
+            <a:r>
+              <a:rPr lang="en-US" altLang="zh-CN" sz="1800" dirty="0" err="1">
+                <a:solidFill>
+                  <a:srgbClr val="000000"/>
+                </a:solidFill>
+                <a:latin typeface="Courier New" panose="02070309020205020404" pitchFamily="49" charset="0"/>
+              </a:rPr>
+              <a:t>Collectors.</a:t>
+            </a:r>
+            <a:r>
+              <a:rPr lang="en-US" altLang="zh-CN" sz="1800" i="1" dirty="0" err="1">
+                <a:solidFill>
+                  <a:srgbClr val="000000"/>
+                </a:solidFill>
+                <a:latin typeface="Courier New" panose="02070309020205020404" pitchFamily="49" charset="0"/>
+              </a:rPr>
+              <a:t>toList</a:t>
+            </a:r>
+            <a:r>
+              <a:rPr lang="en-US" altLang="zh-CN" sz="1800" i="1" dirty="0">
+                <a:solidFill>
+                  <a:srgbClr val="000000"/>
+                </a:solidFill>
+                <a:latin typeface="Courier New" panose="02070309020205020404" pitchFamily="49" charset="0"/>
+              </a:rPr>
+              <a:t>());</a:t>
+            </a:r>
+            <a:endParaRPr lang="zh-CN" altLang="en-US" sz="1800" dirty="0"/>
+          </a:p>
+        </p:txBody>
+      </p:sp>
+    </p:spTree>
+    <p:extLst>
+      <p:ext uri="{BB962C8B-B14F-4D97-AF65-F5344CB8AC3E}">
+        <p14:creationId xmlns:p14="http://schemas.microsoft.com/office/powerpoint/2010/main" val="2671906602"/>
+      </p:ext>
+    </p:extLst>
+  </p:cSld>
+  <p:clrMapOvr>
+    <a:masterClrMapping/>
+  </p:clrMapOvr>
+  <p:transition spd="slow">
+    <p:wipe dir="r"/>
+  </p:transition>
+  <p:timing>
+    <p:tnLst>
+      <p:par>
+        <p:cTn id="1" dur="indefinite" restart="never" nodeType="tmRoot">
+          <p:childTnLst>
+            <p:seq concurrent="1" nextAc="seek">
+              <p:cTn id="2" dur="indefinite" nodeType="mainSeq">
+                <p:childTnLst>
+                  <p:par>
+                    <p:cTn id="3" fill="hold">
+                      <p:stCondLst>
+                        <p:cond delay="indefinite"/>
+                      </p:stCondLst>
+                      <p:childTnLst>
+                        <p:par>
+                          <p:cTn id="4" fill="hold">
+                            <p:stCondLst>
+                              <p:cond delay="0"/>
+                            </p:stCondLst>
+                            <p:childTnLst>
+                              <p:par>
+                                <p:cTn id="5" presetID="2" presetClass="entr" presetSubtype="4" fill="hold" grpId="0" nodeType="clickEffect">
+                                  <p:stCondLst>
+                                    <p:cond delay="0"/>
+                                  </p:stCondLst>
+                                  <p:childTnLst>
+                                    <p:set>
+                                      <p:cBhvr>
+                                        <p:cTn id="6" dur="1" fill="hold">
+                                          <p:stCondLst>
+                                            <p:cond delay="0"/>
+                                          </p:stCondLst>
+                                        </p:cTn>
+                                        <p:tgtEl>
+                                          <p:spTgt spid="8"/>
+                                        </p:tgtEl>
+                                        <p:attrNameLst>
+                                          <p:attrName>style.visibility</p:attrName>
+                                        </p:attrNameLst>
+                                      </p:cBhvr>
+                                      <p:to>
+                                        <p:strVal val="visible"/>
+                                      </p:to>
+                                    </p:set>
+                                    <p:anim calcmode="lin" valueType="num">
+                                      <p:cBhvr additive="base">
+                                        <p:cTn id="7" dur="500" fill="hold"/>
+                                        <p:tgtEl>
+                                          <p:spTgt spid="8"/>
+                                        </p:tgtEl>
+                                        <p:attrNameLst>
+                                          <p:attrName>ppt_x</p:attrName>
+                                        </p:attrNameLst>
+                                      </p:cBhvr>
+                                      <p:tavLst>
+                                        <p:tav tm="0">
+                                          <p:val>
+                                            <p:strVal val="#ppt_x"/>
+                                          </p:val>
+                                        </p:tav>
+                                        <p:tav tm="100000">
+                                          <p:val>
+                                            <p:strVal val="#ppt_x"/>
+                                          </p:val>
+                                        </p:tav>
+                                      </p:tavLst>
+                                    </p:anim>
+                                    <p:anim calcmode="lin" valueType="num">
+                                      <p:cBhvr additive="base">
+                                        <p:cTn id="8" dur="500" fill="hold"/>
+                                        <p:tgtEl>
+                                          <p:spTgt spid="8"/>
+                                        </p:tgtEl>
+                                        <p:attrNameLst>
+                                          <p:attrName>ppt_y</p:attrName>
+                                        </p:attrNameLst>
+                                      </p:cBhvr>
+                                      <p:tavLst>
+                                        <p:tav tm="0">
+                                          <p:val>
+                                            <p:strVal val="1+#ppt_h/2"/>
+                                          </p:val>
+                                        </p:tav>
+                                        <p:tav tm="100000">
+                                          <p:val>
+                                            <p:strVal val="#ppt_y"/>
+                                          </p:val>
+                                        </p:tav>
+                                      </p:tavLst>
+                                    </p:anim>
+                                  </p:childTnLst>
+                                </p:cTn>
+                              </p:par>
+                              <p:par>
+                                <p:cTn id="9" presetID="2" presetClass="entr" presetSubtype="4" fill="hold" grpId="0" nodeType="withEffect">
+                                  <p:stCondLst>
+                                    <p:cond delay="0"/>
+                                  </p:stCondLst>
+                                  <p:childTnLst>
+                                    <p:set>
+                                      <p:cBhvr>
+                                        <p:cTn id="10" dur="1" fill="hold">
+                                          <p:stCondLst>
+                                            <p:cond delay="0"/>
+                                          </p:stCondLst>
+                                        </p:cTn>
+                                        <p:tgtEl>
+                                          <p:spTgt spid="7"/>
+                                        </p:tgtEl>
+                                        <p:attrNameLst>
+                                          <p:attrName>style.visibility</p:attrName>
+                                        </p:attrNameLst>
+                                      </p:cBhvr>
+                                      <p:to>
+                                        <p:strVal val="visible"/>
+                                      </p:to>
+                                    </p:set>
+                                    <p:anim calcmode="lin" valueType="num">
+                                      <p:cBhvr additive="base">
+                                        <p:cTn id="11" dur="500" fill="hold"/>
+                                        <p:tgtEl>
+                                          <p:spTgt spid="7"/>
+                                        </p:tgtEl>
+                                        <p:attrNameLst>
+                                          <p:attrName>ppt_x</p:attrName>
+                                        </p:attrNameLst>
+                                      </p:cBhvr>
+                                      <p:tavLst>
+                                        <p:tav tm="0">
+                                          <p:val>
+                                            <p:strVal val="#ppt_x"/>
+                                          </p:val>
+                                        </p:tav>
+                                        <p:tav tm="100000">
+                                          <p:val>
+                                            <p:strVal val="#ppt_x"/>
+                                          </p:val>
+                                        </p:tav>
+                                      </p:tavLst>
+                                    </p:anim>
+                                    <p:anim calcmode="lin" valueType="num">
+                                      <p:cBhvr additive="base">
+                                        <p:cTn id="12" dur="500" fill="hold"/>
+                                        <p:tgtEl>
+                                          <p:spTgt spid="7"/>
+                                        </p:tgtEl>
+                                        <p:attrNameLst>
+                                          <p:attrName>ppt_y</p:attrName>
+                                        </p:attrNameLst>
+                                      </p:cBhvr>
+                                      <p:tavLst>
+                                        <p:tav tm="0">
+                                          <p:val>
+                                            <p:strVal val="1+#ppt_h/2"/>
+                                          </p:val>
+                                        </p:tav>
+                                        <p:tav tm="100000">
+                                          <p:val>
+                                            <p:strVal val="#ppt_y"/>
+                                          </p:val>
+                                        </p:tav>
+                                      </p:tavLst>
+                                    </p:anim>
+                                  </p:childTnLst>
+                                </p:cTn>
+                              </p:par>
+                            </p:childTnLst>
+                          </p:cTn>
+                        </p:par>
+                      </p:childTnLst>
+                    </p:cTn>
+                  </p:par>
+                </p:childTnLst>
+              </p:cTn>
+              <p:prevCondLst>
+                <p:cond evt="onPrev" delay="0">
+                  <p:tgtEl>
+                    <p:sldTgt/>
+                  </p:tgtEl>
+                </p:cond>
+              </p:prevCondLst>
+              <p:nextCondLst>
+                <p:cond evt="onNext" delay="0">
+                  <p:tgtEl>
+                    <p:sldTgt/>
+                  </p:tgtEl>
+                </p:cond>
+              </p:nextCondLst>
+            </p:seq>
+          </p:childTnLst>
+        </p:cTn>
+      </p:par>
+    </p:tnLst>
+    <p:bldLst>
+      <p:bldP spid="7" grpId="0"/>
+      <p:bldP spid="8" grpId="0"/>
+    </p:bldLst>
+  </p:timing>
+</p:sld>
+</file>
+
+<file path=ppt/slides/slide17.xml><?xml version="1.0" encoding="utf-8"?>
+<p:sld xmlns:a="http://schemas.openxmlformats.org/drawingml/2006/main" xmlns:r="http://schemas.openxmlformats.org/officeDocument/2006/relationships" xmlns:p="http://schemas.openxmlformats.org/presentationml/2006/main">
+  <p:cSld>
+    <p:spTree>
+      <p:nvGrpSpPr>
+        <p:cNvPr id="1" name=""/>
+        <p:cNvGrpSpPr/>
+        <p:nvPr/>
+      </p:nvGrpSpPr>
+      <p:grpSpPr>
+        <a:xfrm>
+          <a:off x="0" y="0"/>
+          <a:ext cx="0" cy="0"/>
+          <a:chOff x="0" y="0"/>
+          <a:chExt cx="0" cy="0"/>
+        </a:xfrm>
+      </p:grpSpPr>
+      <p:sp>
+        <p:nvSpPr>
+          <p:cNvPr id="3" name="TextBox 2"/>
+          <p:cNvSpPr txBox="1"/>
+          <p:nvPr/>
+        </p:nvSpPr>
+        <p:spPr>
+          <a:xfrm>
+            <a:off x="1172845" y="1123522"/>
+            <a:ext cx="2338269" cy="584775"/>
+          </a:xfrm>
+          <a:prstGeom prst="rect">
+            <a:avLst/>
+          </a:prstGeom>
+          <a:noFill/>
+        </p:spPr>
+        <p:txBody>
+          <a:bodyPr wrap="none" rtlCol="0">
+            <a:spAutoFit/>
+          </a:bodyPr>
+          <a:lstStyle/>
+          <a:p>
+            <a:r>
+              <a:rPr lang="en-US" altLang="zh-CN" sz="3200" dirty="0">
+                <a:solidFill>
+                  <a:srgbClr val="0066CC"/>
+                </a:solidFill>
+                <a:latin typeface="思源黑体 CN Bold" pitchFamily="34" charset="-122"/>
+                <a:ea typeface="思源黑体 CN Bold" pitchFamily="34" charset="-122"/>
+              </a:rPr>
+              <a:t>Stream API</a:t>
+            </a:r>
+            <a:endParaRPr lang="zh-CN" altLang="en-US" sz="3200" dirty="0">
+              <a:solidFill>
+                <a:srgbClr val="0066CC"/>
+              </a:solidFill>
+              <a:latin typeface="思源黑体 CN Bold" pitchFamily="34" charset="-122"/>
+              <a:ea typeface="思源黑体 CN Bold" pitchFamily="34" charset="-122"/>
+            </a:endParaRPr>
+          </a:p>
+        </p:txBody>
+      </p:sp>
+      <p:sp>
+        <p:nvSpPr>
+          <p:cNvPr id="2" name="文本框 1">
+            <a:extLst>
+              <a:ext uri="{FF2B5EF4-FFF2-40B4-BE49-F238E27FC236}">
+                <a16:creationId xmlns:a16="http://schemas.microsoft.com/office/drawing/2014/main" id="{458C37FC-74F5-4972-8068-36F9D2530E04}"/>
+              </a:ext>
+            </a:extLst>
+          </p:cNvPr>
+          <p:cNvSpPr txBox="1"/>
+          <p:nvPr/>
+        </p:nvSpPr>
+        <p:spPr>
+          <a:xfrm>
+            <a:off x="1170236" y="1764407"/>
+            <a:ext cx="8352928" cy="415498"/>
+          </a:xfrm>
+          <a:prstGeom prst="rect">
+            <a:avLst/>
+          </a:prstGeom>
+          <a:noFill/>
+        </p:spPr>
+        <p:txBody>
+          <a:bodyPr wrap="square" rtlCol="0">
+            <a:spAutoFit/>
+          </a:bodyPr>
+          <a:lstStyle/>
+          <a:p>
+            <a:pPr marL="342900" indent="-342900">
+              <a:buFont typeface="Arial" panose="020B0604020202020204" pitchFamily="34" charset="0"/>
+              <a:buChar char="•"/>
+            </a:pPr>
+            <a:r>
+              <a:rPr lang="en-US" altLang="zh-CN" dirty="0" err="1"/>
+              <a:t>flatMap</a:t>
+            </a:r>
+            <a:endParaRPr lang="en-US" altLang="zh-CN" dirty="0"/>
+          </a:p>
+        </p:txBody>
+      </p:sp>
+      <p:sp>
+        <p:nvSpPr>
+          <p:cNvPr id="4" name="文本框 3">
+            <a:extLst>
+              <a:ext uri="{FF2B5EF4-FFF2-40B4-BE49-F238E27FC236}">
+                <a16:creationId xmlns:a16="http://schemas.microsoft.com/office/drawing/2014/main" id="{3CB3FB3E-72ED-4069-B4FF-B8CC4E5AC57C}"/>
+              </a:ext>
+            </a:extLst>
+          </p:cNvPr>
+          <p:cNvSpPr txBox="1"/>
+          <p:nvPr/>
+        </p:nvSpPr>
+        <p:spPr>
+          <a:xfrm>
+            <a:off x="1674292" y="2196455"/>
+            <a:ext cx="7344816" cy="1800493"/>
+          </a:xfrm>
+          <a:prstGeom prst="rect">
+            <a:avLst/>
+          </a:prstGeom>
+          <a:noFill/>
+        </p:spPr>
+        <p:txBody>
+          <a:bodyPr wrap="square" rtlCol="0">
+            <a:spAutoFit/>
+          </a:bodyPr>
+          <a:lstStyle/>
+          <a:p>
+            <a:r>
+              <a:rPr lang="en-US" altLang="zh-CN" sz="1800" b="1" dirty="0">
+                <a:solidFill>
+                  <a:srgbClr val="7F0055"/>
+                </a:solidFill>
+                <a:highlight>
+                  <a:srgbClr val="E8F2FE"/>
+                </a:highlight>
+                <a:latin typeface="Courier New" panose="02070309020205020404" pitchFamily="49" charset="0"/>
+              </a:rPr>
+              <a:t>public</a:t>
+            </a:r>
+            <a:r>
+              <a:rPr lang="en-US" altLang="zh-CN" sz="1800" b="1" dirty="0">
+                <a:solidFill>
+                  <a:srgbClr val="000000"/>
+                </a:solidFill>
+                <a:highlight>
+                  <a:srgbClr val="E8F2FE"/>
+                </a:highlight>
+                <a:latin typeface="Courier New" panose="02070309020205020404" pitchFamily="49" charset="0"/>
+              </a:rPr>
+              <a:t> </a:t>
+            </a:r>
+            <a:r>
+              <a:rPr lang="en-US" altLang="zh-CN" sz="1800" b="1" dirty="0">
+                <a:solidFill>
+                  <a:srgbClr val="7F0055"/>
+                </a:solidFill>
+                <a:highlight>
+                  <a:srgbClr val="E8F2FE"/>
+                </a:highlight>
+                <a:latin typeface="Courier New" panose="02070309020205020404" pitchFamily="49" charset="0"/>
+              </a:rPr>
+              <a:t>class</a:t>
+            </a:r>
+            <a:r>
+              <a:rPr lang="en-US" altLang="zh-CN" sz="1800" b="1" dirty="0">
+                <a:solidFill>
+                  <a:srgbClr val="000000"/>
+                </a:solidFill>
+                <a:highlight>
+                  <a:srgbClr val="E8F2FE"/>
+                </a:highlight>
+                <a:latin typeface="Courier New" panose="02070309020205020404" pitchFamily="49" charset="0"/>
+              </a:rPr>
+              <a:t> </a:t>
+            </a:r>
+            <a:r>
+              <a:rPr lang="en-US" altLang="zh-CN" sz="1800" b="1" dirty="0" err="1">
+                <a:solidFill>
+                  <a:srgbClr val="000000"/>
+                </a:solidFill>
+                <a:highlight>
+                  <a:srgbClr val="E8F2FE"/>
+                </a:highlight>
+                <a:latin typeface="Courier New" panose="02070309020205020404" pitchFamily="49" charset="0"/>
+              </a:rPr>
+              <a:t>Class</a:t>
+            </a:r>
+            <a:r>
+              <a:rPr lang="en-US" altLang="zh-CN" sz="1800" b="1" dirty="0">
+                <a:solidFill>
+                  <a:srgbClr val="000000"/>
+                </a:solidFill>
+                <a:highlight>
+                  <a:srgbClr val="E8F2FE"/>
+                </a:highlight>
+                <a:latin typeface="Courier New" panose="02070309020205020404" pitchFamily="49" charset="0"/>
+              </a:rPr>
+              <a:t> {</a:t>
+            </a:r>
+          </a:p>
+          <a:p>
+            <a:r>
+              <a:rPr lang="en-US" altLang="zh-CN" sz="1800" b="1" dirty="0">
+                <a:solidFill>
+                  <a:srgbClr val="000000"/>
+                </a:solidFill>
+                <a:highlight>
+                  <a:srgbClr val="E8F2FE"/>
+                </a:highlight>
+                <a:latin typeface="Courier New" panose="02070309020205020404" pitchFamily="49" charset="0"/>
+              </a:rPr>
+              <a:t>	</a:t>
+            </a:r>
+            <a:r>
+              <a:rPr lang="en-US" altLang="zh-CN" sz="1800" b="1" dirty="0">
+                <a:solidFill>
+                  <a:srgbClr val="7F0055"/>
+                </a:solidFill>
+                <a:latin typeface="Courier New" panose="02070309020205020404" pitchFamily="49" charset="0"/>
+              </a:rPr>
+              <a:t>private</a:t>
+            </a:r>
+            <a:r>
+              <a:rPr lang="en-US" altLang="zh-CN" sz="1800" b="1" dirty="0">
+                <a:solidFill>
+                  <a:srgbClr val="000000"/>
+                </a:solidFill>
+                <a:latin typeface="Courier New" panose="02070309020205020404" pitchFamily="49" charset="0"/>
+              </a:rPr>
+              <a:t> String </a:t>
+            </a:r>
+            <a:r>
+              <a:rPr lang="en-US" altLang="zh-CN" sz="1800" b="1" dirty="0">
+                <a:solidFill>
+                  <a:srgbClr val="0000C0"/>
+                </a:solidFill>
+                <a:latin typeface="Courier New" panose="02070309020205020404" pitchFamily="49" charset="0"/>
+              </a:rPr>
+              <a:t>name</a:t>
+            </a:r>
+            <a:r>
+              <a:rPr lang="en-US" altLang="zh-CN" sz="1800" b="1" dirty="0">
+                <a:solidFill>
+                  <a:srgbClr val="000000"/>
+                </a:solidFill>
+                <a:latin typeface="Courier New" panose="02070309020205020404" pitchFamily="49" charset="0"/>
+              </a:rPr>
+              <a:t>;</a:t>
+            </a:r>
+          </a:p>
+          <a:p>
+            <a:r>
+              <a:rPr lang="en-US" altLang="zh-CN" sz="1800" b="1" dirty="0">
+                <a:solidFill>
+                  <a:srgbClr val="7F0055"/>
+                </a:solidFill>
+                <a:latin typeface="Courier New" panose="02070309020205020404" pitchFamily="49" charset="0"/>
+              </a:rPr>
+              <a:t>	private</a:t>
+            </a:r>
+            <a:r>
+              <a:rPr lang="en-US" altLang="zh-CN" sz="1800" b="1" dirty="0">
+                <a:solidFill>
+                  <a:srgbClr val="000000"/>
+                </a:solidFill>
+                <a:latin typeface="Courier New" panose="02070309020205020404" pitchFamily="49" charset="0"/>
+              </a:rPr>
+              <a:t> List&lt;Student&gt; </a:t>
+            </a:r>
+            <a:r>
+              <a:rPr lang="en-US" altLang="zh-CN" sz="1800" b="1" dirty="0">
+                <a:solidFill>
+                  <a:srgbClr val="0000C0"/>
+                </a:solidFill>
+                <a:latin typeface="Courier New" panose="02070309020205020404" pitchFamily="49" charset="0"/>
+              </a:rPr>
+              <a:t>students</a:t>
+            </a:r>
+            <a:r>
+              <a:rPr lang="en-US" altLang="zh-CN" sz="1800" b="1" dirty="0">
+                <a:solidFill>
+                  <a:srgbClr val="000000"/>
+                </a:solidFill>
+                <a:latin typeface="Courier New" panose="02070309020205020404" pitchFamily="49" charset="0"/>
+              </a:rPr>
+              <a:t>;</a:t>
+            </a:r>
+            <a:endParaRPr lang="en-US" altLang="zh-CN" sz="1800" b="1" dirty="0">
+              <a:solidFill>
+                <a:srgbClr val="000000"/>
+              </a:solidFill>
+              <a:highlight>
+                <a:srgbClr val="E8F2FE"/>
+              </a:highlight>
+              <a:latin typeface="Courier New" panose="02070309020205020404" pitchFamily="49" charset="0"/>
+            </a:endParaRPr>
+          </a:p>
+          <a:p>
+            <a:r>
+              <a:rPr lang="en-US" altLang="zh-CN" sz="1800" b="1" dirty="0">
+                <a:solidFill>
+                  <a:srgbClr val="000000"/>
+                </a:solidFill>
+                <a:highlight>
+                  <a:srgbClr val="E8F2FE"/>
+                </a:highlight>
+                <a:latin typeface="Courier New" panose="02070309020205020404" pitchFamily="49" charset="0"/>
+              </a:rPr>
+              <a:t>}</a:t>
+            </a:r>
+          </a:p>
+          <a:p>
+            <a:endParaRPr lang="en-US" altLang="zh-CN" sz="1800" b="1" dirty="0">
+              <a:solidFill>
+                <a:srgbClr val="000000"/>
+              </a:solidFill>
+              <a:highlight>
+                <a:srgbClr val="E8F2FE"/>
+              </a:highlight>
+              <a:latin typeface="Courier New" panose="02070309020205020404" pitchFamily="49" charset="0"/>
+            </a:endParaRPr>
+          </a:p>
+          <a:p>
+            <a:r>
+              <a:rPr lang="zh-CN" altLang="en-US" dirty="0"/>
+              <a:t>现有班级集合</a:t>
+            </a:r>
+            <a:r>
+              <a:rPr lang="en-US" altLang="zh-CN" dirty="0" err="1"/>
+              <a:t>classList</a:t>
+            </a:r>
+            <a:r>
+              <a:rPr lang="zh-CN" altLang="en-US" dirty="0"/>
+              <a:t>，获取所有班级的所有学生的集合</a:t>
+            </a:r>
+            <a:endParaRPr lang="zh-CN" altLang="en-US" sz="1800" dirty="0"/>
+          </a:p>
+        </p:txBody>
+      </p:sp>
+      <p:sp>
+        <p:nvSpPr>
+          <p:cNvPr id="7" name="文本框 6">
+            <a:extLst>
+              <a:ext uri="{FF2B5EF4-FFF2-40B4-BE49-F238E27FC236}">
+                <a16:creationId xmlns:a16="http://schemas.microsoft.com/office/drawing/2014/main" id="{A7253E8D-1692-43C6-9BD7-A1C5602DA8E8}"/>
+              </a:ext>
+            </a:extLst>
+          </p:cNvPr>
+          <p:cNvSpPr txBox="1"/>
+          <p:nvPr/>
+        </p:nvSpPr>
+        <p:spPr>
+          <a:xfrm>
+            <a:off x="1170236" y="5346223"/>
+            <a:ext cx="8352928" cy="738664"/>
+          </a:xfrm>
+          <a:prstGeom prst="rect">
+            <a:avLst/>
+          </a:prstGeom>
+          <a:noFill/>
+        </p:spPr>
+        <p:txBody>
+          <a:bodyPr wrap="square" rtlCol="0">
+            <a:spAutoFit/>
+          </a:bodyPr>
+          <a:lstStyle/>
+          <a:p>
+            <a:pPr marL="342900" indent="-342900">
+              <a:buFont typeface="Arial" panose="020B0604020202020204" pitchFamily="34" charset="0"/>
+              <a:buChar char="•"/>
+            </a:pPr>
+            <a:r>
+              <a:rPr lang="en-US" altLang="zh-CN" dirty="0"/>
+              <a:t>sorted</a:t>
+            </a:r>
+          </a:p>
+          <a:p>
+            <a:endParaRPr lang="en-US" altLang="zh-CN" dirty="0"/>
+          </a:p>
+        </p:txBody>
+      </p:sp>
+      <p:sp>
+        <p:nvSpPr>
+          <p:cNvPr id="6" name="文本框 5">
+            <a:extLst>
+              <a:ext uri="{FF2B5EF4-FFF2-40B4-BE49-F238E27FC236}">
+                <a16:creationId xmlns:a16="http://schemas.microsoft.com/office/drawing/2014/main" id="{288B7FD1-0766-466C-97A1-6B8E4D0CD7B1}"/>
+              </a:ext>
+            </a:extLst>
+          </p:cNvPr>
+          <p:cNvSpPr txBox="1"/>
+          <p:nvPr/>
+        </p:nvSpPr>
+        <p:spPr>
+          <a:xfrm>
+            <a:off x="1746300" y="4212679"/>
+            <a:ext cx="9073008" cy="861774"/>
+          </a:xfrm>
+          <a:prstGeom prst="rect">
+            <a:avLst/>
+          </a:prstGeom>
+          <a:noFill/>
+        </p:spPr>
+        <p:txBody>
+          <a:bodyPr wrap="square" rtlCol="0">
+            <a:spAutoFit/>
+          </a:bodyPr>
+          <a:lstStyle/>
+          <a:p>
+            <a:r>
+              <a:rPr lang="en-US" altLang="zh-CN" sz="1600" dirty="0" err="1">
+                <a:solidFill>
+                  <a:srgbClr val="6A3E3E"/>
+                </a:solidFill>
+                <a:latin typeface="Courier New" panose="02070309020205020404" pitchFamily="49" charset="0"/>
+              </a:rPr>
+              <a:t>classList</a:t>
+            </a:r>
+            <a:r>
+              <a:rPr lang="en-US" altLang="zh-CN" sz="1600" dirty="0" err="1">
+                <a:solidFill>
+                  <a:srgbClr val="000000"/>
+                </a:solidFill>
+                <a:latin typeface="Courier New" panose="02070309020205020404" pitchFamily="49" charset="0"/>
+              </a:rPr>
+              <a:t>.stream</a:t>
+            </a:r>
+            <a:r>
+              <a:rPr lang="en-US" altLang="zh-CN" sz="1600" dirty="0">
+                <a:solidFill>
+                  <a:srgbClr val="000000"/>
+                </a:solidFill>
+                <a:latin typeface="Courier New" panose="02070309020205020404" pitchFamily="49" charset="0"/>
+              </a:rPr>
+              <a:t>().</a:t>
+            </a:r>
+            <a:r>
+              <a:rPr lang="en-US" altLang="zh-CN" sz="1600" dirty="0" err="1">
+                <a:solidFill>
+                  <a:srgbClr val="000000"/>
+                </a:solidFill>
+                <a:latin typeface="Courier New" panose="02070309020205020404" pitchFamily="49" charset="0"/>
+              </a:rPr>
+              <a:t>flatMap</a:t>
+            </a:r>
+            <a:r>
+              <a:rPr lang="en-US" altLang="zh-CN" sz="1600" dirty="0">
+                <a:solidFill>
+                  <a:srgbClr val="000000"/>
+                </a:solidFill>
+                <a:latin typeface="Courier New" panose="02070309020205020404" pitchFamily="49" charset="0"/>
+              </a:rPr>
+              <a:t>(</a:t>
+            </a:r>
+            <a:r>
+              <a:rPr lang="en-US" altLang="zh-CN" sz="1600" dirty="0" err="1">
+                <a:solidFill>
+                  <a:srgbClr val="6A3E3E"/>
+                </a:solidFill>
+                <a:latin typeface="Courier New" panose="02070309020205020404" pitchFamily="49" charset="0"/>
+              </a:rPr>
+              <a:t>curClass</a:t>
+            </a:r>
+            <a:r>
+              <a:rPr lang="en-US" altLang="zh-CN" sz="1600" dirty="0">
+                <a:solidFill>
+                  <a:srgbClr val="000000"/>
+                </a:solidFill>
+                <a:latin typeface="Courier New" panose="02070309020205020404" pitchFamily="49" charset="0"/>
+              </a:rPr>
+              <a:t> -&gt; </a:t>
+            </a:r>
+            <a:r>
+              <a:rPr lang="en-US" altLang="zh-CN" sz="1600" dirty="0" err="1">
+                <a:solidFill>
+                  <a:srgbClr val="6A3E3E"/>
+                </a:solidFill>
+                <a:latin typeface="Courier New" panose="02070309020205020404" pitchFamily="49" charset="0"/>
+              </a:rPr>
+              <a:t>curClass</a:t>
+            </a:r>
+            <a:r>
+              <a:rPr lang="en-US" altLang="zh-CN" sz="1600" dirty="0" err="1">
+                <a:solidFill>
+                  <a:srgbClr val="000000"/>
+                </a:solidFill>
+                <a:latin typeface="Courier New" panose="02070309020205020404" pitchFamily="49" charset="0"/>
+              </a:rPr>
+              <a:t>.getStudents</a:t>
+            </a:r>
+            <a:r>
+              <a:rPr lang="en-US" altLang="zh-CN" sz="1600" dirty="0">
+                <a:solidFill>
+                  <a:srgbClr val="000000"/>
+                </a:solidFill>
+                <a:latin typeface="Courier New" panose="02070309020205020404" pitchFamily="49" charset="0"/>
+              </a:rPr>
+              <a:t>().stream())</a:t>
+            </a:r>
+          </a:p>
+          <a:p>
+            <a:pPr lvl="2"/>
+            <a:r>
+              <a:rPr lang="en-US" altLang="zh-CN" sz="1800" dirty="0">
+                <a:solidFill>
+                  <a:srgbClr val="000000"/>
+                </a:solidFill>
+                <a:latin typeface="Courier New" panose="02070309020205020404" pitchFamily="49" charset="0"/>
+              </a:rPr>
+              <a:t>	</a:t>
+            </a:r>
+            <a:r>
+              <a:rPr lang="en-US" altLang="zh-CN" sz="1600" dirty="0">
+                <a:solidFill>
+                  <a:srgbClr val="000000"/>
+                </a:solidFill>
+                <a:latin typeface="Courier New" panose="02070309020205020404" pitchFamily="49" charset="0"/>
+              </a:rPr>
+              <a:t>.collect(</a:t>
+            </a:r>
+            <a:r>
+              <a:rPr lang="en-US" altLang="zh-CN" sz="1600" dirty="0" err="1">
+                <a:solidFill>
+                  <a:srgbClr val="000000"/>
+                </a:solidFill>
+                <a:latin typeface="Courier New" panose="02070309020205020404" pitchFamily="49" charset="0"/>
+              </a:rPr>
+              <a:t>Collectors.</a:t>
+            </a:r>
+            <a:r>
+              <a:rPr lang="en-US" altLang="zh-CN" sz="1600" i="1" dirty="0" err="1">
+                <a:solidFill>
+                  <a:srgbClr val="000000"/>
+                </a:solidFill>
+                <a:latin typeface="Courier New" panose="02070309020205020404" pitchFamily="49" charset="0"/>
+              </a:rPr>
+              <a:t>toList</a:t>
+            </a:r>
+            <a:r>
+              <a:rPr lang="en-US" altLang="zh-CN" sz="1600" i="1" dirty="0">
+                <a:solidFill>
+                  <a:srgbClr val="000000"/>
+                </a:solidFill>
+                <a:latin typeface="Courier New" panose="02070309020205020404" pitchFamily="49" charset="0"/>
+              </a:rPr>
+              <a:t>());</a:t>
+            </a:r>
+          </a:p>
+          <a:p>
+            <a:pPr marL="0" lvl="2"/>
+            <a:r>
+              <a:rPr lang="en-US" altLang="zh-CN" sz="1600" dirty="0">
+                <a:latin typeface="Courier New" panose="02070309020205020404" pitchFamily="49" charset="0"/>
+              </a:rPr>
+              <a:t>//</a:t>
+            </a:r>
+            <a:r>
+              <a:rPr lang="zh-CN" altLang="en-US" sz="1600" dirty="0">
+                <a:latin typeface="Courier New" panose="02070309020205020404" pitchFamily="49" charset="0"/>
+              </a:rPr>
+              <a:t> </a:t>
+            </a:r>
+            <a:r>
+              <a:rPr lang="en-US" altLang="zh-CN" sz="1600" dirty="0" err="1">
+                <a:latin typeface="Courier New" panose="02070309020205020404" pitchFamily="49" charset="0"/>
+              </a:rPr>
+              <a:t>flatMap</a:t>
+            </a:r>
+            <a:r>
+              <a:rPr lang="en-US" altLang="zh-CN" sz="1600" dirty="0">
+                <a:latin typeface="Courier New" panose="02070309020205020404" pitchFamily="49" charset="0"/>
+              </a:rPr>
+              <a:t>()</a:t>
+            </a:r>
+            <a:r>
+              <a:rPr lang="zh-CN" altLang="en-US" sz="1600" dirty="0">
+                <a:latin typeface="Courier New" panose="02070309020205020404" pitchFamily="49" charset="0"/>
+              </a:rPr>
+              <a:t>操作的效果是对流的元素应用一对多的转换，然后将这些元素压扁到一个新的流中。</a:t>
+            </a:r>
+          </a:p>
+        </p:txBody>
+      </p:sp>
+      <p:sp>
+        <p:nvSpPr>
+          <p:cNvPr id="9" name="文本框 8">
+            <a:extLst>
+              <a:ext uri="{FF2B5EF4-FFF2-40B4-BE49-F238E27FC236}">
+                <a16:creationId xmlns:a16="http://schemas.microsoft.com/office/drawing/2014/main" id="{F662D558-1D89-4421-BC7B-4579A8D67500}"/>
+              </a:ext>
+            </a:extLst>
+          </p:cNvPr>
+          <p:cNvSpPr txBox="1"/>
+          <p:nvPr/>
+        </p:nvSpPr>
+        <p:spPr>
+          <a:xfrm>
+            <a:off x="1818308" y="5868863"/>
+            <a:ext cx="9001000" cy="646331"/>
+          </a:xfrm>
+          <a:prstGeom prst="rect">
+            <a:avLst/>
+          </a:prstGeom>
+          <a:noFill/>
+        </p:spPr>
+        <p:txBody>
+          <a:bodyPr wrap="square" rtlCol="0">
+            <a:spAutoFit/>
+          </a:bodyPr>
+          <a:lstStyle/>
+          <a:p>
+            <a:r>
+              <a:rPr lang="en-US" altLang="zh-CN" sz="1800" dirty="0" err="1">
+                <a:solidFill>
+                  <a:srgbClr val="6A3E3E"/>
+                </a:solidFill>
+                <a:latin typeface="Courier New" panose="02070309020205020404" pitchFamily="49" charset="0"/>
+              </a:rPr>
+              <a:t>students</a:t>
+            </a:r>
+            <a:r>
+              <a:rPr lang="en-US" altLang="zh-CN" sz="1800" dirty="0" err="1">
+                <a:solidFill>
+                  <a:srgbClr val="000000"/>
+                </a:solidFill>
+                <a:latin typeface="Courier New" panose="02070309020205020404" pitchFamily="49" charset="0"/>
+              </a:rPr>
+              <a:t>.stream</a:t>
+            </a:r>
+            <a:r>
+              <a:rPr lang="en-US" altLang="zh-CN" sz="1800" dirty="0">
+                <a:solidFill>
+                  <a:srgbClr val="000000"/>
+                </a:solidFill>
+                <a:latin typeface="Courier New" panose="02070309020205020404" pitchFamily="49" charset="0"/>
+              </a:rPr>
+              <a:t>().sorted((</a:t>
+            </a:r>
+            <a:r>
+              <a:rPr lang="en-US" altLang="zh-CN" sz="1800" dirty="0">
+                <a:solidFill>
+                  <a:srgbClr val="6A3E3E"/>
+                </a:solidFill>
+                <a:latin typeface="Courier New" panose="02070309020205020404" pitchFamily="49" charset="0"/>
+              </a:rPr>
+              <a:t>student1</a:t>
+            </a:r>
+            <a:r>
+              <a:rPr lang="en-US" altLang="zh-CN" sz="1800" dirty="0">
+                <a:solidFill>
+                  <a:srgbClr val="000000"/>
+                </a:solidFill>
+                <a:latin typeface="Courier New" panose="02070309020205020404" pitchFamily="49" charset="0"/>
+              </a:rPr>
+              <a:t>, </a:t>
+            </a:r>
+            <a:r>
+              <a:rPr lang="en-US" altLang="zh-CN" sz="1800" dirty="0">
+                <a:solidFill>
+                  <a:srgbClr val="6A3E3E"/>
+                </a:solidFill>
+                <a:latin typeface="Courier New" panose="02070309020205020404" pitchFamily="49" charset="0"/>
+              </a:rPr>
+              <a:t>student2</a:t>
+            </a:r>
+            <a:r>
+              <a:rPr lang="en-US" altLang="zh-CN" sz="1800" dirty="0">
+                <a:solidFill>
+                  <a:srgbClr val="000000"/>
+                </a:solidFill>
+                <a:latin typeface="Courier New" panose="02070309020205020404" pitchFamily="49" charset="0"/>
+              </a:rPr>
+              <a:t>) -&gt; </a:t>
+            </a:r>
+          </a:p>
+          <a:p>
+            <a:r>
+              <a:rPr lang="en-US" altLang="zh-CN" sz="1800" dirty="0">
+                <a:solidFill>
+                  <a:srgbClr val="000000"/>
+                </a:solidFill>
+                <a:highlight>
+                  <a:srgbClr val="D4D4D4"/>
+                </a:highlight>
+                <a:latin typeface="Courier New" panose="02070309020205020404" pitchFamily="49" charset="0"/>
+              </a:rPr>
+              <a:t>	</a:t>
+            </a:r>
+            <a:r>
+              <a:rPr lang="en-US" altLang="zh-CN" sz="1800" dirty="0" err="1">
+                <a:solidFill>
+                  <a:srgbClr val="000000"/>
+                </a:solidFill>
+                <a:highlight>
+                  <a:srgbClr val="D4D4D4"/>
+                </a:highlight>
+                <a:latin typeface="Courier New" panose="02070309020205020404" pitchFamily="49" charset="0"/>
+              </a:rPr>
+              <a:t>Integer.</a:t>
+            </a:r>
+            <a:r>
+              <a:rPr lang="en-US" altLang="zh-CN" sz="1800" i="1" dirty="0" err="1">
+                <a:solidFill>
+                  <a:srgbClr val="000000"/>
+                </a:solidFill>
+                <a:highlight>
+                  <a:srgbClr val="D4D4D4"/>
+                </a:highlight>
+                <a:latin typeface="Courier New" panose="02070309020205020404" pitchFamily="49" charset="0"/>
+              </a:rPr>
+              <a:t>compare</a:t>
+            </a:r>
+            <a:r>
+              <a:rPr lang="en-US" altLang="zh-CN" sz="1800" i="1" dirty="0">
+                <a:solidFill>
+                  <a:srgbClr val="000000"/>
+                </a:solidFill>
+                <a:highlight>
+                  <a:srgbClr val="D4D4D4"/>
+                </a:highlight>
+                <a:latin typeface="Courier New" panose="02070309020205020404" pitchFamily="49" charset="0"/>
+              </a:rPr>
+              <a:t>(</a:t>
+            </a:r>
+            <a:r>
+              <a:rPr lang="en-US" altLang="zh-CN" sz="1800" i="1" dirty="0">
+                <a:solidFill>
+                  <a:srgbClr val="6A3E3E"/>
+                </a:solidFill>
+                <a:highlight>
+                  <a:srgbClr val="D4D4D4"/>
+                </a:highlight>
+                <a:latin typeface="Courier New" panose="02070309020205020404" pitchFamily="49" charset="0"/>
+              </a:rPr>
+              <a:t>student1</a:t>
+            </a:r>
+            <a:r>
+              <a:rPr lang="en-US" altLang="zh-CN" sz="1800" i="1" dirty="0">
+                <a:solidFill>
+                  <a:srgbClr val="000000"/>
+                </a:solidFill>
+                <a:highlight>
+                  <a:srgbClr val="D4D4D4"/>
+                </a:highlight>
+                <a:latin typeface="Courier New" panose="02070309020205020404" pitchFamily="49" charset="0"/>
+              </a:rPr>
+              <a:t>.getAge(), </a:t>
+            </a:r>
+            <a:r>
+              <a:rPr lang="en-US" altLang="zh-CN" sz="1800" i="1" dirty="0">
+                <a:solidFill>
+                  <a:srgbClr val="6A3E3E"/>
+                </a:solidFill>
+                <a:highlight>
+                  <a:srgbClr val="D4D4D4"/>
+                </a:highlight>
+                <a:latin typeface="Courier New" panose="02070309020205020404" pitchFamily="49" charset="0"/>
+              </a:rPr>
+              <a:t>student1</a:t>
+            </a:r>
+            <a:r>
+              <a:rPr lang="en-US" altLang="zh-CN" sz="1800" i="1" dirty="0">
+                <a:solidFill>
+                  <a:srgbClr val="000000"/>
+                </a:solidFill>
+                <a:highlight>
+                  <a:srgbClr val="D4D4D4"/>
+                </a:highlight>
+                <a:latin typeface="Courier New" panose="02070309020205020404" pitchFamily="49" charset="0"/>
+              </a:rPr>
+              <a:t>.getAge()));</a:t>
+            </a:r>
+            <a:endParaRPr lang="zh-CN" altLang="en-US" sz="1800" dirty="0"/>
+          </a:p>
+        </p:txBody>
+      </p:sp>
+    </p:spTree>
+    <p:extLst>
+      <p:ext uri="{BB962C8B-B14F-4D97-AF65-F5344CB8AC3E}">
+        <p14:creationId xmlns:p14="http://schemas.microsoft.com/office/powerpoint/2010/main" val="1324352391"/>
+      </p:ext>
+    </p:extLst>
+  </p:cSld>
+  <p:clrMapOvr>
+    <a:masterClrMapping/>
+  </p:clrMapOvr>
+  <p:transition spd="slow">
+    <p:wipe dir="r"/>
+  </p:transition>
+  <p:timing>
+    <p:tnLst>
+      <p:par>
+        <p:cTn id="1" dur="indefinite" restart="never" nodeType="tmRoot">
+          <p:childTnLst>
+            <p:seq concurrent="1" nextAc="seek">
+              <p:cTn id="2" dur="indefinite" nodeType="mainSeq">
+                <p:childTnLst>
+                  <p:par>
+                    <p:cTn id="3" fill="hold">
+                      <p:stCondLst>
+                        <p:cond delay="indefinite"/>
+                      </p:stCondLst>
+                      <p:childTnLst>
+                        <p:par>
+                          <p:cTn id="4" fill="hold">
+                            <p:stCondLst>
+                              <p:cond delay="0"/>
+                            </p:stCondLst>
+                            <p:childTnLst>
+                              <p:par>
+                                <p:cTn id="5" presetID="2" presetClass="entr" presetSubtype="4" fill="hold" grpId="0" nodeType="clickEffect">
+                                  <p:stCondLst>
+                                    <p:cond delay="0"/>
+                                  </p:stCondLst>
+                                  <p:childTnLst>
+                                    <p:set>
+                                      <p:cBhvr>
+                                        <p:cTn id="6" dur="1" fill="hold">
+                                          <p:stCondLst>
+                                            <p:cond delay="0"/>
+                                          </p:stCondLst>
+                                        </p:cTn>
+                                        <p:tgtEl>
+                                          <p:spTgt spid="7"/>
+                                        </p:tgtEl>
+                                        <p:attrNameLst>
+                                          <p:attrName>style.visibility</p:attrName>
+                                        </p:attrNameLst>
+                                      </p:cBhvr>
+                                      <p:to>
+                                        <p:strVal val="visible"/>
+                                      </p:to>
+                                    </p:set>
+                                    <p:anim calcmode="lin" valueType="num">
+                                      <p:cBhvr additive="base">
+                                        <p:cTn id="7" dur="500" fill="hold"/>
+                                        <p:tgtEl>
+                                          <p:spTgt spid="7"/>
+                                        </p:tgtEl>
+                                        <p:attrNameLst>
+                                          <p:attrName>ppt_x</p:attrName>
+                                        </p:attrNameLst>
+                                      </p:cBhvr>
+                                      <p:tavLst>
+                                        <p:tav tm="0">
+                                          <p:val>
+                                            <p:strVal val="#ppt_x"/>
+                                          </p:val>
+                                        </p:tav>
+                                        <p:tav tm="100000">
+                                          <p:val>
+                                            <p:strVal val="#ppt_x"/>
+                                          </p:val>
+                                        </p:tav>
+                                      </p:tavLst>
+                                    </p:anim>
+                                    <p:anim calcmode="lin" valueType="num">
+                                      <p:cBhvr additive="base">
+                                        <p:cTn id="8" dur="500" fill="hold"/>
+                                        <p:tgtEl>
+                                          <p:spTgt spid="7"/>
+                                        </p:tgtEl>
+                                        <p:attrNameLst>
+                                          <p:attrName>ppt_y</p:attrName>
+                                        </p:attrNameLst>
+                                      </p:cBhvr>
+                                      <p:tavLst>
+                                        <p:tav tm="0">
+                                          <p:val>
+                                            <p:strVal val="1+#ppt_h/2"/>
+                                          </p:val>
+                                        </p:tav>
+                                        <p:tav tm="100000">
+                                          <p:val>
+                                            <p:strVal val="#ppt_y"/>
+                                          </p:val>
+                                        </p:tav>
+                                      </p:tavLst>
+                                    </p:anim>
+                                  </p:childTnLst>
+                                </p:cTn>
+                              </p:par>
+                              <p:par>
+                                <p:cTn id="9" presetID="2" presetClass="entr" presetSubtype="4" fill="hold" grpId="0" nodeType="withEffect">
+                                  <p:stCondLst>
+                                    <p:cond delay="0"/>
+                                  </p:stCondLst>
+                                  <p:childTnLst>
+                                    <p:set>
+                                      <p:cBhvr>
+                                        <p:cTn id="10" dur="1" fill="hold">
+                                          <p:stCondLst>
+                                            <p:cond delay="0"/>
+                                          </p:stCondLst>
+                                        </p:cTn>
+                                        <p:tgtEl>
+                                          <p:spTgt spid="9"/>
+                                        </p:tgtEl>
+                                        <p:attrNameLst>
+                                          <p:attrName>style.visibility</p:attrName>
+                                        </p:attrNameLst>
+                                      </p:cBhvr>
+                                      <p:to>
+                                        <p:strVal val="visible"/>
+                                      </p:to>
+                                    </p:set>
+                                    <p:anim calcmode="lin" valueType="num">
+                                      <p:cBhvr additive="base">
+                                        <p:cTn id="11" dur="500" fill="hold"/>
+                                        <p:tgtEl>
+                                          <p:spTgt spid="9"/>
+                                        </p:tgtEl>
+                                        <p:attrNameLst>
+                                          <p:attrName>ppt_x</p:attrName>
+                                        </p:attrNameLst>
+                                      </p:cBhvr>
+                                      <p:tavLst>
+                                        <p:tav tm="0">
+                                          <p:val>
+                                            <p:strVal val="#ppt_x"/>
+                                          </p:val>
+                                        </p:tav>
+                                        <p:tav tm="100000">
+                                          <p:val>
+                                            <p:strVal val="#ppt_x"/>
+                                          </p:val>
+                                        </p:tav>
+                                      </p:tavLst>
+                                    </p:anim>
+                                    <p:anim calcmode="lin" valueType="num">
+                                      <p:cBhvr additive="base">
+                                        <p:cTn id="12" dur="500" fill="hold"/>
+                                        <p:tgtEl>
+                                          <p:spTgt spid="9"/>
+                                        </p:tgtEl>
+                                        <p:attrNameLst>
+                                          <p:attrName>ppt_y</p:attrName>
+                                        </p:attrNameLst>
+                                      </p:cBhvr>
+                                      <p:tavLst>
+                                        <p:tav tm="0">
+                                          <p:val>
+                                            <p:strVal val="1+#ppt_h/2"/>
+                                          </p:val>
+                                        </p:tav>
+                                        <p:tav tm="100000">
+                                          <p:val>
+                                            <p:strVal val="#ppt_y"/>
+                                          </p:val>
+                                        </p:tav>
+                                      </p:tavLst>
+                                    </p:anim>
+                                  </p:childTnLst>
+                                </p:cTn>
+                              </p:par>
+                            </p:childTnLst>
+                          </p:cTn>
+                        </p:par>
+                      </p:childTnLst>
+                    </p:cTn>
+                  </p:par>
+                </p:childTnLst>
+              </p:cTn>
+              <p:prevCondLst>
+                <p:cond evt="onPrev" delay="0">
+                  <p:tgtEl>
+                    <p:sldTgt/>
+                  </p:tgtEl>
+                </p:cond>
+              </p:prevCondLst>
+              <p:nextCondLst>
+                <p:cond evt="onNext" delay="0">
+                  <p:tgtEl>
+                    <p:sldTgt/>
+                  </p:tgtEl>
+                </p:cond>
+              </p:nextCondLst>
+            </p:seq>
+          </p:childTnLst>
+        </p:cTn>
+      </p:par>
+    </p:tnLst>
+    <p:bldLst>
+      <p:bldP spid="7" grpId="0"/>
+      <p:bldP spid="9" grpId="0"/>
+    </p:bldLst>
+  </p:timing>
+</p:sld>
+</file>
+
+<file path=ppt/slides/slide18.xml><?xml version="1.0" encoding="utf-8"?>
+<p:sld xmlns:a="http://schemas.openxmlformats.org/drawingml/2006/main" xmlns:r="http://schemas.openxmlformats.org/officeDocument/2006/relationships" xmlns:p="http://schemas.openxmlformats.org/presentationml/2006/main">
+  <p:cSld>
+    <p:spTree>
+      <p:nvGrpSpPr>
+        <p:cNvPr id="1" name=""/>
+        <p:cNvGrpSpPr/>
+        <p:nvPr/>
+      </p:nvGrpSpPr>
+      <p:grpSpPr>
+        <a:xfrm>
+          <a:off x="0" y="0"/>
+          <a:ext cx="0" cy="0"/>
+          <a:chOff x="0" y="0"/>
+          <a:chExt cx="0" cy="0"/>
+        </a:xfrm>
+      </p:grpSpPr>
+      <p:sp>
+        <p:nvSpPr>
+          <p:cNvPr id="3" name="TextBox 2"/>
+          <p:cNvSpPr txBox="1"/>
+          <p:nvPr/>
+        </p:nvSpPr>
+        <p:spPr>
+          <a:xfrm>
+            <a:off x="1172845" y="1123522"/>
+            <a:ext cx="2338269" cy="584775"/>
+          </a:xfrm>
+          <a:prstGeom prst="rect">
+            <a:avLst/>
+          </a:prstGeom>
+          <a:noFill/>
+        </p:spPr>
+        <p:txBody>
+          <a:bodyPr wrap="none" rtlCol="0">
+            <a:spAutoFit/>
+          </a:bodyPr>
+          <a:lstStyle/>
+          <a:p>
+            <a:r>
+              <a:rPr lang="en-US" altLang="zh-CN" sz="3200" dirty="0">
+                <a:solidFill>
+                  <a:srgbClr val="0066CC"/>
+                </a:solidFill>
+                <a:latin typeface="思源黑体 CN Bold" pitchFamily="34" charset="-122"/>
+                <a:ea typeface="思源黑体 CN Bold" pitchFamily="34" charset="-122"/>
+              </a:rPr>
+              <a:t>Stream API</a:t>
+            </a:r>
+            <a:endParaRPr lang="zh-CN" altLang="en-US" sz="3200" dirty="0">
+              <a:solidFill>
+                <a:srgbClr val="0066CC"/>
+              </a:solidFill>
+              <a:latin typeface="思源黑体 CN Bold" pitchFamily="34" charset="-122"/>
+              <a:ea typeface="思源黑体 CN Bold" pitchFamily="34" charset="-122"/>
+            </a:endParaRPr>
+          </a:p>
+        </p:txBody>
+      </p:sp>
+      <p:sp>
+        <p:nvSpPr>
+          <p:cNvPr id="2" name="文本框 1">
+            <a:extLst>
+              <a:ext uri="{FF2B5EF4-FFF2-40B4-BE49-F238E27FC236}">
+                <a16:creationId xmlns:a16="http://schemas.microsoft.com/office/drawing/2014/main" id="{458C37FC-74F5-4972-8068-36F9D2530E04}"/>
+              </a:ext>
+            </a:extLst>
+          </p:cNvPr>
+          <p:cNvSpPr txBox="1"/>
+          <p:nvPr/>
+        </p:nvSpPr>
+        <p:spPr>
+          <a:xfrm>
+            <a:off x="1170236" y="1764407"/>
+            <a:ext cx="8352928" cy="415498"/>
+          </a:xfrm>
+          <a:prstGeom prst="rect">
+            <a:avLst/>
+          </a:prstGeom>
+          <a:noFill/>
+        </p:spPr>
+        <p:txBody>
+          <a:bodyPr wrap="square" rtlCol="0">
+            <a:spAutoFit/>
+          </a:bodyPr>
+          <a:lstStyle/>
+          <a:p>
+            <a:pPr marL="342900" indent="-342900">
+              <a:buFont typeface="Arial" panose="020B0604020202020204" pitchFamily="34" charset="0"/>
+              <a:buChar char="•"/>
+            </a:pPr>
+            <a:r>
+              <a:rPr lang="en-US" altLang="zh-CN" dirty="0" err="1"/>
+              <a:t>skip&amp;limit</a:t>
+            </a:r>
+            <a:endParaRPr lang="en-US" altLang="zh-CN" dirty="0"/>
+          </a:p>
+        </p:txBody>
+      </p:sp>
+      <p:sp>
+        <p:nvSpPr>
+          <p:cNvPr id="4" name="文本框 3">
+            <a:extLst>
+              <a:ext uri="{FF2B5EF4-FFF2-40B4-BE49-F238E27FC236}">
+                <a16:creationId xmlns:a16="http://schemas.microsoft.com/office/drawing/2014/main" id="{3CB3FB3E-72ED-4069-B4FF-B8CC4E5AC57C}"/>
+              </a:ext>
+            </a:extLst>
+          </p:cNvPr>
+          <p:cNvSpPr txBox="1"/>
+          <p:nvPr/>
+        </p:nvSpPr>
+        <p:spPr>
+          <a:xfrm>
+            <a:off x="1674292" y="2196455"/>
+            <a:ext cx="7344816" cy="369332"/>
+          </a:xfrm>
+          <a:prstGeom prst="rect">
+            <a:avLst/>
+          </a:prstGeom>
+          <a:noFill/>
+        </p:spPr>
+        <p:txBody>
+          <a:bodyPr wrap="square" rtlCol="0">
+            <a:spAutoFit/>
+          </a:bodyPr>
+          <a:lstStyle/>
+          <a:p>
+            <a:r>
+              <a:rPr lang="en-US" altLang="zh-CN" sz="1800" dirty="0" err="1">
+                <a:solidFill>
+                  <a:srgbClr val="6A3E3E"/>
+                </a:solidFill>
+                <a:highlight>
+                  <a:srgbClr val="E8F2FE"/>
+                </a:highlight>
+                <a:latin typeface="Courier New" panose="02070309020205020404" pitchFamily="49" charset="0"/>
+              </a:rPr>
+              <a:t>students</a:t>
+            </a:r>
+            <a:r>
+              <a:rPr lang="en-US" altLang="zh-CN" sz="1800" dirty="0" err="1">
+                <a:solidFill>
+                  <a:srgbClr val="000000"/>
+                </a:solidFill>
+                <a:highlight>
+                  <a:srgbClr val="E8F2FE"/>
+                </a:highlight>
+                <a:latin typeface="Courier New" panose="02070309020205020404" pitchFamily="49" charset="0"/>
+              </a:rPr>
+              <a:t>.stream</a:t>
+            </a:r>
+            <a:r>
+              <a:rPr lang="en-US" altLang="zh-CN" sz="1800" dirty="0">
+                <a:solidFill>
+                  <a:srgbClr val="000000"/>
+                </a:solidFill>
+                <a:highlight>
+                  <a:srgbClr val="E8F2FE"/>
+                </a:highlight>
+                <a:latin typeface="Courier New" panose="02070309020205020404" pitchFamily="49" charset="0"/>
+              </a:rPr>
+              <a:t>().skip(0).limit(10);</a:t>
+            </a:r>
+            <a:endParaRPr lang="zh-CN" altLang="en-US" sz="1800" dirty="0"/>
+          </a:p>
+        </p:txBody>
+      </p:sp>
+      <p:sp>
+        <p:nvSpPr>
+          <p:cNvPr id="7" name="文本框 6">
+            <a:extLst>
+              <a:ext uri="{FF2B5EF4-FFF2-40B4-BE49-F238E27FC236}">
+                <a16:creationId xmlns:a16="http://schemas.microsoft.com/office/drawing/2014/main" id="{A7253E8D-1692-43C6-9BD7-A1C5602DA8E8}"/>
+              </a:ext>
+            </a:extLst>
+          </p:cNvPr>
+          <p:cNvSpPr txBox="1"/>
+          <p:nvPr/>
+        </p:nvSpPr>
+        <p:spPr>
+          <a:xfrm>
+            <a:off x="1170236" y="2772519"/>
+            <a:ext cx="8352928" cy="738664"/>
+          </a:xfrm>
+          <a:prstGeom prst="rect">
+            <a:avLst/>
+          </a:prstGeom>
+          <a:noFill/>
+        </p:spPr>
+        <p:txBody>
+          <a:bodyPr wrap="square" rtlCol="0">
+            <a:spAutoFit/>
+          </a:bodyPr>
+          <a:lstStyle/>
+          <a:p>
+            <a:pPr marL="342900" indent="-342900">
+              <a:buFont typeface="Arial" panose="020B0604020202020204" pitchFamily="34" charset="0"/>
+              <a:buChar char="•"/>
+            </a:pPr>
+            <a:r>
+              <a:rPr lang="en-US" altLang="zh-CN" dirty="0" err="1"/>
+              <a:t>forEach</a:t>
+            </a:r>
+            <a:endParaRPr lang="en-US" altLang="zh-CN" dirty="0"/>
+          </a:p>
+          <a:p>
+            <a:endParaRPr lang="en-US" altLang="zh-CN" dirty="0"/>
+          </a:p>
+        </p:txBody>
+      </p:sp>
+      <p:sp>
+        <p:nvSpPr>
+          <p:cNvPr id="9" name="文本框 8">
+            <a:extLst>
+              <a:ext uri="{FF2B5EF4-FFF2-40B4-BE49-F238E27FC236}">
+                <a16:creationId xmlns:a16="http://schemas.microsoft.com/office/drawing/2014/main" id="{F662D558-1D89-4421-BC7B-4579A8D67500}"/>
+              </a:ext>
+            </a:extLst>
+          </p:cNvPr>
+          <p:cNvSpPr txBox="1"/>
+          <p:nvPr/>
+        </p:nvSpPr>
+        <p:spPr>
+          <a:xfrm>
+            <a:off x="1746300" y="3350324"/>
+            <a:ext cx="9001000" cy="923330"/>
+          </a:xfrm>
+          <a:prstGeom prst="rect">
+            <a:avLst/>
+          </a:prstGeom>
+          <a:noFill/>
+        </p:spPr>
+        <p:txBody>
+          <a:bodyPr wrap="square" rtlCol="0">
+            <a:spAutoFit/>
+          </a:bodyPr>
+          <a:lstStyle/>
+          <a:p>
+            <a:r>
+              <a:rPr lang="en-US" altLang="zh-CN" sz="1800" dirty="0" err="1">
+                <a:solidFill>
+                  <a:srgbClr val="6A3E3E"/>
+                </a:solidFill>
+                <a:latin typeface="Courier New" panose="02070309020205020404" pitchFamily="49" charset="0"/>
+              </a:rPr>
+              <a:t>students</a:t>
+            </a:r>
+            <a:r>
+              <a:rPr lang="en-US" altLang="zh-CN" sz="1800" dirty="0" err="1">
+                <a:solidFill>
+                  <a:srgbClr val="000000"/>
+                </a:solidFill>
+                <a:latin typeface="Courier New" panose="02070309020205020404" pitchFamily="49" charset="0"/>
+              </a:rPr>
+              <a:t>.stream</a:t>
+            </a:r>
+            <a:r>
+              <a:rPr lang="en-US" altLang="zh-CN" sz="1800" dirty="0">
+                <a:solidFill>
+                  <a:srgbClr val="000000"/>
+                </a:solidFill>
+                <a:latin typeface="Courier New" panose="02070309020205020404" pitchFamily="49" charset="0"/>
+              </a:rPr>
+              <a:t>().</a:t>
+            </a:r>
+            <a:r>
+              <a:rPr lang="en-US" altLang="zh-CN" sz="1800" dirty="0" err="1">
+                <a:solidFill>
+                  <a:srgbClr val="000000"/>
+                </a:solidFill>
+                <a:latin typeface="Courier New" panose="02070309020205020404" pitchFamily="49" charset="0"/>
+              </a:rPr>
+              <a:t>forEach</a:t>
+            </a:r>
+            <a:r>
+              <a:rPr lang="en-US" altLang="zh-CN" sz="1800" dirty="0">
+                <a:solidFill>
+                  <a:srgbClr val="000000"/>
+                </a:solidFill>
+                <a:latin typeface="Courier New" panose="02070309020205020404" pitchFamily="49" charset="0"/>
+              </a:rPr>
+              <a:t>(</a:t>
+            </a:r>
+            <a:r>
+              <a:rPr lang="en-US" altLang="zh-CN" sz="1800" dirty="0">
+                <a:solidFill>
+                  <a:srgbClr val="6A3E3E"/>
+                </a:solidFill>
+                <a:latin typeface="Courier New" panose="02070309020205020404" pitchFamily="49" charset="0"/>
+              </a:rPr>
+              <a:t>student</a:t>
+            </a:r>
+            <a:r>
+              <a:rPr lang="en-US" altLang="zh-CN" sz="1800" dirty="0">
+                <a:solidFill>
+                  <a:srgbClr val="000000"/>
+                </a:solidFill>
+                <a:latin typeface="Courier New" panose="02070309020205020404" pitchFamily="49" charset="0"/>
+              </a:rPr>
+              <a:t> -&gt; {</a:t>
+            </a:r>
+          </a:p>
+          <a:p>
+            <a:r>
+              <a:rPr lang="en-US" altLang="zh-CN" sz="1800" dirty="0">
+                <a:solidFill>
+                  <a:srgbClr val="000000"/>
+                </a:solidFill>
+                <a:latin typeface="Courier New" panose="02070309020205020404" pitchFamily="49" charset="0"/>
+              </a:rPr>
+              <a:t>	</a:t>
+            </a:r>
+            <a:r>
+              <a:rPr lang="en-US" altLang="zh-CN" sz="1800" dirty="0" err="1">
+                <a:solidFill>
+                  <a:srgbClr val="000000"/>
+                </a:solidFill>
+                <a:latin typeface="Courier New" panose="02070309020205020404" pitchFamily="49" charset="0"/>
+              </a:rPr>
+              <a:t>System.</a:t>
+            </a:r>
+            <a:r>
+              <a:rPr lang="en-US" altLang="zh-CN" sz="1800" b="1" i="1" dirty="0" err="1">
+                <a:solidFill>
+                  <a:srgbClr val="0000C0"/>
+                </a:solidFill>
+                <a:latin typeface="Courier New" panose="02070309020205020404" pitchFamily="49" charset="0"/>
+              </a:rPr>
+              <a:t>out</a:t>
+            </a:r>
+            <a:r>
+              <a:rPr lang="en-US" altLang="zh-CN" sz="1800" b="1" i="1" dirty="0" err="1">
+                <a:solidFill>
+                  <a:srgbClr val="000000"/>
+                </a:solidFill>
+                <a:latin typeface="Courier New" panose="02070309020205020404" pitchFamily="49" charset="0"/>
+              </a:rPr>
+              <a:t>.println</a:t>
+            </a:r>
+            <a:r>
+              <a:rPr lang="en-US" altLang="zh-CN" sz="1800" b="1" i="1" dirty="0">
+                <a:solidFill>
+                  <a:srgbClr val="000000"/>
+                </a:solidFill>
+                <a:latin typeface="Courier New" panose="02070309020205020404" pitchFamily="49" charset="0"/>
+              </a:rPr>
+              <a:t>(</a:t>
+            </a:r>
+            <a:r>
+              <a:rPr lang="en-US" altLang="zh-CN" sz="1800" b="1" i="1" dirty="0" err="1">
+                <a:solidFill>
+                  <a:srgbClr val="6A3E3E"/>
+                </a:solidFill>
+                <a:latin typeface="Courier New" panose="02070309020205020404" pitchFamily="49" charset="0"/>
+              </a:rPr>
+              <a:t>student</a:t>
+            </a:r>
+            <a:r>
+              <a:rPr lang="en-US" altLang="zh-CN" sz="1800" b="1" i="1" dirty="0" err="1">
+                <a:solidFill>
+                  <a:srgbClr val="000000"/>
+                </a:solidFill>
+                <a:latin typeface="Courier New" panose="02070309020205020404" pitchFamily="49" charset="0"/>
+              </a:rPr>
+              <a:t>.getName</a:t>
+            </a:r>
+            <a:r>
+              <a:rPr lang="en-US" altLang="zh-CN" sz="1800" b="1" i="1" dirty="0">
+                <a:solidFill>
+                  <a:srgbClr val="000000"/>
+                </a:solidFill>
+                <a:latin typeface="Courier New" panose="02070309020205020404" pitchFamily="49" charset="0"/>
+              </a:rPr>
+              <a:t>());</a:t>
+            </a:r>
+          </a:p>
+          <a:p>
+            <a:r>
+              <a:rPr lang="en-US" altLang="zh-CN" sz="1800" dirty="0">
+                <a:solidFill>
+                  <a:srgbClr val="000000"/>
+                </a:solidFill>
+                <a:latin typeface="Courier New" panose="02070309020205020404" pitchFamily="49" charset="0"/>
+              </a:rPr>
+              <a:t>});</a:t>
+            </a:r>
+            <a:endParaRPr lang="zh-CN" altLang="en-US" sz="1800" dirty="0"/>
+          </a:p>
+        </p:txBody>
+      </p:sp>
+      <p:sp>
+        <p:nvSpPr>
+          <p:cNvPr id="8" name="文本框 7">
+            <a:extLst>
+              <a:ext uri="{FF2B5EF4-FFF2-40B4-BE49-F238E27FC236}">
+                <a16:creationId xmlns:a16="http://schemas.microsoft.com/office/drawing/2014/main" id="{B8E89823-E7EC-41B3-9152-A87F6C192E74}"/>
+              </a:ext>
+            </a:extLst>
+          </p:cNvPr>
+          <p:cNvSpPr txBox="1"/>
+          <p:nvPr/>
+        </p:nvSpPr>
+        <p:spPr>
+          <a:xfrm>
+            <a:off x="1242244" y="4428703"/>
+            <a:ext cx="8352928" cy="738664"/>
+          </a:xfrm>
+          <a:prstGeom prst="rect">
+            <a:avLst/>
+          </a:prstGeom>
+          <a:noFill/>
+        </p:spPr>
+        <p:txBody>
+          <a:bodyPr wrap="square" rtlCol="0">
+            <a:spAutoFit/>
+          </a:bodyPr>
+          <a:lstStyle/>
+          <a:p>
+            <a:pPr marL="342900" indent="-342900">
+              <a:buFont typeface="Arial" panose="020B0604020202020204" pitchFamily="34" charset="0"/>
+              <a:buChar char="•"/>
+            </a:pPr>
+            <a:r>
+              <a:rPr lang="en-US" altLang="zh-CN" dirty="0"/>
+              <a:t>reduce</a:t>
+            </a:r>
+          </a:p>
+          <a:p>
+            <a:endParaRPr lang="en-US" altLang="zh-CN" dirty="0"/>
+          </a:p>
+        </p:txBody>
+      </p:sp>
+      <p:sp>
+        <p:nvSpPr>
+          <p:cNvPr id="5" name="文本框 4">
+            <a:extLst>
+              <a:ext uri="{FF2B5EF4-FFF2-40B4-BE49-F238E27FC236}">
+                <a16:creationId xmlns:a16="http://schemas.microsoft.com/office/drawing/2014/main" id="{C8D7F42D-42AB-41E8-93E3-10CDCACD93ED}"/>
+              </a:ext>
+            </a:extLst>
+          </p:cNvPr>
+          <p:cNvSpPr txBox="1"/>
+          <p:nvPr/>
+        </p:nvSpPr>
+        <p:spPr>
+          <a:xfrm>
+            <a:off x="1746300" y="5004767"/>
+            <a:ext cx="7992888" cy="646331"/>
+          </a:xfrm>
+          <a:prstGeom prst="rect">
+            <a:avLst/>
+          </a:prstGeom>
+          <a:noFill/>
+        </p:spPr>
+        <p:txBody>
+          <a:bodyPr wrap="square" rtlCol="0">
+            <a:spAutoFit/>
+          </a:bodyPr>
+          <a:lstStyle/>
+          <a:p>
+            <a:r>
+              <a:rPr lang="nl-NL" altLang="zh-CN" sz="1800" dirty="0">
+                <a:solidFill>
+                  <a:srgbClr val="6A3E3E"/>
+                </a:solidFill>
+                <a:latin typeface="Courier New" panose="02070309020205020404" pitchFamily="49" charset="0"/>
+              </a:rPr>
+              <a:t>students</a:t>
+            </a:r>
+            <a:r>
+              <a:rPr lang="nl-NL" altLang="zh-CN" sz="1800" dirty="0">
+                <a:solidFill>
+                  <a:srgbClr val="000000"/>
+                </a:solidFill>
+                <a:latin typeface="Courier New" panose="02070309020205020404" pitchFamily="49" charset="0"/>
+              </a:rPr>
+              <a:t>.stream().mapToInt(</a:t>
+            </a:r>
+            <a:r>
+              <a:rPr lang="nl-NL" altLang="zh-CN" sz="1800" dirty="0">
+                <a:solidFill>
+                  <a:srgbClr val="6A3E3E"/>
+                </a:solidFill>
+                <a:latin typeface="Courier New" panose="02070309020205020404" pitchFamily="49" charset="0"/>
+              </a:rPr>
+              <a:t>student</a:t>
+            </a:r>
+            <a:r>
+              <a:rPr lang="nl-NL" altLang="zh-CN" sz="1800" dirty="0">
+                <a:solidFill>
+                  <a:srgbClr val="000000"/>
+                </a:solidFill>
+                <a:latin typeface="Courier New" panose="02070309020205020404" pitchFamily="49" charset="0"/>
+              </a:rPr>
+              <a:t> -&gt; </a:t>
+            </a:r>
+            <a:r>
+              <a:rPr lang="nl-NL" altLang="zh-CN" sz="1800" dirty="0">
+                <a:solidFill>
+                  <a:srgbClr val="6A3E3E"/>
+                </a:solidFill>
+                <a:latin typeface="Courier New" panose="02070309020205020404" pitchFamily="49" charset="0"/>
+              </a:rPr>
+              <a:t>student</a:t>
+            </a:r>
+            <a:r>
+              <a:rPr lang="nl-NL" altLang="zh-CN" sz="1800" dirty="0">
+                <a:solidFill>
+                  <a:srgbClr val="000000"/>
+                </a:solidFill>
+                <a:latin typeface="Courier New" panose="02070309020205020404" pitchFamily="49" charset="0"/>
+              </a:rPr>
+              <a:t>.getAge())</a:t>
+            </a:r>
+          </a:p>
+          <a:p>
+            <a:r>
+              <a:rPr lang="en-US" altLang="zh-CN" sz="1800" dirty="0">
+                <a:solidFill>
+                  <a:srgbClr val="000000"/>
+                </a:solidFill>
+                <a:latin typeface="Courier New" panose="02070309020205020404" pitchFamily="49" charset="0"/>
+              </a:rPr>
+              <a:t>		.reduce((</a:t>
+            </a:r>
+            <a:r>
+              <a:rPr lang="en-US" altLang="zh-CN" sz="1800" dirty="0">
+                <a:solidFill>
+                  <a:srgbClr val="6A3E3E"/>
+                </a:solidFill>
+                <a:latin typeface="Courier New" panose="02070309020205020404" pitchFamily="49" charset="0"/>
+              </a:rPr>
+              <a:t>left</a:t>
+            </a:r>
+            <a:r>
+              <a:rPr lang="en-US" altLang="zh-CN" sz="1800" dirty="0">
+                <a:solidFill>
+                  <a:srgbClr val="000000"/>
+                </a:solidFill>
+                <a:latin typeface="Courier New" panose="02070309020205020404" pitchFamily="49" charset="0"/>
+              </a:rPr>
+              <a:t>, </a:t>
+            </a:r>
+            <a:r>
+              <a:rPr lang="en-US" altLang="zh-CN" sz="1800" dirty="0">
+                <a:solidFill>
+                  <a:srgbClr val="6A3E3E"/>
+                </a:solidFill>
+                <a:latin typeface="Courier New" panose="02070309020205020404" pitchFamily="49" charset="0"/>
+              </a:rPr>
+              <a:t>right</a:t>
+            </a:r>
+            <a:r>
+              <a:rPr lang="en-US" altLang="zh-CN" sz="1800" dirty="0">
+                <a:solidFill>
+                  <a:srgbClr val="000000"/>
+                </a:solidFill>
+                <a:latin typeface="Courier New" panose="02070309020205020404" pitchFamily="49" charset="0"/>
+              </a:rPr>
+              <a:t>) -&gt; </a:t>
+            </a:r>
+            <a:r>
+              <a:rPr lang="en-US" altLang="zh-CN" sz="1800" dirty="0">
+                <a:solidFill>
+                  <a:srgbClr val="6A3E3E"/>
+                </a:solidFill>
+                <a:latin typeface="Courier New" panose="02070309020205020404" pitchFamily="49" charset="0"/>
+              </a:rPr>
+              <a:t>left</a:t>
+            </a:r>
+            <a:r>
+              <a:rPr lang="en-US" altLang="zh-CN" sz="1800" dirty="0">
+                <a:solidFill>
+                  <a:srgbClr val="000000"/>
+                </a:solidFill>
+                <a:latin typeface="Courier New" panose="02070309020205020404" pitchFamily="49" charset="0"/>
+              </a:rPr>
+              <a:t> + </a:t>
+            </a:r>
+            <a:r>
+              <a:rPr lang="en-US" altLang="zh-CN" sz="1800" dirty="0">
+                <a:solidFill>
+                  <a:srgbClr val="6A3E3E"/>
+                </a:solidFill>
+                <a:latin typeface="Courier New" panose="02070309020205020404" pitchFamily="49" charset="0"/>
+              </a:rPr>
+              <a:t>right</a:t>
+            </a:r>
+            <a:r>
+              <a:rPr lang="en-US" altLang="zh-CN" sz="1800" dirty="0">
+                <a:solidFill>
+                  <a:srgbClr val="000000"/>
+                </a:solidFill>
+                <a:latin typeface="Courier New" panose="02070309020205020404" pitchFamily="49" charset="0"/>
+              </a:rPr>
+              <a:t>)</a:t>
+            </a:r>
+            <a:endParaRPr lang="zh-CN" altLang="en-US" sz="1800" dirty="0"/>
+          </a:p>
+        </p:txBody>
+      </p:sp>
+    </p:spTree>
+    <p:extLst>
+      <p:ext uri="{BB962C8B-B14F-4D97-AF65-F5344CB8AC3E}">
+        <p14:creationId xmlns:p14="http://schemas.microsoft.com/office/powerpoint/2010/main" val="3974523303"/>
+      </p:ext>
+    </p:extLst>
+  </p:cSld>
+  <p:clrMapOvr>
+    <a:masterClrMapping/>
+  </p:clrMapOvr>
+  <p:transition spd="slow">
+    <p:wipe dir="r"/>
+  </p:transition>
+  <p:timing>
+    <p:tnLst>
+      <p:par>
+        <p:cTn id="1" dur="indefinite" restart="never" nodeType="tmRoot">
+          <p:childTnLst>
+            <p:seq concurrent="1" nextAc="seek">
+              <p:cTn id="2" dur="indefinite" nodeType="mainSeq">
+                <p:childTnLst>
+                  <p:par>
+                    <p:cTn id="3" fill="hold">
+                      <p:stCondLst>
+                        <p:cond delay="indefinite"/>
+                      </p:stCondLst>
+                      <p:childTnLst>
+                        <p:par>
+                          <p:cTn id="4" fill="hold">
+                            <p:stCondLst>
+                              <p:cond delay="0"/>
+                            </p:stCondLst>
+                            <p:childTnLst>
+                              <p:par>
+                                <p:cTn id="5" presetID="2" presetClass="entr" presetSubtype="4" fill="hold" grpId="0" nodeType="clickEffect">
+                                  <p:stCondLst>
+                                    <p:cond delay="0"/>
+                                  </p:stCondLst>
+                                  <p:childTnLst>
+                                    <p:set>
+                                      <p:cBhvr>
+                                        <p:cTn id="6" dur="1" fill="hold">
+                                          <p:stCondLst>
+                                            <p:cond delay="0"/>
+                                          </p:stCondLst>
+                                        </p:cTn>
+                                        <p:tgtEl>
+                                          <p:spTgt spid="7"/>
+                                        </p:tgtEl>
+                                        <p:attrNameLst>
+                                          <p:attrName>style.visibility</p:attrName>
+                                        </p:attrNameLst>
+                                      </p:cBhvr>
+                                      <p:to>
+                                        <p:strVal val="visible"/>
+                                      </p:to>
+                                    </p:set>
+                                    <p:anim calcmode="lin" valueType="num">
+                                      <p:cBhvr additive="base">
+                                        <p:cTn id="7" dur="500" fill="hold"/>
+                                        <p:tgtEl>
+                                          <p:spTgt spid="7"/>
+                                        </p:tgtEl>
+                                        <p:attrNameLst>
+                                          <p:attrName>ppt_x</p:attrName>
+                                        </p:attrNameLst>
+                                      </p:cBhvr>
+                                      <p:tavLst>
+                                        <p:tav tm="0">
+                                          <p:val>
+                                            <p:strVal val="#ppt_x"/>
+                                          </p:val>
+                                        </p:tav>
+                                        <p:tav tm="100000">
+                                          <p:val>
+                                            <p:strVal val="#ppt_x"/>
+                                          </p:val>
+                                        </p:tav>
+                                      </p:tavLst>
+                                    </p:anim>
+                                    <p:anim calcmode="lin" valueType="num">
+                                      <p:cBhvr additive="base">
+                                        <p:cTn id="8" dur="500" fill="hold"/>
+                                        <p:tgtEl>
+                                          <p:spTgt spid="7"/>
+                                        </p:tgtEl>
+                                        <p:attrNameLst>
+                                          <p:attrName>ppt_y</p:attrName>
+                                        </p:attrNameLst>
+                                      </p:cBhvr>
+                                      <p:tavLst>
+                                        <p:tav tm="0">
+                                          <p:val>
+                                            <p:strVal val="1+#ppt_h/2"/>
+                                          </p:val>
+                                        </p:tav>
+                                        <p:tav tm="100000">
+                                          <p:val>
+                                            <p:strVal val="#ppt_y"/>
+                                          </p:val>
+                                        </p:tav>
+                                      </p:tavLst>
+                                    </p:anim>
+                                  </p:childTnLst>
+                                </p:cTn>
+                              </p:par>
+                              <p:par>
+                                <p:cTn id="9" presetID="2" presetClass="entr" presetSubtype="4" fill="hold" grpId="0" nodeType="withEffect">
+                                  <p:stCondLst>
+                                    <p:cond delay="0"/>
+                                  </p:stCondLst>
+                                  <p:childTnLst>
+                                    <p:set>
+                                      <p:cBhvr>
+                                        <p:cTn id="10" dur="1" fill="hold">
+                                          <p:stCondLst>
+                                            <p:cond delay="0"/>
+                                          </p:stCondLst>
+                                        </p:cTn>
+                                        <p:tgtEl>
+                                          <p:spTgt spid="9"/>
+                                        </p:tgtEl>
+                                        <p:attrNameLst>
+                                          <p:attrName>style.visibility</p:attrName>
+                                        </p:attrNameLst>
+                                      </p:cBhvr>
+                                      <p:to>
+                                        <p:strVal val="visible"/>
+                                      </p:to>
+                                    </p:set>
+                                    <p:anim calcmode="lin" valueType="num">
+                                      <p:cBhvr additive="base">
+                                        <p:cTn id="11" dur="500" fill="hold"/>
+                                        <p:tgtEl>
+                                          <p:spTgt spid="9"/>
+                                        </p:tgtEl>
+                                        <p:attrNameLst>
+                                          <p:attrName>ppt_x</p:attrName>
+                                        </p:attrNameLst>
+                                      </p:cBhvr>
+                                      <p:tavLst>
+                                        <p:tav tm="0">
+                                          <p:val>
+                                            <p:strVal val="#ppt_x"/>
+                                          </p:val>
+                                        </p:tav>
+                                        <p:tav tm="100000">
+                                          <p:val>
+                                            <p:strVal val="#ppt_x"/>
+                                          </p:val>
+                                        </p:tav>
+                                      </p:tavLst>
+                                    </p:anim>
+                                    <p:anim calcmode="lin" valueType="num">
+                                      <p:cBhvr additive="base">
+                                        <p:cTn id="12" dur="500" fill="hold"/>
+                                        <p:tgtEl>
+                                          <p:spTgt spid="9"/>
+                                        </p:tgtEl>
+                                        <p:attrNameLst>
+                                          <p:attrName>ppt_y</p:attrName>
+                                        </p:attrNameLst>
+                                      </p:cBhvr>
+                                      <p:tavLst>
+                                        <p:tav tm="0">
+                                          <p:val>
+                                            <p:strVal val="1+#ppt_h/2"/>
+                                          </p:val>
+                                        </p:tav>
+                                        <p:tav tm="100000">
+                                          <p:val>
+                                            <p:strVal val="#ppt_y"/>
+                                          </p:val>
+                                        </p:tav>
+                                      </p:tavLst>
+                                    </p:anim>
+                                  </p:childTnLst>
+                                </p:cTn>
+                              </p:par>
+                            </p:childTnLst>
+                          </p:cTn>
+                        </p:par>
+                      </p:childTnLst>
+                    </p:cTn>
+                  </p:par>
+                  <p:par>
+                    <p:cTn id="13" fill="hold">
+                      <p:stCondLst>
+                        <p:cond delay="indefinite"/>
+                      </p:stCondLst>
+                      <p:childTnLst>
+                        <p:par>
+                          <p:cTn id="14" fill="hold">
+                            <p:stCondLst>
+                              <p:cond delay="0"/>
+                            </p:stCondLst>
+                            <p:childTnLst>
+                              <p:par>
+                                <p:cTn id="15" presetID="2" presetClass="entr" presetSubtype="4" fill="hold" grpId="0" nodeType="clickEffect">
+                                  <p:stCondLst>
+                                    <p:cond delay="0"/>
+                                  </p:stCondLst>
+                                  <p:childTnLst>
+                                    <p:set>
+                                      <p:cBhvr>
+                                        <p:cTn id="16" dur="1" fill="hold">
+                                          <p:stCondLst>
+                                            <p:cond delay="0"/>
+                                          </p:stCondLst>
+                                        </p:cTn>
+                                        <p:tgtEl>
+                                          <p:spTgt spid="8"/>
+                                        </p:tgtEl>
+                                        <p:attrNameLst>
+                                          <p:attrName>style.visibility</p:attrName>
+                                        </p:attrNameLst>
+                                      </p:cBhvr>
+                                      <p:to>
+                                        <p:strVal val="visible"/>
+                                      </p:to>
+                                    </p:set>
+                                    <p:anim calcmode="lin" valueType="num">
+                                      <p:cBhvr additive="base">
+                                        <p:cTn id="17" dur="500" fill="hold"/>
+                                        <p:tgtEl>
+                                          <p:spTgt spid="8"/>
+                                        </p:tgtEl>
+                                        <p:attrNameLst>
+                                          <p:attrName>ppt_x</p:attrName>
+                                        </p:attrNameLst>
+                                      </p:cBhvr>
+                                      <p:tavLst>
+                                        <p:tav tm="0">
+                                          <p:val>
+                                            <p:strVal val="#ppt_x"/>
+                                          </p:val>
+                                        </p:tav>
+                                        <p:tav tm="100000">
+                                          <p:val>
+                                            <p:strVal val="#ppt_x"/>
+                                          </p:val>
+                                        </p:tav>
+                                      </p:tavLst>
+                                    </p:anim>
+                                    <p:anim calcmode="lin" valueType="num">
+                                      <p:cBhvr additive="base">
+                                        <p:cTn id="18" dur="500" fill="hold"/>
+                                        <p:tgtEl>
+                                          <p:spTgt spid="8"/>
+                                        </p:tgtEl>
+                                        <p:attrNameLst>
+                                          <p:attrName>ppt_y</p:attrName>
+                                        </p:attrNameLst>
+                                      </p:cBhvr>
+                                      <p:tavLst>
+                                        <p:tav tm="0">
+                                          <p:val>
+                                            <p:strVal val="1+#ppt_h/2"/>
+                                          </p:val>
+                                        </p:tav>
+                                        <p:tav tm="100000">
+                                          <p:val>
+                                            <p:strVal val="#ppt_y"/>
+                                          </p:val>
+                                        </p:tav>
+                                      </p:tavLst>
+                                    </p:anim>
+                                  </p:childTnLst>
+                                </p:cTn>
+                              </p:par>
+                              <p:par>
+                                <p:cTn id="19" presetID="2" presetClass="entr" presetSubtype="4" fill="hold" grpId="0" nodeType="withEffect">
+                                  <p:stCondLst>
+                                    <p:cond delay="0"/>
+                                  </p:stCondLst>
+                                  <p:childTnLst>
+                                    <p:set>
+                                      <p:cBhvr>
+                                        <p:cTn id="20" dur="1" fill="hold">
+                                          <p:stCondLst>
+                                            <p:cond delay="0"/>
+                                          </p:stCondLst>
+                                        </p:cTn>
+                                        <p:tgtEl>
+                                          <p:spTgt spid="5"/>
+                                        </p:tgtEl>
+                                        <p:attrNameLst>
+                                          <p:attrName>style.visibility</p:attrName>
+                                        </p:attrNameLst>
+                                      </p:cBhvr>
+                                      <p:to>
+                                        <p:strVal val="visible"/>
+                                      </p:to>
+                                    </p:set>
+                                    <p:anim calcmode="lin" valueType="num">
+                                      <p:cBhvr additive="base">
+                                        <p:cTn id="21" dur="500" fill="hold"/>
+                                        <p:tgtEl>
+                                          <p:spTgt spid="5"/>
+                                        </p:tgtEl>
+                                        <p:attrNameLst>
+                                          <p:attrName>ppt_x</p:attrName>
+                                        </p:attrNameLst>
+                                      </p:cBhvr>
+                                      <p:tavLst>
+                                        <p:tav tm="0">
+                                          <p:val>
+                                            <p:strVal val="#ppt_x"/>
+                                          </p:val>
+                                        </p:tav>
+                                        <p:tav tm="100000">
+                                          <p:val>
+                                            <p:strVal val="#ppt_x"/>
+                                          </p:val>
+                                        </p:tav>
+                                      </p:tavLst>
+                                    </p:anim>
+                                    <p:anim calcmode="lin" valueType="num">
+                                      <p:cBhvr additive="base">
+                                        <p:cTn id="22" dur="500" fill="hold"/>
+                                        <p:tgtEl>
+                                          <p:spTgt spid="5"/>
+                                        </p:tgtEl>
+                                        <p:attrNameLst>
+                                          <p:attrName>ppt_y</p:attrName>
+                                        </p:attrNameLst>
+                                      </p:cBhvr>
+                                      <p:tavLst>
+                                        <p:tav tm="0">
+                                          <p:val>
+                                            <p:strVal val="1+#ppt_h/2"/>
+                                          </p:val>
+                                        </p:tav>
+                                        <p:tav tm="100000">
+                                          <p:val>
+                                            <p:strVal val="#ppt_y"/>
+                                          </p:val>
+                                        </p:tav>
+                                      </p:tavLst>
+                                    </p:anim>
+                                  </p:childTnLst>
+                                </p:cTn>
+                              </p:par>
+                            </p:childTnLst>
+                          </p:cTn>
+                        </p:par>
+                      </p:childTnLst>
+                    </p:cTn>
+                  </p:par>
+                </p:childTnLst>
+              </p:cTn>
+              <p:prevCondLst>
+                <p:cond evt="onPrev" delay="0">
+                  <p:tgtEl>
+                    <p:sldTgt/>
+                  </p:tgtEl>
+                </p:cond>
+              </p:prevCondLst>
+              <p:nextCondLst>
+                <p:cond evt="onNext" delay="0">
+                  <p:tgtEl>
+                    <p:sldTgt/>
+                  </p:tgtEl>
+                </p:cond>
+              </p:nextCondLst>
+            </p:seq>
+          </p:childTnLst>
+        </p:cTn>
+      </p:par>
+    </p:tnLst>
+    <p:bldLst>
+      <p:bldP spid="7" grpId="0"/>
+      <p:bldP spid="9" grpId="0"/>
+      <p:bldP spid="8" grpId="0"/>
+      <p:bldP spid="5" grpId="0"/>
+    </p:bldLst>
+  </p:timing>
+</p:sld>
+</file>
+
+<file path=ppt/slides/slide19.xml><?xml version="1.0" encoding="utf-8"?>
+<p:sld xmlns:a="http://schemas.openxmlformats.org/drawingml/2006/main" xmlns:r="http://schemas.openxmlformats.org/officeDocument/2006/relationships" xmlns:p="http://schemas.openxmlformats.org/presentationml/2006/main">
+  <p:cSld>
+    <p:spTree>
+      <p:nvGrpSpPr>
+        <p:cNvPr id="1" name=""/>
+        <p:cNvGrpSpPr/>
+        <p:nvPr/>
+      </p:nvGrpSpPr>
+      <p:grpSpPr>
+        <a:xfrm>
+          <a:off x="0" y="0"/>
+          <a:ext cx="0" cy="0"/>
+          <a:chOff x="0" y="0"/>
+          <a:chExt cx="0" cy="0"/>
+        </a:xfrm>
+      </p:grpSpPr>
+      <p:sp>
+        <p:nvSpPr>
+          <p:cNvPr id="3" name="TextBox 2"/>
+          <p:cNvSpPr txBox="1"/>
+          <p:nvPr/>
+        </p:nvSpPr>
+        <p:spPr>
+          <a:xfrm>
+            <a:off x="1172845" y="1123522"/>
+            <a:ext cx="2338269" cy="584775"/>
+          </a:xfrm>
+          <a:prstGeom prst="rect">
+            <a:avLst/>
+          </a:prstGeom>
+          <a:noFill/>
+        </p:spPr>
+        <p:txBody>
+          <a:bodyPr wrap="none" rtlCol="0">
+            <a:spAutoFit/>
+          </a:bodyPr>
+          <a:lstStyle/>
+          <a:p>
+            <a:r>
+              <a:rPr lang="en-US" altLang="zh-CN" sz="3200" dirty="0">
+                <a:solidFill>
+                  <a:srgbClr val="0066CC"/>
+                </a:solidFill>
+                <a:latin typeface="思源黑体 CN Bold" pitchFamily="34" charset="-122"/>
+                <a:ea typeface="思源黑体 CN Bold" pitchFamily="34" charset="-122"/>
+              </a:rPr>
+              <a:t>Stream API</a:t>
+            </a:r>
+            <a:endParaRPr lang="zh-CN" altLang="en-US" sz="3200" dirty="0">
+              <a:solidFill>
+                <a:srgbClr val="0066CC"/>
+              </a:solidFill>
+              <a:latin typeface="思源黑体 CN Bold" pitchFamily="34" charset="-122"/>
+              <a:ea typeface="思源黑体 CN Bold" pitchFamily="34" charset="-122"/>
+            </a:endParaRPr>
+          </a:p>
+        </p:txBody>
+      </p:sp>
+      <p:sp>
+        <p:nvSpPr>
+          <p:cNvPr id="2" name="文本框 1">
+            <a:extLst>
+              <a:ext uri="{FF2B5EF4-FFF2-40B4-BE49-F238E27FC236}">
+                <a16:creationId xmlns:a16="http://schemas.microsoft.com/office/drawing/2014/main" id="{458C37FC-74F5-4972-8068-36F9D2530E04}"/>
+              </a:ext>
+            </a:extLst>
+          </p:cNvPr>
+          <p:cNvSpPr txBox="1"/>
+          <p:nvPr/>
+        </p:nvSpPr>
+        <p:spPr>
+          <a:xfrm>
+            <a:off x="1170236" y="1764407"/>
+            <a:ext cx="8352928" cy="415498"/>
+          </a:xfrm>
+          <a:prstGeom prst="rect">
+            <a:avLst/>
+          </a:prstGeom>
+          <a:noFill/>
+        </p:spPr>
+        <p:txBody>
+          <a:bodyPr wrap="square" rtlCol="0">
+            <a:spAutoFit/>
+          </a:bodyPr>
+          <a:lstStyle/>
+          <a:p>
+            <a:pPr marL="342900" indent="-342900">
+              <a:buFont typeface="Arial" panose="020B0604020202020204" pitchFamily="34" charset="0"/>
+              <a:buChar char="•"/>
+            </a:pPr>
+            <a:r>
+              <a:rPr lang="zh-CN" altLang="en-US" dirty="0"/>
+              <a:t>分组</a:t>
+            </a:r>
+            <a:endParaRPr lang="en-US" altLang="zh-CN" dirty="0"/>
+          </a:p>
+        </p:txBody>
+      </p:sp>
+      <p:sp>
+        <p:nvSpPr>
+          <p:cNvPr id="4" name="文本框 3">
+            <a:extLst>
+              <a:ext uri="{FF2B5EF4-FFF2-40B4-BE49-F238E27FC236}">
+                <a16:creationId xmlns:a16="http://schemas.microsoft.com/office/drawing/2014/main" id="{3CB3FB3E-72ED-4069-B4FF-B8CC4E5AC57C}"/>
+              </a:ext>
+            </a:extLst>
+          </p:cNvPr>
+          <p:cNvSpPr txBox="1"/>
+          <p:nvPr/>
+        </p:nvSpPr>
+        <p:spPr>
+          <a:xfrm>
+            <a:off x="1674292" y="2196455"/>
+            <a:ext cx="8928992" cy="584775"/>
+          </a:xfrm>
+          <a:prstGeom prst="rect">
+            <a:avLst/>
+          </a:prstGeom>
+          <a:noFill/>
+        </p:spPr>
+        <p:txBody>
+          <a:bodyPr wrap="square" rtlCol="0">
+            <a:spAutoFit/>
+          </a:bodyPr>
+          <a:lstStyle/>
+          <a:p>
+            <a:r>
+              <a:rPr lang="nl-NL" altLang="zh-CN" sz="1600" dirty="0">
+                <a:solidFill>
+                  <a:srgbClr val="000000"/>
+                </a:solidFill>
+                <a:latin typeface="Courier New" panose="02070309020205020404" pitchFamily="49" charset="0"/>
+              </a:rPr>
+              <a:t>Map&lt;Integer, List&lt;Student&gt;&gt; </a:t>
+            </a:r>
+            <a:r>
+              <a:rPr lang="nl-NL" altLang="zh-CN" sz="1600" dirty="0">
+                <a:solidFill>
+                  <a:srgbClr val="6A3E3E"/>
+                </a:solidFill>
+                <a:latin typeface="Courier New" panose="02070309020205020404" pitchFamily="49" charset="0"/>
+              </a:rPr>
+              <a:t>map</a:t>
+            </a:r>
+            <a:r>
+              <a:rPr lang="nl-NL" altLang="zh-CN" sz="1600" dirty="0">
+                <a:solidFill>
+                  <a:srgbClr val="000000"/>
+                </a:solidFill>
+                <a:latin typeface="Courier New" panose="02070309020205020404" pitchFamily="49" charset="0"/>
+              </a:rPr>
+              <a:t> = </a:t>
+            </a:r>
+            <a:r>
+              <a:rPr lang="nl-NL" altLang="zh-CN" sz="1600" dirty="0">
+                <a:solidFill>
+                  <a:srgbClr val="6A3E3E"/>
+                </a:solidFill>
+                <a:latin typeface="Courier New" panose="02070309020205020404" pitchFamily="49" charset="0"/>
+              </a:rPr>
+              <a:t>students</a:t>
+            </a:r>
+            <a:r>
+              <a:rPr lang="nl-NL" altLang="zh-CN" sz="1600" dirty="0">
+                <a:solidFill>
+                  <a:srgbClr val="000000"/>
+                </a:solidFill>
+                <a:latin typeface="Courier New" panose="02070309020205020404" pitchFamily="49" charset="0"/>
+              </a:rPr>
+              <a:t>.stream()</a:t>
+            </a:r>
+          </a:p>
+          <a:p>
+            <a:r>
+              <a:rPr lang="en-US" altLang="zh-CN" sz="1600" dirty="0">
+                <a:solidFill>
+                  <a:srgbClr val="000000"/>
+                </a:solidFill>
+                <a:latin typeface="Courier New" panose="02070309020205020404" pitchFamily="49" charset="0"/>
+              </a:rPr>
+              <a:t>	.collect(</a:t>
+            </a:r>
+            <a:r>
+              <a:rPr lang="en-US" altLang="zh-CN" sz="1600" dirty="0" err="1">
+                <a:solidFill>
+                  <a:srgbClr val="000000"/>
+                </a:solidFill>
+                <a:latin typeface="Courier New" panose="02070309020205020404" pitchFamily="49" charset="0"/>
+              </a:rPr>
+              <a:t>Collectors.</a:t>
+            </a:r>
+            <a:r>
+              <a:rPr lang="en-US" altLang="zh-CN" sz="1600" i="1" dirty="0" err="1">
+                <a:solidFill>
+                  <a:srgbClr val="000000"/>
+                </a:solidFill>
+                <a:latin typeface="Courier New" panose="02070309020205020404" pitchFamily="49" charset="0"/>
+              </a:rPr>
+              <a:t>groupingBy</a:t>
+            </a:r>
+            <a:r>
+              <a:rPr lang="en-US" altLang="zh-CN" sz="1600" i="1" dirty="0">
+                <a:solidFill>
+                  <a:srgbClr val="000000"/>
+                </a:solidFill>
+                <a:latin typeface="Courier New" panose="02070309020205020404" pitchFamily="49" charset="0"/>
+              </a:rPr>
+              <a:t>(</a:t>
+            </a:r>
+            <a:r>
+              <a:rPr lang="en-US" altLang="zh-CN" sz="1600" i="1" dirty="0">
+                <a:solidFill>
+                  <a:srgbClr val="6A3E3E"/>
+                </a:solidFill>
+                <a:latin typeface="Courier New" panose="02070309020205020404" pitchFamily="49" charset="0"/>
+              </a:rPr>
+              <a:t>student</a:t>
+            </a:r>
+            <a:r>
+              <a:rPr lang="en-US" altLang="zh-CN" sz="1600" i="1" dirty="0">
+                <a:solidFill>
+                  <a:srgbClr val="000000"/>
+                </a:solidFill>
+                <a:latin typeface="Courier New" panose="02070309020205020404" pitchFamily="49" charset="0"/>
+              </a:rPr>
+              <a:t> -&gt; </a:t>
+            </a:r>
+            <a:r>
+              <a:rPr lang="en-US" altLang="zh-CN" sz="1600" i="1" dirty="0" err="1">
+                <a:solidFill>
+                  <a:srgbClr val="6A3E3E"/>
+                </a:solidFill>
+                <a:latin typeface="Courier New" panose="02070309020205020404" pitchFamily="49" charset="0"/>
+              </a:rPr>
+              <a:t>student</a:t>
+            </a:r>
+            <a:r>
+              <a:rPr lang="en-US" altLang="zh-CN" sz="1600" i="1" dirty="0" err="1">
+                <a:solidFill>
+                  <a:srgbClr val="000000"/>
+                </a:solidFill>
+                <a:latin typeface="Courier New" panose="02070309020205020404" pitchFamily="49" charset="0"/>
+              </a:rPr>
+              <a:t>.getAge</a:t>
+            </a:r>
+            <a:r>
+              <a:rPr lang="en-US" altLang="zh-CN" sz="1600" i="1" dirty="0">
+                <a:solidFill>
+                  <a:srgbClr val="000000"/>
+                </a:solidFill>
+                <a:latin typeface="Courier New" panose="02070309020205020404" pitchFamily="49" charset="0"/>
+              </a:rPr>
+              <a:t>()));</a:t>
+            </a:r>
+            <a:endParaRPr lang="zh-CN" altLang="en-US" sz="1600" dirty="0"/>
+          </a:p>
+        </p:txBody>
+      </p:sp>
+      <p:sp>
+        <p:nvSpPr>
+          <p:cNvPr id="7" name="文本框 6">
+            <a:extLst>
+              <a:ext uri="{FF2B5EF4-FFF2-40B4-BE49-F238E27FC236}">
+                <a16:creationId xmlns:a16="http://schemas.microsoft.com/office/drawing/2014/main" id="{A7253E8D-1692-43C6-9BD7-A1C5602DA8E8}"/>
+              </a:ext>
+            </a:extLst>
+          </p:cNvPr>
+          <p:cNvSpPr txBox="1"/>
+          <p:nvPr/>
+        </p:nvSpPr>
+        <p:spPr>
+          <a:xfrm>
+            <a:off x="1170236" y="2772519"/>
+            <a:ext cx="8352928" cy="415498"/>
+          </a:xfrm>
+          <a:prstGeom prst="rect">
+            <a:avLst/>
+          </a:prstGeom>
+          <a:noFill/>
+        </p:spPr>
+        <p:txBody>
+          <a:bodyPr wrap="square" rtlCol="0">
+            <a:spAutoFit/>
+          </a:bodyPr>
+          <a:lstStyle/>
+          <a:p>
+            <a:pPr marL="342900" indent="-342900">
+              <a:buFont typeface="Arial" panose="020B0604020202020204" pitchFamily="34" charset="0"/>
+              <a:buChar char="•"/>
+            </a:pPr>
+            <a:r>
+              <a:rPr lang="zh-CN" altLang="en-US" dirty="0"/>
+              <a:t>分区</a:t>
+            </a:r>
+            <a:endParaRPr lang="en-US" altLang="zh-CN" dirty="0"/>
+          </a:p>
+        </p:txBody>
+      </p:sp>
+      <p:sp>
+        <p:nvSpPr>
+          <p:cNvPr id="9" name="文本框 8">
+            <a:extLst>
+              <a:ext uri="{FF2B5EF4-FFF2-40B4-BE49-F238E27FC236}">
+                <a16:creationId xmlns:a16="http://schemas.microsoft.com/office/drawing/2014/main" id="{F662D558-1D89-4421-BC7B-4579A8D67500}"/>
+              </a:ext>
+            </a:extLst>
+          </p:cNvPr>
+          <p:cNvSpPr txBox="1"/>
+          <p:nvPr/>
+        </p:nvSpPr>
+        <p:spPr>
+          <a:xfrm>
+            <a:off x="1746300" y="3350324"/>
+            <a:ext cx="9001000" cy="584775"/>
+          </a:xfrm>
+          <a:prstGeom prst="rect">
+            <a:avLst/>
+          </a:prstGeom>
+          <a:noFill/>
+        </p:spPr>
+        <p:txBody>
+          <a:bodyPr wrap="square" rtlCol="0">
+            <a:spAutoFit/>
+          </a:bodyPr>
+          <a:lstStyle/>
+          <a:p>
+            <a:r>
+              <a:rPr lang="en-US" altLang="zh-CN" sz="1600" dirty="0">
+                <a:solidFill>
+                  <a:srgbClr val="000000"/>
+                </a:solidFill>
+                <a:latin typeface="Courier New" panose="02070309020205020404" pitchFamily="49" charset="0"/>
+              </a:rPr>
+              <a:t>Map&lt;Boolean, List&lt;Student&gt;&gt; </a:t>
+            </a:r>
+            <a:r>
+              <a:rPr lang="en-US" altLang="zh-CN" sz="1600" dirty="0">
+                <a:solidFill>
+                  <a:srgbClr val="6A3E3E"/>
+                </a:solidFill>
+                <a:latin typeface="Courier New" panose="02070309020205020404" pitchFamily="49" charset="0"/>
+              </a:rPr>
+              <a:t>map2</a:t>
+            </a:r>
+            <a:r>
+              <a:rPr lang="en-US" altLang="zh-CN" sz="1600" dirty="0">
+                <a:solidFill>
+                  <a:srgbClr val="000000"/>
+                </a:solidFill>
+                <a:latin typeface="Courier New" panose="02070309020205020404" pitchFamily="49" charset="0"/>
+              </a:rPr>
+              <a:t> = </a:t>
+            </a:r>
+            <a:r>
+              <a:rPr lang="en-US" altLang="zh-CN" sz="1600" dirty="0" err="1">
+                <a:solidFill>
+                  <a:srgbClr val="6A3E3E"/>
+                </a:solidFill>
+                <a:latin typeface="Courier New" panose="02070309020205020404" pitchFamily="49" charset="0"/>
+              </a:rPr>
+              <a:t>students</a:t>
+            </a:r>
+            <a:r>
+              <a:rPr lang="en-US" altLang="zh-CN" sz="1600" dirty="0" err="1">
+                <a:solidFill>
+                  <a:srgbClr val="000000"/>
+                </a:solidFill>
+                <a:latin typeface="Courier New" panose="02070309020205020404" pitchFamily="49" charset="0"/>
+              </a:rPr>
+              <a:t>.stream</a:t>
+            </a:r>
+            <a:r>
+              <a:rPr lang="en-US" altLang="zh-CN" sz="1600" dirty="0">
+                <a:solidFill>
+                  <a:srgbClr val="000000"/>
+                </a:solidFill>
+                <a:latin typeface="Courier New" panose="02070309020205020404" pitchFamily="49" charset="0"/>
+              </a:rPr>
+              <a:t>()</a:t>
+            </a:r>
+          </a:p>
+          <a:p>
+            <a:r>
+              <a:rPr lang="en-US" altLang="zh-CN" sz="1600" dirty="0">
+                <a:solidFill>
+                  <a:srgbClr val="000000"/>
+                </a:solidFill>
+                <a:latin typeface="Courier New" panose="02070309020205020404" pitchFamily="49" charset="0"/>
+              </a:rPr>
+              <a:t>.collect(</a:t>
+            </a:r>
+            <a:r>
+              <a:rPr lang="en-US" altLang="zh-CN" sz="1600" dirty="0" err="1">
+                <a:solidFill>
+                  <a:srgbClr val="000000"/>
+                </a:solidFill>
+                <a:latin typeface="Courier New" panose="02070309020205020404" pitchFamily="49" charset="0"/>
+              </a:rPr>
+              <a:t>Collectors.</a:t>
+            </a:r>
+            <a:r>
+              <a:rPr lang="en-US" altLang="zh-CN" sz="1600" i="1" dirty="0" err="1">
+                <a:solidFill>
+                  <a:srgbClr val="000000"/>
+                </a:solidFill>
+                <a:latin typeface="Courier New" panose="02070309020205020404" pitchFamily="49" charset="0"/>
+              </a:rPr>
+              <a:t>partitioningBy</a:t>
+            </a:r>
+            <a:r>
+              <a:rPr lang="en-US" altLang="zh-CN" sz="1600" i="1" dirty="0">
+                <a:solidFill>
+                  <a:srgbClr val="000000"/>
+                </a:solidFill>
+                <a:latin typeface="Courier New" panose="02070309020205020404" pitchFamily="49" charset="0"/>
+              </a:rPr>
+              <a:t>(</a:t>
+            </a:r>
+            <a:r>
+              <a:rPr lang="en-US" altLang="zh-CN" sz="1600" i="1" dirty="0">
+                <a:solidFill>
+                  <a:srgbClr val="6A3E3E"/>
+                </a:solidFill>
+                <a:latin typeface="Courier New" panose="02070309020205020404" pitchFamily="49" charset="0"/>
+              </a:rPr>
+              <a:t>student</a:t>
+            </a:r>
+            <a:r>
+              <a:rPr lang="en-US" altLang="zh-CN" sz="1600" i="1" dirty="0">
+                <a:solidFill>
+                  <a:srgbClr val="000000"/>
+                </a:solidFill>
+                <a:latin typeface="Courier New" panose="02070309020205020404" pitchFamily="49" charset="0"/>
+              </a:rPr>
+              <a:t> -&gt; </a:t>
+            </a:r>
+            <a:r>
+              <a:rPr lang="en-US" altLang="zh-CN" sz="1600" i="1" dirty="0" err="1">
+                <a:solidFill>
+                  <a:srgbClr val="6A3E3E"/>
+                </a:solidFill>
+                <a:latin typeface="Courier New" panose="02070309020205020404" pitchFamily="49" charset="0"/>
+              </a:rPr>
+              <a:t>student</a:t>
+            </a:r>
+            <a:r>
+              <a:rPr lang="en-US" altLang="zh-CN" sz="1600" i="1" dirty="0" err="1">
+                <a:solidFill>
+                  <a:srgbClr val="000000"/>
+                </a:solidFill>
+                <a:latin typeface="Courier New" panose="02070309020205020404" pitchFamily="49" charset="0"/>
+              </a:rPr>
+              <a:t>.getAge</a:t>
+            </a:r>
+            <a:r>
+              <a:rPr lang="en-US" altLang="zh-CN" sz="1600" i="1" dirty="0">
+                <a:solidFill>
+                  <a:srgbClr val="000000"/>
+                </a:solidFill>
+                <a:latin typeface="Courier New" panose="02070309020205020404" pitchFamily="49" charset="0"/>
+              </a:rPr>
+              <a:t>() &gt;= 13));</a:t>
+            </a:r>
+            <a:endParaRPr lang="zh-CN" altLang="en-US" sz="1600" dirty="0"/>
+          </a:p>
+        </p:txBody>
+      </p:sp>
+    </p:spTree>
+    <p:extLst>
+      <p:ext uri="{BB962C8B-B14F-4D97-AF65-F5344CB8AC3E}">
+        <p14:creationId xmlns:p14="http://schemas.microsoft.com/office/powerpoint/2010/main" val="1398887474"/>
+      </p:ext>
+    </p:extLst>
+  </p:cSld>
+  <p:clrMapOvr>
+    <a:masterClrMapping/>
+  </p:clrMapOvr>
+  <p:transition spd="slow">
+    <p:wipe dir="r"/>
+  </p:transition>
+  <p:timing>
+    <p:tnLst>
+      <p:par>
+        <p:cTn id="1" dur="indefinite" restart="never" nodeType="tmRoot">
+          <p:childTnLst>
+            <p:seq concurrent="1" nextAc="seek">
+              <p:cTn id="2" dur="indefinite" nodeType="mainSeq">
+                <p:childTnLst>
+                  <p:par>
+                    <p:cTn id="3" fill="hold">
+                      <p:stCondLst>
+                        <p:cond delay="indefinite"/>
+                      </p:stCondLst>
+                      <p:childTnLst>
+                        <p:par>
+                          <p:cTn id="4" fill="hold">
+                            <p:stCondLst>
+                              <p:cond delay="0"/>
+                            </p:stCondLst>
+                            <p:childTnLst>
+                              <p:par>
+                                <p:cTn id="5" presetID="2" presetClass="entr" presetSubtype="4" fill="hold" grpId="0" nodeType="clickEffect">
+                                  <p:stCondLst>
+                                    <p:cond delay="0"/>
+                                  </p:stCondLst>
+                                  <p:childTnLst>
+                                    <p:set>
+                                      <p:cBhvr>
+                                        <p:cTn id="6" dur="1" fill="hold">
+                                          <p:stCondLst>
+                                            <p:cond delay="0"/>
+                                          </p:stCondLst>
+                                        </p:cTn>
+                                        <p:tgtEl>
+                                          <p:spTgt spid="7"/>
+                                        </p:tgtEl>
+                                        <p:attrNameLst>
+                                          <p:attrName>style.visibility</p:attrName>
+                                        </p:attrNameLst>
+                                      </p:cBhvr>
+                                      <p:to>
+                                        <p:strVal val="visible"/>
+                                      </p:to>
+                                    </p:set>
+                                    <p:anim calcmode="lin" valueType="num">
+                                      <p:cBhvr additive="base">
+                                        <p:cTn id="7" dur="500" fill="hold"/>
+                                        <p:tgtEl>
+                                          <p:spTgt spid="7"/>
+                                        </p:tgtEl>
+                                        <p:attrNameLst>
+                                          <p:attrName>ppt_x</p:attrName>
+                                        </p:attrNameLst>
+                                      </p:cBhvr>
+                                      <p:tavLst>
+                                        <p:tav tm="0">
+                                          <p:val>
+                                            <p:strVal val="#ppt_x"/>
+                                          </p:val>
+                                        </p:tav>
+                                        <p:tav tm="100000">
+                                          <p:val>
+                                            <p:strVal val="#ppt_x"/>
+                                          </p:val>
+                                        </p:tav>
+                                      </p:tavLst>
+                                    </p:anim>
+                                    <p:anim calcmode="lin" valueType="num">
+                                      <p:cBhvr additive="base">
+                                        <p:cTn id="8" dur="500" fill="hold"/>
+                                        <p:tgtEl>
+                                          <p:spTgt spid="7"/>
+                                        </p:tgtEl>
+                                        <p:attrNameLst>
+                                          <p:attrName>ppt_y</p:attrName>
+                                        </p:attrNameLst>
+                                      </p:cBhvr>
+                                      <p:tavLst>
+                                        <p:tav tm="0">
+                                          <p:val>
+                                            <p:strVal val="1+#ppt_h/2"/>
+                                          </p:val>
+                                        </p:tav>
+                                        <p:tav tm="100000">
+                                          <p:val>
+                                            <p:strVal val="#ppt_y"/>
+                                          </p:val>
+                                        </p:tav>
+                                      </p:tavLst>
+                                    </p:anim>
+                                  </p:childTnLst>
+                                </p:cTn>
+                              </p:par>
+                              <p:par>
+                                <p:cTn id="9" presetID="2" presetClass="entr" presetSubtype="4" fill="hold" grpId="0" nodeType="withEffect">
+                                  <p:stCondLst>
+                                    <p:cond delay="0"/>
+                                  </p:stCondLst>
+                                  <p:childTnLst>
+                                    <p:set>
+                                      <p:cBhvr>
+                                        <p:cTn id="10" dur="1" fill="hold">
+                                          <p:stCondLst>
+                                            <p:cond delay="0"/>
+                                          </p:stCondLst>
+                                        </p:cTn>
+                                        <p:tgtEl>
+                                          <p:spTgt spid="9"/>
+                                        </p:tgtEl>
+                                        <p:attrNameLst>
+                                          <p:attrName>style.visibility</p:attrName>
+                                        </p:attrNameLst>
+                                      </p:cBhvr>
+                                      <p:to>
+                                        <p:strVal val="visible"/>
+                                      </p:to>
+                                    </p:set>
+                                    <p:anim calcmode="lin" valueType="num">
+                                      <p:cBhvr additive="base">
+                                        <p:cTn id="11" dur="500" fill="hold"/>
+                                        <p:tgtEl>
+                                          <p:spTgt spid="9"/>
+                                        </p:tgtEl>
+                                        <p:attrNameLst>
+                                          <p:attrName>ppt_x</p:attrName>
+                                        </p:attrNameLst>
+                                      </p:cBhvr>
+                                      <p:tavLst>
+                                        <p:tav tm="0">
+                                          <p:val>
+                                            <p:strVal val="#ppt_x"/>
+                                          </p:val>
+                                        </p:tav>
+                                        <p:tav tm="100000">
+                                          <p:val>
+                                            <p:strVal val="#ppt_x"/>
+                                          </p:val>
+                                        </p:tav>
+                                      </p:tavLst>
+                                    </p:anim>
+                                    <p:anim calcmode="lin" valueType="num">
+                                      <p:cBhvr additive="base">
+                                        <p:cTn id="12" dur="500" fill="hold"/>
+                                        <p:tgtEl>
+                                          <p:spTgt spid="9"/>
+                                        </p:tgtEl>
+                                        <p:attrNameLst>
+                                          <p:attrName>ppt_y</p:attrName>
+                                        </p:attrNameLst>
+                                      </p:cBhvr>
+                                      <p:tavLst>
+                                        <p:tav tm="0">
+                                          <p:val>
+                                            <p:strVal val="1+#ppt_h/2"/>
+                                          </p:val>
+                                        </p:tav>
+                                        <p:tav tm="100000">
+                                          <p:val>
+                                            <p:strVal val="#ppt_y"/>
+                                          </p:val>
+                                        </p:tav>
+                                      </p:tavLst>
+                                    </p:anim>
+                                  </p:childTnLst>
+                                </p:cTn>
+                              </p:par>
+                            </p:childTnLst>
+                          </p:cTn>
+                        </p:par>
+                      </p:childTnLst>
+                    </p:cTn>
+                  </p:par>
+                </p:childTnLst>
+              </p:cTn>
+              <p:prevCondLst>
+                <p:cond evt="onPrev" delay="0">
+                  <p:tgtEl>
+                    <p:sldTgt/>
+                  </p:tgtEl>
+                </p:cond>
+              </p:prevCondLst>
+              <p:nextCondLst>
+                <p:cond evt="onNext" delay="0">
+                  <p:tgtEl>
+                    <p:sldTgt/>
+                  </p:tgtEl>
+                </p:cond>
+              </p:nextCondLst>
+            </p:seq>
+          </p:childTnLst>
+        </p:cTn>
+      </p:par>
+    </p:tnLst>
+    <p:bldLst>
+      <p:bldP spid="7" grpId="0"/>
+      <p:bldP spid="9" grpId="0"/>
+    </p:bldLst>
+  </p:timing>
+</p:sld>
+</file>
+
+<file path=ppt/slides/slide2.xml><?xml version="1.0" encoding="utf-8"?>
+<p:sld xmlns:a="http://schemas.openxmlformats.org/drawingml/2006/main" xmlns:r="http://schemas.openxmlformats.org/officeDocument/2006/relationships" xmlns:p="http://schemas.openxmlformats.org/presentationml/2006/main">
+  <p:cSld>
+    <p:spTree>
+      <p:nvGrpSpPr>
+        <p:cNvPr id="1" name=""/>
+        <p:cNvGrpSpPr/>
+        <p:nvPr/>
+      </p:nvGrpSpPr>
+      <p:grpSpPr>
+        <a:xfrm>
+          <a:off x="0" y="0"/>
+          <a:ext cx="0" cy="0"/>
+          <a:chOff x="0" y="0"/>
+          <a:chExt cx="0" cy="0"/>
+        </a:xfrm>
+      </p:grpSpPr>
+      <p:sp>
+        <p:nvSpPr>
+          <p:cNvPr id="3" name="TextBox 2"/>
+          <p:cNvSpPr txBox="1"/>
+          <p:nvPr/>
+        </p:nvSpPr>
+        <p:spPr>
+          <a:xfrm>
+            <a:off x="1172845" y="1123522"/>
+            <a:ext cx="2927789" cy="584775"/>
+          </a:xfrm>
+          <a:prstGeom prst="rect">
+            <a:avLst/>
+          </a:prstGeom>
+          <a:noFill/>
+        </p:spPr>
+        <p:txBody>
+          <a:bodyPr wrap="none" rtlCol="0">
+            <a:spAutoFit/>
+          </a:bodyPr>
+          <a:lstStyle/>
+          <a:p>
+            <a:r>
+              <a:rPr lang="en-US" altLang="zh-CN" sz="3200" dirty="0">
+                <a:solidFill>
+                  <a:srgbClr val="0066CC"/>
+                </a:solidFill>
+                <a:latin typeface="思源黑体 CN Bold" pitchFamily="34" charset="-122"/>
+                <a:ea typeface="思源黑体 CN Bold" pitchFamily="34" charset="-122"/>
+              </a:rPr>
+              <a:t>Java8</a:t>
+            </a:r>
+            <a:r>
+              <a:rPr lang="zh-CN" altLang="en-US" sz="3200" dirty="0">
+                <a:solidFill>
+                  <a:srgbClr val="0066CC"/>
+                </a:solidFill>
+                <a:latin typeface="思源黑体 CN Bold" pitchFamily="34" charset="-122"/>
+                <a:ea typeface="思源黑体 CN Bold" pitchFamily="34" charset="-122"/>
+              </a:rPr>
+              <a:t>  </a:t>
+            </a:r>
+            <a:r>
+              <a:rPr lang="en-US" altLang="zh-CN" sz="3200" dirty="0">
+                <a:solidFill>
+                  <a:srgbClr val="0066CC"/>
+                </a:solidFill>
+                <a:latin typeface="思源黑体 CN Bold" pitchFamily="34" charset="-122"/>
+                <a:ea typeface="思源黑体 CN Bold" pitchFamily="34" charset="-122"/>
+              </a:rPr>
+              <a:t>Update</a:t>
+            </a:r>
+            <a:endParaRPr lang="zh-CN" altLang="en-US" sz="3200" dirty="0">
+              <a:solidFill>
+                <a:srgbClr val="0066CC"/>
+              </a:solidFill>
+              <a:latin typeface="思源黑体 CN Bold" pitchFamily="34" charset="-122"/>
+              <a:ea typeface="思源黑体 CN Bold" pitchFamily="34" charset="-122"/>
+            </a:endParaRPr>
+          </a:p>
+        </p:txBody>
+      </p:sp>
+      <p:sp>
+        <p:nvSpPr>
+          <p:cNvPr id="4" name="TextBox 3"/>
+          <p:cNvSpPr txBox="1"/>
+          <p:nvPr/>
+        </p:nvSpPr>
+        <p:spPr>
+          <a:xfrm>
+            <a:off x="1170236" y="1796275"/>
+            <a:ext cx="8424936" cy="3298339"/>
+          </a:xfrm>
+          <a:prstGeom prst="rect">
+            <a:avLst/>
+          </a:prstGeom>
+          <a:noFill/>
+        </p:spPr>
+        <p:txBody>
+          <a:bodyPr wrap="square" rtlCol="0">
+            <a:spAutoFit/>
+          </a:bodyPr>
+          <a:lstStyle/>
+          <a:p>
+            <a:pPr>
+              <a:lnSpc>
+                <a:spcPts val="2500"/>
+              </a:lnSpc>
+            </a:pPr>
+            <a:r>
+              <a:rPr lang="en-US" altLang="zh-CN" sz="2400" dirty="0">
+                <a:solidFill>
+                  <a:schemeClr val="tx1">
+                    <a:lumMod val="75000"/>
+                    <a:lumOff val="25000"/>
+                  </a:schemeClr>
+                </a:solidFill>
+                <a:latin typeface="宋体" panose="02010600030101010101" pitchFamily="2" charset="-122"/>
+                <a:ea typeface="宋体" panose="02010600030101010101" pitchFamily="2" charset="-122"/>
+              </a:rPr>
+              <a:t>Java Programming Language</a:t>
+            </a:r>
+          </a:p>
+          <a:p>
+            <a:pPr marL="877736" lvl="1" indent="-342900">
+              <a:lnSpc>
+                <a:spcPts val="2500"/>
+              </a:lnSpc>
+              <a:buFont typeface="Wingdings" panose="05000000000000000000" pitchFamily="2" charset="2"/>
+              <a:buChar char="l"/>
+            </a:pPr>
+            <a:r>
+              <a:rPr lang="en-US" altLang="zh-CN" sz="1800" b="1" dirty="0">
+                <a:solidFill>
+                  <a:srgbClr val="C00000"/>
+                </a:solidFill>
+                <a:latin typeface="宋体" panose="02010600030101010101" pitchFamily="2" charset="-122"/>
+                <a:ea typeface="宋体" panose="02010600030101010101" pitchFamily="2" charset="-122"/>
+              </a:rPr>
+              <a:t>Lambda Expressions</a:t>
+            </a:r>
+          </a:p>
+          <a:p>
+            <a:pPr marL="877736" lvl="1" indent="-342900">
+              <a:lnSpc>
+                <a:spcPts val="2500"/>
+              </a:lnSpc>
+              <a:buFont typeface="Wingdings" panose="05000000000000000000" pitchFamily="2" charset="2"/>
+              <a:buChar char="l"/>
+            </a:pPr>
+            <a:r>
+              <a:rPr lang="en-US" altLang="zh-CN" sz="1800" dirty="0">
+                <a:solidFill>
+                  <a:schemeClr val="tx1">
+                    <a:lumMod val="75000"/>
+                    <a:lumOff val="25000"/>
+                  </a:schemeClr>
+                </a:solidFill>
+                <a:latin typeface="宋体" panose="02010600030101010101" pitchFamily="2" charset="-122"/>
+                <a:ea typeface="宋体" panose="02010600030101010101" pitchFamily="2" charset="-122"/>
+              </a:rPr>
+              <a:t>Method references</a:t>
+            </a:r>
+          </a:p>
+          <a:p>
+            <a:pPr marL="877736" lvl="1" indent="-342900">
+              <a:lnSpc>
+                <a:spcPts val="2500"/>
+              </a:lnSpc>
+              <a:buFont typeface="Wingdings" panose="05000000000000000000" pitchFamily="2" charset="2"/>
+              <a:buChar char="l"/>
+            </a:pPr>
+            <a:r>
+              <a:rPr lang="en-US" altLang="zh-CN" sz="1800" dirty="0">
+                <a:solidFill>
+                  <a:schemeClr val="tx1">
+                    <a:lumMod val="75000"/>
+                    <a:lumOff val="25000"/>
+                  </a:schemeClr>
+                </a:solidFill>
+                <a:latin typeface="宋体" panose="02010600030101010101" pitchFamily="2" charset="-122"/>
+                <a:ea typeface="宋体" panose="02010600030101010101" pitchFamily="2" charset="-122"/>
+              </a:rPr>
+              <a:t>Default methods</a:t>
+            </a:r>
+          </a:p>
+          <a:p>
+            <a:pPr marL="877736" lvl="1" indent="-342900">
+              <a:lnSpc>
+                <a:spcPts val="2500"/>
+              </a:lnSpc>
+              <a:buFont typeface="Wingdings" panose="05000000000000000000" pitchFamily="2" charset="2"/>
+              <a:buChar char="l"/>
+            </a:pPr>
+            <a:r>
+              <a:rPr lang="en-US" altLang="zh-CN" sz="1800" dirty="0">
+                <a:solidFill>
+                  <a:schemeClr val="tx1">
+                    <a:lumMod val="75000"/>
+                    <a:lumOff val="25000"/>
+                  </a:schemeClr>
+                </a:solidFill>
+                <a:latin typeface="宋体" panose="02010600030101010101" pitchFamily="2" charset="-122"/>
+                <a:ea typeface="宋体" panose="02010600030101010101" pitchFamily="2" charset="-122"/>
+              </a:rPr>
+              <a:t>…</a:t>
+            </a:r>
+          </a:p>
+          <a:p>
+            <a:pPr lvl="1">
+              <a:lnSpc>
+                <a:spcPts val="2500"/>
+              </a:lnSpc>
+            </a:pPr>
+            <a:endParaRPr lang="en-US" altLang="zh-CN" sz="1800" dirty="0">
+              <a:solidFill>
+                <a:schemeClr val="tx1">
+                  <a:lumMod val="75000"/>
+                  <a:lumOff val="25000"/>
+                </a:schemeClr>
+              </a:solidFill>
+              <a:latin typeface="宋体" panose="02010600030101010101" pitchFamily="2" charset="-122"/>
+              <a:ea typeface="宋体" panose="02010600030101010101" pitchFamily="2" charset="-122"/>
+            </a:endParaRPr>
+          </a:p>
+          <a:p>
+            <a:pPr marL="0" lvl="1">
+              <a:lnSpc>
+                <a:spcPts val="2500"/>
+              </a:lnSpc>
+            </a:pPr>
+            <a:r>
+              <a:rPr lang="en-US" altLang="zh-CN" sz="2400" dirty="0">
+                <a:solidFill>
+                  <a:schemeClr val="tx1">
+                    <a:lumMod val="75000"/>
+                    <a:lumOff val="25000"/>
+                  </a:schemeClr>
+                </a:solidFill>
+                <a:latin typeface="宋体" panose="02010600030101010101" pitchFamily="2" charset="-122"/>
+                <a:ea typeface="宋体" panose="02010600030101010101" pitchFamily="2" charset="-122"/>
+              </a:rPr>
+              <a:t>Collections</a:t>
+            </a:r>
+          </a:p>
+          <a:p>
+            <a:pPr marL="877736" lvl="1" indent="-342900">
+              <a:lnSpc>
+                <a:spcPts val="2500"/>
+              </a:lnSpc>
+              <a:buFont typeface="Wingdings" panose="05000000000000000000" pitchFamily="2" charset="2"/>
+              <a:buChar char="l"/>
+            </a:pPr>
+            <a:r>
+              <a:rPr lang="en-US" altLang="zh-CN" sz="1800" b="1" dirty="0">
+                <a:solidFill>
+                  <a:srgbClr val="C00000"/>
+                </a:solidFill>
+                <a:latin typeface="宋体" panose="02010600030101010101" pitchFamily="2" charset="-122"/>
+                <a:ea typeface="宋体" panose="02010600030101010101" pitchFamily="2" charset="-122"/>
+              </a:rPr>
+              <a:t>Stream API</a:t>
+            </a:r>
+          </a:p>
+          <a:p>
+            <a:pPr marL="877736" lvl="1" indent="-342900">
+              <a:lnSpc>
+                <a:spcPts val="2500"/>
+              </a:lnSpc>
+              <a:buFont typeface="Wingdings" panose="05000000000000000000" pitchFamily="2" charset="2"/>
+              <a:buChar char="l"/>
+            </a:pPr>
+            <a:endParaRPr lang="en-US" altLang="zh-CN" sz="1800" dirty="0">
+              <a:solidFill>
+                <a:schemeClr val="tx1">
+                  <a:lumMod val="75000"/>
+                  <a:lumOff val="25000"/>
+                </a:schemeClr>
+              </a:solidFill>
+              <a:latin typeface="宋体" panose="02010600030101010101" pitchFamily="2" charset="-122"/>
+              <a:ea typeface="宋体" panose="02010600030101010101" pitchFamily="2" charset="-122"/>
+            </a:endParaRPr>
+          </a:p>
+          <a:p>
+            <a:pPr marL="0" lvl="1">
+              <a:lnSpc>
+                <a:spcPts val="2500"/>
+              </a:lnSpc>
+            </a:pPr>
+            <a:r>
+              <a:rPr lang="en-US" altLang="zh-CN" sz="2400" dirty="0">
+                <a:solidFill>
+                  <a:schemeClr val="tx1">
+                    <a:lumMod val="75000"/>
+                    <a:lumOff val="25000"/>
+                  </a:schemeClr>
+                </a:solidFill>
+                <a:latin typeface="宋体" panose="02010600030101010101" pitchFamily="2" charset="-122"/>
+                <a:ea typeface="宋体" panose="02010600030101010101" pitchFamily="2" charset="-122"/>
+              </a:rPr>
+              <a:t>…</a:t>
+            </a:r>
+            <a:endParaRPr lang="zh-CN" altLang="en-US" sz="1200" dirty="0">
+              <a:solidFill>
+                <a:schemeClr val="tx1">
+                  <a:lumMod val="75000"/>
+                  <a:lumOff val="25000"/>
+                </a:schemeClr>
+              </a:solidFill>
+              <a:latin typeface="微软雅黑" pitchFamily="34" charset="-122"/>
+              <a:ea typeface="微软雅黑" pitchFamily="34" charset="-122"/>
+            </a:endParaRPr>
+          </a:p>
+        </p:txBody>
+      </p:sp>
+      <p:sp>
+        <p:nvSpPr>
+          <p:cNvPr id="2" name="TextBox 1"/>
+          <p:cNvSpPr txBox="1"/>
+          <p:nvPr/>
+        </p:nvSpPr>
+        <p:spPr>
+          <a:xfrm>
+            <a:off x="882205" y="6039718"/>
+            <a:ext cx="8712967" cy="369332"/>
+          </a:xfrm>
+          <a:prstGeom prst="rect">
+            <a:avLst/>
+          </a:prstGeom>
+          <a:noFill/>
+        </p:spPr>
+        <p:txBody>
+          <a:bodyPr wrap="square" rtlCol="0">
+            <a:spAutoFit/>
+          </a:bodyPr>
+          <a:lstStyle/>
+          <a:p>
+            <a:r>
+              <a:rPr lang="zh-CN" altLang="en-US" sz="1800" dirty="0"/>
+              <a:t>了解更多</a:t>
+            </a:r>
+            <a:r>
+              <a:rPr lang="en-US" altLang="zh-CN" sz="1800" dirty="0"/>
+              <a:t>:</a:t>
+            </a:r>
+            <a:r>
+              <a:rPr lang="en-US" altLang="zh-CN" sz="1800" dirty="0">
+                <a:hlinkClick r:id="rId2"/>
+              </a:rPr>
+              <a:t>https://www.oracle.com/technetwork/java/javase/8-whats-new-2157071.html</a:t>
+            </a:r>
+            <a:endParaRPr lang="zh-CN" altLang="en-US" sz="1800" dirty="0"/>
+          </a:p>
+        </p:txBody>
+      </p:sp>
+    </p:spTree>
+  </p:cSld>
+  <p:clrMapOvr>
+    <a:masterClrMapping/>
+  </p:clrMapOvr>
+  <p:transition spd="slow">
+    <p:wipe dir="r"/>
+  </p:transition>
+</p:sld>
+</file>
+
+<file path=ppt/slides/slide20.xml><?xml version="1.0" encoding="utf-8"?>
+<p:sld xmlns:a="http://schemas.openxmlformats.org/drawingml/2006/main" xmlns:r="http://schemas.openxmlformats.org/officeDocument/2006/relationships" xmlns:p="http://schemas.openxmlformats.org/presentationml/2006/main">
+  <p:cSld>
+    <p:spTree>
+      <p:nvGrpSpPr>
+        <p:cNvPr id="1" name=""/>
+        <p:cNvGrpSpPr/>
+        <p:nvPr/>
+      </p:nvGrpSpPr>
+      <p:grpSpPr>
+        <a:xfrm>
+          <a:off x="0" y="0"/>
+          <a:ext cx="0" cy="0"/>
+          <a:chOff x="0" y="0"/>
+          <a:chExt cx="0" cy="0"/>
+        </a:xfrm>
+      </p:grpSpPr>
+      <p:sp>
+        <p:nvSpPr>
+          <p:cNvPr id="3" name="TextBox 2"/>
+          <p:cNvSpPr txBox="1"/>
+          <p:nvPr/>
+        </p:nvSpPr>
+        <p:spPr>
+          <a:xfrm>
+            <a:off x="1172845" y="1123522"/>
+            <a:ext cx="2338269" cy="584775"/>
+          </a:xfrm>
+          <a:prstGeom prst="rect">
+            <a:avLst/>
+          </a:prstGeom>
+          <a:noFill/>
+        </p:spPr>
+        <p:txBody>
+          <a:bodyPr wrap="none" rtlCol="0">
+            <a:spAutoFit/>
+          </a:bodyPr>
+          <a:lstStyle/>
+          <a:p>
+            <a:r>
+              <a:rPr lang="en-US" altLang="zh-CN" sz="3200" dirty="0">
+                <a:solidFill>
+                  <a:srgbClr val="0066CC"/>
+                </a:solidFill>
+                <a:latin typeface="思源黑体 CN Bold" pitchFamily="34" charset="-122"/>
+                <a:ea typeface="思源黑体 CN Bold" pitchFamily="34" charset="-122"/>
+              </a:rPr>
+              <a:t>Stream API</a:t>
+            </a:r>
+            <a:endParaRPr lang="zh-CN" altLang="en-US" sz="3200" dirty="0">
+              <a:solidFill>
+                <a:srgbClr val="0066CC"/>
+              </a:solidFill>
+              <a:latin typeface="思源黑体 CN Bold" pitchFamily="34" charset="-122"/>
+              <a:ea typeface="思源黑体 CN Bold" pitchFamily="34" charset="-122"/>
+            </a:endParaRPr>
+          </a:p>
+        </p:txBody>
+      </p:sp>
+      <p:sp>
+        <p:nvSpPr>
+          <p:cNvPr id="2" name="文本框 1">
+            <a:extLst>
+              <a:ext uri="{FF2B5EF4-FFF2-40B4-BE49-F238E27FC236}">
+                <a16:creationId xmlns:a16="http://schemas.microsoft.com/office/drawing/2014/main" id="{458C37FC-74F5-4972-8068-36F9D2530E04}"/>
+              </a:ext>
+            </a:extLst>
+          </p:cNvPr>
+          <p:cNvSpPr txBox="1"/>
+          <p:nvPr/>
+        </p:nvSpPr>
+        <p:spPr>
+          <a:xfrm>
+            <a:off x="1170236" y="1764407"/>
+            <a:ext cx="8352928" cy="415498"/>
+          </a:xfrm>
+          <a:prstGeom prst="rect">
+            <a:avLst/>
+          </a:prstGeom>
+          <a:noFill/>
+        </p:spPr>
+        <p:txBody>
+          <a:bodyPr wrap="square" rtlCol="0">
+            <a:spAutoFit/>
+          </a:bodyPr>
+          <a:lstStyle/>
+          <a:p>
+            <a:pPr marL="342900" indent="-342900">
+              <a:buFont typeface="Arial" panose="020B0604020202020204" pitchFamily="34" charset="0"/>
+              <a:buChar char="•"/>
+            </a:pPr>
+            <a:r>
+              <a:rPr lang="zh-CN" altLang="en-US"/>
+              <a:t>综合案例</a:t>
+            </a:r>
+            <a:endParaRPr lang="en-US" altLang="zh-CN" dirty="0"/>
+          </a:p>
+        </p:txBody>
+      </p:sp>
+      <p:sp>
+        <p:nvSpPr>
+          <p:cNvPr id="9" name="文本框 8">
+            <a:extLst>
+              <a:ext uri="{FF2B5EF4-FFF2-40B4-BE49-F238E27FC236}">
+                <a16:creationId xmlns:a16="http://schemas.microsoft.com/office/drawing/2014/main" id="{F662D558-1D89-4421-BC7B-4579A8D67500}"/>
+              </a:ext>
+            </a:extLst>
+          </p:cNvPr>
+          <p:cNvSpPr txBox="1"/>
+          <p:nvPr/>
+        </p:nvSpPr>
+        <p:spPr>
+          <a:xfrm>
+            <a:off x="1746300" y="2287622"/>
+            <a:ext cx="8856984" cy="3293209"/>
+          </a:xfrm>
+          <a:prstGeom prst="rect">
+            <a:avLst/>
+          </a:prstGeom>
+          <a:noFill/>
+        </p:spPr>
+        <p:txBody>
+          <a:bodyPr wrap="square" rtlCol="0">
+            <a:spAutoFit/>
+          </a:bodyPr>
+          <a:lstStyle/>
+          <a:p>
+            <a:r>
+              <a:rPr lang="en-US" altLang="zh-CN" sz="1600" b="1" dirty="0">
+                <a:solidFill>
+                  <a:srgbClr val="7F0055"/>
+                </a:solidFill>
+                <a:highlight>
+                  <a:srgbClr val="E8F2FE"/>
+                </a:highlight>
+                <a:latin typeface="Courier New" panose="02070309020205020404" pitchFamily="49" charset="0"/>
+              </a:rPr>
+              <a:t>public</a:t>
+            </a:r>
+            <a:r>
+              <a:rPr lang="en-US" altLang="zh-CN" sz="1600" b="1" dirty="0">
+                <a:solidFill>
+                  <a:srgbClr val="000000"/>
+                </a:solidFill>
+                <a:highlight>
+                  <a:srgbClr val="E8F2FE"/>
+                </a:highlight>
+                <a:latin typeface="Courier New" panose="02070309020205020404" pitchFamily="49" charset="0"/>
+              </a:rPr>
+              <a:t> </a:t>
+            </a:r>
+            <a:r>
+              <a:rPr lang="en-US" altLang="zh-CN" sz="1600" b="1" dirty="0">
+                <a:solidFill>
+                  <a:srgbClr val="7F0055"/>
+                </a:solidFill>
+                <a:highlight>
+                  <a:srgbClr val="E8F2FE"/>
+                </a:highlight>
+                <a:latin typeface="Courier New" panose="02070309020205020404" pitchFamily="49" charset="0"/>
+              </a:rPr>
+              <a:t>class</a:t>
+            </a:r>
+            <a:r>
+              <a:rPr lang="en-US" altLang="zh-CN" sz="1600" b="1" dirty="0">
+                <a:solidFill>
+                  <a:srgbClr val="000000"/>
+                </a:solidFill>
+                <a:highlight>
+                  <a:srgbClr val="E8F2FE"/>
+                </a:highlight>
+                <a:latin typeface="Courier New" panose="02070309020205020404" pitchFamily="49" charset="0"/>
+              </a:rPr>
+              <a:t> </a:t>
+            </a:r>
+            <a:r>
+              <a:rPr lang="en-US" altLang="zh-CN" sz="1600" b="1" dirty="0" err="1">
+                <a:solidFill>
+                  <a:srgbClr val="000000"/>
+                </a:solidFill>
+                <a:highlight>
+                  <a:srgbClr val="E8F2FE"/>
+                </a:highlight>
+                <a:latin typeface="Courier New" panose="02070309020205020404" pitchFamily="49" charset="0"/>
+              </a:rPr>
+              <a:t>Class</a:t>
+            </a:r>
+            <a:r>
+              <a:rPr lang="en-US" altLang="zh-CN" sz="1600" b="1" dirty="0">
+                <a:solidFill>
+                  <a:srgbClr val="000000"/>
+                </a:solidFill>
+                <a:highlight>
+                  <a:srgbClr val="E8F2FE"/>
+                </a:highlight>
+                <a:latin typeface="Courier New" panose="02070309020205020404" pitchFamily="49" charset="0"/>
+              </a:rPr>
+              <a:t> {</a:t>
+            </a:r>
+          </a:p>
+          <a:p>
+            <a:r>
+              <a:rPr lang="en-US" altLang="zh-CN" sz="1600" b="1" dirty="0">
+                <a:solidFill>
+                  <a:srgbClr val="000000"/>
+                </a:solidFill>
+                <a:highlight>
+                  <a:srgbClr val="E8F2FE"/>
+                </a:highlight>
+                <a:latin typeface="Courier New" panose="02070309020205020404" pitchFamily="49" charset="0"/>
+              </a:rPr>
+              <a:t>	</a:t>
+            </a:r>
+            <a:r>
+              <a:rPr lang="en-US" altLang="zh-CN" sz="1600" b="1" dirty="0">
+                <a:solidFill>
+                  <a:srgbClr val="7F0055"/>
+                </a:solidFill>
+                <a:latin typeface="Courier New" panose="02070309020205020404" pitchFamily="49" charset="0"/>
+              </a:rPr>
+              <a:t>private</a:t>
+            </a:r>
+            <a:r>
+              <a:rPr lang="en-US" altLang="zh-CN" sz="1600" b="1" dirty="0">
+                <a:solidFill>
+                  <a:srgbClr val="000000"/>
+                </a:solidFill>
+                <a:latin typeface="Courier New" panose="02070309020205020404" pitchFamily="49" charset="0"/>
+              </a:rPr>
+              <a:t> String </a:t>
+            </a:r>
+            <a:r>
+              <a:rPr lang="en-US" altLang="zh-CN" sz="1600" b="1" dirty="0">
+                <a:solidFill>
+                  <a:srgbClr val="0000C0"/>
+                </a:solidFill>
+                <a:latin typeface="Courier New" panose="02070309020205020404" pitchFamily="49" charset="0"/>
+              </a:rPr>
+              <a:t>name</a:t>
+            </a:r>
+            <a:r>
+              <a:rPr lang="en-US" altLang="zh-CN" sz="1600" b="1" dirty="0">
+                <a:solidFill>
+                  <a:srgbClr val="000000"/>
+                </a:solidFill>
+                <a:latin typeface="Courier New" panose="02070309020205020404" pitchFamily="49" charset="0"/>
+              </a:rPr>
+              <a:t>;</a:t>
+            </a:r>
+          </a:p>
+          <a:p>
+            <a:r>
+              <a:rPr lang="en-US" altLang="zh-CN" sz="1600" b="1" dirty="0">
+                <a:solidFill>
+                  <a:srgbClr val="7F0055"/>
+                </a:solidFill>
+                <a:latin typeface="Courier New" panose="02070309020205020404" pitchFamily="49" charset="0"/>
+              </a:rPr>
+              <a:t>	private</a:t>
+            </a:r>
+            <a:r>
+              <a:rPr lang="en-US" altLang="zh-CN" sz="1600" b="1" dirty="0">
+                <a:solidFill>
+                  <a:srgbClr val="000000"/>
+                </a:solidFill>
+                <a:latin typeface="Courier New" panose="02070309020205020404" pitchFamily="49" charset="0"/>
+              </a:rPr>
+              <a:t> List&lt;Student&gt; </a:t>
+            </a:r>
+            <a:r>
+              <a:rPr lang="en-US" altLang="zh-CN" sz="1600" b="1" dirty="0">
+                <a:solidFill>
+                  <a:srgbClr val="0000C0"/>
+                </a:solidFill>
+                <a:latin typeface="Courier New" panose="02070309020205020404" pitchFamily="49" charset="0"/>
+              </a:rPr>
+              <a:t>students</a:t>
+            </a:r>
+            <a:r>
+              <a:rPr lang="en-US" altLang="zh-CN" sz="1600" b="1" dirty="0">
+                <a:solidFill>
+                  <a:srgbClr val="000000"/>
+                </a:solidFill>
+                <a:latin typeface="Courier New" panose="02070309020205020404" pitchFamily="49" charset="0"/>
+              </a:rPr>
+              <a:t>;</a:t>
+            </a:r>
+            <a:endParaRPr lang="en-US" altLang="zh-CN" sz="1600" b="1" dirty="0">
+              <a:solidFill>
+                <a:srgbClr val="000000"/>
+              </a:solidFill>
+              <a:highlight>
+                <a:srgbClr val="E8F2FE"/>
+              </a:highlight>
+              <a:latin typeface="Courier New" panose="02070309020205020404" pitchFamily="49" charset="0"/>
+            </a:endParaRPr>
+          </a:p>
+          <a:p>
+            <a:r>
+              <a:rPr lang="en-US" altLang="zh-CN" sz="1600" b="1" dirty="0">
+                <a:solidFill>
+                  <a:srgbClr val="000000"/>
+                </a:solidFill>
+                <a:highlight>
+                  <a:srgbClr val="E8F2FE"/>
+                </a:highlight>
+                <a:latin typeface="Courier New" panose="02070309020205020404" pitchFamily="49" charset="0"/>
+              </a:rPr>
+              <a:t>}</a:t>
+            </a:r>
+          </a:p>
+          <a:p>
+            <a:r>
+              <a:rPr lang="en-US" altLang="zh-CN" sz="1600" b="1" dirty="0">
+                <a:solidFill>
+                  <a:srgbClr val="7F0055"/>
+                </a:solidFill>
+                <a:latin typeface="Courier New" panose="02070309020205020404" pitchFamily="49" charset="0"/>
+              </a:rPr>
+              <a:t>class</a:t>
+            </a:r>
+            <a:r>
+              <a:rPr lang="en-US" altLang="zh-CN" sz="1600" b="1" dirty="0">
+                <a:solidFill>
+                  <a:srgbClr val="000000"/>
+                </a:solidFill>
+                <a:latin typeface="Courier New" panose="02070309020205020404" pitchFamily="49" charset="0"/>
+              </a:rPr>
+              <a:t> Student {</a:t>
+            </a:r>
+          </a:p>
+          <a:p>
+            <a:pPr lvl="1"/>
+            <a:r>
+              <a:rPr lang="en-US" altLang="zh-CN" sz="1600" b="1" dirty="0">
+                <a:solidFill>
+                  <a:srgbClr val="7F0055"/>
+                </a:solidFill>
+                <a:latin typeface="Courier New" panose="02070309020205020404" pitchFamily="49" charset="0"/>
+              </a:rPr>
+              <a:t>private</a:t>
+            </a:r>
+            <a:r>
+              <a:rPr lang="en-US" altLang="zh-CN" sz="1600" b="1" dirty="0">
+                <a:solidFill>
+                  <a:srgbClr val="000000"/>
+                </a:solidFill>
+                <a:latin typeface="Courier New" panose="02070309020205020404" pitchFamily="49" charset="0"/>
+              </a:rPr>
+              <a:t> String </a:t>
+            </a:r>
+            <a:r>
+              <a:rPr lang="en-US" altLang="zh-CN" sz="1600" b="1" dirty="0">
+                <a:solidFill>
+                  <a:srgbClr val="0000C0"/>
+                </a:solidFill>
+                <a:latin typeface="Courier New" panose="02070309020205020404" pitchFamily="49" charset="0"/>
+              </a:rPr>
+              <a:t>name</a:t>
+            </a:r>
+            <a:r>
+              <a:rPr lang="en-US" altLang="zh-CN" sz="1600" b="1" dirty="0">
+                <a:solidFill>
+                  <a:srgbClr val="000000"/>
+                </a:solidFill>
+                <a:latin typeface="Courier New" panose="02070309020205020404" pitchFamily="49" charset="0"/>
+              </a:rPr>
+              <a:t>;</a:t>
+            </a:r>
+          </a:p>
+          <a:p>
+            <a:pPr lvl="1"/>
+            <a:r>
+              <a:rPr lang="en-US" altLang="zh-CN" sz="1600" b="1" dirty="0">
+                <a:solidFill>
+                  <a:srgbClr val="7F0055"/>
+                </a:solidFill>
+                <a:latin typeface="Courier New" panose="02070309020205020404" pitchFamily="49" charset="0"/>
+              </a:rPr>
+              <a:t>private</a:t>
+            </a:r>
+            <a:r>
+              <a:rPr lang="en-US" altLang="zh-CN" sz="1600" b="1" dirty="0">
+                <a:solidFill>
+                  <a:srgbClr val="000000"/>
+                </a:solidFill>
+                <a:latin typeface="Courier New" panose="02070309020205020404" pitchFamily="49" charset="0"/>
+              </a:rPr>
+              <a:t> </a:t>
+            </a:r>
+            <a:r>
+              <a:rPr lang="en-US" altLang="zh-CN" sz="1600" b="1" dirty="0">
+                <a:solidFill>
+                  <a:srgbClr val="7F0055"/>
+                </a:solidFill>
+                <a:latin typeface="Courier New" panose="02070309020205020404" pitchFamily="49" charset="0"/>
+              </a:rPr>
+              <a:t>int</a:t>
+            </a:r>
+            <a:r>
+              <a:rPr lang="en-US" altLang="zh-CN" sz="1600" b="1" dirty="0">
+                <a:solidFill>
+                  <a:srgbClr val="000000"/>
+                </a:solidFill>
+                <a:latin typeface="Courier New" panose="02070309020205020404" pitchFamily="49" charset="0"/>
+              </a:rPr>
+              <a:t> </a:t>
+            </a:r>
+            <a:r>
+              <a:rPr lang="en-US" altLang="zh-CN" sz="1600" b="1" dirty="0">
+                <a:solidFill>
+                  <a:srgbClr val="0000C0"/>
+                </a:solidFill>
+                <a:latin typeface="Courier New" panose="02070309020205020404" pitchFamily="49" charset="0"/>
+              </a:rPr>
+              <a:t>age</a:t>
+            </a:r>
+            <a:r>
+              <a:rPr lang="en-US" altLang="zh-CN" sz="1600" b="1" dirty="0">
+                <a:solidFill>
+                  <a:srgbClr val="000000"/>
+                </a:solidFill>
+                <a:latin typeface="Courier New" panose="02070309020205020404" pitchFamily="49" charset="0"/>
+              </a:rPr>
+              <a:t>;</a:t>
+            </a:r>
+          </a:p>
+          <a:p>
+            <a:r>
+              <a:rPr lang="en-US" altLang="zh-CN" sz="1600" b="1" dirty="0">
+                <a:solidFill>
+                  <a:srgbClr val="000000"/>
+                </a:solidFill>
+                <a:highlight>
+                  <a:srgbClr val="E8F2FE"/>
+                </a:highlight>
+                <a:latin typeface="Courier New" panose="02070309020205020404" pitchFamily="49" charset="0"/>
+              </a:rPr>
+              <a:t>}</a:t>
+            </a:r>
+          </a:p>
+          <a:p>
+            <a:endParaRPr lang="en-US" altLang="zh-CN" sz="1600" b="1" dirty="0">
+              <a:solidFill>
+                <a:srgbClr val="000000"/>
+              </a:solidFill>
+              <a:highlight>
+                <a:srgbClr val="E8F2FE"/>
+              </a:highlight>
+              <a:latin typeface="Courier New" panose="02070309020205020404" pitchFamily="49" charset="0"/>
+            </a:endParaRPr>
+          </a:p>
+          <a:p>
+            <a:r>
+              <a:rPr lang="zh-CN" altLang="en-US" sz="1600" b="1" dirty="0">
+                <a:solidFill>
+                  <a:srgbClr val="000000"/>
+                </a:solidFill>
+                <a:highlight>
+                  <a:srgbClr val="E8F2FE"/>
+                </a:highlight>
+                <a:latin typeface="Courier New" panose="02070309020205020404" pitchFamily="49" charset="0"/>
+              </a:rPr>
+              <a:t>有一个班级集合</a:t>
+            </a:r>
+            <a:r>
+              <a:rPr lang="en-US" altLang="zh-CN" sz="1600" b="1" dirty="0" err="1">
+                <a:solidFill>
+                  <a:srgbClr val="000000"/>
+                </a:solidFill>
+                <a:highlight>
+                  <a:srgbClr val="E8F2FE"/>
+                </a:highlight>
+                <a:latin typeface="Courier New" panose="02070309020205020404" pitchFamily="49" charset="0"/>
+              </a:rPr>
+              <a:t>classList</a:t>
+            </a:r>
+            <a:r>
+              <a:rPr lang="en-US" altLang="zh-CN" sz="1600" b="1" dirty="0">
+                <a:solidFill>
+                  <a:srgbClr val="000000"/>
+                </a:solidFill>
+                <a:highlight>
+                  <a:srgbClr val="E8F2FE"/>
+                </a:highlight>
+                <a:latin typeface="Courier New" panose="02070309020205020404" pitchFamily="49" charset="0"/>
+              </a:rPr>
+              <a:t>=[{name:</a:t>
+            </a:r>
+            <a:r>
+              <a:rPr lang="zh-CN" altLang="en-US" sz="1600" b="1" dirty="0">
+                <a:solidFill>
+                  <a:srgbClr val="000000"/>
+                </a:solidFill>
+                <a:highlight>
+                  <a:srgbClr val="E8F2FE"/>
+                </a:highlight>
+                <a:latin typeface="Courier New" panose="02070309020205020404" pitchFamily="49" charset="0"/>
+              </a:rPr>
+              <a:t>“一班”</a:t>
+            </a:r>
+            <a:r>
+              <a:rPr lang="en-US" altLang="zh-CN" sz="1600" b="1" dirty="0">
+                <a:solidFill>
+                  <a:srgbClr val="000000"/>
+                </a:solidFill>
+                <a:highlight>
+                  <a:srgbClr val="E8F2FE"/>
+                </a:highlight>
+                <a:latin typeface="Courier New" panose="02070309020205020404" pitchFamily="49" charset="0"/>
+              </a:rPr>
+              <a:t>,students:[…]},{name:</a:t>
+            </a:r>
+            <a:r>
+              <a:rPr lang="zh-CN" altLang="en-US" sz="1600" b="1" dirty="0">
+                <a:solidFill>
+                  <a:srgbClr val="000000"/>
+                </a:solidFill>
+                <a:highlight>
+                  <a:srgbClr val="E8F2FE"/>
+                </a:highlight>
+                <a:latin typeface="Courier New" panose="02070309020205020404" pitchFamily="49" charset="0"/>
+              </a:rPr>
+              <a:t>“二班”</a:t>
+            </a:r>
+            <a:r>
+              <a:rPr lang="en-US" altLang="zh-CN" sz="1600" b="1" dirty="0">
+                <a:solidFill>
+                  <a:srgbClr val="000000"/>
+                </a:solidFill>
+                <a:highlight>
+                  <a:srgbClr val="E8F2FE"/>
+                </a:highlight>
+                <a:latin typeface="Courier New" panose="02070309020205020404" pitchFamily="49" charset="0"/>
+              </a:rPr>
+              <a:t>,students:[…]},{}]}]</a:t>
+            </a:r>
+          </a:p>
+          <a:p>
+            <a:r>
+              <a:rPr lang="zh-CN" altLang="en-US" sz="1600" b="1" dirty="0">
+                <a:solidFill>
+                  <a:srgbClr val="000000"/>
+                </a:solidFill>
+                <a:highlight>
+                  <a:srgbClr val="E8F2FE"/>
+                </a:highlight>
+                <a:latin typeface="Courier New" panose="02070309020205020404" pitchFamily="49" charset="0"/>
+              </a:rPr>
+              <a:t>找出所有班级中年龄最小的学生</a:t>
+            </a:r>
+            <a:endParaRPr lang="en-US" altLang="zh-CN" sz="1600" b="1" dirty="0">
+              <a:solidFill>
+                <a:srgbClr val="000000"/>
+              </a:solidFill>
+              <a:highlight>
+                <a:srgbClr val="E8F2FE"/>
+              </a:highlight>
+              <a:latin typeface="Courier New" panose="02070309020205020404" pitchFamily="49" charset="0"/>
+            </a:endParaRPr>
+          </a:p>
+          <a:p>
+            <a:endParaRPr lang="zh-CN" altLang="en-US" sz="1600" dirty="0"/>
+          </a:p>
+        </p:txBody>
+      </p:sp>
+      <p:sp>
+        <p:nvSpPr>
+          <p:cNvPr id="5" name="文本框 4">
+            <a:extLst>
+              <a:ext uri="{FF2B5EF4-FFF2-40B4-BE49-F238E27FC236}">
+                <a16:creationId xmlns:a16="http://schemas.microsoft.com/office/drawing/2014/main" id="{9441758F-38EE-4941-8BAF-B8253EE494E9}"/>
+              </a:ext>
+            </a:extLst>
+          </p:cNvPr>
+          <p:cNvSpPr txBox="1"/>
+          <p:nvPr/>
+        </p:nvSpPr>
+        <p:spPr>
+          <a:xfrm>
+            <a:off x="1746300" y="5436815"/>
+            <a:ext cx="8947100" cy="1077218"/>
+          </a:xfrm>
+          <a:prstGeom prst="rect">
+            <a:avLst/>
+          </a:prstGeom>
+          <a:noFill/>
+        </p:spPr>
+        <p:txBody>
+          <a:bodyPr wrap="square" rtlCol="0">
+            <a:spAutoFit/>
+          </a:bodyPr>
+          <a:lstStyle/>
+          <a:p>
+            <a:r>
+              <a:rPr lang="en-US" altLang="zh-CN" sz="1600" dirty="0" err="1">
+                <a:solidFill>
+                  <a:srgbClr val="6A3E3E"/>
+                </a:solidFill>
+                <a:latin typeface="Courier New" panose="02070309020205020404" pitchFamily="49" charset="0"/>
+              </a:rPr>
+              <a:t>classList</a:t>
+            </a:r>
+            <a:r>
+              <a:rPr lang="en-US" altLang="zh-CN" sz="1600" dirty="0" err="1">
+                <a:solidFill>
+                  <a:srgbClr val="000000"/>
+                </a:solidFill>
+                <a:latin typeface="Courier New" panose="02070309020205020404" pitchFamily="49" charset="0"/>
+              </a:rPr>
+              <a:t>.stream</a:t>
+            </a:r>
+            <a:r>
+              <a:rPr lang="en-US" altLang="zh-CN" sz="1600" dirty="0">
+                <a:solidFill>
+                  <a:srgbClr val="000000"/>
+                </a:solidFill>
+                <a:latin typeface="Courier New" panose="02070309020205020404" pitchFamily="49" charset="0"/>
+              </a:rPr>
+              <a:t>().</a:t>
+            </a:r>
+            <a:r>
+              <a:rPr lang="en-US" altLang="zh-CN" sz="1600" dirty="0" err="1">
+                <a:solidFill>
+                  <a:srgbClr val="000000"/>
+                </a:solidFill>
+                <a:latin typeface="Courier New" panose="02070309020205020404" pitchFamily="49" charset="0"/>
+              </a:rPr>
+              <a:t>flatMap</a:t>
+            </a:r>
+            <a:r>
+              <a:rPr lang="en-US" altLang="zh-CN" sz="1600" dirty="0">
+                <a:solidFill>
+                  <a:srgbClr val="000000"/>
+                </a:solidFill>
+                <a:latin typeface="Courier New" panose="02070309020205020404" pitchFamily="49" charset="0"/>
+              </a:rPr>
+              <a:t>(</a:t>
+            </a:r>
+            <a:r>
+              <a:rPr lang="en-US" altLang="zh-CN" sz="1600" dirty="0" err="1">
+                <a:solidFill>
+                  <a:srgbClr val="6A3E3E"/>
+                </a:solidFill>
+                <a:latin typeface="Courier New" panose="02070309020205020404" pitchFamily="49" charset="0"/>
+              </a:rPr>
+              <a:t>curClass</a:t>
+            </a:r>
+            <a:r>
+              <a:rPr lang="en-US" altLang="zh-CN" sz="1600" dirty="0">
+                <a:solidFill>
+                  <a:srgbClr val="000000"/>
+                </a:solidFill>
+                <a:latin typeface="Courier New" panose="02070309020205020404" pitchFamily="49" charset="0"/>
+              </a:rPr>
+              <a:t> -&gt; </a:t>
+            </a:r>
+            <a:r>
+              <a:rPr lang="en-US" altLang="zh-CN" sz="1600" dirty="0" err="1">
+                <a:solidFill>
+                  <a:srgbClr val="6A3E3E"/>
+                </a:solidFill>
+                <a:latin typeface="Courier New" panose="02070309020205020404" pitchFamily="49" charset="0"/>
+              </a:rPr>
+              <a:t>curClass</a:t>
+            </a:r>
+            <a:r>
+              <a:rPr lang="en-US" altLang="zh-CN" sz="1600" dirty="0" err="1">
+                <a:solidFill>
+                  <a:srgbClr val="000000"/>
+                </a:solidFill>
+                <a:latin typeface="Courier New" panose="02070309020205020404" pitchFamily="49" charset="0"/>
+              </a:rPr>
+              <a:t>.getStudents</a:t>
+            </a:r>
+            <a:r>
+              <a:rPr lang="en-US" altLang="zh-CN" sz="1600" dirty="0">
+                <a:solidFill>
+                  <a:srgbClr val="000000"/>
+                </a:solidFill>
+                <a:latin typeface="Courier New" panose="02070309020205020404" pitchFamily="49" charset="0"/>
+              </a:rPr>
+              <a:t>().stream())</a:t>
+            </a:r>
+          </a:p>
+          <a:p>
+            <a:r>
+              <a:rPr lang="en-US" altLang="zh-CN" sz="1600" dirty="0">
+                <a:solidFill>
+                  <a:srgbClr val="000000"/>
+                </a:solidFill>
+                <a:latin typeface="Courier New" panose="02070309020205020404" pitchFamily="49" charset="0"/>
+              </a:rPr>
+              <a:t>	.sorted((</a:t>
+            </a:r>
+            <a:r>
+              <a:rPr lang="en-US" altLang="zh-CN" sz="1600" dirty="0">
+                <a:solidFill>
+                  <a:srgbClr val="6A3E3E"/>
+                </a:solidFill>
+                <a:latin typeface="Courier New" panose="02070309020205020404" pitchFamily="49" charset="0"/>
+              </a:rPr>
+              <a:t>student1</a:t>
+            </a:r>
+            <a:r>
+              <a:rPr lang="en-US" altLang="zh-CN" sz="1600" dirty="0">
+                <a:solidFill>
+                  <a:srgbClr val="000000"/>
+                </a:solidFill>
+                <a:latin typeface="Courier New" panose="02070309020205020404" pitchFamily="49" charset="0"/>
+              </a:rPr>
+              <a:t>, </a:t>
+            </a:r>
+            <a:r>
+              <a:rPr lang="en-US" altLang="zh-CN" sz="1600" dirty="0">
+                <a:solidFill>
+                  <a:srgbClr val="6A3E3E"/>
+                </a:solidFill>
+                <a:latin typeface="Courier New" panose="02070309020205020404" pitchFamily="49" charset="0"/>
+              </a:rPr>
+              <a:t>student2</a:t>
+            </a:r>
+            <a:r>
+              <a:rPr lang="en-US" altLang="zh-CN" sz="1600" dirty="0">
+                <a:solidFill>
+                  <a:srgbClr val="000000"/>
+                </a:solidFill>
+                <a:latin typeface="Courier New" panose="02070309020205020404" pitchFamily="49" charset="0"/>
+              </a:rPr>
+              <a:t>) -&gt; 						</a:t>
+            </a:r>
+            <a:r>
+              <a:rPr lang="en-US" altLang="zh-CN" sz="1600" dirty="0" err="1">
+                <a:solidFill>
+                  <a:srgbClr val="000000"/>
+                </a:solidFill>
+                <a:latin typeface="Courier New" panose="02070309020205020404" pitchFamily="49" charset="0"/>
+              </a:rPr>
+              <a:t>Integer.</a:t>
+            </a:r>
+            <a:r>
+              <a:rPr lang="en-US" altLang="zh-CN" sz="1600" i="1" dirty="0" err="1">
+                <a:solidFill>
+                  <a:srgbClr val="000000"/>
+                </a:solidFill>
+                <a:latin typeface="Courier New" panose="02070309020205020404" pitchFamily="49" charset="0"/>
+              </a:rPr>
+              <a:t>compare</a:t>
+            </a:r>
+            <a:r>
+              <a:rPr lang="en-US" altLang="zh-CN" sz="1600" i="1" dirty="0">
+                <a:solidFill>
+                  <a:srgbClr val="000000"/>
+                </a:solidFill>
+                <a:latin typeface="Courier New" panose="02070309020205020404" pitchFamily="49" charset="0"/>
+              </a:rPr>
+              <a:t>(</a:t>
+            </a:r>
+            <a:r>
+              <a:rPr lang="en-US" altLang="zh-CN" sz="1600" i="1" dirty="0">
+                <a:solidFill>
+                  <a:srgbClr val="6A3E3E"/>
+                </a:solidFill>
+                <a:latin typeface="Courier New" panose="02070309020205020404" pitchFamily="49" charset="0"/>
+              </a:rPr>
+              <a:t>student1</a:t>
+            </a:r>
+            <a:r>
+              <a:rPr lang="en-US" altLang="zh-CN" sz="1600" i="1" dirty="0">
+                <a:solidFill>
+                  <a:srgbClr val="000000"/>
+                </a:solidFill>
+                <a:latin typeface="Courier New" panose="02070309020205020404" pitchFamily="49" charset="0"/>
+              </a:rPr>
+              <a:t>.getAge(), </a:t>
+            </a:r>
+            <a:r>
+              <a:rPr lang="en-US" altLang="zh-CN" sz="1600" dirty="0">
+                <a:solidFill>
+                  <a:srgbClr val="6A3E3E"/>
+                </a:solidFill>
+                <a:latin typeface="Courier New" panose="02070309020205020404" pitchFamily="49" charset="0"/>
+              </a:rPr>
+              <a:t>student2</a:t>
+            </a:r>
+            <a:r>
+              <a:rPr lang="en-US" altLang="zh-CN" sz="1600" dirty="0">
+                <a:solidFill>
+                  <a:srgbClr val="000000"/>
+                </a:solidFill>
+                <a:latin typeface="Courier New" panose="02070309020205020404" pitchFamily="49" charset="0"/>
+              </a:rPr>
+              <a:t>.getAge()))</a:t>
+            </a:r>
+          </a:p>
+          <a:p>
+            <a:r>
+              <a:rPr lang="en-US" altLang="zh-CN" sz="1600" dirty="0">
+                <a:solidFill>
+                  <a:srgbClr val="000000"/>
+                </a:solidFill>
+                <a:latin typeface="Courier New" panose="02070309020205020404" pitchFamily="49" charset="0"/>
+              </a:rPr>
+              <a:t>	.</a:t>
+            </a:r>
+            <a:r>
+              <a:rPr lang="en-US" altLang="zh-CN" sz="1600" dirty="0" err="1">
+                <a:solidFill>
+                  <a:srgbClr val="000000"/>
+                </a:solidFill>
+                <a:latin typeface="Courier New" panose="02070309020205020404" pitchFamily="49" charset="0"/>
+              </a:rPr>
+              <a:t>findFirst</a:t>
+            </a:r>
+            <a:r>
+              <a:rPr lang="en-US" altLang="zh-CN" sz="1600" dirty="0">
+                <a:solidFill>
+                  <a:srgbClr val="000000"/>
+                </a:solidFill>
+                <a:latin typeface="Courier New" panose="02070309020205020404" pitchFamily="49" charset="0"/>
+              </a:rPr>
+              <a:t>();</a:t>
+            </a:r>
+            <a:endParaRPr lang="zh-CN" altLang="en-US" sz="1600" dirty="0"/>
+          </a:p>
+        </p:txBody>
+      </p:sp>
+    </p:spTree>
+    <p:extLst>
+      <p:ext uri="{BB962C8B-B14F-4D97-AF65-F5344CB8AC3E}">
+        <p14:creationId xmlns:p14="http://schemas.microsoft.com/office/powerpoint/2010/main" val="3313945228"/>
+      </p:ext>
+    </p:extLst>
+  </p:cSld>
+  <p:clrMapOvr>
+    <a:masterClrMapping/>
+  </p:clrMapOvr>
+  <p:transition spd="slow">
+    <p:wipe dir="r"/>
+  </p:transition>
+  <p:timing>
+    <p:tnLst>
+      <p:par>
+        <p:cTn id="1" dur="indefinite" restart="never" nodeType="tmRoot">
+          <p:childTnLst>
+            <p:seq concurrent="1" nextAc="seek">
+              <p:cTn id="2" dur="indefinite" nodeType="mainSeq">
+                <p:childTnLst>
+                  <p:par>
+                    <p:cTn id="3" fill="hold">
+                      <p:stCondLst>
+                        <p:cond delay="indefinite"/>
+                        <p:cond evt="onBegin" delay="0">
+                          <p:tn val="2"/>
+                        </p:cond>
+                      </p:stCondLst>
+                      <p:childTnLst>
+                        <p:par>
+                          <p:cTn id="4" fill="hold">
+                            <p:stCondLst>
+                              <p:cond delay="0"/>
+                            </p:stCondLst>
+                            <p:childTnLst>
+                              <p:par>
+                                <p:cTn id="5" presetID="2" presetClass="entr" presetSubtype="4" fill="hold" grpId="0" nodeType="withEffect">
+                                  <p:stCondLst>
+                                    <p:cond delay="0"/>
+                                  </p:stCondLst>
+                                  <p:childTnLst>
+                                    <p:set>
+                                      <p:cBhvr>
+                                        <p:cTn id="6" dur="1" fill="hold">
+                                          <p:stCondLst>
+                                            <p:cond delay="0"/>
+                                          </p:stCondLst>
+                                        </p:cTn>
+                                        <p:tgtEl>
+                                          <p:spTgt spid="9"/>
+                                        </p:tgtEl>
+                                        <p:attrNameLst>
+                                          <p:attrName>style.visibility</p:attrName>
+                                        </p:attrNameLst>
+                                      </p:cBhvr>
+                                      <p:to>
+                                        <p:strVal val="visible"/>
+                                      </p:to>
+                                    </p:set>
+                                    <p:anim calcmode="lin" valueType="num">
+                                      <p:cBhvr additive="base">
+                                        <p:cTn id="7" dur="500" fill="hold"/>
+                                        <p:tgtEl>
+                                          <p:spTgt spid="9"/>
+                                        </p:tgtEl>
+                                        <p:attrNameLst>
+                                          <p:attrName>ppt_x</p:attrName>
+                                        </p:attrNameLst>
+                                      </p:cBhvr>
+                                      <p:tavLst>
+                                        <p:tav tm="0">
+                                          <p:val>
+                                            <p:strVal val="#ppt_x"/>
+                                          </p:val>
+                                        </p:tav>
+                                        <p:tav tm="100000">
+                                          <p:val>
+                                            <p:strVal val="#ppt_x"/>
+                                          </p:val>
+                                        </p:tav>
+                                      </p:tavLst>
+                                    </p:anim>
+                                    <p:anim calcmode="lin" valueType="num">
+                                      <p:cBhvr additive="base">
+                                        <p:cTn id="8" dur="500" fill="hold"/>
+                                        <p:tgtEl>
+                                          <p:spTgt spid="9"/>
+                                        </p:tgtEl>
+                                        <p:attrNameLst>
+                                          <p:attrName>ppt_y</p:attrName>
+                                        </p:attrNameLst>
+                                      </p:cBhvr>
+                                      <p:tavLst>
+                                        <p:tav tm="0">
+                                          <p:val>
+                                            <p:strVal val="1+#ppt_h/2"/>
+                                          </p:val>
+                                        </p:tav>
+                                        <p:tav tm="100000">
+                                          <p:val>
+                                            <p:strVal val="#ppt_y"/>
+                                          </p:val>
+                                        </p:tav>
+                                      </p:tavLst>
+                                    </p:anim>
+                                  </p:childTnLst>
+                                </p:cTn>
+                              </p:par>
+                            </p:childTnLst>
+                          </p:cTn>
+                        </p:par>
+                      </p:childTnLst>
+                    </p:cTn>
+                  </p:par>
+                  <p:par>
+                    <p:cTn id="9" fill="hold">
+                      <p:stCondLst>
+                        <p:cond delay="indefinite"/>
+                      </p:stCondLst>
+                      <p:childTnLst>
+                        <p:par>
+                          <p:cTn id="10" fill="hold">
+                            <p:stCondLst>
+                              <p:cond delay="0"/>
+                            </p:stCondLst>
+                            <p:childTnLst>
+                              <p:par>
+                                <p:cTn id="11" presetID="2" presetClass="entr" presetSubtype="4" fill="hold" grpId="0" nodeType="clickEffect">
+                                  <p:stCondLst>
+                                    <p:cond delay="0"/>
+                                  </p:stCondLst>
+                                  <p:childTnLst>
+                                    <p:set>
+                                      <p:cBhvr>
+                                        <p:cTn id="12" dur="1" fill="hold">
+                                          <p:stCondLst>
+                                            <p:cond delay="0"/>
+                                          </p:stCondLst>
+                                        </p:cTn>
+                                        <p:tgtEl>
+                                          <p:spTgt spid="5"/>
+                                        </p:tgtEl>
+                                        <p:attrNameLst>
+                                          <p:attrName>style.visibility</p:attrName>
+                                        </p:attrNameLst>
+                                      </p:cBhvr>
+                                      <p:to>
+                                        <p:strVal val="visible"/>
+                                      </p:to>
+                                    </p:set>
+                                    <p:anim calcmode="lin" valueType="num">
+                                      <p:cBhvr additive="base">
+                                        <p:cTn id="13" dur="500" fill="hold"/>
+                                        <p:tgtEl>
+                                          <p:spTgt spid="5"/>
+                                        </p:tgtEl>
+                                        <p:attrNameLst>
+                                          <p:attrName>ppt_x</p:attrName>
+                                        </p:attrNameLst>
+                                      </p:cBhvr>
+                                      <p:tavLst>
+                                        <p:tav tm="0">
+                                          <p:val>
+                                            <p:strVal val="#ppt_x"/>
+                                          </p:val>
+                                        </p:tav>
+                                        <p:tav tm="100000">
+                                          <p:val>
+                                            <p:strVal val="#ppt_x"/>
+                                          </p:val>
+                                        </p:tav>
+                                      </p:tavLst>
+                                    </p:anim>
+                                    <p:anim calcmode="lin" valueType="num">
+                                      <p:cBhvr additive="base">
+                                        <p:cTn id="14" dur="500" fill="hold"/>
+                                        <p:tgtEl>
+                                          <p:spTgt spid="5"/>
+                                        </p:tgtEl>
+                                        <p:attrNameLst>
+                                          <p:attrName>ppt_y</p:attrName>
+                                        </p:attrNameLst>
+                                      </p:cBhvr>
+                                      <p:tavLst>
+                                        <p:tav tm="0">
+                                          <p:val>
+                                            <p:strVal val="1+#ppt_h/2"/>
+                                          </p:val>
+                                        </p:tav>
+                                        <p:tav tm="100000">
+                                          <p:val>
+                                            <p:strVal val="#ppt_y"/>
+                                          </p:val>
+                                        </p:tav>
+                                      </p:tavLst>
+                                    </p:anim>
+                                  </p:childTnLst>
+                                </p:cTn>
+                              </p:par>
+                            </p:childTnLst>
+                          </p:cTn>
+                        </p:par>
+                      </p:childTnLst>
+                    </p:cTn>
+                  </p:par>
+                </p:childTnLst>
+              </p:cTn>
+              <p:prevCondLst>
+                <p:cond evt="onPrev" delay="0">
+                  <p:tgtEl>
+                    <p:sldTgt/>
+                  </p:tgtEl>
+                </p:cond>
+              </p:prevCondLst>
+              <p:nextCondLst>
+                <p:cond evt="onNext" delay="0">
+                  <p:tgtEl>
+                    <p:sldTgt/>
+                  </p:tgtEl>
+                </p:cond>
+              </p:nextCondLst>
+            </p:seq>
+          </p:childTnLst>
+        </p:cTn>
+      </p:par>
+    </p:tnLst>
+    <p:bldLst>
+      <p:bldP spid="9" grpId="0"/>
+      <p:bldP spid="5" grpId="0"/>
+    </p:bldLst>
+  </p:timing>
+</p:sld>
+</file>
+
+<file path=ppt/slides/slide21.xml><?xml version="1.0" encoding="utf-8"?>
+<p:sld xmlns:a="http://schemas.openxmlformats.org/drawingml/2006/main" xmlns:r="http://schemas.openxmlformats.org/officeDocument/2006/relationships" xmlns:p="http://schemas.openxmlformats.org/presentationml/2006/main">
+  <p:cSld>
+    <p:spTree>
+      <p:nvGrpSpPr>
+        <p:cNvPr id="1" name=""/>
+        <p:cNvGrpSpPr/>
+        <p:nvPr/>
+      </p:nvGrpSpPr>
+      <p:grpSpPr>
+        <a:xfrm>
+          <a:off x="0" y="0"/>
+          <a:ext cx="0" cy="0"/>
+          <a:chOff x="0" y="0"/>
+          <a:chExt cx="0" cy="0"/>
+        </a:xfrm>
+      </p:grpSpPr>
+      <p:sp>
+        <p:nvSpPr>
+          <p:cNvPr id="3" name="TextBox 2"/>
+          <p:cNvSpPr txBox="1"/>
+          <p:nvPr/>
+        </p:nvSpPr>
+        <p:spPr>
+          <a:xfrm>
+            <a:off x="1172845" y="1123522"/>
+            <a:ext cx="1415772" cy="584775"/>
+          </a:xfrm>
+          <a:prstGeom prst="rect">
+            <a:avLst/>
+          </a:prstGeom>
+          <a:noFill/>
+        </p:spPr>
+        <p:txBody>
+          <a:bodyPr wrap="none" rtlCol="0">
+            <a:spAutoFit/>
+          </a:bodyPr>
+          <a:lstStyle/>
+          <a:p>
+            <a:r>
+              <a:rPr lang="zh-CN" altLang="en-US" sz="3200" dirty="0">
+                <a:solidFill>
+                  <a:srgbClr val="0066CC"/>
+                </a:solidFill>
+                <a:latin typeface="思源黑体 CN Bold" pitchFamily="34" charset="-122"/>
+                <a:ea typeface="思源黑体 CN Bold" pitchFamily="34" charset="-122"/>
+              </a:rPr>
+              <a:t>几个坑</a:t>
+            </a:r>
+          </a:p>
+        </p:txBody>
+      </p:sp>
+      <p:sp>
+        <p:nvSpPr>
+          <p:cNvPr id="4" name="文本框 3">
+            <a:extLst>
+              <a:ext uri="{FF2B5EF4-FFF2-40B4-BE49-F238E27FC236}">
+                <a16:creationId xmlns:a16="http://schemas.microsoft.com/office/drawing/2014/main" id="{3CB3FB3E-72ED-4069-B4FF-B8CC4E5AC57C}"/>
+              </a:ext>
+            </a:extLst>
+          </p:cNvPr>
+          <p:cNvSpPr txBox="1"/>
+          <p:nvPr/>
+        </p:nvSpPr>
+        <p:spPr>
+          <a:xfrm>
+            <a:off x="1674292" y="1981586"/>
+            <a:ext cx="8568952" cy="3970318"/>
+          </a:xfrm>
+          <a:prstGeom prst="rect">
+            <a:avLst/>
+          </a:prstGeom>
+          <a:noFill/>
+        </p:spPr>
+        <p:txBody>
+          <a:bodyPr wrap="square" rtlCol="0">
+            <a:spAutoFit/>
+          </a:bodyPr>
+          <a:lstStyle/>
+          <a:p>
+            <a:r>
+              <a:rPr lang="en-US" altLang="zh-CN" sz="1800" dirty="0">
+                <a:solidFill>
+                  <a:srgbClr val="3F5FBF"/>
+                </a:solidFill>
+                <a:latin typeface="Courier New" panose="02070309020205020404" pitchFamily="49" charset="0"/>
+              </a:rPr>
+              <a:t>/**</a:t>
+            </a:r>
+          </a:p>
+          <a:p>
+            <a:r>
+              <a:rPr lang="zh-CN" altLang="en-US" sz="1800" dirty="0">
+                <a:solidFill>
+                  <a:srgbClr val="3F5FBF"/>
+                </a:solidFill>
+                <a:latin typeface="Courier New" panose="02070309020205020404" pitchFamily="49" charset="0"/>
+              </a:rPr>
+              <a:t> * 查询集合</a:t>
+            </a:r>
+            <a:r>
+              <a:rPr lang="en-US" altLang="zh-CN" sz="1800" dirty="0">
+                <a:solidFill>
+                  <a:srgbClr val="3F5FBF"/>
+                </a:solidFill>
+                <a:latin typeface="Courier New" panose="02070309020205020404" pitchFamily="49" charset="0"/>
+              </a:rPr>
+              <a:t>students</a:t>
+            </a:r>
+            <a:r>
+              <a:rPr lang="zh-CN" altLang="en-US" sz="1800" dirty="0">
+                <a:solidFill>
+                  <a:srgbClr val="3F5FBF"/>
+                </a:solidFill>
+                <a:latin typeface="Courier New" panose="02070309020205020404" pitchFamily="49" charset="0"/>
+              </a:rPr>
+              <a:t>中是否存在名为</a:t>
+            </a:r>
+            <a:r>
+              <a:rPr lang="en-US" altLang="zh-CN" sz="1800" dirty="0">
+                <a:solidFill>
+                  <a:srgbClr val="3F5FBF"/>
+                </a:solidFill>
+                <a:latin typeface="Courier New" panose="02070309020205020404" pitchFamily="49" charset="0"/>
+              </a:rPr>
+              <a:t>name</a:t>
+            </a:r>
+            <a:r>
+              <a:rPr lang="zh-CN" altLang="en-US" sz="1800" dirty="0">
+                <a:solidFill>
+                  <a:srgbClr val="3F5FBF"/>
+                </a:solidFill>
+                <a:latin typeface="Courier New" panose="02070309020205020404" pitchFamily="49" charset="0"/>
+              </a:rPr>
+              <a:t>的学生</a:t>
+            </a:r>
+          </a:p>
+          <a:p>
+            <a:r>
+              <a:rPr lang="en-US" altLang="zh-CN" sz="1800" dirty="0">
+                <a:solidFill>
+                  <a:srgbClr val="3F5FBF"/>
+                </a:solidFill>
+                <a:latin typeface="Courier New" panose="02070309020205020404" pitchFamily="49" charset="0"/>
+              </a:rPr>
+              <a:t> * </a:t>
+            </a:r>
+            <a:r>
+              <a:rPr lang="en-US" altLang="zh-CN" sz="1800" b="1" dirty="0">
+                <a:solidFill>
+                  <a:srgbClr val="7F9FBF"/>
+                </a:solidFill>
+                <a:latin typeface="Courier New" panose="02070309020205020404" pitchFamily="49" charset="0"/>
+              </a:rPr>
+              <a:t>@param</a:t>
+            </a:r>
+            <a:r>
+              <a:rPr lang="en-US" altLang="zh-CN" sz="1800" b="1" dirty="0">
+                <a:solidFill>
+                  <a:srgbClr val="3F5FBF"/>
+                </a:solidFill>
+                <a:latin typeface="Courier New" panose="02070309020205020404" pitchFamily="49" charset="0"/>
+              </a:rPr>
+              <a:t> students</a:t>
+            </a:r>
+            <a:r>
+              <a:rPr lang="zh-CN" altLang="en-US" sz="1800" b="1" dirty="0">
+                <a:solidFill>
+                  <a:srgbClr val="3F5FBF"/>
+                </a:solidFill>
+                <a:latin typeface="Courier New" panose="02070309020205020404" pitchFamily="49" charset="0"/>
+              </a:rPr>
+              <a:t>学生集合</a:t>
+            </a:r>
+          </a:p>
+          <a:p>
+            <a:r>
+              <a:rPr lang="en-US" altLang="zh-CN" sz="1800" dirty="0">
+                <a:solidFill>
+                  <a:srgbClr val="3F5FBF"/>
+                </a:solidFill>
+                <a:latin typeface="Courier New" panose="02070309020205020404" pitchFamily="49" charset="0"/>
+              </a:rPr>
+              <a:t> * </a:t>
+            </a:r>
+            <a:r>
+              <a:rPr lang="en-US" altLang="zh-CN" sz="1800" b="1" dirty="0">
+                <a:solidFill>
+                  <a:srgbClr val="7F9FBF"/>
+                </a:solidFill>
+                <a:latin typeface="Courier New" panose="02070309020205020404" pitchFamily="49" charset="0"/>
+              </a:rPr>
+              <a:t>@param</a:t>
+            </a:r>
+            <a:r>
+              <a:rPr lang="en-US" altLang="zh-CN" sz="1800" b="1" dirty="0">
+                <a:solidFill>
+                  <a:srgbClr val="3F5FBF"/>
+                </a:solidFill>
+                <a:latin typeface="Courier New" panose="02070309020205020404" pitchFamily="49" charset="0"/>
+              </a:rPr>
+              <a:t> name</a:t>
+            </a:r>
+            <a:r>
+              <a:rPr lang="zh-CN" altLang="en-US" sz="1800" b="1" dirty="0">
+                <a:solidFill>
+                  <a:srgbClr val="3F5FBF"/>
+                </a:solidFill>
+                <a:latin typeface="Courier New" panose="02070309020205020404" pitchFamily="49" charset="0"/>
+              </a:rPr>
+              <a:t>学生姓名</a:t>
+            </a:r>
+          </a:p>
+          <a:p>
+            <a:r>
+              <a:rPr lang="en-US" altLang="zh-CN" sz="1800" dirty="0">
+                <a:solidFill>
+                  <a:srgbClr val="3F5FBF"/>
+                </a:solidFill>
+                <a:latin typeface="Courier New" panose="02070309020205020404" pitchFamily="49" charset="0"/>
+              </a:rPr>
+              <a:t> * </a:t>
+            </a:r>
+            <a:r>
+              <a:rPr lang="en-US" altLang="zh-CN" sz="1800" b="1" dirty="0">
+                <a:solidFill>
+                  <a:srgbClr val="7F9FBF"/>
+                </a:solidFill>
+                <a:latin typeface="Courier New" panose="02070309020205020404" pitchFamily="49" charset="0"/>
+              </a:rPr>
+              <a:t>@</a:t>
+            </a:r>
+            <a:r>
+              <a:rPr lang="en-US" altLang="zh-CN" sz="1800" b="1" dirty="0" err="1">
+                <a:solidFill>
+                  <a:srgbClr val="7F9FBF"/>
+                </a:solidFill>
+                <a:latin typeface="Courier New" panose="02070309020205020404" pitchFamily="49" charset="0"/>
+              </a:rPr>
+              <a:t>return</a:t>
+            </a:r>
+            <a:r>
+              <a:rPr lang="en-US" altLang="zh-CN" sz="1800" b="1" dirty="0" err="1">
+                <a:solidFill>
+                  <a:srgbClr val="3F5FBF"/>
+                </a:solidFill>
+                <a:latin typeface="Courier New" panose="02070309020205020404" pitchFamily="49" charset="0"/>
+              </a:rPr>
+              <a:t>true</a:t>
+            </a:r>
+            <a:r>
+              <a:rPr lang="en-US" altLang="zh-CN" sz="1800" b="1" dirty="0">
+                <a:solidFill>
+                  <a:srgbClr val="7F7F9F"/>
+                </a:solidFill>
+                <a:latin typeface="Courier New" panose="02070309020205020404" pitchFamily="49" charset="0"/>
+              </a:rPr>
+              <a:t>-</a:t>
+            </a:r>
+            <a:r>
+              <a:rPr lang="zh-CN" altLang="en-US" sz="1800" b="1" dirty="0">
+                <a:solidFill>
+                  <a:srgbClr val="3F5FBF"/>
+                </a:solidFill>
+                <a:latin typeface="Courier New" panose="02070309020205020404" pitchFamily="49" charset="0"/>
+              </a:rPr>
+              <a:t>存在</a:t>
+            </a:r>
+          </a:p>
+          <a:p>
+            <a:r>
+              <a:rPr lang="en-US" altLang="zh-CN" sz="1800" dirty="0">
+                <a:solidFill>
+                  <a:srgbClr val="3F5FBF"/>
+                </a:solidFill>
+                <a:latin typeface="Courier New" panose="02070309020205020404" pitchFamily="49" charset="0"/>
+              </a:rPr>
+              <a:t> * 	  </a:t>
+            </a:r>
+            <a:r>
+              <a:rPr lang="en-US" altLang="zh-CN" sz="1800" u="sng" dirty="0" err="1">
+                <a:solidFill>
+                  <a:srgbClr val="3F5FBF"/>
+                </a:solidFill>
+                <a:latin typeface="Courier New" panose="02070309020205020404" pitchFamily="49" charset="0"/>
+              </a:rPr>
+              <a:t>flase</a:t>
+            </a:r>
+            <a:r>
+              <a:rPr lang="en-US" altLang="zh-CN" sz="1800" u="sng" dirty="0">
+                <a:solidFill>
+                  <a:srgbClr val="7F7F9F"/>
+                </a:solidFill>
+                <a:latin typeface="Courier New" panose="02070309020205020404" pitchFamily="49" charset="0"/>
+              </a:rPr>
+              <a:t>-</a:t>
+            </a:r>
+            <a:r>
+              <a:rPr lang="zh-CN" altLang="en-US" sz="1800" u="sng" dirty="0">
+                <a:solidFill>
+                  <a:srgbClr val="3F5FBF"/>
+                </a:solidFill>
+                <a:latin typeface="Courier New" panose="02070309020205020404" pitchFamily="49" charset="0"/>
+              </a:rPr>
+              <a:t>不存在</a:t>
+            </a:r>
+          </a:p>
+          <a:p>
+            <a:r>
+              <a:rPr lang="zh-CN" altLang="en-US" sz="1800" dirty="0">
+                <a:solidFill>
+                  <a:srgbClr val="3F5FBF"/>
+                </a:solidFill>
+                <a:latin typeface="Courier New" panose="02070309020205020404" pitchFamily="49" charset="0"/>
+              </a:rPr>
+              <a:t> *</a:t>
+            </a:r>
+            <a:r>
+              <a:rPr lang="en-US" altLang="zh-CN" sz="1800" dirty="0">
+                <a:solidFill>
+                  <a:srgbClr val="3F5FBF"/>
+                </a:solidFill>
+                <a:latin typeface="Courier New" panose="02070309020205020404" pitchFamily="49" charset="0"/>
+              </a:rPr>
+              <a:t>/</a:t>
+            </a:r>
+          </a:p>
+          <a:p>
+            <a:r>
+              <a:rPr lang="en-US" altLang="zh-CN" sz="1800" b="1" dirty="0">
+                <a:solidFill>
+                  <a:srgbClr val="7F0055"/>
+                </a:solidFill>
+                <a:latin typeface="Courier New" panose="02070309020205020404" pitchFamily="49" charset="0"/>
+              </a:rPr>
+              <a:t>public</a:t>
+            </a:r>
+            <a:r>
+              <a:rPr lang="en-US" altLang="zh-CN" sz="1800" b="1" dirty="0">
+                <a:solidFill>
+                  <a:srgbClr val="000000"/>
+                </a:solidFill>
+                <a:latin typeface="Courier New" panose="02070309020205020404" pitchFamily="49" charset="0"/>
+              </a:rPr>
+              <a:t> </a:t>
+            </a:r>
+            <a:r>
+              <a:rPr lang="en-US" altLang="zh-CN" sz="1800" b="1" dirty="0" err="1">
+                <a:solidFill>
+                  <a:srgbClr val="7F0055"/>
+                </a:solidFill>
+                <a:latin typeface="Courier New" panose="02070309020205020404" pitchFamily="49" charset="0"/>
+              </a:rPr>
+              <a:t>boolean</a:t>
+            </a:r>
+            <a:r>
+              <a:rPr lang="en-US" altLang="zh-CN" sz="1800" b="1" dirty="0">
+                <a:solidFill>
+                  <a:srgbClr val="000000"/>
+                </a:solidFill>
+                <a:latin typeface="Courier New" panose="02070309020205020404" pitchFamily="49" charset="0"/>
+              </a:rPr>
+              <a:t> exist(List&lt;Student&gt; </a:t>
+            </a:r>
+            <a:r>
+              <a:rPr lang="en-US" altLang="zh-CN" sz="1800" b="1" dirty="0">
+                <a:solidFill>
+                  <a:srgbClr val="6A3E3E"/>
+                </a:solidFill>
+                <a:latin typeface="Courier New" panose="02070309020205020404" pitchFamily="49" charset="0"/>
+              </a:rPr>
+              <a:t>students</a:t>
+            </a:r>
+            <a:r>
+              <a:rPr lang="en-US" altLang="zh-CN" sz="1800" b="1" dirty="0">
+                <a:solidFill>
+                  <a:srgbClr val="000000"/>
+                </a:solidFill>
+                <a:latin typeface="Courier New" panose="02070309020205020404" pitchFamily="49" charset="0"/>
+              </a:rPr>
+              <a:t>, String </a:t>
+            </a:r>
+            <a:r>
+              <a:rPr lang="en-US" altLang="zh-CN" sz="1800" b="1" dirty="0">
+                <a:solidFill>
+                  <a:srgbClr val="6A3E3E"/>
+                </a:solidFill>
+                <a:latin typeface="Courier New" panose="02070309020205020404" pitchFamily="49" charset="0"/>
+              </a:rPr>
+              <a:t>name</a:t>
+            </a:r>
+            <a:r>
+              <a:rPr lang="en-US" altLang="zh-CN" sz="1800" b="1" dirty="0">
+                <a:solidFill>
+                  <a:srgbClr val="000000"/>
+                </a:solidFill>
+                <a:latin typeface="Courier New" panose="02070309020205020404" pitchFamily="49" charset="0"/>
+              </a:rPr>
+              <a:t>) {</a:t>
+            </a:r>
+          </a:p>
+          <a:p>
+            <a:pPr lvl="1"/>
+            <a:r>
+              <a:rPr lang="en-US" altLang="zh-CN" sz="1800" dirty="0" err="1">
+                <a:solidFill>
+                  <a:srgbClr val="6A3E3E"/>
+                </a:solidFill>
+                <a:latin typeface="Courier New" panose="02070309020205020404" pitchFamily="49" charset="0"/>
+              </a:rPr>
+              <a:t>students</a:t>
+            </a:r>
+            <a:r>
+              <a:rPr lang="en-US" altLang="zh-CN" sz="1800" dirty="0" err="1">
+                <a:solidFill>
+                  <a:srgbClr val="000000"/>
+                </a:solidFill>
+                <a:latin typeface="Courier New" panose="02070309020205020404" pitchFamily="49" charset="0"/>
+              </a:rPr>
+              <a:t>.stream</a:t>
+            </a:r>
+            <a:r>
+              <a:rPr lang="en-US" altLang="zh-CN" sz="1800" dirty="0">
+                <a:solidFill>
+                  <a:srgbClr val="000000"/>
+                </a:solidFill>
+                <a:latin typeface="Courier New" panose="02070309020205020404" pitchFamily="49" charset="0"/>
+              </a:rPr>
+              <a:t>().</a:t>
+            </a:r>
+            <a:r>
+              <a:rPr lang="en-US" altLang="zh-CN" sz="1800" u="sng" dirty="0" err="1">
+                <a:solidFill>
+                  <a:srgbClr val="000000"/>
+                </a:solidFill>
+                <a:latin typeface="Courier New" panose="02070309020205020404" pitchFamily="49" charset="0"/>
+              </a:rPr>
+              <a:t>forEach</a:t>
+            </a:r>
+            <a:r>
+              <a:rPr lang="en-US" altLang="zh-CN" sz="1800" u="sng" dirty="0">
+                <a:solidFill>
+                  <a:srgbClr val="000000"/>
+                </a:solidFill>
+                <a:latin typeface="Courier New" panose="02070309020205020404" pitchFamily="49" charset="0"/>
+              </a:rPr>
+              <a:t>(</a:t>
+            </a:r>
+            <a:r>
+              <a:rPr lang="en-US" altLang="zh-CN" sz="1800" u="sng" dirty="0">
+                <a:solidFill>
+                  <a:srgbClr val="6A3E3E"/>
+                </a:solidFill>
+                <a:latin typeface="Courier New" panose="02070309020205020404" pitchFamily="49" charset="0"/>
+              </a:rPr>
+              <a:t>s</a:t>
+            </a:r>
+            <a:r>
+              <a:rPr lang="en-US" altLang="zh-CN" sz="1800" u="sng" dirty="0">
+                <a:solidFill>
+                  <a:srgbClr val="000000"/>
+                </a:solidFill>
+                <a:latin typeface="Courier New" panose="02070309020205020404" pitchFamily="49" charset="0"/>
+              </a:rPr>
+              <a:t> -&gt; {</a:t>
+            </a:r>
+          </a:p>
+          <a:p>
+            <a:pPr lvl="2"/>
+            <a:r>
+              <a:rPr lang="en-US" altLang="zh-CN" sz="1800" b="1" dirty="0">
+                <a:solidFill>
+                  <a:srgbClr val="7F0055"/>
+                </a:solidFill>
+                <a:latin typeface="Courier New" panose="02070309020205020404" pitchFamily="49" charset="0"/>
+              </a:rPr>
+              <a:t>if</a:t>
+            </a:r>
+            <a:r>
+              <a:rPr lang="en-US" altLang="zh-CN" sz="1800" b="1" dirty="0">
+                <a:solidFill>
+                  <a:srgbClr val="000000"/>
+                </a:solidFill>
+                <a:latin typeface="Courier New" panose="02070309020205020404" pitchFamily="49" charset="0"/>
+              </a:rPr>
+              <a:t> (</a:t>
+            </a:r>
+            <a:r>
+              <a:rPr lang="en-US" altLang="zh-CN" sz="1800" b="1" dirty="0" err="1">
+                <a:solidFill>
+                  <a:srgbClr val="2A00FF"/>
+                </a:solidFill>
+                <a:latin typeface="Courier New" panose="02070309020205020404" pitchFamily="49" charset="0"/>
+              </a:rPr>
+              <a:t>name.</a:t>
+            </a:r>
+            <a:r>
+              <a:rPr lang="en-US" altLang="zh-CN" sz="1800" b="1" dirty="0" err="1">
+                <a:solidFill>
+                  <a:srgbClr val="000000"/>
+                </a:solidFill>
+                <a:latin typeface="Courier New" panose="02070309020205020404" pitchFamily="49" charset="0"/>
+              </a:rPr>
+              <a:t>equals</a:t>
+            </a:r>
+            <a:r>
+              <a:rPr lang="en-US" altLang="zh-CN" sz="1800" b="1" dirty="0">
+                <a:solidFill>
+                  <a:srgbClr val="000000"/>
+                </a:solidFill>
+                <a:latin typeface="Courier New" panose="02070309020205020404" pitchFamily="49" charset="0"/>
+              </a:rPr>
+              <a:t>(</a:t>
+            </a:r>
+            <a:r>
+              <a:rPr lang="en-US" altLang="zh-CN" sz="1800" b="1" dirty="0" err="1">
+                <a:solidFill>
+                  <a:srgbClr val="6A3E3E"/>
+                </a:solidFill>
+                <a:latin typeface="Courier New" panose="02070309020205020404" pitchFamily="49" charset="0"/>
+              </a:rPr>
+              <a:t>s</a:t>
+            </a:r>
+            <a:r>
+              <a:rPr lang="en-US" altLang="zh-CN" sz="1800" b="1" dirty="0" err="1">
+                <a:solidFill>
+                  <a:srgbClr val="000000"/>
+                </a:solidFill>
+                <a:latin typeface="Courier New" panose="02070309020205020404" pitchFamily="49" charset="0"/>
+              </a:rPr>
+              <a:t>.getName</a:t>
+            </a:r>
+            <a:r>
+              <a:rPr lang="en-US" altLang="zh-CN" sz="1800" b="1" dirty="0">
+                <a:solidFill>
+                  <a:srgbClr val="000000"/>
+                </a:solidFill>
+                <a:latin typeface="Courier New" panose="02070309020205020404" pitchFamily="49" charset="0"/>
+              </a:rPr>
+              <a:t>())) {</a:t>
+            </a:r>
+          </a:p>
+          <a:p>
+            <a:pPr lvl="2"/>
+            <a:r>
+              <a:rPr lang="en-US" altLang="zh-CN" sz="1800" b="1" dirty="0">
+                <a:solidFill>
+                  <a:srgbClr val="7F0055"/>
+                </a:solidFill>
+                <a:latin typeface="Courier New" panose="02070309020205020404" pitchFamily="49" charset="0"/>
+              </a:rPr>
+              <a:t>	return</a:t>
+            </a:r>
+            <a:r>
+              <a:rPr lang="en-US" altLang="zh-CN" sz="1800" b="1" dirty="0">
+                <a:solidFill>
+                  <a:srgbClr val="000000"/>
+                </a:solidFill>
+                <a:latin typeface="Courier New" panose="02070309020205020404" pitchFamily="49" charset="0"/>
+              </a:rPr>
+              <a:t> </a:t>
+            </a:r>
+            <a:r>
+              <a:rPr lang="en-US" altLang="zh-CN" sz="1800" b="1" dirty="0">
+                <a:solidFill>
+                  <a:srgbClr val="7F0055"/>
+                </a:solidFill>
+                <a:latin typeface="Courier New" panose="02070309020205020404" pitchFamily="49" charset="0"/>
+              </a:rPr>
+              <a:t>true</a:t>
+            </a:r>
+            <a:r>
+              <a:rPr lang="en-US" altLang="zh-CN" sz="1800" b="1" dirty="0">
+                <a:solidFill>
+                  <a:srgbClr val="000000"/>
+                </a:solidFill>
+                <a:latin typeface="Courier New" panose="02070309020205020404" pitchFamily="49" charset="0"/>
+              </a:rPr>
+              <a:t>;</a:t>
+            </a:r>
+          </a:p>
+          <a:p>
+            <a:pPr lvl="2"/>
+            <a:r>
+              <a:rPr lang="en-US" altLang="zh-CN" sz="1800" dirty="0">
+                <a:solidFill>
+                  <a:srgbClr val="000000"/>
+                </a:solidFill>
+                <a:latin typeface="Courier New" panose="02070309020205020404" pitchFamily="49" charset="0"/>
+              </a:rPr>
+              <a:t>}</a:t>
+            </a:r>
+          </a:p>
+          <a:p>
+            <a:pPr lvl="1"/>
+            <a:r>
+              <a:rPr lang="en-US" altLang="zh-CN" sz="1800" dirty="0">
+                <a:solidFill>
+                  <a:srgbClr val="000000"/>
+                </a:solidFill>
+                <a:latin typeface="Courier New" panose="02070309020205020404" pitchFamily="49" charset="0"/>
+              </a:rPr>
+              <a:t>});</a:t>
+            </a:r>
+          </a:p>
+          <a:p>
+            <a:r>
+              <a:rPr lang="en-US" altLang="zh-CN" sz="1800" dirty="0">
+                <a:solidFill>
+                  <a:srgbClr val="000000"/>
+                </a:solidFill>
+                <a:latin typeface="Courier New" panose="02070309020205020404" pitchFamily="49" charset="0"/>
+              </a:rPr>
+              <a:t>}</a:t>
+            </a:r>
+            <a:endParaRPr lang="zh-CN" altLang="en-US" sz="1800" dirty="0"/>
+          </a:p>
+        </p:txBody>
+      </p:sp>
+    </p:spTree>
+    <p:extLst>
+      <p:ext uri="{BB962C8B-B14F-4D97-AF65-F5344CB8AC3E}">
+        <p14:creationId xmlns:p14="http://schemas.microsoft.com/office/powerpoint/2010/main" val="3084790007"/>
+      </p:ext>
+    </p:extLst>
+  </p:cSld>
+  <p:clrMapOvr>
+    <a:masterClrMapping/>
+  </p:clrMapOvr>
+  <p:transition spd="slow">
+    <p:wipe dir="r"/>
+  </p:transition>
+</p:sld>
+</file>
+
+<file path=ppt/slides/slide22.xml><?xml version="1.0" encoding="utf-8"?>
+<p:sld xmlns:a="http://schemas.openxmlformats.org/drawingml/2006/main" xmlns:r="http://schemas.openxmlformats.org/officeDocument/2006/relationships" xmlns:p="http://schemas.openxmlformats.org/presentationml/2006/main">
+  <p:cSld>
+    <p:spTree>
+      <p:nvGrpSpPr>
+        <p:cNvPr id="1" name=""/>
+        <p:cNvGrpSpPr/>
+        <p:nvPr/>
+      </p:nvGrpSpPr>
+      <p:grpSpPr>
+        <a:xfrm>
+          <a:off x="0" y="0"/>
+          <a:ext cx="0" cy="0"/>
+          <a:chOff x="0" y="0"/>
+          <a:chExt cx="0" cy="0"/>
+        </a:xfrm>
+      </p:grpSpPr>
+      <p:sp>
+        <p:nvSpPr>
+          <p:cNvPr id="3" name="TextBox 2"/>
+          <p:cNvSpPr txBox="1"/>
+          <p:nvPr/>
+        </p:nvSpPr>
+        <p:spPr>
+          <a:xfrm>
+            <a:off x="1172845" y="1123522"/>
+            <a:ext cx="1415772" cy="584775"/>
+          </a:xfrm>
+          <a:prstGeom prst="rect">
+            <a:avLst/>
+          </a:prstGeom>
+          <a:noFill/>
+        </p:spPr>
+        <p:txBody>
+          <a:bodyPr wrap="none" rtlCol="0">
+            <a:spAutoFit/>
+          </a:bodyPr>
+          <a:lstStyle/>
+          <a:p>
+            <a:r>
+              <a:rPr lang="zh-CN" altLang="en-US" sz="3200" dirty="0">
+                <a:solidFill>
+                  <a:srgbClr val="0066CC"/>
+                </a:solidFill>
+                <a:latin typeface="思源黑体 CN Bold" pitchFamily="34" charset="-122"/>
+                <a:ea typeface="思源黑体 CN Bold" pitchFamily="34" charset="-122"/>
+              </a:rPr>
+              <a:t>几个坑</a:t>
+            </a:r>
+          </a:p>
+        </p:txBody>
+      </p:sp>
+      <p:sp>
+        <p:nvSpPr>
+          <p:cNvPr id="4" name="文本框 3">
+            <a:extLst>
+              <a:ext uri="{FF2B5EF4-FFF2-40B4-BE49-F238E27FC236}">
+                <a16:creationId xmlns:a16="http://schemas.microsoft.com/office/drawing/2014/main" id="{3CB3FB3E-72ED-4069-B4FF-B8CC4E5AC57C}"/>
+              </a:ext>
+            </a:extLst>
+          </p:cNvPr>
+          <p:cNvSpPr txBox="1"/>
+          <p:nvPr/>
+        </p:nvSpPr>
+        <p:spPr>
+          <a:xfrm>
+            <a:off x="1674292" y="1981586"/>
+            <a:ext cx="8568952" cy="2862322"/>
+          </a:xfrm>
+          <a:prstGeom prst="rect">
+            <a:avLst/>
+          </a:prstGeom>
+          <a:noFill/>
+        </p:spPr>
+        <p:txBody>
+          <a:bodyPr wrap="square" rtlCol="0">
+            <a:spAutoFit/>
+          </a:bodyPr>
+          <a:lstStyle/>
+          <a:p>
+            <a:r>
+              <a:rPr lang="en-US" altLang="zh-CN" sz="1800" b="1" dirty="0">
+                <a:solidFill>
+                  <a:srgbClr val="7F0055"/>
+                </a:solidFill>
+                <a:latin typeface="Courier New" panose="02070309020205020404" pitchFamily="49" charset="0"/>
+              </a:rPr>
+              <a:t>public</a:t>
+            </a:r>
+            <a:r>
+              <a:rPr lang="en-US" altLang="zh-CN" sz="1800" b="1" dirty="0">
+                <a:solidFill>
+                  <a:srgbClr val="000000"/>
+                </a:solidFill>
+                <a:latin typeface="Courier New" panose="02070309020205020404" pitchFamily="49" charset="0"/>
+              </a:rPr>
+              <a:t> </a:t>
+            </a:r>
+            <a:r>
+              <a:rPr lang="en-US" altLang="zh-CN" sz="1800" b="1" dirty="0" err="1">
+                <a:solidFill>
+                  <a:srgbClr val="7F0055"/>
+                </a:solidFill>
+                <a:latin typeface="Courier New" panose="02070309020205020404" pitchFamily="49" charset="0"/>
+              </a:rPr>
+              <a:t>boolean</a:t>
+            </a:r>
+            <a:r>
+              <a:rPr lang="en-US" altLang="zh-CN" sz="1800" b="1" dirty="0">
+                <a:solidFill>
+                  <a:srgbClr val="000000"/>
+                </a:solidFill>
+                <a:latin typeface="Courier New" panose="02070309020205020404" pitchFamily="49" charset="0"/>
+              </a:rPr>
+              <a:t> </a:t>
+            </a:r>
+            <a:r>
+              <a:rPr lang="en-US" altLang="zh-CN" sz="1800" b="1" u="sng" dirty="0">
+                <a:solidFill>
+                  <a:srgbClr val="000000"/>
+                </a:solidFill>
+                <a:latin typeface="Courier New" panose="02070309020205020404" pitchFamily="49" charset="0"/>
+              </a:rPr>
+              <a:t>exist(List&lt;Student&gt; </a:t>
+            </a:r>
+            <a:r>
+              <a:rPr lang="en-US" altLang="zh-CN" sz="1800" b="1" u="sng" dirty="0">
+                <a:solidFill>
+                  <a:srgbClr val="6A3E3E"/>
+                </a:solidFill>
+                <a:latin typeface="Courier New" panose="02070309020205020404" pitchFamily="49" charset="0"/>
+              </a:rPr>
+              <a:t>students</a:t>
+            </a:r>
+            <a:r>
+              <a:rPr lang="en-US" altLang="zh-CN" sz="1800" b="1" u="sng" dirty="0">
+                <a:solidFill>
+                  <a:srgbClr val="000000"/>
+                </a:solidFill>
+                <a:latin typeface="Courier New" panose="02070309020205020404" pitchFamily="49" charset="0"/>
+              </a:rPr>
+              <a:t>, String </a:t>
+            </a:r>
+            <a:r>
+              <a:rPr lang="en-US" altLang="zh-CN" sz="1800" b="1" u="sng" dirty="0">
+                <a:solidFill>
+                  <a:srgbClr val="6A3E3E"/>
+                </a:solidFill>
+                <a:latin typeface="Courier New" panose="02070309020205020404" pitchFamily="49" charset="0"/>
+              </a:rPr>
+              <a:t>name</a:t>
+            </a:r>
+            <a:r>
+              <a:rPr lang="en-US" altLang="zh-CN" sz="1800" b="1" u="sng" dirty="0">
+                <a:solidFill>
+                  <a:srgbClr val="000000"/>
+                </a:solidFill>
+                <a:latin typeface="Courier New" panose="02070309020205020404" pitchFamily="49" charset="0"/>
+              </a:rPr>
+              <a:t>) {</a:t>
+            </a:r>
+          </a:p>
+          <a:p>
+            <a:r>
+              <a:rPr lang="en-US" altLang="zh-CN" sz="1800" dirty="0">
+                <a:solidFill>
+                  <a:srgbClr val="6A3E3E"/>
+                </a:solidFill>
+                <a:latin typeface="Courier New" panose="02070309020205020404" pitchFamily="49" charset="0"/>
+              </a:rPr>
+              <a:t>	</a:t>
+            </a:r>
+            <a:r>
+              <a:rPr lang="en-US" altLang="zh-CN" sz="1800" dirty="0" err="1">
+                <a:solidFill>
+                  <a:srgbClr val="6A3E3E"/>
+                </a:solidFill>
+                <a:latin typeface="Courier New" panose="02070309020205020404" pitchFamily="49" charset="0"/>
+              </a:rPr>
+              <a:t>students</a:t>
+            </a:r>
+            <a:r>
+              <a:rPr lang="en-US" altLang="zh-CN" sz="1800" dirty="0" err="1">
+                <a:solidFill>
+                  <a:srgbClr val="000000"/>
+                </a:solidFill>
+                <a:latin typeface="Courier New" panose="02070309020205020404" pitchFamily="49" charset="0"/>
+              </a:rPr>
+              <a:t>.stream</a:t>
+            </a:r>
+            <a:r>
+              <a:rPr lang="en-US" altLang="zh-CN" sz="1800" dirty="0">
+                <a:solidFill>
+                  <a:srgbClr val="000000"/>
+                </a:solidFill>
+                <a:latin typeface="Courier New" panose="02070309020205020404" pitchFamily="49" charset="0"/>
+              </a:rPr>
+              <a:t>().</a:t>
+            </a:r>
+            <a:r>
+              <a:rPr lang="en-US" altLang="zh-CN" sz="1800" dirty="0" err="1">
+                <a:solidFill>
+                  <a:srgbClr val="000000"/>
+                </a:solidFill>
+                <a:latin typeface="Courier New" panose="02070309020205020404" pitchFamily="49" charset="0"/>
+              </a:rPr>
+              <a:t>forEach</a:t>
+            </a:r>
+            <a:r>
+              <a:rPr lang="en-US" altLang="zh-CN" sz="1800" dirty="0">
+                <a:solidFill>
+                  <a:srgbClr val="000000"/>
+                </a:solidFill>
+                <a:latin typeface="Courier New" panose="02070309020205020404" pitchFamily="49" charset="0"/>
+              </a:rPr>
+              <a:t>(</a:t>
+            </a:r>
+            <a:r>
+              <a:rPr lang="en-US" altLang="zh-CN" sz="1800" b="1" dirty="0">
+                <a:solidFill>
+                  <a:srgbClr val="7F0055"/>
+                </a:solidFill>
+                <a:latin typeface="Courier New" panose="02070309020205020404" pitchFamily="49" charset="0"/>
+              </a:rPr>
+              <a:t>new</a:t>
+            </a:r>
+            <a:r>
+              <a:rPr lang="en-US" altLang="zh-CN" sz="1800" b="1" dirty="0">
+                <a:solidFill>
+                  <a:srgbClr val="000000"/>
+                </a:solidFill>
+                <a:latin typeface="Courier New" panose="02070309020205020404" pitchFamily="49" charset="0"/>
+              </a:rPr>
+              <a:t> Consumer&lt;Student&gt;() {</a:t>
+            </a:r>
+          </a:p>
+          <a:p>
+            <a:r>
+              <a:rPr lang="en-US" altLang="zh-CN" sz="1800" dirty="0">
+                <a:solidFill>
+                  <a:srgbClr val="646464"/>
+                </a:solidFill>
+                <a:latin typeface="Courier New" panose="02070309020205020404" pitchFamily="49" charset="0"/>
+              </a:rPr>
+              <a:t>		@Override</a:t>
+            </a:r>
+          </a:p>
+          <a:p>
+            <a:pPr lvl="4"/>
+            <a:r>
+              <a:rPr lang="en-US" altLang="zh-CN" sz="1800" b="1" dirty="0">
+                <a:solidFill>
+                  <a:srgbClr val="7F0055"/>
+                </a:solidFill>
+                <a:latin typeface="Courier New" panose="02070309020205020404" pitchFamily="49" charset="0"/>
+              </a:rPr>
+              <a:t>public</a:t>
+            </a:r>
+            <a:r>
+              <a:rPr lang="en-US" altLang="zh-CN" sz="1800" b="1" dirty="0">
+                <a:solidFill>
+                  <a:srgbClr val="000000"/>
+                </a:solidFill>
+                <a:latin typeface="Courier New" panose="02070309020205020404" pitchFamily="49" charset="0"/>
+              </a:rPr>
+              <a:t> </a:t>
+            </a:r>
+            <a:r>
+              <a:rPr lang="en-US" altLang="zh-CN" sz="1800" b="1" dirty="0">
+                <a:solidFill>
+                  <a:srgbClr val="7F0055"/>
+                </a:solidFill>
+                <a:highlight>
+                  <a:srgbClr val="D4D4D4"/>
+                </a:highlight>
+                <a:latin typeface="Courier New" panose="02070309020205020404" pitchFamily="49" charset="0"/>
+              </a:rPr>
+              <a:t>void</a:t>
+            </a:r>
+            <a:r>
+              <a:rPr lang="en-US" altLang="zh-CN" sz="1800" b="1" dirty="0">
+                <a:solidFill>
+                  <a:srgbClr val="000000"/>
+                </a:solidFill>
+                <a:highlight>
+                  <a:srgbClr val="D4D4D4"/>
+                </a:highlight>
+                <a:latin typeface="Courier New" panose="02070309020205020404" pitchFamily="49" charset="0"/>
+              </a:rPr>
+              <a:t> accept(Student </a:t>
+            </a:r>
+            <a:r>
+              <a:rPr lang="en-US" altLang="zh-CN" sz="1800" b="1" dirty="0">
+                <a:solidFill>
+                  <a:srgbClr val="6A3E3E"/>
+                </a:solidFill>
+                <a:highlight>
+                  <a:srgbClr val="D4D4D4"/>
+                </a:highlight>
+                <a:latin typeface="Courier New" panose="02070309020205020404" pitchFamily="49" charset="0"/>
+              </a:rPr>
+              <a:t>student</a:t>
+            </a:r>
+            <a:r>
+              <a:rPr lang="en-US" altLang="zh-CN" sz="1800" b="1" dirty="0">
+                <a:solidFill>
+                  <a:srgbClr val="000000"/>
+                </a:solidFill>
+                <a:highlight>
+                  <a:srgbClr val="D4D4D4"/>
+                </a:highlight>
+                <a:latin typeface="Courier New" panose="02070309020205020404" pitchFamily="49" charset="0"/>
+              </a:rPr>
+              <a:t>) {</a:t>
+            </a:r>
+          </a:p>
+          <a:p>
+            <a:pPr lvl="4"/>
+            <a:r>
+              <a:rPr lang="en-US" altLang="zh-CN" sz="1800" b="1" dirty="0">
+                <a:solidFill>
+                  <a:srgbClr val="7F0055"/>
+                </a:solidFill>
+                <a:latin typeface="Courier New" panose="02070309020205020404" pitchFamily="49" charset="0"/>
+              </a:rPr>
+              <a:t>		if</a:t>
+            </a:r>
+            <a:r>
+              <a:rPr lang="en-US" altLang="zh-CN" sz="1800" b="1" dirty="0">
+                <a:solidFill>
+                  <a:srgbClr val="000000"/>
+                </a:solidFill>
+                <a:latin typeface="Courier New" panose="02070309020205020404" pitchFamily="49" charset="0"/>
+              </a:rPr>
+              <a:t> (</a:t>
+            </a:r>
+            <a:r>
+              <a:rPr lang="en-US" altLang="zh-CN" sz="1800" b="1" dirty="0" err="1">
+                <a:solidFill>
+                  <a:srgbClr val="6A3E3E"/>
+                </a:solidFill>
+                <a:latin typeface="Courier New" panose="02070309020205020404" pitchFamily="49" charset="0"/>
+              </a:rPr>
+              <a:t>name</a:t>
+            </a:r>
+            <a:r>
+              <a:rPr lang="en-US" altLang="zh-CN" sz="1800" b="1" dirty="0" err="1">
+                <a:solidFill>
+                  <a:srgbClr val="000000"/>
+                </a:solidFill>
+                <a:latin typeface="Courier New" panose="02070309020205020404" pitchFamily="49" charset="0"/>
+              </a:rPr>
+              <a:t>.equals</a:t>
+            </a:r>
+            <a:r>
+              <a:rPr lang="en-US" altLang="zh-CN" sz="1800" b="1" dirty="0">
+                <a:solidFill>
+                  <a:srgbClr val="000000"/>
+                </a:solidFill>
+                <a:latin typeface="Courier New" panose="02070309020205020404" pitchFamily="49" charset="0"/>
+              </a:rPr>
+              <a:t>(</a:t>
+            </a:r>
+            <a:r>
+              <a:rPr lang="en-US" altLang="zh-CN" sz="1800" b="1" dirty="0" err="1">
+                <a:solidFill>
+                  <a:srgbClr val="6A3E3E"/>
+                </a:solidFill>
+                <a:latin typeface="Courier New" panose="02070309020205020404" pitchFamily="49" charset="0"/>
+              </a:rPr>
+              <a:t>student</a:t>
+            </a:r>
+            <a:r>
+              <a:rPr lang="en-US" altLang="zh-CN" sz="1800" b="1" dirty="0" err="1">
+                <a:solidFill>
+                  <a:srgbClr val="000000"/>
+                </a:solidFill>
+                <a:latin typeface="Courier New" panose="02070309020205020404" pitchFamily="49" charset="0"/>
+              </a:rPr>
+              <a:t>.getName</a:t>
+            </a:r>
+            <a:r>
+              <a:rPr lang="en-US" altLang="zh-CN" sz="1800" b="1" dirty="0">
+                <a:solidFill>
+                  <a:srgbClr val="000000"/>
+                </a:solidFill>
+                <a:latin typeface="Courier New" panose="02070309020205020404" pitchFamily="49" charset="0"/>
+              </a:rPr>
+              <a:t>())) {</a:t>
+            </a:r>
+          </a:p>
+          <a:p>
+            <a:r>
+              <a:rPr lang="en-US" altLang="zh-CN" sz="1800" b="1" dirty="0">
+                <a:solidFill>
+                  <a:srgbClr val="7F0055"/>
+                </a:solidFill>
+                <a:highlight>
+                  <a:srgbClr val="D4D4D4"/>
+                </a:highlight>
+                <a:latin typeface="Courier New" panose="02070309020205020404" pitchFamily="49" charset="0"/>
+              </a:rPr>
+              <a:t>				return</a:t>
+            </a:r>
+            <a:r>
+              <a:rPr lang="en-US" altLang="zh-CN" sz="1800" b="1" dirty="0">
+                <a:solidFill>
+                  <a:srgbClr val="000000"/>
+                </a:solidFill>
+                <a:highlight>
+                  <a:srgbClr val="D4D4D4"/>
+                </a:highlight>
+                <a:latin typeface="Courier New" panose="02070309020205020404" pitchFamily="49" charset="0"/>
+              </a:rPr>
+              <a:t> </a:t>
+            </a:r>
+            <a:r>
+              <a:rPr lang="en-US" altLang="zh-CN" sz="1800" b="1" dirty="0">
+                <a:solidFill>
+                  <a:srgbClr val="7F0055"/>
+                </a:solidFill>
+                <a:highlight>
+                  <a:srgbClr val="D4D4D4"/>
+                </a:highlight>
+                <a:latin typeface="Courier New" panose="02070309020205020404" pitchFamily="49" charset="0"/>
+              </a:rPr>
+              <a:t>true</a:t>
+            </a:r>
+            <a:r>
+              <a:rPr lang="en-US" altLang="zh-CN" sz="1800" b="1" dirty="0">
+                <a:solidFill>
+                  <a:srgbClr val="000000"/>
+                </a:solidFill>
+                <a:highlight>
+                  <a:srgbClr val="D4D4D4"/>
+                </a:highlight>
+                <a:latin typeface="Courier New" panose="02070309020205020404" pitchFamily="49" charset="0"/>
+              </a:rPr>
+              <a:t>;</a:t>
+            </a:r>
+          </a:p>
+          <a:p>
+            <a:r>
+              <a:rPr lang="en-US" altLang="zh-CN" sz="1800" dirty="0">
+                <a:solidFill>
+                  <a:srgbClr val="000000"/>
+                </a:solidFill>
+                <a:latin typeface="Courier New" panose="02070309020205020404" pitchFamily="49" charset="0"/>
+              </a:rPr>
+              <a:t>			}</a:t>
+            </a:r>
+          </a:p>
+          <a:p>
+            <a:r>
+              <a:rPr lang="en-US" altLang="zh-CN" sz="1800" dirty="0">
+                <a:solidFill>
+                  <a:srgbClr val="000000"/>
+                </a:solidFill>
+                <a:highlight>
+                  <a:srgbClr val="D4D4D4"/>
+                </a:highlight>
+                <a:latin typeface="Courier New" panose="02070309020205020404" pitchFamily="49" charset="0"/>
+              </a:rPr>
+              <a:t>		}</a:t>
+            </a:r>
+          </a:p>
+          <a:p>
+            <a:r>
+              <a:rPr lang="en-US" altLang="zh-CN" sz="1800" dirty="0">
+                <a:solidFill>
+                  <a:srgbClr val="000000"/>
+                </a:solidFill>
+                <a:latin typeface="Courier New" panose="02070309020205020404" pitchFamily="49" charset="0"/>
+              </a:rPr>
+              <a:t>	});</a:t>
+            </a:r>
+          </a:p>
+          <a:p>
+            <a:r>
+              <a:rPr lang="en-US" altLang="zh-CN" sz="1800" dirty="0">
+                <a:solidFill>
+                  <a:srgbClr val="000000"/>
+                </a:solidFill>
+                <a:latin typeface="Courier New" panose="02070309020205020404" pitchFamily="49" charset="0"/>
+              </a:rPr>
+              <a:t>}</a:t>
+            </a:r>
+            <a:endParaRPr lang="zh-CN" altLang="en-US" sz="1800" dirty="0"/>
+          </a:p>
+        </p:txBody>
+      </p:sp>
+      <p:sp>
+        <p:nvSpPr>
+          <p:cNvPr id="2" name="文本框 1">
+            <a:extLst>
+              <a:ext uri="{FF2B5EF4-FFF2-40B4-BE49-F238E27FC236}">
+                <a16:creationId xmlns:a16="http://schemas.microsoft.com/office/drawing/2014/main" id="{929120C1-4749-40A2-9C33-F95D28DBF713}"/>
+              </a:ext>
+            </a:extLst>
+          </p:cNvPr>
+          <p:cNvSpPr txBox="1"/>
+          <p:nvPr/>
+        </p:nvSpPr>
+        <p:spPr>
+          <a:xfrm>
+            <a:off x="1818308" y="5292799"/>
+            <a:ext cx="8280920" cy="1200329"/>
+          </a:xfrm>
+          <a:prstGeom prst="rect">
+            <a:avLst/>
+          </a:prstGeom>
+          <a:noFill/>
+        </p:spPr>
+        <p:txBody>
+          <a:bodyPr wrap="square" rtlCol="0">
+            <a:spAutoFit/>
+          </a:bodyPr>
+          <a:lstStyle/>
+          <a:p>
+            <a:r>
+              <a:rPr lang="en-US" altLang="zh-CN" sz="1800" dirty="0" err="1">
+                <a:solidFill>
+                  <a:srgbClr val="6A3E3E"/>
+                </a:solidFill>
+                <a:latin typeface="Courier New" panose="02070309020205020404" pitchFamily="49" charset="0"/>
+              </a:rPr>
+              <a:t>students</a:t>
+            </a:r>
+            <a:r>
+              <a:rPr lang="en-US" altLang="zh-CN" sz="1800" dirty="0" err="1">
+                <a:solidFill>
+                  <a:srgbClr val="000000"/>
+                </a:solidFill>
+                <a:latin typeface="Courier New" panose="02070309020205020404" pitchFamily="49" charset="0"/>
+              </a:rPr>
+              <a:t>.stream</a:t>
+            </a:r>
+            <a:r>
+              <a:rPr lang="en-US" altLang="zh-CN" sz="1800" dirty="0">
+                <a:solidFill>
+                  <a:srgbClr val="000000"/>
+                </a:solidFill>
+                <a:latin typeface="Courier New" panose="02070309020205020404" pitchFamily="49" charset="0"/>
+              </a:rPr>
+              <a:t>().</a:t>
+            </a:r>
+            <a:r>
+              <a:rPr lang="en-US" altLang="zh-CN" sz="1800" dirty="0" err="1">
+                <a:solidFill>
+                  <a:srgbClr val="000000"/>
+                </a:solidFill>
+                <a:latin typeface="Courier New" panose="02070309020205020404" pitchFamily="49" charset="0"/>
+              </a:rPr>
+              <a:t>forEach</a:t>
+            </a:r>
+            <a:r>
+              <a:rPr lang="en-US" altLang="zh-CN" sz="1800" dirty="0">
+                <a:solidFill>
+                  <a:srgbClr val="000000"/>
+                </a:solidFill>
+                <a:latin typeface="Courier New" panose="02070309020205020404" pitchFamily="49" charset="0"/>
+              </a:rPr>
+              <a:t>(</a:t>
+            </a:r>
+            <a:r>
+              <a:rPr lang="en-US" altLang="zh-CN" sz="1800" dirty="0">
+                <a:solidFill>
+                  <a:srgbClr val="6A3E3E"/>
+                </a:solidFill>
+                <a:latin typeface="Courier New" panose="02070309020205020404" pitchFamily="49" charset="0"/>
+              </a:rPr>
+              <a:t>s</a:t>
+            </a:r>
+            <a:r>
+              <a:rPr lang="en-US" altLang="zh-CN" sz="1800" dirty="0">
+                <a:solidFill>
+                  <a:srgbClr val="000000"/>
+                </a:solidFill>
+                <a:latin typeface="Courier New" panose="02070309020205020404" pitchFamily="49" charset="0"/>
+              </a:rPr>
+              <a:t> -&gt; {</a:t>
+            </a:r>
+          </a:p>
+          <a:p>
+            <a:r>
+              <a:rPr lang="en-US" altLang="zh-CN" sz="1800" u="sng" dirty="0">
+                <a:solidFill>
+                  <a:srgbClr val="000000"/>
+                </a:solidFill>
+                <a:latin typeface="Courier New" panose="02070309020205020404" pitchFamily="49" charset="0"/>
+              </a:rPr>
+              <a:t>	fun();</a:t>
+            </a:r>
+          </a:p>
+          <a:p>
+            <a:r>
+              <a:rPr lang="en-US" altLang="zh-CN" sz="1800" dirty="0">
+                <a:solidFill>
+                  <a:srgbClr val="000000"/>
+                </a:solidFill>
+                <a:latin typeface="Courier New" panose="02070309020205020404" pitchFamily="49" charset="0"/>
+              </a:rPr>
+              <a:t>});</a:t>
+            </a:r>
+          </a:p>
+          <a:p>
+            <a:r>
+              <a:rPr lang="en-US" altLang="zh-CN" sz="1800" b="1" dirty="0">
+                <a:solidFill>
+                  <a:srgbClr val="7F0055"/>
+                </a:solidFill>
+                <a:highlight>
+                  <a:srgbClr val="E8F2FE"/>
+                </a:highlight>
+                <a:latin typeface="Courier New" panose="02070309020205020404" pitchFamily="49" charset="0"/>
+              </a:rPr>
+              <a:t>public</a:t>
+            </a:r>
+            <a:r>
+              <a:rPr lang="en-US" altLang="zh-CN" sz="1800" b="1" dirty="0">
+                <a:solidFill>
+                  <a:srgbClr val="000000"/>
+                </a:solidFill>
+                <a:highlight>
+                  <a:srgbClr val="E8F2FE"/>
+                </a:highlight>
+                <a:latin typeface="Courier New" panose="02070309020205020404" pitchFamily="49" charset="0"/>
+              </a:rPr>
+              <a:t> </a:t>
+            </a:r>
+            <a:r>
+              <a:rPr lang="en-US" altLang="zh-CN" sz="1800" b="1" dirty="0">
+                <a:solidFill>
+                  <a:srgbClr val="7F0055"/>
+                </a:solidFill>
+                <a:highlight>
+                  <a:srgbClr val="E8F2FE"/>
+                </a:highlight>
+                <a:latin typeface="Courier New" panose="02070309020205020404" pitchFamily="49" charset="0"/>
+              </a:rPr>
+              <a:t>void</a:t>
+            </a:r>
+            <a:r>
+              <a:rPr lang="en-US" altLang="zh-CN" sz="1800" b="1" dirty="0">
+                <a:solidFill>
+                  <a:srgbClr val="000000"/>
+                </a:solidFill>
+                <a:highlight>
+                  <a:srgbClr val="E8F2FE"/>
+                </a:highlight>
+                <a:latin typeface="Courier New" panose="02070309020205020404" pitchFamily="49" charset="0"/>
+              </a:rPr>
+              <a:t> fun() </a:t>
+            </a:r>
+            <a:r>
+              <a:rPr lang="en-US" altLang="zh-CN" sz="1800" b="1" dirty="0">
+                <a:solidFill>
+                  <a:srgbClr val="7F0055"/>
+                </a:solidFill>
+                <a:highlight>
+                  <a:srgbClr val="E8F2FE"/>
+                </a:highlight>
+                <a:latin typeface="Courier New" panose="02070309020205020404" pitchFamily="49" charset="0"/>
+              </a:rPr>
+              <a:t>throws</a:t>
+            </a:r>
+            <a:r>
+              <a:rPr lang="en-US" altLang="zh-CN" sz="1800" b="1" dirty="0">
+                <a:solidFill>
+                  <a:srgbClr val="000000"/>
+                </a:solidFill>
+                <a:highlight>
+                  <a:srgbClr val="E8F2FE"/>
+                </a:highlight>
+                <a:latin typeface="Courier New" panose="02070309020205020404" pitchFamily="49" charset="0"/>
+              </a:rPr>
+              <a:t> Exception {}</a:t>
+            </a:r>
+            <a:endParaRPr lang="zh-CN" altLang="en-US" sz="1800" dirty="0"/>
+          </a:p>
+        </p:txBody>
+      </p:sp>
+    </p:spTree>
+    <p:extLst>
+      <p:ext uri="{BB962C8B-B14F-4D97-AF65-F5344CB8AC3E}">
+        <p14:creationId xmlns:p14="http://schemas.microsoft.com/office/powerpoint/2010/main" val="4196352134"/>
+      </p:ext>
+    </p:extLst>
+  </p:cSld>
+  <p:clrMapOvr>
+    <a:masterClrMapping/>
+  </p:clrMapOvr>
+  <p:transition spd="slow">
+    <p:wipe dir="r"/>
+  </p:transition>
+  <p:timing>
+    <p:tnLst>
+      <p:par>
+        <p:cTn id="1" dur="indefinite" restart="never" nodeType="tmRoot">
+          <p:childTnLst>
+            <p:seq concurrent="1" nextAc="seek">
+              <p:cTn id="2" dur="indefinite" nodeType="mainSeq">
+                <p:childTnLst>
+                  <p:par>
+                    <p:cTn id="3" fill="hold">
+                      <p:stCondLst>
+                        <p:cond delay="indefinite"/>
+                      </p:stCondLst>
+                      <p:childTnLst>
+                        <p:par>
+                          <p:cTn id="4" fill="hold">
+                            <p:stCondLst>
+                              <p:cond delay="0"/>
+                            </p:stCondLst>
+                            <p:childTnLst>
+                              <p:par>
+                                <p:cTn id="5" presetID="2" presetClass="entr" presetSubtype="4" fill="hold" grpId="0" nodeType="clickEffect">
+                                  <p:stCondLst>
+                                    <p:cond delay="0"/>
+                                  </p:stCondLst>
+                                  <p:childTnLst>
+                                    <p:set>
+                                      <p:cBhvr>
+                                        <p:cTn id="6" dur="1" fill="hold">
+                                          <p:stCondLst>
+                                            <p:cond delay="0"/>
+                                          </p:stCondLst>
+                                        </p:cTn>
+                                        <p:tgtEl>
+                                          <p:spTgt spid="2"/>
+                                        </p:tgtEl>
+                                        <p:attrNameLst>
+                                          <p:attrName>style.visibility</p:attrName>
+                                        </p:attrNameLst>
+                                      </p:cBhvr>
+                                      <p:to>
+                                        <p:strVal val="visible"/>
+                                      </p:to>
+                                    </p:set>
+                                    <p:anim calcmode="lin" valueType="num">
+                                      <p:cBhvr additive="base">
+                                        <p:cTn id="7" dur="500" fill="hold"/>
+                                        <p:tgtEl>
+                                          <p:spTgt spid="2"/>
+                                        </p:tgtEl>
+                                        <p:attrNameLst>
+                                          <p:attrName>ppt_x</p:attrName>
+                                        </p:attrNameLst>
+                                      </p:cBhvr>
+                                      <p:tavLst>
+                                        <p:tav tm="0">
+                                          <p:val>
+                                            <p:strVal val="#ppt_x"/>
+                                          </p:val>
+                                        </p:tav>
+                                        <p:tav tm="100000">
+                                          <p:val>
+                                            <p:strVal val="#ppt_x"/>
+                                          </p:val>
+                                        </p:tav>
+                                      </p:tavLst>
+                                    </p:anim>
+                                    <p:anim calcmode="lin" valueType="num">
+                                      <p:cBhvr additive="base">
+                                        <p:cTn id="8" dur="500" fill="hold"/>
+                                        <p:tgtEl>
+                                          <p:spTgt spid="2"/>
+                                        </p:tgtEl>
+                                        <p:attrNameLst>
+                                          <p:attrName>ppt_y</p:attrName>
+                                        </p:attrNameLst>
+                                      </p:cBhvr>
+                                      <p:tavLst>
+                                        <p:tav tm="0">
+                                          <p:val>
+                                            <p:strVal val="1+#ppt_h/2"/>
+                                          </p:val>
+                                        </p:tav>
+                                        <p:tav tm="100000">
+                                          <p:val>
+                                            <p:strVal val="#ppt_y"/>
+                                          </p:val>
+                                        </p:tav>
+                                      </p:tavLst>
+                                    </p:anim>
+                                  </p:childTnLst>
+                                </p:cTn>
+                              </p:par>
+                            </p:childTnLst>
+                          </p:cTn>
+                        </p:par>
+                      </p:childTnLst>
+                    </p:cTn>
+                  </p:par>
+                </p:childTnLst>
+              </p:cTn>
+              <p:prevCondLst>
+                <p:cond evt="onPrev" delay="0">
+                  <p:tgtEl>
+                    <p:sldTgt/>
+                  </p:tgtEl>
+                </p:cond>
+              </p:prevCondLst>
+              <p:nextCondLst>
+                <p:cond evt="onNext" delay="0">
+                  <p:tgtEl>
+                    <p:sldTgt/>
+                  </p:tgtEl>
+                </p:cond>
+              </p:nextCondLst>
+            </p:seq>
+          </p:childTnLst>
+        </p:cTn>
+      </p:par>
+    </p:tnLst>
+    <p:bldLst>
+      <p:bldP spid="2" grpId="0"/>
+    </p:bldLst>
+  </p:timing>
+</p:sld>
+</file>
+
+<file path=ppt/slides/slide23.xml><?xml version="1.0" encoding="utf-8"?>
+<p:sld xmlns:a="http://schemas.openxmlformats.org/drawingml/2006/main" xmlns:r="http://schemas.openxmlformats.org/officeDocument/2006/relationships" xmlns:p="http://schemas.openxmlformats.org/presentationml/2006/main">
+  <p:cSld>
     <p:bg>
       <p:bgPr>
         <a:solidFill>
@@ -3598,369 +11516,6 @@
 </p:sld>
 </file>
 
-<file path=ppt/slides/slide2.xml><?xml version="1.0" encoding="utf-8"?>
-<p:sld xmlns:a="http://schemas.openxmlformats.org/drawingml/2006/main" xmlns:r="http://schemas.openxmlformats.org/officeDocument/2006/relationships" xmlns:p="http://schemas.openxmlformats.org/presentationml/2006/main">
-  <p:cSld>
-    <p:spTree>
-      <p:nvGrpSpPr>
-        <p:cNvPr id="1" name=""/>
-        <p:cNvGrpSpPr/>
-        <p:nvPr/>
-      </p:nvGrpSpPr>
-      <p:grpSpPr>
-        <a:xfrm>
-          <a:off x="0" y="0"/>
-          <a:ext cx="0" cy="0"/>
-          <a:chOff x="0" y="0"/>
-          <a:chExt cx="0" cy="0"/>
-        </a:xfrm>
-      </p:grpSpPr>
-      <p:sp>
-        <p:nvSpPr>
-          <p:cNvPr id="3" name="TextBox 2"/>
-          <p:cNvSpPr txBox="1"/>
-          <p:nvPr/>
-        </p:nvSpPr>
-        <p:spPr>
-          <a:xfrm>
-            <a:off x="1172845" y="1123522"/>
-            <a:ext cx="2927789" cy="584775"/>
-          </a:xfrm>
-          <a:prstGeom prst="rect">
-            <a:avLst/>
-          </a:prstGeom>
-          <a:noFill/>
-        </p:spPr>
-        <p:txBody>
-          <a:bodyPr wrap="none" rtlCol="0">
-            <a:spAutoFit/>
-          </a:bodyPr>
-          <a:lstStyle/>
-          <a:p>
-            <a:r>
-              <a:rPr lang="en-US" altLang="zh-CN" sz="3200" dirty="0">
-                <a:solidFill>
-                  <a:srgbClr val="0066CC"/>
-                </a:solidFill>
-                <a:latin typeface="思源黑体 CN Bold" pitchFamily="34" charset="-122"/>
-                <a:ea typeface="思源黑体 CN Bold" pitchFamily="34" charset="-122"/>
-              </a:rPr>
-              <a:t>Java8</a:t>
-            </a:r>
-            <a:r>
-              <a:rPr lang="zh-CN" altLang="en-US" sz="3200" dirty="0">
-                <a:solidFill>
-                  <a:srgbClr val="0066CC"/>
-                </a:solidFill>
-                <a:latin typeface="思源黑体 CN Bold" pitchFamily="34" charset="-122"/>
-                <a:ea typeface="思源黑体 CN Bold" pitchFamily="34" charset="-122"/>
-              </a:rPr>
-              <a:t>  </a:t>
-            </a:r>
-            <a:r>
-              <a:rPr lang="en-US" altLang="zh-CN" sz="3200" dirty="0">
-                <a:solidFill>
-                  <a:srgbClr val="0066CC"/>
-                </a:solidFill>
-                <a:latin typeface="思源黑体 CN Bold" pitchFamily="34" charset="-122"/>
-                <a:ea typeface="思源黑体 CN Bold" pitchFamily="34" charset="-122"/>
-              </a:rPr>
-              <a:t>Update</a:t>
-            </a:r>
-            <a:endParaRPr lang="zh-CN" altLang="en-US" sz="3200" dirty="0">
-              <a:solidFill>
-                <a:srgbClr val="0066CC"/>
-              </a:solidFill>
-              <a:latin typeface="思源黑体 CN Bold" pitchFamily="34" charset="-122"/>
-              <a:ea typeface="思源黑体 CN Bold" pitchFamily="34" charset="-122"/>
-            </a:endParaRPr>
-          </a:p>
-        </p:txBody>
-      </p:sp>
-      <p:sp>
-        <p:nvSpPr>
-          <p:cNvPr id="4" name="TextBox 3"/>
-          <p:cNvSpPr txBox="1"/>
-          <p:nvPr/>
-        </p:nvSpPr>
-        <p:spPr>
-          <a:xfrm>
-            <a:off x="1170236" y="1796275"/>
-            <a:ext cx="8424936" cy="3298339"/>
-          </a:xfrm>
-          <a:prstGeom prst="rect">
-            <a:avLst/>
-          </a:prstGeom>
-          <a:noFill/>
-        </p:spPr>
-        <p:txBody>
-          <a:bodyPr wrap="square" rtlCol="0">
-            <a:spAutoFit/>
-          </a:bodyPr>
-          <a:lstStyle/>
-          <a:p>
-            <a:pPr>
-              <a:lnSpc>
-                <a:spcPts val="2500"/>
-              </a:lnSpc>
-            </a:pPr>
-            <a:r>
-              <a:rPr lang="en-US" altLang="zh-CN" sz="2400" dirty="0">
-                <a:solidFill>
-                  <a:schemeClr val="tx1">
-                    <a:lumMod val="75000"/>
-                    <a:lumOff val="25000"/>
-                  </a:schemeClr>
-                </a:solidFill>
-                <a:latin typeface="宋体" panose="02010600030101010101" pitchFamily="2" charset="-122"/>
-                <a:ea typeface="宋体" panose="02010600030101010101" pitchFamily="2" charset="-122"/>
-              </a:rPr>
-              <a:t>Java Programming Language</a:t>
-            </a:r>
-          </a:p>
-          <a:p>
-            <a:pPr marL="877736" lvl="1" indent="-342900">
-              <a:lnSpc>
-                <a:spcPts val="2500"/>
-              </a:lnSpc>
-              <a:buFont typeface="Wingdings" panose="05000000000000000000" pitchFamily="2" charset="2"/>
-              <a:buChar char="l"/>
-            </a:pPr>
-            <a:r>
-              <a:rPr lang="en-US" altLang="zh-CN" sz="1800" b="1" dirty="0">
-                <a:solidFill>
-                  <a:srgbClr val="C00000"/>
-                </a:solidFill>
-                <a:latin typeface="宋体" panose="02010600030101010101" pitchFamily="2" charset="-122"/>
-                <a:ea typeface="宋体" panose="02010600030101010101" pitchFamily="2" charset="-122"/>
-              </a:rPr>
-              <a:t>Lambda Expressions</a:t>
-            </a:r>
-          </a:p>
-          <a:p>
-            <a:pPr marL="877736" lvl="1" indent="-342900">
-              <a:lnSpc>
-                <a:spcPts val="2500"/>
-              </a:lnSpc>
-              <a:buFont typeface="Wingdings" panose="05000000000000000000" pitchFamily="2" charset="2"/>
-              <a:buChar char="l"/>
-            </a:pPr>
-            <a:r>
-              <a:rPr lang="en-US" altLang="zh-CN" sz="1800" dirty="0">
-                <a:solidFill>
-                  <a:schemeClr val="tx1">
-                    <a:lumMod val="75000"/>
-                    <a:lumOff val="25000"/>
-                  </a:schemeClr>
-                </a:solidFill>
-                <a:latin typeface="宋体" panose="02010600030101010101" pitchFamily="2" charset="-122"/>
-                <a:ea typeface="宋体" panose="02010600030101010101" pitchFamily="2" charset="-122"/>
-              </a:rPr>
-              <a:t>Method references</a:t>
-            </a:r>
-          </a:p>
-          <a:p>
-            <a:pPr marL="877736" lvl="1" indent="-342900">
-              <a:lnSpc>
-                <a:spcPts val="2500"/>
-              </a:lnSpc>
-              <a:buFont typeface="Wingdings" panose="05000000000000000000" pitchFamily="2" charset="2"/>
-              <a:buChar char="l"/>
-            </a:pPr>
-            <a:r>
-              <a:rPr lang="en-US" altLang="zh-CN" sz="1800" dirty="0">
-                <a:solidFill>
-                  <a:schemeClr val="tx1">
-                    <a:lumMod val="75000"/>
-                    <a:lumOff val="25000"/>
-                  </a:schemeClr>
-                </a:solidFill>
-                <a:latin typeface="宋体" panose="02010600030101010101" pitchFamily="2" charset="-122"/>
-                <a:ea typeface="宋体" panose="02010600030101010101" pitchFamily="2" charset="-122"/>
-              </a:rPr>
-              <a:t>Default methods</a:t>
-            </a:r>
-          </a:p>
-          <a:p>
-            <a:pPr marL="877736" lvl="1" indent="-342900">
-              <a:lnSpc>
-                <a:spcPts val="2500"/>
-              </a:lnSpc>
-              <a:buFont typeface="Wingdings" panose="05000000000000000000" pitchFamily="2" charset="2"/>
-              <a:buChar char="l"/>
-            </a:pPr>
-            <a:r>
-              <a:rPr lang="en-US" altLang="zh-CN" sz="1800" dirty="0">
-                <a:solidFill>
-                  <a:schemeClr val="tx1">
-                    <a:lumMod val="75000"/>
-                    <a:lumOff val="25000"/>
-                  </a:schemeClr>
-                </a:solidFill>
-                <a:latin typeface="宋体" panose="02010600030101010101" pitchFamily="2" charset="-122"/>
-                <a:ea typeface="宋体" panose="02010600030101010101" pitchFamily="2" charset="-122"/>
-              </a:rPr>
-              <a:t>…</a:t>
-            </a:r>
-          </a:p>
-          <a:p>
-            <a:pPr lvl="1">
-              <a:lnSpc>
-                <a:spcPts val="2500"/>
-              </a:lnSpc>
-            </a:pPr>
-            <a:endParaRPr lang="en-US" altLang="zh-CN" sz="1800" dirty="0">
-              <a:solidFill>
-                <a:schemeClr val="tx1">
-                  <a:lumMod val="75000"/>
-                  <a:lumOff val="25000"/>
-                </a:schemeClr>
-              </a:solidFill>
-              <a:latin typeface="宋体" panose="02010600030101010101" pitchFamily="2" charset="-122"/>
-              <a:ea typeface="宋体" panose="02010600030101010101" pitchFamily="2" charset="-122"/>
-            </a:endParaRPr>
-          </a:p>
-          <a:p>
-            <a:pPr marL="0" lvl="1">
-              <a:lnSpc>
-                <a:spcPts val="2500"/>
-              </a:lnSpc>
-            </a:pPr>
-            <a:r>
-              <a:rPr lang="en-US" altLang="zh-CN" sz="2400" dirty="0">
-                <a:solidFill>
-                  <a:schemeClr val="tx1">
-                    <a:lumMod val="75000"/>
-                    <a:lumOff val="25000"/>
-                  </a:schemeClr>
-                </a:solidFill>
-                <a:latin typeface="宋体" panose="02010600030101010101" pitchFamily="2" charset="-122"/>
-                <a:ea typeface="宋体" panose="02010600030101010101" pitchFamily="2" charset="-122"/>
-              </a:rPr>
-              <a:t>Collections</a:t>
-            </a:r>
-          </a:p>
-          <a:p>
-            <a:pPr marL="877736" lvl="1" indent="-342900">
-              <a:lnSpc>
-                <a:spcPts val="2500"/>
-              </a:lnSpc>
-              <a:buFont typeface="Wingdings" panose="05000000000000000000" pitchFamily="2" charset="2"/>
-              <a:buChar char="l"/>
-            </a:pPr>
-            <a:r>
-              <a:rPr lang="en-US" altLang="zh-CN" sz="1800" b="1" dirty="0">
-                <a:solidFill>
-                  <a:srgbClr val="C00000"/>
-                </a:solidFill>
-                <a:latin typeface="宋体" panose="02010600030101010101" pitchFamily="2" charset="-122"/>
-                <a:ea typeface="宋体" panose="02010600030101010101" pitchFamily="2" charset="-122"/>
-              </a:rPr>
-              <a:t>Stream API</a:t>
-            </a:r>
-          </a:p>
-          <a:p>
-            <a:pPr marL="877736" lvl="1" indent="-342900">
-              <a:lnSpc>
-                <a:spcPts val="2500"/>
-              </a:lnSpc>
-              <a:buFont typeface="Wingdings" panose="05000000000000000000" pitchFamily="2" charset="2"/>
-              <a:buChar char="l"/>
-            </a:pPr>
-            <a:endParaRPr lang="en-US" altLang="zh-CN" sz="1800" dirty="0">
-              <a:solidFill>
-                <a:schemeClr val="tx1">
-                  <a:lumMod val="75000"/>
-                  <a:lumOff val="25000"/>
-                </a:schemeClr>
-              </a:solidFill>
-              <a:latin typeface="宋体" panose="02010600030101010101" pitchFamily="2" charset="-122"/>
-              <a:ea typeface="宋体" panose="02010600030101010101" pitchFamily="2" charset="-122"/>
-            </a:endParaRPr>
-          </a:p>
-          <a:p>
-            <a:pPr marL="0" lvl="1">
-              <a:lnSpc>
-                <a:spcPts val="2500"/>
-              </a:lnSpc>
-            </a:pPr>
-            <a:r>
-              <a:rPr lang="en-US" altLang="zh-CN" sz="2400" dirty="0">
-                <a:solidFill>
-                  <a:schemeClr val="tx1">
-                    <a:lumMod val="75000"/>
-                    <a:lumOff val="25000"/>
-                  </a:schemeClr>
-                </a:solidFill>
-                <a:latin typeface="宋体" panose="02010600030101010101" pitchFamily="2" charset="-122"/>
-                <a:ea typeface="宋体" panose="02010600030101010101" pitchFamily="2" charset="-122"/>
-              </a:rPr>
-              <a:t>…</a:t>
-            </a:r>
-            <a:endParaRPr lang="zh-CN" altLang="en-US" sz="1200" dirty="0">
-              <a:solidFill>
-                <a:schemeClr val="tx1">
-                  <a:lumMod val="75000"/>
-                  <a:lumOff val="25000"/>
-                </a:schemeClr>
-              </a:solidFill>
-              <a:latin typeface="微软雅黑" pitchFamily="34" charset="-122"/>
-              <a:ea typeface="微软雅黑" pitchFamily="34" charset="-122"/>
-            </a:endParaRPr>
-          </a:p>
-        </p:txBody>
-      </p:sp>
-      <p:sp>
-        <p:nvSpPr>
-          <p:cNvPr id="2" name="TextBox 1"/>
-          <p:cNvSpPr txBox="1"/>
-          <p:nvPr/>
-        </p:nvSpPr>
-        <p:spPr>
-          <a:xfrm>
-            <a:off x="882205" y="6039718"/>
-            <a:ext cx="8712967" cy="369332"/>
-          </a:xfrm>
-          <a:prstGeom prst="rect">
-            <a:avLst/>
-          </a:prstGeom>
-          <a:noFill/>
-        </p:spPr>
-        <p:txBody>
-          <a:bodyPr wrap="square" rtlCol="0">
-            <a:spAutoFit/>
-          </a:bodyPr>
-          <a:lstStyle/>
-          <a:p>
-            <a:r>
-              <a:rPr lang="zh-CN" altLang="en-US" sz="1800" dirty="0"/>
-              <a:t>了解更多</a:t>
-            </a:r>
-            <a:r>
-              <a:rPr lang="en-US" altLang="zh-CN" sz="1800" dirty="0"/>
-              <a:t>:</a:t>
-            </a:r>
-            <a:r>
-              <a:rPr lang="en-US" altLang="zh-CN" sz="1800" dirty="0">
-                <a:hlinkClick r:id="rId2"/>
-              </a:rPr>
-              <a:t>https://www.oracle.com/technetwork/java/javase/8-whats-new-2157071.html</a:t>
-            </a:r>
-            <a:endParaRPr lang="zh-CN" altLang="en-US" sz="1800" dirty="0"/>
-          </a:p>
-        </p:txBody>
-      </p:sp>
-    </p:spTree>
-  </p:cSld>
-  <p:clrMapOvr>
-    <a:masterClrMapping/>
-  </p:clrMapOvr>
-  <p:transition spd="slow">
-    <p:wipe dir="r"/>
-  </p:transition>
-</p:sld>
-</file>
-
 <file path=ppt/slides/slide3.xml><?xml version="1.0" encoding="utf-8"?>
 <p:sld xmlns:a="http://schemas.openxmlformats.org/drawingml/2006/main" xmlns:r="http://schemas.openxmlformats.org/officeDocument/2006/relationships" xmlns:p="http://schemas.openxmlformats.org/presentationml/2006/main">
   <p:cSld>
@@ -4042,7 +11597,7 @@
         <p:spPr>
           <a:xfrm>
             <a:off x="1170236" y="1796275"/>
-            <a:ext cx="8424936" cy="1695336"/>
+            <a:ext cx="8424936" cy="1374735"/>
           </a:xfrm>
           <a:prstGeom prst="rect">
             <a:avLst/>
@@ -4168,14 +11723,38 @@
               <a:ea typeface="宋体" panose="02010600030101010101" pitchFamily="2" charset="-122"/>
             </a:endParaRPr>
           </a:p>
-          <a:p>
-            <a:pPr marL="0" lvl="1">
-              <a:lnSpc>
-                <a:spcPts val="2500"/>
-              </a:lnSpc>
-            </a:pPr>
-            <a:r>
-              <a:rPr lang="zh-CN" altLang="en-US" sz="2400" b="1" dirty="0">
+        </p:txBody>
+      </p:sp>
+      <p:sp>
+        <p:nvSpPr>
+          <p:cNvPr id="2" name="文本框 1">
+            <a:extLst>
+              <a:ext uri="{FF2B5EF4-FFF2-40B4-BE49-F238E27FC236}">
+                <a16:creationId xmlns:a16="http://schemas.microsoft.com/office/drawing/2014/main" id="{E3E427DB-C588-456D-8770-DC753D1C0043}"/>
+              </a:ext>
+            </a:extLst>
+          </p:cNvPr>
+          <p:cNvSpPr txBox="1"/>
+          <p:nvPr/>
+        </p:nvSpPr>
+        <p:spPr>
+          <a:xfrm>
+            <a:off x="1170236" y="3636614"/>
+            <a:ext cx="6624736" cy="723275"/>
+          </a:xfrm>
+          <a:prstGeom prst="rect">
+            <a:avLst/>
+          </a:prstGeom>
+          <a:noFill/>
+        </p:spPr>
+        <p:txBody>
+          <a:bodyPr wrap="square" rtlCol="0">
+            <a:spAutoFit/>
+          </a:bodyPr>
+          <a:lstStyle/>
+          <a:p>
+            <a:r>
+              <a:rPr lang="zh-CN" altLang="en-US" sz="2000" b="1" dirty="0">
                 <a:solidFill>
                   <a:srgbClr val="C00000"/>
                 </a:solidFill>
@@ -4183,7 +11762,7 @@
               <a:t>我们目前基于</a:t>
             </a:r>
             <a:r>
-              <a:rPr lang="en-US" altLang="zh-CN" sz="2400" b="1" dirty="0">
+              <a:rPr lang="en-US" altLang="zh-CN" sz="2000" b="1" dirty="0">
                 <a:solidFill>
                   <a:srgbClr val="C00000"/>
                 </a:solidFill>
@@ -4191,18 +11770,21 @@
               <a:t>Java8</a:t>
             </a:r>
             <a:r>
-              <a:rPr lang="zh-CN" altLang="en-US" sz="2400" b="1" dirty="0">
+              <a:rPr lang="zh-CN" altLang="en-US" sz="2000" b="1" dirty="0">
                 <a:solidFill>
                   <a:srgbClr val="C00000"/>
                 </a:solidFill>
               </a:rPr>
               <a:t>进行开发</a:t>
             </a:r>
-            <a:endParaRPr lang="en-US" altLang="zh-CN" sz="2400" b="1" dirty="0">
+            <a:endParaRPr lang="en-US" altLang="zh-CN" sz="2000" b="1" dirty="0">
               <a:solidFill>
                 <a:srgbClr val="C00000"/>
               </a:solidFill>
             </a:endParaRPr>
+          </a:p>
+          <a:p>
+            <a:endParaRPr lang="zh-CN" altLang="en-US" dirty="0"/>
           </a:p>
         </p:txBody>
       </p:sp>
@@ -4219,6 +11801,130 @@
   <p:transition spd="slow">
     <p:wipe dir="r"/>
   </p:transition>
+  <p:timing>
+    <p:tnLst>
+      <p:par>
+        <p:cTn id="1" dur="indefinite" restart="never" nodeType="tmRoot">
+          <p:childTnLst>
+            <p:seq concurrent="1" nextAc="seek">
+              <p:cTn id="2" dur="indefinite" nodeType="mainSeq">
+                <p:childTnLst>
+                  <p:par>
+                    <p:cTn id="3" fill="hold">
+                      <p:stCondLst>
+                        <p:cond delay="indefinite"/>
+                      </p:stCondLst>
+                      <p:childTnLst>
+                        <p:par>
+                          <p:cTn id="4" fill="hold">
+                            <p:stCondLst>
+                              <p:cond delay="0"/>
+                            </p:stCondLst>
+                            <p:childTnLst>
+                              <p:par>
+                                <p:cTn id="5" presetID="2" presetClass="entr" presetSubtype="4" fill="hold" grpId="0" nodeType="clickEffect">
+                                  <p:stCondLst>
+                                    <p:cond delay="0"/>
+                                  </p:stCondLst>
+                                  <p:childTnLst>
+                                    <p:set>
+                                      <p:cBhvr>
+                                        <p:cTn id="6" dur="1" fill="hold">
+                                          <p:stCondLst>
+                                            <p:cond delay="0"/>
+                                          </p:stCondLst>
+                                        </p:cTn>
+                                        <p:tgtEl>
+                                          <p:spTgt spid="2"/>
+                                        </p:tgtEl>
+                                        <p:attrNameLst>
+                                          <p:attrName>style.visibility</p:attrName>
+                                        </p:attrNameLst>
+                                      </p:cBhvr>
+                                      <p:to>
+                                        <p:strVal val="visible"/>
+                                      </p:to>
+                                    </p:set>
+                                    <p:anim calcmode="lin" valueType="num">
+                                      <p:cBhvr additive="base">
+                                        <p:cTn id="7" dur="500" fill="hold"/>
+                                        <p:tgtEl>
+                                          <p:spTgt spid="2"/>
+                                        </p:tgtEl>
+                                        <p:attrNameLst>
+                                          <p:attrName>ppt_x</p:attrName>
+                                        </p:attrNameLst>
+                                      </p:cBhvr>
+                                      <p:tavLst>
+                                        <p:tav tm="0">
+                                          <p:val>
+                                            <p:strVal val="#ppt_x"/>
+                                          </p:val>
+                                        </p:tav>
+                                        <p:tav tm="100000">
+                                          <p:val>
+                                            <p:strVal val="#ppt_x"/>
+                                          </p:val>
+                                        </p:tav>
+                                      </p:tavLst>
+                                    </p:anim>
+                                    <p:anim calcmode="lin" valueType="num">
+                                      <p:cBhvr additive="base">
+                                        <p:cTn id="8" dur="500" fill="hold"/>
+                                        <p:tgtEl>
+                                          <p:spTgt spid="2"/>
+                                        </p:tgtEl>
+                                        <p:attrNameLst>
+                                          <p:attrName>ppt_y</p:attrName>
+                                        </p:attrNameLst>
+                                      </p:cBhvr>
+                                      <p:tavLst>
+                                        <p:tav tm="0">
+                                          <p:val>
+                                            <p:strVal val="1+#ppt_h/2"/>
+                                          </p:val>
+                                        </p:tav>
+                                        <p:tav tm="100000">
+                                          <p:val>
+                                            <p:strVal val="#ppt_y"/>
+                                          </p:val>
+                                        </p:tav>
+                                      </p:tavLst>
+                                    </p:anim>
+                                  </p:childTnLst>
+                                </p:cTn>
+                              </p:par>
+                            </p:childTnLst>
+                          </p:cTn>
+                        </p:par>
+                      </p:childTnLst>
+                    </p:cTn>
+                  </p:par>
+                </p:childTnLst>
+              </p:cTn>
+              <p:prevCondLst>
+                <p:cond evt="onPrev" delay="0">
+                  <p:tgtEl>
+                    <p:sldTgt/>
+                  </p:tgtEl>
+                </p:cond>
+              </p:prevCondLst>
+              <p:nextCondLst>
+                <p:cond evt="onNext" delay="0">
+                  <p:tgtEl>
+                    <p:sldTgt/>
+                  </p:tgtEl>
+                </p:cond>
+              </p:nextCondLst>
+            </p:seq>
+          </p:childTnLst>
+        </p:cTn>
+      </p:par>
+    </p:tnLst>
+    <p:bldLst>
+      <p:bldP spid="2" grpId="0"/>
+    </p:bldLst>
+  </p:timing>
 </p:sld>
 </file>
 
@@ -7734,7 +15440,7 @@
                                           </p:stCondLst>
                                         </p:cTn>
                                         <p:tgtEl>
-                                          <p:spTgt spid="2"/>
+                                          <p:spTgt spid="5"/>
                                         </p:tgtEl>
                                         <p:attrNameLst>
                                           <p:attrName>style.visibility</p:attrName>
@@ -7748,7 +15454,7 @@
                                       <p:cBhvr additive="base">
                                         <p:cTn id="7" dur="500" fill="hold"/>
                                         <p:tgtEl>
-                                          <p:spTgt spid="2"/>
+                                          <p:spTgt spid="5"/>
                                         </p:tgtEl>
                                         <p:attrNameLst>
                                           <p:attrName>ppt_x</p:attrName>
@@ -7771,7 +15477,7 @@
                                       <p:cBhvr additive="base">
                                         <p:cTn id="8" dur="500" fill="hold"/>
                                         <p:tgtEl>
-                                          <p:spTgt spid="2"/>
+                                          <p:spTgt spid="5"/>
                                         </p:tgtEl>
                                         <p:attrNameLst>
                                           <p:attrName>ppt_y</p:attrName>
@@ -7821,7 +15527,7 @@
       </p:par>
     </p:tnLst>
     <p:bldLst>
-      <p:bldP spid="2" grpId="0"/>
+      <p:bldP spid="5" grpId="0"/>
     </p:bldLst>
   </p:timing>
 </p:sld>

--- a/share/Java8(LambdaExpressions&StreamAPI).pptx
+++ b/share/Java8(LambdaExpressions&StreamAPI).pptx
@@ -128,7 +128,7 @@
   </p:defaultTextStyle>
   <p:extLst>
     <p:ext uri="{EFAFB233-063F-42B5-8137-9DF3F51BA10A}">
-      <p15:sldGuideLst xmlns:p15="http://schemas.microsoft.com/office/powerpoint/2012/main">
+      <p15:sldGuideLst xmlns:p15="http://schemas.microsoft.com/office/powerpoint/2012/main" xmlns="">
         <p15:guide id="1" orient="horz" pos="2382">
           <p15:clr>
             <a:srgbClr val="A4A3A4"/>
@@ -1090,6 +1090,13 @@
   <p:transition spd="slow">
     <p:wipe dir="r"/>
   </p:transition>
+  <p:timing>
+    <p:tnLst>
+      <p:par>
+        <p:cTn id="1" dur="indefinite" restart="never" nodeType="tmRoot"/>
+      </p:par>
+    </p:tnLst>
+  </p:timing>
 </p:sld>
 </file>
 
@@ -1157,7 +1164,7 @@
           <p:cNvPr id="5" name="TextBox 3">
             <a:extLst>
               <a:ext uri="{FF2B5EF4-FFF2-40B4-BE49-F238E27FC236}">
-                <a16:creationId xmlns:a16="http://schemas.microsoft.com/office/drawing/2014/main" id="{D7F540C6-67F0-40E7-AC16-B9DEF667A8BB}"/>
+                <a16:creationId xmlns:a16="http://schemas.microsoft.com/office/drawing/2014/main" xmlns="" id="{D7F540C6-67F0-40E7-AC16-B9DEF667A8BB}"/>
               </a:ext>
             </a:extLst>
           </p:cNvPr>
@@ -1830,6 +1837,13 @@
   <p:transition spd="slow">
     <p:wipe dir="r"/>
   </p:transition>
+  <p:timing>
+    <p:tnLst>
+      <p:par>
+        <p:cTn id="1" dur="indefinite" restart="never" nodeType="tmRoot"/>
+      </p:par>
+    </p:tnLst>
+  </p:timing>
 </p:sld>
 </file>
 
@@ -1897,7 +1911,7 @@
           <p:cNvPr id="5" name="TextBox 3">
             <a:extLst>
               <a:ext uri="{FF2B5EF4-FFF2-40B4-BE49-F238E27FC236}">
-                <a16:creationId xmlns:a16="http://schemas.microsoft.com/office/drawing/2014/main" id="{D7F540C6-67F0-40E7-AC16-B9DEF667A8BB}"/>
+                <a16:creationId xmlns:a16="http://schemas.microsoft.com/office/drawing/2014/main" xmlns="" id="{D7F540C6-67F0-40E7-AC16-B9DEF667A8BB}"/>
               </a:ext>
             </a:extLst>
           </p:cNvPr>
@@ -2743,6 +2757,13 @@
   <p:transition spd="slow">
     <p:wipe dir="r"/>
   </p:transition>
+  <p:timing>
+    <p:tnLst>
+      <p:par>
+        <p:cTn id="1" dur="indefinite" restart="never" nodeType="tmRoot"/>
+      </p:par>
+    </p:tnLst>
+  </p:timing>
 </p:sld>
 </file>
 
@@ -2810,7 +2831,7 @@
           <p:cNvPr id="5" name="TextBox 3">
             <a:extLst>
               <a:ext uri="{FF2B5EF4-FFF2-40B4-BE49-F238E27FC236}">
-                <a16:creationId xmlns:a16="http://schemas.microsoft.com/office/drawing/2014/main" id="{D7F540C6-67F0-40E7-AC16-B9DEF667A8BB}"/>
+                <a16:creationId xmlns:a16="http://schemas.microsoft.com/office/drawing/2014/main" xmlns="" id="{D7F540C6-67F0-40E7-AC16-B9DEF667A8BB}"/>
               </a:ext>
             </a:extLst>
           </p:cNvPr>
@@ -3147,7 +3168,7 @@
           <p:cNvPr id="2" name="文本框 1">
             <a:extLst>
               <a:ext uri="{FF2B5EF4-FFF2-40B4-BE49-F238E27FC236}">
-                <a16:creationId xmlns:a16="http://schemas.microsoft.com/office/drawing/2014/main" id="{60AB0418-DF5B-4320-BFE8-BE939CD10612}"/>
+                <a16:creationId xmlns:a16="http://schemas.microsoft.com/office/drawing/2014/main" xmlns="" id="{60AB0418-DF5B-4320-BFE8-BE939CD10612}"/>
               </a:ext>
             </a:extLst>
           </p:cNvPr>
@@ -3405,7 +3426,7 @@
           <p:cNvPr id="5" name="TextBox 3">
             <a:extLst>
               <a:ext uri="{FF2B5EF4-FFF2-40B4-BE49-F238E27FC236}">
-                <a16:creationId xmlns:a16="http://schemas.microsoft.com/office/drawing/2014/main" id="{D7F540C6-67F0-40E7-AC16-B9DEF667A8BB}"/>
+                <a16:creationId xmlns:a16="http://schemas.microsoft.com/office/drawing/2014/main" xmlns="" id="{D7F540C6-67F0-40E7-AC16-B9DEF667A8BB}"/>
               </a:ext>
             </a:extLst>
           </p:cNvPr>
@@ -3415,7 +3436,7 @@
         <p:spPr>
           <a:xfrm>
             <a:off x="1026220" y="1741997"/>
-            <a:ext cx="9523164" cy="2662267"/>
+            <a:ext cx="9523164" cy="3308598"/>
           </a:xfrm>
           <a:prstGeom prst="rect">
             <a:avLst/>
@@ -3430,7 +3451,23 @@
           <a:p>
             <a:pPr latinLnBrk="1"/>
             <a:r>
-              <a:rPr lang="en-US" altLang="zh-CN" dirty="0"/>
+              <a:rPr lang="zh-CN" altLang="en-US" dirty="0"/>
+              <a:t>支持顺序和并行聚合操作的元素序列</a:t>
+            </a:r>
+            <a:r>
+              <a:rPr lang="zh-CN" altLang="en-US" dirty="0" smtClean="0"/>
+              <a:t>。</a:t>
+            </a:r>
+            <a:endParaRPr lang="en-US" altLang="zh-CN" smtClean="0"/>
+          </a:p>
+          <a:p>
+            <a:pPr latinLnBrk="1"/>
+            <a:endParaRPr lang="en-US" altLang="zh-CN" smtClean="0"/>
+          </a:p>
+          <a:p>
+            <a:pPr latinLnBrk="1"/>
+            <a:r>
+              <a:rPr lang="en-US" altLang="zh-CN" dirty="0" smtClean="0"/>
               <a:t>Stream </a:t>
             </a:r>
             <a:r>
@@ -3537,6 +3574,13 @@
   <p:transition spd="slow">
     <p:wipe dir="r"/>
   </p:transition>
+  <p:timing>
+    <p:tnLst>
+      <p:par>
+        <p:cTn id="1" dur="indefinite" restart="never" nodeType="tmRoot"/>
+      </p:par>
+    </p:tnLst>
+  </p:timing>
 </p:sld>
 </file>
 
@@ -3604,7 +3648,7 @@
           <p:cNvPr id="5" name="TextBox 3">
             <a:extLst>
               <a:ext uri="{FF2B5EF4-FFF2-40B4-BE49-F238E27FC236}">
-                <a16:creationId xmlns:a16="http://schemas.microsoft.com/office/drawing/2014/main" id="{D7F540C6-67F0-40E7-AC16-B9DEF667A8BB}"/>
+                <a16:creationId xmlns:a16="http://schemas.microsoft.com/office/drawing/2014/main" xmlns="" id="{D7F540C6-67F0-40E7-AC16-B9DEF667A8BB}"/>
               </a:ext>
             </a:extLst>
           </p:cNvPr>
@@ -4109,7 +4153,7 @@
           <p:cNvPr id="2" name="文本框 1">
             <a:extLst>
               <a:ext uri="{FF2B5EF4-FFF2-40B4-BE49-F238E27FC236}">
-                <a16:creationId xmlns:a16="http://schemas.microsoft.com/office/drawing/2014/main" id="{1096BA52-0730-47EC-90C2-7D553E0BD8D3}"/>
+                <a16:creationId xmlns:a16="http://schemas.microsoft.com/office/drawing/2014/main" xmlns="" id="{1096BA52-0730-47EC-90C2-7D553E0BD8D3}"/>
               </a:ext>
             </a:extLst>
           </p:cNvPr>
@@ -4555,7 +4599,7 @@
           <p:cNvPr id="5" name="TextBox 3">
             <a:extLst>
               <a:ext uri="{FF2B5EF4-FFF2-40B4-BE49-F238E27FC236}">
-                <a16:creationId xmlns:a16="http://schemas.microsoft.com/office/drawing/2014/main" id="{D7F540C6-67F0-40E7-AC16-B9DEF667A8BB}"/>
+                <a16:creationId xmlns:a16="http://schemas.microsoft.com/office/drawing/2014/main" xmlns="" id="{D7F540C6-67F0-40E7-AC16-B9DEF667A8BB}"/>
               </a:ext>
             </a:extLst>
           </p:cNvPr>
@@ -4728,7 +4772,7 @@
           <p:cNvPr id="6" name="TextBox 3">
             <a:extLst>
               <a:ext uri="{FF2B5EF4-FFF2-40B4-BE49-F238E27FC236}">
-                <a16:creationId xmlns:a16="http://schemas.microsoft.com/office/drawing/2014/main" id="{4E8888C0-A39B-475E-B063-6DC450851F1D}"/>
+                <a16:creationId xmlns:a16="http://schemas.microsoft.com/office/drawing/2014/main" xmlns="" id="{4E8888C0-A39B-475E-B063-6DC450851F1D}"/>
               </a:ext>
             </a:extLst>
           </p:cNvPr>
@@ -5162,7 +5206,7 @@
           <p:cNvPr id="5" name="TextBox 3">
             <a:extLst>
               <a:ext uri="{FF2B5EF4-FFF2-40B4-BE49-F238E27FC236}">
-                <a16:creationId xmlns:a16="http://schemas.microsoft.com/office/drawing/2014/main" id="{D7F540C6-67F0-40E7-AC16-B9DEF667A8BB}"/>
+                <a16:creationId xmlns:a16="http://schemas.microsoft.com/office/drawing/2014/main" xmlns="" id="{D7F540C6-67F0-40E7-AC16-B9DEF667A8BB}"/>
               </a:ext>
             </a:extLst>
           </p:cNvPr>
@@ -5216,7 +5260,7 @@
           <p:cNvPr id="2" name="文本框 1">
             <a:extLst>
               <a:ext uri="{FF2B5EF4-FFF2-40B4-BE49-F238E27FC236}">
-                <a16:creationId xmlns:a16="http://schemas.microsoft.com/office/drawing/2014/main" id="{458C37FC-74F5-4972-8068-36F9D2530E04}"/>
+                <a16:creationId xmlns:a16="http://schemas.microsoft.com/office/drawing/2014/main" xmlns="" id="{458C37FC-74F5-4972-8068-36F9D2530E04}"/>
               </a:ext>
             </a:extLst>
           </p:cNvPr>
@@ -5255,7 +5299,7 @@
           <p:cNvPr id="4" name="文本框 3">
             <a:extLst>
               <a:ext uri="{FF2B5EF4-FFF2-40B4-BE49-F238E27FC236}">
-                <a16:creationId xmlns:a16="http://schemas.microsoft.com/office/drawing/2014/main" id="{3CB3FB3E-72ED-4069-B4FF-B8CC4E5AC57C}"/>
+                <a16:creationId xmlns:a16="http://schemas.microsoft.com/office/drawing/2014/main" xmlns="" id="{3CB3FB3E-72ED-4069-B4FF-B8CC4E5AC57C}"/>
               </a:ext>
             </a:extLst>
           </p:cNvPr>
@@ -5433,7 +5477,7 @@
           <p:cNvPr id="7" name="文本框 6">
             <a:extLst>
               <a:ext uri="{FF2B5EF4-FFF2-40B4-BE49-F238E27FC236}">
-                <a16:creationId xmlns:a16="http://schemas.microsoft.com/office/drawing/2014/main" id="{A7253E8D-1692-43C6-9BD7-A1C5602DA8E8}"/>
+                <a16:creationId xmlns:a16="http://schemas.microsoft.com/office/drawing/2014/main" xmlns="" id="{A7253E8D-1692-43C6-9BD7-A1C5602DA8E8}"/>
               </a:ext>
             </a:extLst>
           </p:cNvPr>
@@ -5475,7 +5519,7 @@
           <p:cNvPr id="8" name="文本框 7">
             <a:extLst>
               <a:ext uri="{FF2B5EF4-FFF2-40B4-BE49-F238E27FC236}">
-                <a16:creationId xmlns:a16="http://schemas.microsoft.com/office/drawing/2014/main" id="{3A8AEFA1-4752-445D-A3D5-93B8BC942347}"/>
+                <a16:creationId xmlns:a16="http://schemas.microsoft.com/office/drawing/2014/main" xmlns="" id="{3A8AEFA1-4752-445D-A3D5-93B8BC942347}"/>
               </a:ext>
             </a:extLst>
           </p:cNvPr>
@@ -5890,7 +5934,7 @@
           <p:cNvPr id="2" name="文本框 1">
             <a:extLst>
               <a:ext uri="{FF2B5EF4-FFF2-40B4-BE49-F238E27FC236}">
-                <a16:creationId xmlns:a16="http://schemas.microsoft.com/office/drawing/2014/main" id="{458C37FC-74F5-4972-8068-36F9D2530E04}"/>
+                <a16:creationId xmlns:a16="http://schemas.microsoft.com/office/drawing/2014/main" xmlns="" id="{458C37FC-74F5-4972-8068-36F9D2530E04}"/>
               </a:ext>
             </a:extLst>
           </p:cNvPr>
@@ -5930,7 +5974,7 @@
           <p:cNvPr id="4" name="文本框 3">
             <a:extLst>
               <a:ext uri="{FF2B5EF4-FFF2-40B4-BE49-F238E27FC236}">
-                <a16:creationId xmlns:a16="http://schemas.microsoft.com/office/drawing/2014/main" id="{3CB3FB3E-72ED-4069-B4FF-B8CC4E5AC57C}"/>
+                <a16:creationId xmlns:a16="http://schemas.microsoft.com/office/drawing/2014/main" xmlns="" id="{3CB3FB3E-72ED-4069-B4FF-B8CC4E5AC57C}"/>
               </a:ext>
             </a:extLst>
           </p:cNvPr>
@@ -6170,7 +6214,7 @@
           <p:cNvPr id="7" name="文本框 6">
             <a:extLst>
               <a:ext uri="{FF2B5EF4-FFF2-40B4-BE49-F238E27FC236}">
-                <a16:creationId xmlns:a16="http://schemas.microsoft.com/office/drawing/2014/main" id="{A7253E8D-1692-43C6-9BD7-A1C5602DA8E8}"/>
+                <a16:creationId xmlns:a16="http://schemas.microsoft.com/office/drawing/2014/main" xmlns="" id="{A7253E8D-1692-43C6-9BD7-A1C5602DA8E8}"/>
               </a:ext>
             </a:extLst>
           </p:cNvPr>
@@ -6212,7 +6256,7 @@
           <p:cNvPr id="6" name="文本框 5">
             <a:extLst>
               <a:ext uri="{FF2B5EF4-FFF2-40B4-BE49-F238E27FC236}">
-                <a16:creationId xmlns:a16="http://schemas.microsoft.com/office/drawing/2014/main" id="{288B7FD1-0766-466C-97A1-6B8E4D0CD7B1}"/>
+                <a16:creationId xmlns:a16="http://schemas.microsoft.com/office/drawing/2014/main" xmlns="" id="{288B7FD1-0766-466C-97A1-6B8E4D0CD7B1}"/>
               </a:ext>
             </a:extLst>
           </p:cNvPr>
@@ -6414,7 +6458,7 @@
           <p:cNvPr id="9" name="文本框 8">
             <a:extLst>
               <a:ext uri="{FF2B5EF4-FFF2-40B4-BE49-F238E27FC236}">
-                <a16:creationId xmlns:a16="http://schemas.microsoft.com/office/drawing/2014/main" id="{F662D558-1D89-4421-BC7B-4579A8D67500}"/>
+                <a16:creationId xmlns:a16="http://schemas.microsoft.com/office/drawing/2014/main" xmlns="" id="{F662D558-1D89-4421-BC7B-4579A8D67500}"/>
               </a:ext>
             </a:extLst>
           </p:cNvPr>
@@ -6880,7 +6924,7 @@
           <p:cNvPr id="2" name="文本框 1">
             <a:extLst>
               <a:ext uri="{FF2B5EF4-FFF2-40B4-BE49-F238E27FC236}">
-                <a16:creationId xmlns:a16="http://schemas.microsoft.com/office/drawing/2014/main" id="{458C37FC-74F5-4972-8068-36F9D2530E04}"/>
+                <a16:creationId xmlns:a16="http://schemas.microsoft.com/office/drawing/2014/main" xmlns="" id="{458C37FC-74F5-4972-8068-36F9D2530E04}"/>
               </a:ext>
             </a:extLst>
           </p:cNvPr>
@@ -6920,7 +6964,7 @@
           <p:cNvPr id="4" name="文本框 3">
             <a:extLst>
               <a:ext uri="{FF2B5EF4-FFF2-40B4-BE49-F238E27FC236}">
-                <a16:creationId xmlns:a16="http://schemas.microsoft.com/office/drawing/2014/main" id="{3CB3FB3E-72ED-4069-B4FF-B8CC4E5AC57C}"/>
+                <a16:creationId xmlns:a16="http://schemas.microsoft.com/office/drawing/2014/main" xmlns="" id="{3CB3FB3E-72ED-4069-B4FF-B8CC4E5AC57C}"/>
               </a:ext>
             </a:extLst>
           </p:cNvPr>
@@ -6988,7 +7032,7 @@
           <p:cNvPr id="7" name="文本框 6">
             <a:extLst>
               <a:ext uri="{FF2B5EF4-FFF2-40B4-BE49-F238E27FC236}">
-                <a16:creationId xmlns:a16="http://schemas.microsoft.com/office/drawing/2014/main" id="{A7253E8D-1692-43C6-9BD7-A1C5602DA8E8}"/>
+                <a16:creationId xmlns:a16="http://schemas.microsoft.com/office/drawing/2014/main" xmlns="" id="{A7253E8D-1692-43C6-9BD7-A1C5602DA8E8}"/>
               </a:ext>
             </a:extLst>
           </p:cNvPr>
@@ -7031,7 +7075,7 @@
           <p:cNvPr id="9" name="文本框 8">
             <a:extLst>
               <a:ext uri="{FF2B5EF4-FFF2-40B4-BE49-F238E27FC236}">
-                <a16:creationId xmlns:a16="http://schemas.microsoft.com/office/drawing/2014/main" id="{F662D558-1D89-4421-BC7B-4579A8D67500}"/>
+                <a16:creationId xmlns:a16="http://schemas.microsoft.com/office/drawing/2014/main" xmlns="" id="{F662D558-1D89-4421-BC7B-4579A8D67500}"/>
               </a:ext>
             </a:extLst>
           </p:cNvPr>
@@ -7211,7 +7255,7 @@
           <p:cNvPr id="8" name="文本框 7">
             <a:extLst>
               <a:ext uri="{FF2B5EF4-FFF2-40B4-BE49-F238E27FC236}">
-                <a16:creationId xmlns:a16="http://schemas.microsoft.com/office/drawing/2014/main" id="{B8E89823-E7EC-41B3-9152-A87F6C192E74}"/>
+                <a16:creationId xmlns:a16="http://schemas.microsoft.com/office/drawing/2014/main" xmlns="" id="{B8E89823-E7EC-41B3-9152-A87F6C192E74}"/>
               </a:ext>
             </a:extLst>
           </p:cNvPr>
@@ -7253,7 +7297,7 @@
           <p:cNvPr id="5" name="文本框 4">
             <a:extLst>
               <a:ext uri="{FF2B5EF4-FFF2-40B4-BE49-F238E27FC236}">
-                <a16:creationId xmlns:a16="http://schemas.microsoft.com/office/drawing/2014/main" id="{C8D7F42D-42AB-41E8-93E3-10CDCACD93ED}"/>
+                <a16:creationId xmlns:a16="http://schemas.microsoft.com/office/drawing/2014/main" xmlns="" id="{C8D7F42D-42AB-41E8-93E3-10CDCACD93ED}"/>
               </a:ext>
             </a:extLst>
           </p:cNvPr>
@@ -7861,7 +7905,7 @@
           <p:cNvPr id="2" name="文本框 1">
             <a:extLst>
               <a:ext uri="{FF2B5EF4-FFF2-40B4-BE49-F238E27FC236}">
-                <a16:creationId xmlns:a16="http://schemas.microsoft.com/office/drawing/2014/main" id="{458C37FC-74F5-4972-8068-36F9D2530E04}"/>
+                <a16:creationId xmlns:a16="http://schemas.microsoft.com/office/drawing/2014/main" xmlns="" id="{458C37FC-74F5-4972-8068-36F9D2530E04}"/>
               </a:ext>
             </a:extLst>
           </p:cNvPr>
@@ -7901,7 +7945,7 @@
           <p:cNvPr id="4" name="文本框 3">
             <a:extLst>
               <a:ext uri="{FF2B5EF4-FFF2-40B4-BE49-F238E27FC236}">
-                <a16:creationId xmlns:a16="http://schemas.microsoft.com/office/drawing/2014/main" id="{3CB3FB3E-72ED-4069-B4FF-B8CC4E5AC57C}"/>
+                <a16:creationId xmlns:a16="http://schemas.microsoft.com/office/drawing/2014/main" xmlns="" id="{3CB3FB3E-72ED-4069-B4FF-B8CC4E5AC57C}"/>
               </a:ext>
             </a:extLst>
           </p:cNvPr>
@@ -8061,7 +8105,7 @@
           <p:cNvPr id="7" name="文本框 6">
             <a:extLst>
               <a:ext uri="{FF2B5EF4-FFF2-40B4-BE49-F238E27FC236}">
-                <a16:creationId xmlns:a16="http://schemas.microsoft.com/office/drawing/2014/main" id="{A7253E8D-1692-43C6-9BD7-A1C5602DA8E8}"/>
+                <a16:creationId xmlns:a16="http://schemas.microsoft.com/office/drawing/2014/main" xmlns="" id="{A7253E8D-1692-43C6-9BD7-A1C5602DA8E8}"/>
               </a:ext>
             </a:extLst>
           </p:cNvPr>
@@ -8101,7 +8145,7 @@
           <p:cNvPr id="9" name="文本框 8">
             <a:extLst>
               <a:ext uri="{FF2B5EF4-FFF2-40B4-BE49-F238E27FC236}">
-                <a16:creationId xmlns:a16="http://schemas.microsoft.com/office/drawing/2014/main" id="{F662D558-1D89-4421-BC7B-4579A8D67500}"/>
+                <a16:creationId xmlns:a16="http://schemas.microsoft.com/office/drawing/2014/main" xmlns="" id="{F662D558-1D89-4421-BC7B-4579A8D67500}"/>
               </a:ext>
             </a:extLst>
           </p:cNvPr>
@@ -8839,6 +8883,13 @@
   <p:transition spd="slow">
     <p:wipe dir="r"/>
   </p:transition>
+  <p:timing>
+    <p:tnLst>
+      <p:par>
+        <p:cTn id="1" dur="indefinite" restart="never" nodeType="tmRoot"/>
+      </p:par>
+    </p:tnLst>
+  </p:timing>
 </p:sld>
 </file>
 
@@ -8906,7 +8957,7 @@
           <p:cNvPr id="2" name="文本框 1">
             <a:extLst>
               <a:ext uri="{FF2B5EF4-FFF2-40B4-BE49-F238E27FC236}">
-                <a16:creationId xmlns:a16="http://schemas.microsoft.com/office/drawing/2014/main" id="{458C37FC-74F5-4972-8068-36F9D2530E04}"/>
+                <a16:creationId xmlns:a16="http://schemas.microsoft.com/office/drawing/2014/main" xmlns="" id="{458C37FC-74F5-4972-8068-36F9D2530E04}"/>
               </a:ext>
             </a:extLst>
           </p:cNvPr>
@@ -8946,7 +8997,7 @@
           <p:cNvPr id="9" name="文本框 8">
             <a:extLst>
               <a:ext uri="{FF2B5EF4-FFF2-40B4-BE49-F238E27FC236}">
-                <a16:creationId xmlns:a16="http://schemas.microsoft.com/office/drawing/2014/main" id="{F662D558-1D89-4421-BC7B-4579A8D67500}"/>
+                <a16:creationId xmlns:a16="http://schemas.microsoft.com/office/drawing/2014/main" xmlns="" id="{F662D558-1D89-4421-BC7B-4579A8D67500}"/>
               </a:ext>
             </a:extLst>
           </p:cNvPr>
@@ -9413,7 +9464,7 @@
           <p:cNvPr id="5" name="文本框 4">
             <a:extLst>
               <a:ext uri="{FF2B5EF4-FFF2-40B4-BE49-F238E27FC236}">
-                <a16:creationId xmlns:a16="http://schemas.microsoft.com/office/drawing/2014/main" id="{9441758F-38EE-4941-8BAF-B8253EE494E9}"/>
+                <a16:creationId xmlns:a16="http://schemas.microsoft.com/office/drawing/2014/main" xmlns="" id="{9441758F-38EE-4941-8BAF-B8253EE494E9}"/>
               </a:ext>
             </a:extLst>
           </p:cNvPr>
@@ -9961,7 +10012,7 @@
           <p:cNvPr id="4" name="文本框 3">
             <a:extLst>
               <a:ext uri="{FF2B5EF4-FFF2-40B4-BE49-F238E27FC236}">
-                <a16:creationId xmlns:a16="http://schemas.microsoft.com/office/drawing/2014/main" id="{3CB3FB3E-72ED-4069-B4FF-B8CC4E5AC57C}"/>
+                <a16:creationId xmlns:a16="http://schemas.microsoft.com/office/drawing/2014/main" xmlns="" id="{3CB3FB3E-72ED-4069-B4FF-B8CC4E5AC57C}"/>
               </a:ext>
             </a:extLst>
           </p:cNvPr>
@@ -10536,6 +10587,13 @@
   <p:transition spd="slow">
     <p:wipe dir="r"/>
   </p:transition>
+  <p:timing>
+    <p:tnLst>
+      <p:par>
+        <p:cTn id="1" dur="indefinite" restart="never" nodeType="tmRoot"/>
+      </p:par>
+    </p:tnLst>
+  </p:timing>
 </p:sld>
 </file>
 
@@ -10596,7 +10654,7 @@
           <p:cNvPr id="4" name="文本框 3">
             <a:extLst>
               <a:ext uri="{FF2B5EF4-FFF2-40B4-BE49-F238E27FC236}">
-                <a16:creationId xmlns:a16="http://schemas.microsoft.com/office/drawing/2014/main" id="{3CB3FB3E-72ED-4069-B4FF-B8CC4E5AC57C}"/>
+                <a16:creationId xmlns:a16="http://schemas.microsoft.com/office/drawing/2014/main" xmlns="" id="{3CB3FB3E-72ED-4069-B4FF-B8CC4E5AC57C}"/>
               </a:ext>
             </a:extLst>
           </p:cNvPr>
@@ -11035,7 +11093,7 @@
           <p:cNvPr id="2" name="文本框 1">
             <a:extLst>
               <a:ext uri="{FF2B5EF4-FFF2-40B4-BE49-F238E27FC236}">
-                <a16:creationId xmlns:a16="http://schemas.microsoft.com/office/drawing/2014/main" id="{929120C1-4749-40A2-9C33-F95D28DBF713}"/>
+                <a16:creationId xmlns:a16="http://schemas.microsoft.com/office/drawing/2014/main" xmlns="" id="{929120C1-4749-40A2-9C33-F95D28DBF713}"/>
               </a:ext>
             </a:extLst>
           </p:cNvPr>
@@ -11513,6 +11571,13 @@
   <p:transition spd="slow">
     <p:wipe dir="r"/>
   </p:transition>
+  <p:timing>
+    <p:tnLst>
+      <p:par>
+        <p:cTn id="1" dur="indefinite" restart="never" nodeType="tmRoot"/>
+      </p:par>
+    </p:tnLst>
+  </p:timing>
 </p:sld>
 </file>
 
@@ -11730,7 +11795,7 @@
           <p:cNvPr id="2" name="文本框 1">
             <a:extLst>
               <a:ext uri="{FF2B5EF4-FFF2-40B4-BE49-F238E27FC236}">
-                <a16:creationId xmlns:a16="http://schemas.microsoft.com/office/drawing/2014/main" id="{E3E427DB-C588-456D-8770-DC753D1C0043}"/>
+                <a16:creationId xmlns:a16="http://schemas.microsoft.com/office/drawing/2014/main" xmlns="" id="{E3E427DB-C588-456D-8770-DC753D1C0043}"/>
               </a:ext>
             </a:extLst>
           </p:cNvPr>
@@ -12432,6 +12497,13 @@
   <p:transition spd="slow">
     <p:wipe dir="r"/>
   </p:transition>
+  <p:timing>
+    <p:tnLst>
+      <p:par>
+        <p:cTn id="1" dur="indefinite" restart="never" nodeType="tmRoot"/>
+      </p:par>
+    </p:tnLst>
+  </p:timing>
 </p:sld>
 </file>
 
@@ -12822,6 +12894,13 @@
   <p:transition spd="slow">
     <p:wipe dir="r"/>
   </p:transition>
+  <p:timing>
+    <p:tnLst>
+      <p:par>
+        <p:cTn id="1" dur="indefinite" restart="never" nodeType="tmRoot"/>
+      </p:par>
+    </p:tnLst>
+  </p:timing>
 </p:sld>
 </file>
 
@@ -13156,6 +13235,13 @@
   <p:transition spd="slow">
     <p:wipe dir="r"/>
   </p:transition>
+  <p:timing>
+    <p:tnLst>
+      <p:par>
+        <p:cTn id="1" dur="indefinite" restart="never" nodeType="tmRoot"/>
+      </p:par>
+    </p:tnLst>
+  </p:timing>
 </p:sld>
 </file>
 
@@ -14083,6 +14169,13 @@
   <p:transition spd="slow">
     <p:wipe dir="r"/>
   </p:transition>
+  <p:timing>
+    <p:tnLst>
+      <p:par>
+        <p:cTn id="1" dur="indefinite" restart="never" nodeType="tmRoot"/>
+      </p:par>
+    </p:tnLst>
+  </p:timing>
 </p:sld>
 </file>
 
@@ -15004,7 +15097,7 @@
           <p:cNvPr id="5" name="TextBox 3">
             <a:extLst>
               <a:ext uri="{FF2B5EF4-FFF2-40B4-BE49-F238E27FC236}">
-                <a16:creationId xmlns:a16="http://schemas.microsoft.com/office/drawing/2014/main" id="{D7F540C6-67F0-40E7-AC16-B9DEF667A8BB}"/>
+                <a16:creationId xmlns:a16="http://schemas.microsoft.com/office/drawing/2014/main" xmlns="" id="{D7F540C6-67F0-40E7-AC16-B9DEF667A8BB}"/>
               </a:ext>
             </a:extLst>
           </p:cNvPr>
